--- a/paper_SI_discussions/Discussion_paper.pptx
+++ b/paper_SI_discussions/Discussion_paper.pptx
@@ -321,7 +321,7 @@
           <a:p>
             <a:fld id="{BCDB334D-D17F-49C4-91DD-37BB7E818209}" type="datetimeFigureOut">
               <a:rPr lang="de-CH" smtClean="0"/>
-              <a:t>03.01.2023</a:t>
+              <a:t>05.01.2023</a:t>
             </a:fld>
             <a:endParaRPr lang="de-CH"/>
           </a:p>
@@ -746,7 +746,7 @@
           <a:p>
             <a:fld id="{3CF37669-2BCF-46DA-B042-E354827809F7}" type="datetime1">
               <a:rPr lang="de-DE" smtClean="0"/>
-              <a:t>03.01.2023</a:t>
+              <a:t>05.01.2023</a:t>
             </a:fld>
             <a:endParaRPr lang="de-DE"/>
           </a:p>
@@ -975,7 +975,7 @@
           <a:p>
             <a:fld id="{DD0AF57A-3629-4D20-9CDE-C9CA7A3667AA}" type="datetime1">
               <a:rPr lang="de-DE" smtClean="0"/>
-              <a:t>03.01.2023</a:t>
+              <a:t>05.01.2023</a:t>
             </a:fld>
             <a:endParaRPr lang="de-DE"/>
           </a:p>
@@ -1247,7 +1247,7 @@
           <a:p>
             <a:fld id="{A02690AB-37C5-464E-B999-AEA04CFF82B9}" type="datetime1">
               <a:rPr lang="de-DE" smtClean="0"/>
-              <a:t>03.01.2023</a:t>
+              <a:t>05.01.2023</a:t>
             </a:fld>
             <a:endParaRPr lang="de-DE" dirty="0"/>
           </a:p>
@@ -1556,7 +1556,7 @@
           <a:p>
             <a:fld id="{D6387CFC-9D6A-4A2B-A4A9-D1A02656E42F}" type="datetime1">
               <a:rPr lang="de-DE" smtClean="0"/>
-              <a:t>03.01.2023</a:t>
+              <a:t>05.01.2023</a:t>
             </a:fld>
             <a:endParaRPr lang="de-DE"/>
           </a:p>
@@ -2160,7 +2160,7 @@
           <a:p>
             <a:fld id="{FF15E650-2C9B-4E22-B544-79A90AB3DDC1}" type="datetime1">
               <a:rPr lang="de-DE" smtClean="0"/>
-              <a:t>03.01.2023</a:t>
+              <a:t>05.01.2023</a:t>
             </a:fld>
             <a:endParaRPr lang="de-DE"/>
           </a:p>
@@ -2493,7 +2493,7 @@
           <a:p>
             <a:fld id="{61621C89-5216-48C0-BC08-43A5D37DC60A}" type="datetime1">
               <a:rPr lang="de-DE" smtClean="0"/>
-              <a:t>03.01.2023</a:t>
+              <a:t>05.01.2023</a:t>
             </a:fld>
             <a:endParaRPr lang="de-DE"/>
           </a:p>
@@ -2617,7 +2617,7 @@
           <a:p>
             <a:fld id="{F1FF226D-F83D-4818-9860-D08642397BB7}" type="datetime1">
               <a:rPr lang="de-DE" smtClean="0"/>
-              <a:t>03.01.2023</a:t>
+              <a:t>05.01.2023</a:t>
             </a:fld>
             <a:endParaRPr lang="de-DE"/>
           </a:p>
@@ -2744,7 +2744,7 @@
           <a:p>
             <a:fld id="{A5F31C7A-EA54-4BF4-ACB0-2765243AF525}" type="datetime1">
               <a:rPr lang="de-DE" smtClean="0"/>
-              <a:t>03.01.2023</a:t>
+              <a:t>05.01.2023</a:t>
             </a:fld>
             <a:endParaRPr lang="de-DE"/>
           </a:p>
@@ -2887,7 +2887,7 @@
           <a:p>
             <a:fld id="{EFD419F0-1738-4192-8FF2-BE957FD32662}" type="datetime1">
               <a:rPr lang="de-DE" smtClean="0"/>
-              <a:t>03.01.2023</a:t>
+              <a:t>05.01.2023</a:t>
             </a:fld>
             <a:endParaRPr lang="de-DE"/>
           </a:p>
@@ -3285,7 +3285,7 @@
           <a:p>
             <a:fld id="{D78D58C2-FBCE-4B47-BBAC-2891E9120B14}" type="datetime1">
               <a:rPr lang="de-DE" smtClean="0"/>
-              <a:t>03.01.2023</a:t>
+              <a:t>05.01.2023</a:t>
             </a:fld>
             <a:endParaRPr lang="de-DE" dirty="0"/>
           </a:p>
@@ -3955,7 +3955,7 @@
           <a:p>
             <a:fld id="{3CF37669-2BCF-46DA-B042-E354827809F7}" type="datetime1">
               <a:rPr lang="de-DE" smtClean="0"/>
-              <a:t>03.01.2023</a:t>
+              <a:t>05.01.2023</a:t>
             </a:fld>
             <a:endParaRPr lang="de-DE"/>
           </a:p>
@@ -4106,7 +4106,7 @@
           <a:p>
             <a:fld id="{FF15E650-2C9B-4E22-B544-79A90AB3DDC1}" type="datetime1">
               <a:rPr lang="de-DE" smtClean="0"/>
-              <a:t>03.01.2023</a:t>
+              <a:t>05.01.2023</a:t>
             </a:fld>
             <a:endParaRPr lang="de-DE"/>
           </a:p>
@@ -4250,7 +4250,7 @@
           <a:p>
             <a:fld id="{FF15E650-2C9B-4E22-B544-79A90AB3DDC1}" type="datetime1">
               <a:rPr lang="de-DE" smtClean="0"/>
-              <a:t>03.01.2023</a:t>
+              <a:t>05.01.2023</a:t>
             </a:fld>
             <a:endParaRPr lang="de-DE"/>
           </a:p>
@@ -4509,7 +4509,7 @@
           <a:p>
             <a:fld id="{FF15E650-2C9B-4E22-B544-79A90AB3DDC1}" type="datetime1">
               <a:rPr lang="de-DE" smtClean="0"/>
-              <a:t>03.01.2023</a:t>
+              <a:t>05.01.2023</a:t>
             </a:fld>
             <a:endParaRPr lang="de-DE"/>
           </a:p>
@@ -4684,7 +4684,7 @@
           <a:p>
             <a:fld id="{FF15E650-2C9B-4E22-B544-79A90AB3DDC1}" type="datetime1">
               <a:rPr lang="de-DE" smtClean="0"/>
-              <a:t>03.01.2023</a:t>
+              <a:t>05.01.2023</a:t>
             </a:fld>
             <a:endParaRPr lang="de-DE"/>
           </a:p>
@@ -4907,7 +4907,7 @@
           <a:p>
             <a:fld id="{FF15E650-2C9B-4E22-B544-79A90AB3DDC1}" type="datetime1">
               <a:rPr lang="de-DE" smtClean="0"/>
-              <a:t>03.01.2023</a:t>
+              <a:t>05.01.2023</a:t>
             </a:fld>
             <a:endParaRPr lang="de-DE"/>
           </a:p>
@@ -5080,7 +5080,7 @@
           <a:p>
             <a:fld id="{FF15E650-2C9B-4E22-B544-79A90AB3DDC1}" type="datetime1">
               <a:rPr lang="de-DE" smtClean="0"/>
-              <a:t>03.01.2023</a:t>
+              <a:t>05.01.2023</a:t>
             </a:fld>
             <a:endParaRPr lang="de-DE"/>
           </a:p>
@@ -5231,7 +5231,7 @@
           <a:p>
             <a:fld id="{FF15E650-2C9B-4E22-B544-79A90AB3DDC1}" type="datetime1">
               <a:rPr lang="de-DE" smtClean="0"/>
-              <a:t>03.01.2023</a:t>
+              <a:t>05.01.2023</a:t>
             </a:fld>
             <a:endParaRPr lang="de-DE"/>
           </a:p>
@@ -5415,7 +5415,7 @@
           <a:p>
             <a:fld id="{FF15E650-2C9B-4E22-B544-79A90AB3DDC1}" type="datetime1">
               <a:rPr lang="de-DE" smtClean="0"/>
-              <a:t>03.01.2023</a:t>
+              <a:t>05.01.2023</a:t>
             </a:fld>
             <a:endParaRPr lang="de-DE"/>
           </a:p>
@@ -5600,7 +5600,7 @@
           <a:p>
             <a:fld id="{FF15E650-2C9B-4E22-B544-79A90AB3DDC1}" type="datetime1">
               <a:rPr lang="de-DE" smtClean="0"/>
-              <a:t>03.01.2023</a:t>
+              <a:t>05.01.2023</a:t>
             </a:fld>
             <a:endParaRPr lang="de-DE"/>
           </a:p>
@@ -5921,7 +5921,7 @@
           <a:p>
             <a:fld id="{FF15E650-2C9B-4E22-B544-79A90AB3DDC1}" type="datetime1">
               <a:rPr lang="de-DE" smtClean="0"/>
-              <a:t>03.01.2023</a:t>
+              <a:t>05.01.2023</a:t>
             </a:fld>
             <a:endParaRPr lang="de-DE"/>
           </a:p>
@@ -7407,7 +7407,7 @@
           <a:p>
             <a:fld id="{A02690AB-37C5-464E-B999-AEA04CFF82B9}" type="datetime1">
               <a:rPr lang="de-DE" smtClean="0"/>
-              <a:t>03.01.2023</a:t>
+              <a:t>05.01.2023</a:t>
             </a:fld>
             <a:endParaRPr lang="de-DE" dirty="0"/>
           </a:p>
@@ -7562,7 +7562,7 @@
           <a:p>
             <a:fld id="{FF15E650-2C9B-4E22-B544-79A90AB3DDC1}" type="datetime1">
               <a:rPr lang="de-DE" smtClean="0"/>
-              <a:t>03.01.2023</a:t>
+              <a:t>05.01.2023</a:t>
             </a:fld>
             <a:endParaRPr lang="de-DE"/>
           </a:p>
@@ -7739,7 +7739,7 @@
           <a:p>
             <a:fld id="{FF15E650-2C9B-4E22-B544-79A90AB3DDC1}" type="datetime1">
               <a:rPr lang="de-DE" smtClean="0"/>
-              <a:t>03.01.2023</a:t>
+              <a:t>05.01.2023</a:t>
             </a:fld>
             <a:endParaRPr lang="de-DE"/>
           </a:p>
@@ -7963,7 +7963,7 @@
           <a:p>
             <a:fld id="{FF15E650-2C9B-4E22-B544-79A90AB3DDC1}" type="datetime1">
               <a:rPr lang="de-DE" smtClean="0"/>
-              <a:t>03.01.2023</a:t>
+              <a:t>05.01.2023</a:t>
             </a:fld>
             <a:endParaRPr lang="de-DE"/>
           </a:p>
@@ -8093,7 +8093,7 @@
           <a:p>
             <a:fld id="{FF15E650-2C9B-4E22-B544-79A90AB3DDC1}" type="datetime1">
               <a:rPr lang="de-DE" smtClean="0"/>
-              <a:t>03.01.2023</a:t>
+              <a:t>05.01.2023</a:t>
             </a:fld>
             <a:endParaRPr lang="de-DE"/>
           </a:p>
@@ -8195,7 +8195,7 @@
           <a:p>
             <a:fld id="{FF15E650-2C9B-4E22-B544-79A90AB3DDC1}" type="datetime1">
               <a:rPr lang="de-DE" smtClean="0"/>
-              <a:t>03.01.2023</a:t>
+              <a:t>05.01.2023</a:t>
             </a:fld>
             <a:endParaRPr lang="de-DE"/>
           </a:p>
@@ -8394,7 +8394,7 @@
           <a:p>
             <a:fld id="{FF15E650-2C9B-4E22-B544-79A90AB3DDC1}" type="datetime1">
               <a:rPr lang="de-DE" smtClean="0"/>
-              <a:t>03.01.2023</a:t>
+              <a:t>05.01.2023</a:t>
             </a:fld>
             <a:endParaRPr lang="de-DE"/>
           </a:p>
@@ -9021,11 +9021,7 @@
                     <a:p>
                       <a:r>
                         <a:rPr lang="en-US" sz="1200" dirty="0" smtClean="0"/>
-                        <a:t>12-14 </a:t>
-                      </a:r>
-                      <a:r>
-                        <a:rPr lang="en-US" sz="1200" dirty="0" smtClean="0"/>
-                        <a:t>Dec</a:t>
+                        <a:t>12-14 Dec</a:t>
                       </a:r>
                       <a:endParaRPr lang="en-US" sz="1200" dirty="0"/>
                     </a:p>
@@ -9127,18 +9123,7 @@
                           <a:ea typeface="+mn-ea"/>
                           <a:cs typeface="+mn-cs"/>
                         </a:rPr>
-                        <a:t> </a:t>
-                      </a:r>
-                      <a:r>
-                        <a:rPr lang="en-US" sz="1200" kern="1200" baseline="0" dirty="0" smtClean="0">
-                          <a:solidFill>
-                            <a:schemeClr val="dk1"/>
-                          </a:solidFill>
-                          <a:latin typeface="+mn-lt"/>
-                          <a:ea typeface="+mn-ea"/>
-                          <a:cs typeface="+mn-cs"/>
-                        </a:rPr>
-                        <a:t>issues</a:t>
+                        <a:t> issues</a:t>
                       </a:r>
                     </a:p>
                     <a:p>
@@ -9843,7 +9828,7 @@
           <a:p>
             <a:fld id="{FF15E650-2C9B-4E22-B544-79A90AB3DDC1}" type="datetime1">
               <a:rPr lang="de-DE" smtClean="0"/>
-              <a:t>03.01.2023</a:t>
+              <a:t>05.01.2023</a:t>
             </a:fld>
             <a:endParaRPr lang="de-DE"/>
           </a:p>
@@ -9973,7 +9958,7 @@
           <a:p>
             <a:fld id="{FF15E650-2C9B-4E22-B544-79A90AB3DDC1}" type="datetime1">
               <a:rPr lang="de-DE" smtClean="0"/>
-              <a:t>03.01.2023</a:t>
+              <a:t>05.01.2023</a:t>
             </a:fld>
             <a:endParaRPr lang="de-DE"/>
           </a:p>
@@ -10034,14 +10019,14 @@
           <p:nvPr>
             <p:extLst>
               <p:ext uri="{D42A27DB-BD31-4B8C-83A1-F6EECF244321}">
-                <p14:modId xmlns:p14="http://schemas.microsoft.com/office/powerpoint/2010/main" val="1894860891"/>
+                <p14:modId xmlns:p14="http://schemas.microsoft.com/office/powerpoint/2010/main" val="3047333432"/>
               </p:ext>
             </p:extLst>
           </p:nvPr>
         </p:nvGraphicFramePr>
         <p:xfrm>
-          <a:off x="323850" y="1442778"/>
-          <a:ext cx="8496300" cy="4587240"/>
+          <a:off x="323850" y="1351123"/>
+          <a:ext cx="8496300" cy="4236720"/>
         </p:xfrm>
         <a:graphic>
           <a:graphicData uri="http://schemas.openxmlformats.org/drawingml/2006/table">
@@ -10169,11 +10154,13 @@
                       </a:r>
                       <a:r>
                         <a:rPr lang="en-US" sz="1200" baseline="0" dirty="0" smtClean="0"/>
-                        <a:t> checks</a:t>
+                        <a:t> </a:t>
                       </a:r>
-                    </a:p>
-                    <a:p>
-                      <a:endParaRPr lang="en-US" sz="1200" dirty="0" smtClean="0"/>
+                      <a:r>
+                        <a:rPr lang="en-US" sz="1200" baseline="0" dirty="0" smtClean="0"/>
+                        <a:t>checks</a:t>
+                      </a:r>
+                      <a:endParaRPr lang="en-US" sz="1200" baseline="0" dirty="0" smtClean="0"/>
                     </a:p>
                   </a:txBody>
                   <a:tcPr>
@@ -10198,6 +10185,9 @@
                       <a:noFill/>
                       <a:prstDash val="solid"/>
                     </a:lnBlToTr>
+                    <a:solidFill>
+                      <a:srgbClr val="92D050"/>
+                    </a:solidFill>
                   </a:tcPr>
                 </a:tc>
                 <a:tc>
@@ -10326,33 +10316,6 @@
                       </a:r>
                       <a:endParaRPr lang="en-US" sz="1200" dirty="0" smtClean="0"/>
                     </a:p>
-                    <a:p>
-                      <a:pPr marL="0" marR="0" lvl="0" indent="0" algn="l" defTabSz="914400" rtl="0" eaLnBrk="1" fontAlgn="auto" latinLnBrk="0" hangingPunct="1">
-                        <a:lnSpc>
-                          <a:spcPct val="100000"/>
-                        </a:lnSpc>
-                        <a:spcBef>
-                          <a:spcPts val="0"/>
-                        </a:spcBef>
-                        <a:spcAft>
-                          <a:spcPts val="0"/>
-                        </a:spcAft>
-                        <a:buClrTx/>
-                        <a:buSzTx/>
-                        <a:buFontTx/>
-                        <a:buNone/>
-                        <a:tabLst/>
-                        <a:defRPr/>
-                      </a:pPr>
-                      <a:endParaRPr lang="en-US" sz="1200" kern="1200" dirty="0" smtClean="0">
-                        <a:solidFill>
-                          <a:schemeClr val="dk1"/>
-                        </a:solidFill>
-                        <a:latin typeface="+mn-lt"/>
-                        <a:ea typeface="+mn-ea"/>
-                        <a:cs typeface="+mn-cs"/>
-                      </a:endParaRPr>
-                    </a:p>
                   </a:txBody>
                   <a:tcPr>
                     <a:lnL w="12700" cmpd="sng">
@@ -10383,6 +10346,9 @@
                       <a:noFill/>
                       <a:prstDash val="solid"/>
                     </a:lnBlToTr>
+                    <a:solidFill>
+                      <a:srgbClr val="92D050"/>
+                    </a:solidFill>
                   </a:tcPr>
                 </a:tc>
                 <a:tc>
@@ -10440,7 +10406,6 @@
                         <a:rPr lang="en-US" sz="1200" baseline="0" dirty="0" smtClean="0"/>
                         <a:t>6 Jan</a:t>
                       </a:r>
-                      <a:endParaRPr lang="en-US" sz="1200" baseline="0" dirty="0" smtClean="0"/>
                     </a:p>
                   </a:txBody>
                   <a:tcPr>
@@ -10458,9 +10423,7 @@
                       <a:tailEnd type="none" w="med" len="med"/>
                     </a:lnT>
                     <a:lnB w="12700" cap="flat" cmpd="sng" algn="ctr">
-                      <a:solidFill>
-                        <a:schemeClr val="tx1"/>
-                      </a:solidFill>
+                      <a:noFill/>
                       <a:prstDash val="solid"/>
                       <a:round/>
                       <a:headEnd type="none" w="med" len="med"/>
@@ -10530,9 +10493,154 @@
                           <a:ea typeface="+mn-ea"/>
                           <a:cs typeface="+mn-cs"/>
                         </a:rPr>
-                        <a:t>Check / edit figure 3, table 5</a:t>
+                        <a:t>Check / edit figure 3, table </a:t>
+                      </a:r>
+                      <a:r>
+                        <a:rPr lang="en-US" sz="1200" kern="1200" dirty="0" smtClean="0">
+                          <a:solidFill>
+                            <a:schemeClr val="dk1"/>
+                          </a:solidFill>
+                          <a:latin typeface="+mn-lt"/>
+                          <a:ea typeface="+mn-ea"/>
+                          <a:cs typeface="+mn-cs"/>
+                        </a:rPr>
+                        <a:t>5</a:t>
+                      </a:r>
+                      <a:endParaRPr lang="en-US" sz="1200" kern="1200" dirty="0" smtClean="0">
+                        <a:solidFill>
+                          <a:schemeClr val="dk1"/>
+                        </a:solidFill>
+                        <a:latin typeface="+mn-lt"/>
+                        <a:ea typeface="+mn-ea"/>
+                        <a:cs typeface="+mn-cs"/>
+                      </a:endParaRPr>
+                    </a:p>
+                  </a:txBody>
+                  <a:tcPr>
+                    <a:lnL w="12700" cmpd="sng">
+                      <a:noFill/>
+                    </a:lnL>
+                    <a:lnR w="12700" cmpd="sng">
+                      <a:noFill/>
+                    </a:lnR>
+                    <a:lnT w="12700" cap="flat" cmpd="sng" algn="ctr">
+                      <a:noFill/>
+                      <a:prstDash val="solid"/>
+                      <a:round/>
+                      <a:headEnd type="none" w="med" len="med"/>
+                      <a:tailEnd type="none" w="med" len="med"/>
+                    </a:lnT>
+                    <a:lnB w="12700" cap="flat" cmpd="sng" algn="ctr">
+                      <a:noFill/>
+                      <a:prstDash val="solid"/>
+                      <a:round/>
+                      <a:headEnd type="none" w="med" len="med"/>
+                      <a:tailEnd type="none" w="med" len="med"/>
+                    </a:lnB>
+                    <a:lnTlToBr w="12700" cmpd="sng">
+                      <a:noFill/>
+                      <a:prstDash val="solid"/>
+                    </a:lnTlToBr>
+                    <a:lnBlToTr w="12700" cmpd="sng">
+                      <a:noFill/>
+                      <a:prstDash val="solid"/>
+                    </a:lnBlToTr>
+                  </a:tcPr>
+                </a:tc>
+                <a:tc>
+                  <a:txBody>
+                    <a:bodyPr/>
+                    <a:lstStyle/>
+                    <a:p>
+                      <a:endParaRPr lang="en-US" sz="1200" dirty="0" smtClean="0"/>
+                    </a:p>
+                  </a:txBody>
+                  <a:tcPr>
+                    <a:lnL w="12700" cmpd="sng">
+                      <a:noFill/>
+                    </a:lnL>
+                    <a:lnR w="12700" cmpd="sng">
+                      <a:noFill/>
+                    </a:lnR>
+                    <a:lnT w="12700" cap="flat" cmpd="sng" algn="ctr">
+                      <a:noFill/>
+                      <a:prstDash val="solid"/>
+                      <a:round/>
+                      <a:headEnd type="none" w="med" len="med"/>
+                      <a:tailEnd type="none" w="med" len="med"/>
+                    </a:lnT>
+                    <a:lnB w="12700" cap="flat" cmpd="sng" algn="ctr">
+                      <a:noFill/>
+                      <a:prstDash val="solid"/>
+                      <a:round/>
+                      <a:headEnd type="none" w="med" len="med"/>
+                      <a:tailEnd type="none" w="med" len="med"/>
+                    </a:lnB>
+                    <a:lnTlToBr w="12700" cmpd="sng">
+                      <a:noFill/>
+                      <a:prstDash val="solid"/>
+                    </a:lnTlToBr>
+                    <a:lnBlToTr w="12700" cmpd="sng">
+                      <a:noFill/>
+                      <a:prstDash val="solid"/>
+                    </a:lnBlToTr>
+                  </a:tcPr>
+                </a:tc>
+                <a:extLst>
+                  <a:ext uri="{0D108BD9-81ED-4DB2-BD59-A6C34878D82A}">
+                    <a16:rowId xmlns:a16="http://schemas.microsoft.com/office/drawing/2014/main" val="3254908403"/>
+                  </a:ext>
+                </a:extLst>
+              </a:tr>
+              <a:tr h="370840">
+                <a:tc>
+                  <a:txBody>
+                    <a:bodyPr/>
+                    <a:lstStyle/>
+                    <a:p>
+                      <a:r>
+                        <a:rPr lang="en-US" sz="1200" baseline="0" dirty="0" smtClean="0"/>
+                        <a:t>7-8 Jan</a:t>
                       </a:r>
                     </a:p>
+                  </a:txBody>
+                  <a:tcPr>
+                    <a:lnL w="12700" cmpd="sng">
+                      <a:noFill/>
+                    </a:lnL>
+                    <a:lnR w="12700" cmpd="sng">
+                      <a:noFill/>
+                    </a:lnR>
+                    <a:lnT w="12700" cap="flat" cmpd="sng" algn="ctr">
+                      <a:noFill/>
+                      <a:prstDash val="solid"/>
+                      <a:round/>
+                      <a:headEnd type="none" w="med" len="med"/>
+                      <a:tailEnd type="none" w="med" len="med"/>
+                    </a:lnT>
+                    <a:lnB w="12700" cap="flat" cmpd="sng" algn="ctr">
+                      <a:solidFill>
+                        <a:schemeClr val="tx1"/>
+                      </a:solidFill>
+                      <a:prstDash val="solid"/>
+                      <a:round/>
+                      <a:headEnd type="none" w="med" len="med"/>
+                      <a:tailEnd type="none" w="med" len="med"/>
+                    </a:lnB>
+                    <a:lnTlToBr w="12700" cmpd="sng">
+                      <a:noFill/>
+                      <a:prstDash val="solid"/>
+                    </a:lnTlToBr>
+                    <a:lnBlToTr w="12700" cmpd="sng">
+                      <a:noFill/>
+                      <a:prstDash val="solid"/>
+                    </a:lnBlToTr>
+                  </a:tcPr>
+                </a:tc>
+                <a:tc>
+                  <a:txBody>
+                    <a:bodyPr/>
+                    <a:lstStyle/>
                     <a:p>
                       <a:pPr marL="0" marR="0" lvl="0" indent="0" algn="l" defTabSz="914400" rtl="0" eaLnBrk="1" fontAlgn="auto" latinLnBrk="0" hangingPunct="1">
                         <a:lnSpc>
@@ -10551,6 +10659,14 @@
                         <a:tabLst/>
                         <a:defRPr/>
                       </a:pPr>
+                      <a:r>
+                        <a:rPr lang="en-US" sz="1200" dirty="0" smtClean="0"/>
+                        <a:t>LCA reading and updates</a:t>
+                      </a:r>
+                      <a:r>
+                        <a:rPr lang="en-US" sz="1200" baseline="0" dirty="0" smtClean="0"/>
+                        <a:t> </a:t>
+                      </a:r>
                       <a:endParaRPr lang="en-US" sz="1200" dirty="0" smtClean="0"/>
                     </a:p>
                   </a:txBody>
@@ -10630,7 +10746,7 @@
                 </a:tc>
                 <a:extLst>
                   <a:ext uri="{0D108BD9-81ED-4DB2-BD59-A6C34878D82A}">
-                    <a16:rowId xmlns:a16="http://schemas.microsoft.com/office/drawing/2014/main" val="3254908403"/>
+                    <a16:rowId xmlns:a16="http://schemas.microsoft.com/office/drawing/2014/main" val="1646358686"/>
                   </a:ext>
                 </a:extLst>
               </a:tr>
@@ -10861,7 +10977,7 @@
                       </a:r>
                       <a:r>
                         <a:rPr lang="en-US" sz="1200" baseline="0" dirty="0" smtClean="0"/>
-                        <a:t> alignment</a:t>
+                        <a:t> alignment/ reproducibility</a:t>
                       </a:r>
                       <a:endParaRPr lang="en-US" sz="1200" dirty="0" smtClean="0"/>
                     </a:p>
@@ -11010,28 +11126,12 @@
                       </a:pPr>
                       <a:r>
                         <a:rPr lang="en-US" sz="1200" baseline="0" dirty="0" smtClean="0"/>
-                        <a:t>Section 5.3 LCA</a:t>
+                        <a:t>Section 5.3 LCA </a:t>
                       </a:r>
-                      <a:endParaRPr lang="en-US" sz="1200" dirty="0" smtClean="0"/>
-                    </a:p>
-                    <a:p>
-                      <a:pPr marL="0" marR="0" lvl="0" indent="0" algn="l" defTabSz="914400" rtl="0" eaLnBrk="1" fontAlgn="auto" latinLnBrk="0" hangingPunct="1">
-                        <a:lnSpc>
-                          <a:spcPct val="100000"/>
-                        </a:lnSpc>
-                        <a:spcBef>
-                          <a:spcPts val="0"/>
-                        </a:spcBef>
-                        <a:spcAft>
-                          <a:spcPts val="0"/>
-                        </a:spcAft>
-                        <a:buClrTx/>
-                        <a:buSzTx/>
-                        <a:buFontTx/>
-                        <a:buNone/>
-                        <a:tabLst/>
-                        <a:defRPr/>
-                      </a:pPr>
+                      <a:r>
+                        <a:rPr lang="en-US" sz="1200" baseline="0" dirty="0" smtClean="0"/>
+                        <a:t>writing</a:t>
+                      </a:r>
                       <a:endParaRPr lang="en-US" sz="1200" dirty="0" smtClean="0"/>
                     </a:p>
                   </a:txBody>
@@ -11179,7 +11279,7 @@
                       </a:pPr>
                       <a:r>
                         <a:rPr lang="en-US" sz="1200" baseline="0" dirty="0" smtClean="0"/>
-                        <a:t>Section 5.4 Scenarios</a:t>
+                        <a:t>Section 5.4 Scenarios updates and writing </a:t>
                       </a:r>
                     </a:p>
                     <a:p>
@@ -11202,29 +11302,13 @@
                       </a:pPr>
                       <a:r>
                         <a:rPr lang="en-US" sz="1200" baseline="0" dirty="0" smtClean="0"/>
-                        <a:t>Check model scenario setup: Figure 5 , table 2</a:t>
+                        <a:t>Check model scenario setup: Figure 5 , table </a:t>
+                      </a:r>
+                      <a:r>
+                        <a:rPr lang="en-US" sz="1200" baseline="0" dirty="0" smtClean="0"/>
+                        <a:t>2</a:t>
                       </a:r>
                       <a:endParaRPr lang="en-US" sz="1200" dirty="0" smtClean="0"/>
-                    </a:p>
-                    <a:p>
-                      <a:pPr marL="0" marR="0" lvl="0" indent="0" algn="l" defTabSz="914400" rtl="0" eaLnBrk="1" fontAlgn="auto" latinLnBrk="0" hangingPunct="1">
-                        <a:lnSpc>
-                          <a:spcPct val="100000"/>
-                        </a:lnSpc>
-                        <a:spcBef>
-                          <a:spcPts val="0"/>
-                        </a:spcBef>
-                        <a:spcAft>
-                          <a:spcPts val="0"/>
-                        </a:spcAft>
-                        <a:buClrTx/>
-                        <a:buSzTx/>
-                        <a:buFontTx/>
-                        <a:buNone/>
-                        <a:tabLst/>
-                        <a:defRPr/>
-                      </a:pPr>
-                      <a:endParaRPr lang="en-US" sz="1200" dirty="0"/>
                     </a:p>
                   </a:txBody>
                   <a:tcPr>
@@ -11383,6 +11467,29 @@
                         <a:rPr lang="en-US" sz="1200" dirty="0" smtClean="0"/>
                         <a:t>Discussions</a:t>
                       </a:r>
+                    </a:p>
+                    <a:p>
+                      <a:pPr marL="0" marR="0" lvl="0" indent="0" algn="l" defTabSz="914400" rtl="0" eaLnBrk="1" fontAlgn="auto" latinLnBrk="0" hangingPunct="1">
+                        <a:lnSpc>
+                          <a:spcPct val="100000"/>
+                        </a:lnSpc>
+                        <a:spcBef>
+                          <a:spcPts val="0"/>
+                        </a:spcBef>
+                        <a:spcAft>
+                          <a:spcPts val="0"/>
+                        </a:spcAft>
+                        <a:buClrTx/>
+                        <a:buSzTx/>
+                        <a:buFontTx/>
+                        <a:buNone/>
+                        <a:tabLst/>
+                        <a:defRPr/>
+                      </a:pPr>
+                      <a:r>
+                        <a:rPr lang="en-US" sz="1200" dirty="0" smtClean="0"/>
+                        <a:t>SI check</a:t>
+                      </a:r>
                       <a:endParaRPr lang="en-US" sz="1200" dirty="0"/>
                     </a:p>
                   </a:txBody>
@@ -11431,10 +11538,9 @@
                     </a:p>
                     <a:p>
                       <a:r>
-                        <a:rPr lang="en-US" sz="1200" smtClean="0"/>
+                        <a:rPr lang="en-US" sz="1200" dirty="0" smtClean="0"/>
                         <a:t>Abstract</a:t>
                       </a:r>
-                      <a:endParaRPr lang="en-US" sz="1200" dirty="0" smtClean="0"/>
                     </a:p>
                   </a:txBody>
                   <a:tcPr>
@@ -11594,7 +11700,7 @@
           <a:p>
             <a:fld id="{FF15E650-2C9B-4E22-B544-79A90AB3DDC1}" type="datetime1">
               <a:rPr lang="de-DE" smtClean="0"/>
-              <a:t>03.01.2023</a:t>
+              <a:t>05.01.2023</a:t>
             </a:fld>
             <a:endParaRPr lang="de-DE"/>
           </a:p>
@@ -11768,7 +11874,7 @@
           <a:p>
             <a:fld id="{FF15E650-2C9B-4E22-B544-79A90AB3DDC1}" type="datetime1">
               <a:rPr lang="de-DE" smtClean="0"/>
-              <a:t>03.01.2023</a:t>
+              <a:t>05.01.2023</a:t>
             </a:fld>
             <a:endParaRPr lang="de-DE"/>
           </a:p>
@@ -11936,7 +12042,7 @@
           <a:p>
             <a:fld id="{FF15E650-2C9B-4E22-B544-79A90AB3DDC1}" type="datetime1">
               <a:rPr lang="de-DE" smtClean="0"/>
-              <a:t>03.01.2023</a:t>
+              <a:t>05.01.2023</a:t>
             </a:fld>
             <a:endParaRPr lang="de-DE"/>
           </a:p>
@@ -12080,7 +12186,7 @@
           <a:p>
             <a:fld id="{FF15E650-2C9B-4E22-B544-79A90AB3DDC1}" type="datetime1">
               <a:rPr lang="de-DE" smtClean="0"/>
-              <a:t>03.01.2023</a:t>
+              <a:t>05.01.2023</a:t>
             </a:fld>
             <a:endParaRPr lang="de-DE"/>
           </a:p>
@@ -12224,7 +12330,7 @@
           <a:p>
             <a:fld id="{FF15E650-2C9B-4E22-B544-79A90AB3DDC1}" type="datetime1">
               <a:rPr lang="de-DE" smtClean="0"/>
-              <a:t>03.01.2023</a:t>
+              <a:t>05.01.2023</a:t>
             </a:fld>
             <a:endParaRPr lang="de-DE"/>
           </a:p>

--- a/paper_SI_discussions/Discussion_paper.pptx
+++ b/paper_SI_discussions/Discussion_paper.pptx
@@ -5,34 +5,37 @@
     <p:sldMasterId id="2147483648" r:id="rId1"/>
   </p:sldMasterIdLst>
   <p:notesMasterIdLst>
-    <p:notesMasterId r:id="rId27"/>
+    <p:notesMasterId r:id="rId30"/>
   </p:notesMasterIdLst>
   <p:sldIdLst>
     <p:sldId id="440" r:id="rId2"/>
     <p:sldId id="507" r:id="rId3"/>
     <p:sldId id="515" r:id="rId4"/>
     <p:sldId id="523" r:id="rId5"/>
-    <p:sldId id="516" r:id="rId6"/>
-    <p:sldId id="517" r:id="rId7"/>
-    <p:sldId id="518" r:id="rId8"/>
-    <p:sldId id="519" r:id="rId9"/>
-    <p:sldId id="520" r:id="rId10"/>
-    <p:sldId id="521" r:id="rId11"/>
-    <p:sldId id="522" r:id="rId12"/>
-    <p:sldId id="509" r:id="rId13"/>
-    <p:sldId id="510" r:id="rId14"/>
-    <p:sldId id="511" r:id="rId15"/>
-    <p:sldId id="512" r:id="rId16"/>
-    <p:sldId id="513" r:id="rId17"/>
-    <p:sldId id="497" r:id="rId18"/>
-    <p:sldId id="500" r:id="rId19"/>
-    <p:sldId id="514" r:id="rId20"/>
-    <p:sldId id="505" r:id="rId21"/>
-    <p:sldId id="499" r:id="rId22"/>
-    <p:sldId id="502" r:id="rId23"/>
-    <p:sldId id="503" r:id="rId24"/>
-    <p:sldId id="504" r:id="rId25"/>
-    <p:sldId id="506" r:id="rId26"/>
+    <p:sldId id="524" r:id="rId6"/>
+    <p:sldId id="525" r:id="rId7"/>
+    <p:sldId id="526" r:id="rId8"/>
+    <p:sldId id="516" r:id="rId9"/>
+    <p:sldId id="517" r:id="rId10"/>
+    <p:sldId id="518" r:id="rId11"/>
+    <p:sldId id="519" r:id="rId12"/>
+    <p:sldId id="520" r:id="rId13"/>
+    <p:sldId id="521" r:id="rId14"/>
+    <p:sldId id="522" r:id="rId15"/>
+    <p:sldId id="509" r:id="rId16"/>
+    <p:sldId id="510" r:id="rId17"/>
+    <p:sldId id="511" r:id="rId18"/>
+    <p:sldId id="512" r:id="rId19"/>
+    <p:sldId id="513" r:id="rId20"/>
+    <p:sldId id="497" r:id="rId21"/>
+    <p:sldId id="500" r:id="rId22"/>
+    <p:sldId id="514" r:id="rId23"/>
+    <p:sldId id="505" r:id="rId24"/>
+    <p:sldId id="499" r:id="rId25"/>
+    <p:sldId id="502" r:id="rId26"/>
+    <p:sldId id="503" r:id="rId27"/>
+    <p:sldId id="504" r:id="rId28"/>
+    <p:sldId id="506" r:id="rId29"/>
   </p:sldIdLst>
   <p:sldSz cx="9144000" cy="6858000" type="screen4x3"/>
   <p:notesSz cx="6794500" cy="9931400"/>
@@ -146,6 +149,13 @@
             <p14:sldId id="523"/>
           </p14:sldIdLst>
         </p14:section>
+        <p14:section name="070123" id="{88BC7959-5355-492C-9DE9-19C2A735791E}">
+          <p14:sldIdLst>
+            <p14:sldId id="524"/>
+            <p14:sldId id="525"/>
+            <p14:sldId id="526"/>
+          </p14:sldIdLst>
+        </p14:section>
         <p14:section name="20221220" id="{48658E86-4CA7-4CDC-8237-67ADBFF4665B}">
           <p14:sldIdLst>
             <p14:sldId id="516"/>
@@ -239,6 +249,3202 @@
 </p:presentation>
 </file>
 
+<file path=ppt/charts/chart1.xml><?xml version="1.0" encoding="utf-8"?>
+<c:chartSpace xmlns:c="http://schemas.openxmlformats.org/drawingml/2006/chart" xmlns:a="http://schemas.openxmlformats.org/drawingml/2006/main" xmlns:r="http://schemas.openxmlformats.org/officeDocument/2006/relationships" xmlns:c16r2="http://schemas.microsoft.com/office/drawing/2015/06/chart">
+  <c:date1904 val="0"/>
+  <c:lang val="en-US"/>
+  <c:roundedCorners val="0"/>
+  <mc:AlternateContent xmlns:mc="http://schemas.openxmlformats.org/markup-compatibility/2006">
+    <mc:Choice xmlns:c14="http://schemas.microsoft.com/office/drawing/2007/8/2/chart" Requires="c14">
+      <c14:style val="102"/>
+    </mc:Choice>
+    <mc:Fallback>
+      <c:style val="2"/>
+    </mc:Fallback>
+  </mc:AlternateContent>
+  <c:chart>
+    <c:autoTitleDeleted val="1"/>
+    <c:plotArea>
+      <c:layout>
+        <c:manualLayout>
+          <c:layoutTarget val="inner"/>
+          <c:xMode val="edge"/>
+          <c:yMode val="edge"/>
+          <c:x val="7.7879183633943555E-2"/>
+          <c:y val="4.5262606652601768E-2"/>
+          <c:w val="0.90381404350327699"/>
+          <c:h val="0.69686615493740178"/>
+        </c:manualLayout>
+      </c:layout>
+      <c:barChart>
+        <c:barDir val="col"/>
+        <c:grouping val="clustered"/>
+        <c:varyColors val="0"/>
+        <c:ser>
+          <c:idx val="0"/>
+          <c:order val="0"/>
+          <c:spPr>
+            <a:solidFill>
+              <a:schemeClr val="accent1"/>
+            </a:solidFill>
+            <a:ln>
+              <a:noFill/>
+            </a:ln>
+            <a:effectLst/>
+          </c:spPr>
+          <c:invertIfNegative val="0"/>
+          <c:dPt>
+            <c:idx val="0"/>
+            <c:invertIfNegative val="0"/>
+            <c:bubble3D val="0"/>
+            <c:spPr>
+              <a:solidFill>
+                <a:schemeClr val="bg1">
+                  <a:lumMod val="75000"/>
+                </a:schemeClr>
+              </a:solidFill>
+              <a:ln>
+                <a:noFill/>
+              </a:ln>
+              <a:effectLst/>
+            </c:spPr>
+            <c:extLst>
+              <c:ext xmlns:c16="http://schemas.microsoft.com/office/drawing/2014/chart" uri="{C3380CC4-5D6E-409C-BE32-E72D297353CC}">
+                <c16:uniqueId val="{00000001-9B60-4E9B-B0BD-28ACFA792552}"/>
+              </c:ext>
+            </c:extLst>
+          </c:dPt>
+          <c:dPt>
+            <c:idx val="1"/>
+            <c:invertIfNegative val="0"/>
+            <c:bubble3D val="0"/>
+            <c:spPr>
+              <a:solidFill>
+                <a:srgbClr val="5B9BD5"/>
+              </a:solidFill>
+              <a:ln>
+                <a:noFill/>
+              </a:ln>
+              <a:effectLst/>
+            </c:spPr>
+            <c:extLst>
+              <c:ext xmlns:c16="http://schemas.microsoft.com/office/drawing/2014/chart" uri="{C3380CC4-5D6E-409C-BE32-E72D297353CC}">
+                <c16:uniqueId val="{0000002B-9B60-4E9B-B0BD-28ACFA792552}"/>
+              </c:ext>
+            </c:extLst>
+          </c:dPt>
+          <c:dPt>
+            <c:idx val="2"/>
+            <c:invertIfNegative val="0"/>
+            <c:bubble3D val="0"/>
+            <c:spPr>
+              <a:solidFill>
+                <a:schemeClr val="bg1">
+                  <a:lumMod val="75000"/>
+                </a:schemeClr>
+              </a:solidFill>
+              <a:ln>
+                <a:noFill/>
+              </a:ln>
+              <a:effectLst/>
+            </c:spPr>
+            <c:extLst>
+              <c:ext xmlns:c16="http://schemas.microsoft.com/office/drawing/2014/chart" uri="{C3380CC4-5D6E-409C-BE32-E72D297353CC}">
+                <c16:uniqueId val="{00000003-9B60-4E9B-B0BD-28ACFA792552}"/>
+              </c:ext>
+            </c:extLst>
+          </c:dPt>
+          <c:dPt>
+            <c:idx val="3"/>
+            <c:invertIfNegative val="0"/>
+            <c:bubble3D val="0"/>
+            <c:spPr>
+              <a:solidFill>
+                <a:srgbClr val="5B9BD5"/>
+              </a:solidFill>
+              <a:ln>
+                <a:noFill/>
+              </a:ln>
+              <a:effectLst/>
+            </c:spPr>
+            <c:extLst>
+              <c:ext xmlns:c16="http://schemas.microsoft.com/office/drawing/2014/chart" uri="{C3380CC4-5D6E-409C-BE32-E72D297353CC}">
+                <c16:uniqueId val="{0000002C-9B60-4E9B-B0BD-28ACFA792552}"/>
+              </c:ext>
+            </c:extLst>
+          </c:dPt>
+          <c:dPt>
+            <c:idx val="4"/>
+            <c:invertIfNegative val="0"/>
+            <c:bubble3D val="0"/>
+            <c:spPr>
+              <a:solidFill>
+                <a:schemeClr val="bg1">
+                  <a:lumMod val="75000"/>
+                </a:schemeClr>
+              </a:solidFill>
+              <a:ln>
+                <a:noFill/>
+              </a:ln>
+              <a:effectLst/>
+            </c:spPr>
+            <c:extLst>
+              <c:ext xmlns:c16="http://schemas.microsoft.com/office/drawing/2014/chart" uri="{C3380CC4-5D6E-409C-BE32-E72D297353CC}">
+                <c16:uniqueId val="{00000005-9B60-4E9B-B0BD-28ACFA792552}"/>
+              </c:ext>
+            </c:extLst>
+          </c:dPt>
+          <c:dPt>
+            <c:idx val="5"/>
+            <c:invertIfNegative val="0"/>
+            <c:bubble3D val="0"/>
+            <c:spPr>
+              <a:solidFill>
+                <a:srgbClr val="5B9BD5"/>
+              </a:solidFill>
+              <a:ln>
+                <a:noFill/>
+              </a:ln>
+              <a:effectLst/>
+            </c:spPr>
+            <c:extLst>
+              <c:ext xmlns:c16="http://schemas.microsoft.com/office/drawing/2014/chart" uri="{C3380CC4-5D6E-409C-BE32-E72D297353CC}">
+                <c16:uniqueId val="{0000002D-9B60-4E9B-B0BD-28ACFA792552}"/>
+              </c:ext>
+            </c:extLst>
+          </c:dPt>
+          <c:dPt>
+            <c:idx val="7"/>
+            <c:invertIfNegative val="0"/>
+            <c:bubble3D val="0"/>
+            <c:spPr>
+              <a:solidFill>
+                <a:schemeClr val="bg1">
+                  <a:lumMod val="75000"/>
+                </a:schemeClr>
+              </a:solidFill>
+              <a:ln>
+                <a:noFill/>
+              </a:ln>
+              <a:effectLst/>
+            </c:spPr>
+            <c:extLst>
+              <c:ext xmlns:c16="http://schemas.microsoft.com/office/drawing/2014/chart" uri="{C3380CC4-5D6E-409C-BE32-E72D297353CC}">
+                <c16:uniqueId val="{00000007-9B60-4E9B-B0BD-28ACFA792552}"/>
+              </c:ext>
+            </c:extLst>
+          </c:dPt>
+          <c:dPt>
+            <c:idx val="8"/>
+            <c:invertIfNegative val="0"/>
+            <c:bubble3D val="0"/>
+            <c:spPr>
+              <a:solidFill>
+                <a:srgbClr val="5B9BD5"/>
+              </a:solidFill>
+              <a:ln>
+                <a:noFill/>
+              </a:ln>
+              <a:effectLst/>
+            </c:spPr>
+            <c:extLst>
+              <c:ext xmlns:c16="http://schemas.microsoft.com/office/drawing/2014/chart" uri="{C3380CC4-5D6E-409C-BE32-E72D297353CC}">
+                <c16:uniqueId val="{0000002E-9B60-4E9B-B0BD-28ACFA792552}"/>
+              </c:ext>
+            </c:extLst>
+          </c:dPt>
+          <c:dPt>
+            <c:idx val="9"/>
+            <c:invertIfNegative val="0"/>
+            <c:bubble3D val="0"/>
+            <c:spPr>
+              <a:solidFill>
+                <a:schemeClr val="bg1">
+                  <a:lumMod val="75000"/>
+                </a:schemeClr>
+              </a:solidFill>
+              <a:ln>
+                <a:noFill/>
+              </a:ln>
+              <a:effectLst/>
+            </c:spPr>
+            <c:extLst>
+              <c:ext xmlns:c16="http://schemas.microsoft.com/office/drawing/2014/chart" uri="{C3380CC4-5D6E-409C-BE32-E72D297353CC}">
+                <c16:uniqueId val="{00000009-9B60-4E9B-B0BD-28ACFA792552}"/>
+              </c:ext>
+            </c:extLst>
+          </c:dPt>
+          <c:dPt>
+            <c:idx val="10"/>
+            <c:invertIfNegative val="0"/>
+            <c:bubble3D val="0"/>
+            <c:spPr>
+              <a:solidFill>
+                <a:srgbClr val="5B9BD5"/>
+              </a:solidFill>
+              <a:ln>
+                <a:noFill/>
+              </a:ln>
+              <a:effectLst/>
+            </c:spPr>
+            <c:extLst>
+              <c:ext xmlns:c16="http://schemas.microsoft.com/office/drawing/2014/chart" uri="{C3380CC4-5D6E-409C-BE32-E72D297353CC}">
+                <c16:uniqueId val="{0000002F-9B60-4E9B-B0BD-28ACFA792552}"/>
+              </c:ext>
+            </c:extLst>
+          </c:dPt>
+          <c:dPt>
+            <c:idx val="11"/>
+            <c:invertIfNegative val="0"/>
+            <c:bubble3D val="0"/>
+            <c:spPr>
+              <a:solidFill>
+                <a:schemeClr val="bg1">
+                  <a:lumMod val="75000"/>
+                </a:schemeClr>
+              </a:solidFill>
+              <a:ln>
+                <a:noFill/>
+              </a:ln>
+              <a:effectLst/>
+            </c:spPr>
+            <c:extLst>
+              <c:ext xmlns:c16="http://schemas.microsoft.com/office/drawing/2014/chart" uri="{C3380CC4-5D6E-409C-BE32-E72D297353CC}">
+                <c16:uniqueId val="{0000000B-9B60-4E9B-B0BD-28ACFA792552}"/>
+              </c:ext>
+            </c:extLst>
+          </c:dPt>
+          <c:dPt>
+            <c:idx val="12"/>
+            <c:invertIfNegative val="0"/>
+            <c:bubble3D val="0"/>
+            <c:spPr>
+              <a:solidFill>
+                <a:srgbClr val="5B9BD5"/>
+              </a:solidFill>
+              <a:ln>
+                <a:noFill/>
+              </a:ln>
+              <a:effectLst/>
+            </c:spPr>
+            <c:extLst>
+              <c:ext xmlns:c16="http://schemas.microsoft.com/office/drawing/2014/chart" uri="{C3380CC4-5D6E-409C-BE32-E72D297353CC}">
+                <c16:uniqueId val="{00000030-9B60-4E9B-B0BD-28ACFA792552}"/>
+              </c:ext>
+            </c:extLst>
+          </c:dPt>
+          <c:dPt>
+            <c:idx val="14"/>
+            <c:invertIfNegative val="0"/>
+            <c:bubble3D val="0"/>
+            <c:spPr>
+              <a:solidFill>
+                <a:schemeClr val="bg1">
+                  <a:lumMod val="75000"/>
+                </a:schemeClr>
+              </a:solidFill>
+              <a:ln>
+                <a:noFill/>
+              </a:ln>
+              <a:effectLst/>
+            </c:spPr>
+            <c:extLst>
+              <c:ext xmlns:c16="http://schemas.microsoft.com/office/drawing/2014/chart" uri="{C3380CC4-5D6E-409C-BE32-E72D297353CC}">
+                <c16:uniqueId val="{0000000D-9B60-4E9B-B0BD-28ACFA792552}"/>
+              </c:ext>
+            </c:extLst>
+          </c:dPt>
+          <c:dPt>
+            <c:idx val="15"/>
+            <c:invertIfNegative val="0"/>
+            <c:bubble3D val="0"/>
+            <c:spPr>
+              <a:solidFill>
+                <a:srgbClr val="5B9BD5"/>
+              </a:solidFill>
+              <a:ln>
+                <a:noFill/>
+              </a:ln>
+              <a:effectLst/>
+            </c:spPr>
+            <c:extLst>
+              <c:ext xmlns:c16="http://schemas.microsoft.com/office/drawing/2014/chart" uri="{C3380CC4-5D6E-409C-BE32-E72D297353CC}">
+                <c16:uniqueId val="{00000031-9B60-4E9B-B0BD-28ACFA792552}"/>
+              </c:ext>
+            </c:extLst>
+          </c:dPt>
+          <c:dPt>
+            <c:idx val="16"/>
+            <c:invertIfNegative val="0"/>
+            <c:bubble3D val="0"/>
+            <c:spPr>
+              <a:solidFill>
+                <a:schemeClr val="bg1">
+                  <a:lumMod val="75000"/>
+                </a:schemeClr>
+              </a:solidFill>
+              <a:ln>
+                <a:noFill/>
+              </a:ln>
+              <a:effectLst/>
+            </c:spPr>
+            <c:extLst>
+              <c:ext xmlns:c16="http://schemas.microsoft.com/office/drawing/2014/chart" uri="{C3380CC4-5D6E-409C-BE32-E72D297353CC}">
+                <c16:uniqueId val="{0000000F-9B60-4E9B-B0BD-28ACFA792552}"/>
+              </c:ext>
+            </c:extLst>
+          </c:dPt>
+          <c:dPt>
+            <c:idx val="17"/>
+            <c:invertIfNegative val="0"/>
+            <c:bubble3D val="0"/>
+            <c:spPr>
+              <a:solidFill>
+                <a:srgbClr val="5B9BD5"/>
+              </a:solidFill>
+              <a:ln>
+                <a:noFill/>
+              </a:ln>
+              <a:effectLst/>
+            </c:spPr>
+            <c:extLst>
+              <c:ext xmlns:c16="http://schemas.microsoft.com/office/drawing/2014/chart" uri="{C3380CC4-5D6E-409C-BE32-E72D297353CC}">
+                <c16:uniqueId val="{00000032-9B60-4E9B-B0BD-28ACFA792552}"/>
+              </c:ext>
+            </c:extLst>
+          </c:dPt>
+          <c:dPt>
+            <c:idx val="18"/>
+            <c:invertIfNegative val="0"/>
+            <c:bubble3D val="0"/>
+            <c:spPr>
+              <a:solidFill>
+                <a:schemeClr val="bg1">
+                  <a:lumMod val="75000"/>
+                </a:schemeClr>
+              </a:solidFill>
+              <a:ln>
+                <a:noFill/>
+              </a:ln>
+              <a:effectLst/>
+            </c:spPr>
+            <c:extLst>
+              <c:ext xmlns:c16="http://schemas.microsoft.com/office/drawing/2014/chart" uri="{C3380CC4-5D6E-409C-BE32-E72D297353CC}">
+                <c16:uniqueId val="{00000011-9B60-4E9B-B0BD-28ACFA792552}"/>
+              </c:ext>
+            </c:extLst>
+          </c:dPt>
+          <c:dPt>
+            <c:idx val="19"/>
+            <c:invertIfNegative val="0"/>
+            <c:bubble3D val="0"/>
+            <c:spPr>
+              <a:solidFill>
+                <a:srgbClr val="5B9BD5"/>
+              </a:solidFill>
+              <a:ln>
+                <a:noFill/>
+              </a:ln>
+              <a:effectLst/>
+            </c:spPr>
+            <c:extLst>
+              <c:ext xmlns:c16="http://schemas.microsoft.com/office/drawing/2014/chart" uri="{C3380CC4-5D6E-409C-BE32-E72D297353CC}">
+                <c16:uniqueId val="{00000033-9B60-4E9B-B0BD-28ACFA792552}"/>
+              </c:ext>
+            </c:extLst>
+          </c:dPt>
+          <c:dPt>
+            <c:idx val="21"/>
+            <c:invertIfNegative val="0"/>
+            <c:bubble3D val="0"/>
+            <c:spPr>
+              <a:solidFill>
+                <a:schemeClr val="bg1">
+                  <a:lumMod val="75000"/>
+                </a:schemeClr>
+              </a:solidFill>
+              <a:ln>
+                <a:noFill/>
+              </a:ln>
+              <a:effectLst/>
+            </c:spPr>
+            <c:extLst>
+              <c:ext xmlns:c16="http://schemas.microsoft.com/office/drawing/2014/chart" uri="{C3380CC4-5D6E-409C-BE32-E72D297353CC}">
+                <c16:uniqueId val="{00000013-9B60-4E9B-B0BD-28ACFA792552}"/>
+              </c:ext>
+            </c:extLst>
+          </c:dPt>
+          <c:dPt>
+            <c:idx val="22"/>
+            <c:invertIfNegative val="0"/>
+            <c:bubble3D val="0"/>
+            <c:spPr>
+              <a:solidFill>
+                <a:srgbClr val="5B9BD5"/>
+              </a:solidFill>
+              <a:ln>
+                <a:noFill/>
+              </a:ln>
+              <a:effectLst/>
+            </c:spPr>
+            <c:extLst>
+              <c:ext xmlns:c16="http://schemas.microsoft.com/office/drawing/2014/chart" uri="{C3380CC4-5D6E-409C-BE32-E72D297353CC}">
+                <c16:uniqueId val="{00000034-9B60-4E9B-B0BD-28ACFA792552}"/>
+              </c:ext>
+            </c:extLst>
+          </c:dPt>
+          <c:dPt>
+            <c:idx val="23"/>
+            <c:invertIfNegative val="0"/>
+            <c:bubble3D val="0"/>
+            <c:spPr>
+              <a:solidFill>
+                <a:schemeClr val="bg1">
+                  <a:lumMod val="75000"/>
+                </a:schemeClr>
+              </a:solidFill>
+              <a:ln>
+                <a:noFill/>
+              </a:ln>
+              <a:effectLst/>
+            </c:spPr>
+            <c:extLst>
+              <c:ext xmlns:c16="http://schemas.microsoft.com/office/drawing/2014/chart" uri="{C3380CC4-5D6E-409C-BE32-E72D297353CC}">
+                <c16:uniqueId val="{00000015-9B60-4E9B-B0BD-28ACFA792552}"/>
+              </c:ext>
+            </c:extLst>
+          </c:dPt>
+          <c:dPt>
+            <c:idx val="24"/>
+            <c:invertIfNegative val="0"/>
+            <c:bubble3D val="0"/>
+            <c:spPr>
+              <a:solidFill>
+                <a:srgbClr val="5B9BD5"/>
+              </a:solidFill>
+              <a:ln>
+                <a:noFill/>
+              </a:ln>
+              <a:effectLst/>
+            </c:spPr>
+            <c:extLst>
+              <c:ext xmlns:c16="http://schemas.microsoft.com/office/drawing/2014/chart" uri="{C3380CC4-5D6E-409C-BE32-E72D297353CC}">
+                <c16:uniqueId val="{00000035-9B60-4E9B-B0BD-28ACFA792552}"/>
+              </c:ext>
+            </c:extLst>
+          </c:dPt>
+          <c:dPt>
+            <c:idx val="25"/>
+            <c:invertIfNegative val="0"/>
+            <c:bubble3D val="0"/>
+            <c:spPr>
+              <a:solidFill>
+                <a:schemeClr val="bg1">
+                  <a:lumMod val="75000"/>
+                </a:schemeClr>
+              </a:solidFill>
+              <a:ln>
+                <a:noFill/>
+              </a:ln>
+              <a:effectLst/>
+            </c:spPr>
+            <c:extLst>
+              <c:ext xmlns:c16="http://schemas.microsoft.com/office/drawing/2014/chart" uri="{C3380CC4-5D6E-409C-BE32-E72D297353CC}">
+                <c16:uniqueId val="{00000017-9B60-4E9B-B0BD-28ACFA792552}"/>
+              </c:ext>
+            </c:extLst>
+          </c:dPt>
+          <c:dPt>
+            <c:idx val="26"/>
+            <c:invertIfNegative val="0"/>
+            <c:bubble3D val="0"/>
+            <c:spPr>
+              <a:solidFill>
+                <a:srgbClr val="5B9BD5"/>
+              </a:solidFill>
+              <a:ln>
+                <a:noFill/>
+              </a:ln>
+              <a:effectLst/>
+            </c:spPr>
+            <c:extLst>
+              <c:ext xmlns:c16="http://schemas.microsoft.com/office/drawing/2014/chart" uri="{C3380CC4-5D6E-409C-BE32-E72D297353CC}">
+                <c16:uniqueId val="{00000036-9B60-4E9B-B0BD-28ACFA792552}"/>
+              </c:ext>
+            </c:extLst>
+          </c:dPt>
+          <c:dPt>
+            <c:idx val="28"/>
+            <c:invertIfNegative val="0"/>
+            <c:bubble3D val="0"/>
+            <c:spPr>
+              <a:solidFill>
+                <a:schemeClr val="bg1">
+                  <a:lumMod val="75000"/>
+                </a:schemeClr>
+              </a:solidFill>
+              <a:ln>
+                <a:noFill/>
+              </a:ln>
+              <a:effectLst/>
+            </c:spPr>
+            <c:extLst>
+              <c:ext xmlns:c16="http://schemas.microsoft.com/office/drawing/2014/chart" uri="{C3380CC4-5D6E-409C-BE32-E72D297353CC}">
+                <c16:uniqueId val="{00000019-9B60-4E9B-B0BD-28ACFA792552}"/>
+              </c:ext>
+            </c:extLst>
+          </c:dPt>
+          <c:dPt>
+            <c:idx val="29"/>
+            <c:invertIfNegative val="0"/>
+            <c:bubble3D val="0"/>
+            <c:spPr>
+              <a:solidFill>
+                <a:srgbClr val="5B9BD5"/>
+              </a:solidFill>
+              <a:ln>
+                <a:noFill/>
+              </a:ln>
+              <a:effectLst/>
+            </c:spPr>
+            <c:extLst>
+              <c:ext xmlns:c16="http://schemas.microsoft.com/office/drawing/2014/chart" uri="{C3380CC4-5D6E-409C-BE32-E72D297353CC}">
+                <c16:uniqueId val="{00000037-9B60-4E9B-B0BD-28ACFA792552}"/>
+              </c:ext>
+            </c:extLst>
+          </c:dPt>
+          <c:dPt>
+            <c:idx val="30"/>
+            <c:invertIfNegative val="0"/>
+            <c:bubble3D val="0"/>
+            <c:spPr>
+              <a:solidFill>
+                <a:schemeClr val="bg1">
+                  <a:lumMod val="75000"/>
+                </a:schemeClr>
+              </a:solidFill>
+              <a:ln>
+                <a:noFill/>
+              </a:ln>
+              <a:effectLst/>
+            </c:spPr>
+            <c:extLst>
+              <c:ext xmlns:c16="http://schemas.microsoft.com/office/drawing/2014/chart" uri="{C3380CC4-5D6E-409C-BE32-E72D297353CC}">
+                <c16:uniqueId val="{0000001B-9B60-4E9B-B0BD-28ACFA792552}"/>
+              </c:ext>
+            </c:extLst>
+          </c:dPt>
+          <c:dPt>
+            <c:idx val="31"/>
+            <c:invertIfNegative val="0"/>
+            <c:bubble3D val="0"/>
+            <c:spPr>
+              <a:solidFill>
+                <a:srgbClr val="5B9BD5"/>
+              </a:solidFill>
+              <a:ln>
+                <a:noFill/>
+              </a:ln>
+              <a:effectLst/>
+            </c:spPr>
+            <c:extLst>
+              <c:ext xmlns:c16="http://schemas.microsoft.com/office/drawing/2014/chart" uri="{C3380CC4-5D6E-409C-BE32-E72D297353CC}">
+                <c16:uniqueId val="{00000038-9B60-4E9B-B0BD-28ACFA792552}"/>
+              </c:ext>
+            </c:extLst>
+          </c:dPt>
+          <c:dPt>
+            <c:idx val="32"/>
+            <c:invertIfNegative val="0"/>
+            <c:bubble3D val="0"/>
+            <c:spPr>
+              <a:solidFill>
+                <a:schemeClr val="bg1">
+                  <a:lumMod val="75000"/>
+                </a:schemeClr>
+              </a:solidFill>
+              <a:ln>
+                <a:noFill/>
+              </a:ln>
+              <a:effectLst/>
+            </c:spPr>
+            <c:extLst>
+              <c:ext xmlns:c16="http://schemas.microsoft.com/office/drawing/2014/chart" uri="{C3380CC4-5D6E-409C-BE32-E72D297353CC}">
+                <c16:uniqueId val="{0000001D-9B60-4E9B-B0BD-28ACFA792552}"/>
+              </c:ext>
+            </c:extLst>
+          </c:dPt>
+          <c:dPt>
+            <c:idx val="33"/>
+            <c:invertIfNegative val="0"/>
+            <c:bubble3D val="0"/>
+            <c:spPr>
+              <a:solidFill>
+                <a:srgbClr val="5B9BD5"/>
+              </a:solidFill>
+              <a:ln>
+                <a:noFill/>
+              </a:ln>
+              <a:effectLst/>
+            </c:spPr>
+            <c:extLst>
+              <c:ext xmlns:c16="http://schemas.microsoft.com/office/drawing/2014/chart" uri="{C3380CC4-5D6E-409C-BE32-E72D297353CC}">
+                <c16:uniqueId val="{00000039-9B60-4E9B-B0BD-28ACFA792552}"/>
+              </c:ext>
+            </c:extLst>
+          </c:dPt>
+          <c:dPt>
+            <c:idx val="35"/>
+            <c:invertIfNegative val="0"/>
+            <c:bubble3D val="0"/>
+            <c:spPr>
+              <a:solidFill>
+                <a:schemeClr val="bg1">
+                  <a:lumMod val="75000"/>
+                </a:schemeClr>
+              </a:solidFill>
+              <a:ln>
+                <a:noFill/>
+              </a:ln>
+              <a:effectLst/>
+            </c:spPr>
+            <c:extLst>
+              <c:ext xmlns:c16="http://schemas.microsoft.com/office/drawing/2014/chart" uri="{C3380CC4-5D6E-409C-BE32-E72D297353CC}">
+                <c16:uniqueId val="{0000001F-9B60-4E9B-B0BD-28ACFA792552}"/>
+              </c:ext>
+            </c:extLst>
+          </c:dPt>
+          <c:dPt>
+            <c:idx val="36"/>
+            <c:invertIfNegative val="0"/>
+            <c:bubble3D val="0"/>
+            <c:spPr>
+              <a:solidFill>
+                <a:srgbClr val="5B9BD5"/>
+              </a:solidFill>
+              <a:ln>
+                <a:noFill/>
+              </a:ln>
+              <a:effectLst/>
+            </c:spPr>
+            <c:extLst>
+              <c:ext xmlns:c16="http://schemas.microsoft.com/office/drawing/2014/chart" uri="{C3380CC4-5D6E-409C-BE32-E72D297353CC}">
+                <c16:uniqueId val="{0000003A-9B60-4E9B-B0BD-28ACFA792552}"/>
+              </c:ext>
+            </c:extLst>
+          </c:dPt>
+          <c:dPt>
+            <c:idx val="37"/>
+            <c:invertIfNegative val="0"/>
+            <c:bubble3D val="0"/>
+            <c:spPr>
+              <a:solidFill>
+                <a:schemeClr val="bg1">
+                  <a:lumMod val="75000"/>
+                </a:schemeClr>
+              </a:solidFill>
+              <a:ln>
+                <a:noFill/>
+              </a:ln>
+              <a:effectLst/>
+            </c:spPr>
+            <c:extLst>
+              <c:ext xmlns:c16="http://schemas.microsoft.com/office/drawing/2014/chart" uri="{C3380CC4-5D6E-409C-BE32-E72D297353CC}">
+                <c16:uniqueId val="{00000021-9B60-4E9B-B0BD-28ACFA792552}"/>
+              </c:ext>
+            </c:extLst>
+          </c:dPt>
+          <c:dPt>
+            <c:idx val="38"/>
+            <c:invertIfNegative val="0"/>
+            <c:bubble3D val="0"/>
+            <c:spPr>
+              <a:solidFill>
+                <a:srgbClr val="5B9BD5"/>
+              </a:solidFill>
+              <a:ln>
+                <a:noFill/>
+              </a:ln>
+              <a:effectLst/>
+            </c:spPr>
+            <c:extLst>
+              <c:ext xmlns:c16="http://schemas.microsoft.com/office/drawing/2014/chart" uri="{C3380CC4-5D6E-409C-BE32-E72D297353CC}">
+                <c16:uniqueId val="{0000003B-9B60-4E9B-B0BD-28ACFA792552}"/>
+              </c:ext>
+            </c:extLst>
+          </c:dPt>
+          <c:dPt>
+            <c:idx val="39"/>
+            <c:invertIfNegative val="0"/>
+            <c:bubble3D val="0"/>
+            <c:spPr>
+              <a:solidFill>
+                <a:schemeClr val="bg1">
+                  <a:lumMod val="75000"/>
+                </a:schemeClr>
+              </a:solidFill>
+              <a:ln>
+                <a:noFill/>
+              </a:ln>
+              <a:effectLst/>
+            </c:spPr>
+            <c:extLst>
+              <c:ext xmlns:c16="http://schemas.microsoft.com/office/drawing/2014/chart" uri="{C3380CC4-5D6E-409C-BE32-E72D297353CC}">
+                <c16:uniqueId val="{00000023-9B60-4E9B-B0BD-28ACFA792552}"/>
+              </c:ext>
+            </c:extLst>
+          </c:dPt>
+          <c:dPt>
+            <c:idx val="40"/>
+            <c:invertIfNegative val="0"/>
+            <c:bubble3D val="0"/>
+            <c:spPr>
+              <a:solidFill>
+                <a:srgbClr val="5B9BD5"/>
+              </a:solidFill>
+              <a:ln>
+                <a:noFill/>
+              </a:ln>
+              <a:effectLst/>
+            </c:spPr>
+            <c:extLst>
+              <c:ext xmlns:c16="http://schemas.microsoft.com/office/drawing/2014/chart" uri="{C3380CC4-5D6E-409C-BE32-E72D297353CC}">
+                <c16:uniqueId val="{0000003C-9B60-4E9B-B0BD-28ACFA792552}"/>
+              </c:ext>
+            </c:extLst>
+          </c:dPt>
+          <c:dPt>
+            <c:idx val="42"/>
+            <c:invertIfNegative val="0"/>
+            <c:bubble3D val="0"/>
+            <c:spPr>
+              <a:solidFill>
+                <a:schemeClr val="bg1">
+                  <a:lumMod val="75000"/>
+                </a:schemeClr>
+              </a:solidFill>
+              <a:ln>
+                <a:noFill/>
+              </a:ln>
+              <a:effectLst/>
+            </c:spPr>
+            <c:extLst>
+              <c:ext xmlns:c16="http://schemas.microsoft.com/office/drawing/2014/chart" uri="{C3380CC4-5D6E-409C-BE32-E72D297353CC}">
+                <c16:uniqueId val="{00000025-9B60-4E9B-B0BD-28ACFA792552}"/>
+              </c:ext>
+            </c:extLst>
+          </c:dPt>
+          <c:dPt>
+            <c:idx val="43"/>
+            <c:invertIfNegative val="0"/>
+            <c:bubble3D val="0"/>
+            <c:spPr>
+              <a:solidFill>
+                <a:srgbClr val="5B9BD5"/>
+              </a:solidFill>
+              <a:ln>
+                <a:noFill/>
+              </a:ln>
+              <a:effectLst/>
+            </c:spPr>
+            <c:extLst>
+              <c:ext xmlns:c16="http://schemas.microsoft.com/office/drawing/2014/chart" uri="{C3380CC4-5D6E-409C-BE32-E72D297353CC}">
+                <c16:uniqueId val="{0000003D-9B60-4E9B-B0BD-28ACFA792552}"/>
+              </c:ext>
+            </c:extLst>
+          </c:dPt>
+          <c:dPt>
+            <c:idx val="44"/>
+            <c:invertIfNegative val="0"/>
+            <c:bubble3D val="0"/>
+            <c:spPr>
+              <a:solidFill>
+                <a:schemeClr val="bg1">
+                  <a:lumMod val="75000"/>
+                </a:schemeClr>
+              </a:solidFill>
+              <a:ln>
+                <a:noFill/>
+              </a:ln>
+              <a:effectLst/>
+            </c:spPr>
+            <c:extLst>
+              <c:ext xmlns:c16="http://schemas.microsoft.com/office/drawing/2014/chart" uri="{C3380CC4-5D6E-409C-BE32-E72D297353CC}">
+                <c16:uniqueId val="{00000027-9B60-4E9B-B0BD-28ACFA792552}"/>
+              </c:ext>
+            </c:extLst>
+          </c:dPt>
+          <c:dPt>
+            <c:idx val="45"/>
+            <c:invertIfNegative val="0"/>
+            <c:bubble3D val="0"/>
+            <c:spPr>
+              <a:solidFill>
+                <a:srgbClr val="5B9BD5"/>
+              </a:solidFill>
+              <a:ln>
+                <a:noFill/>
+              </a:ln>
+              <a:effectLst/>
+            </c:spPr>
+            <c:extLst>
+              <c:ext xmlns:c16="http://schemas.microsoft.com/office/drawing/2014/chart" uri="{C3380CC4-5D6E-409C-BE32-E72D297353CC}">
+                <c16:uniqueId val="{0000003E-9B60-4E9B-B0BD-28ACFA792552}"/>
+              </c:ext>
+            </c:extLst>
+          </c:dPt>
+          <c:dPt>
+            <c:idx val="46"/>
+            <c:invertIfNegative val="0"/>
+            <c:bubble3D val="0"/>
+            <c:spPr>
+              <a:solidFill>
+                <a:schemeClr val="bg1">
+                  <a:lumMod val="75000"/>
+                </a:schemeClr>
+              </a:solidFill>
+              <a:ln>
+                <a:noFill/>
+              </a:ln>
+              <a:effectLst/>
+            </c:spPr>
+            <c:extLst>
+              <c:ext xmlns:c16="http://schemas.microsoft.com/office/drawing/2014/chart" uri="{C3380CC4-5D6E-409C-BE32-E72D297353CC}">
+                <c16:uniqueId val="{00000029-9B60-4E9B-B0BD-28ACFA792552}"/>
+              </c:ext>
+            </c:extLst>
+          </c:dPt>
+          <c:dPt>
+            <c:idx val="47"/>
+            <c:invertIfNegative val="0"/>
+            <c:bubble3D val="0"/>
+            <c:spPr>
+              <a:solidFill>
+                <a:srgbClr val="5B9BD5"/>
+              </a:solidFill>
+              <a:ln>
+                <a:noFill/>
+              </a:ln>
+              <a:effectLst/>
+            </c:spPr>
+            <c:extLst>
+              <c:ext xmlns:c16="http://schemas.microsoft.com/office/drawing/2014/chart" uri="{C3380CC4-5D6E-409C-BE32-E72D297353CC}">
+                <c16:uniqueId val="{0000003F-9B60-4E9B-B0BD-28ACFA792552}"/>
+              </c:ext>
+            </c:extLst>
+          </c:dPt>
+          <c:cat>
+            <c:multiLvlStrRef>
+              <c:f>'U-Values_final'!$A$29:$C$76</c:f>
+              <c:multiLvlStrCache>
+                <c:ptCount val="48"/>
+                <c:lvl>
+                  <c:pt idx="0">
+                    <c:v>reported</c:v>
+                  </c:pt>
+                  <c:pt idx="1">
+                    <c:v>calculated</c:v>
+                  </c:pt>
+                  <c:pt idx="2">
+                    <c:v>reported</c:v>
+                  </c:pt>
+                  <c:pt idx="3">
+                    <c:v>calculated</c:v>
+                  </c:pt>
+                  <c:pt idx="4">
+                    <c:v>reported</c:v>
+                  </c:pt>
+                  <c:pt idx="5">
+                    <c:v>calculated</c:v>
+                  </c:pt>
+                  <c:pt idx="7">
+                    <c:v>reported</c:v>
+                  </c:pt>
+                  <c:pt idx="8">
+                    <c:v>calculated</c:v>
+                  </c:pt>
+                  <c:pt idx="9">
+                    <c:v>reported</c:v>
+                  </c:pt>
+                  <c:pt idx="10">
+                    <c:v>calculated</c:v>
+                  </c:pt>
+                  <c:pt idx="11">
+                    <c:v>reported</c:v>
+                  </c:pt>
+                  <c:pt idx="12">
+                    <c:v>calculated</c:v>
+                  </c:pt>
+                  <c:pt idx="14">
+                    <c:v>reported</c:v>
+                  </c:pt>
+                  <c:pt idx="15">
+                    <c:v>calculated</c:v>
+                  </c:pt>
+                  <c:pt idx="16">
+                    <c:v>reported</c:v>
+                  </c:pt>
+                  <c:pt idx="17">
+                    <c:v>calculated</c:v>
+                  </c:pt>
+                  <c:pt idx="18">
+                    <c:v>reported</c:v>
+                  </c:pt>
+                  <c:pt idx="19">
+                    <c:v>calculated</c:v>
+                  </c:pt>
+                  <c:pt idx="21">
+                    <c:v>reported</c:v>
+                  </c:pt>
+                  <c:pt idx="22">
+                    <c:v>calculated</c:v>
+                  </c:pt>
+                  <c:pt idx="23">
+                    <c:v>reported</c:v>
+                  </c:pt>
+                  <c:pt idx="24">
+                    <c:v>calculated</c:v>
+                  </c:pt>
+                  <c:pt idx="25">
+                    <c:v>reported</c:v>
+                  </c:pt>
+                  <c:pt idx="26">
+                    <c:v>calculated</c:v>
+                  </c:pt>
+                  <c:pt idx="28">
+                    <c:v>reported</c:v>
+                  </c:pt>
+                  <c:pt idx="29">
+                    <c:v>calculated</c:v>
+                  </c:pt>
+                  <c:pt idx="30">
+                    <c:v>reported</c:v>
+                  </c:pt>
+                  <c:pt idx="31">
+                    <c:v>calculated</c:v>
+                  </c:pt>
+                  <c:pt idx="32">
+                    <c:v>reported</c:v>
+                  </c:pt>
+                  <c:pt idx="33">
+                    <c:v>calculated</c:v>
+                  </c:pt>
+                  <c:pt idx="35">
+                    <c:v>reported</c:v>
+                  </c:pt>
+                  <c:pt idx="36">
+                    <c:v>calculated</c:v>
+                  </c:pt>
+                  <c:pt idx="37">
+                    <c:v>reported</c:v>
+                  </c:pt>
+                  <c:pt idx="38">
+                    <c:v>calculated</c:v>
+                  </c:pt>
+                  <c:pt idx="39">
+                    <c:v>reported</c:v>
+                  </c:pt>
+                  <c:pt idx="40">
+                    <c:v>calculated</c:v>
+                  </c:pt>
+                  <c:pt idx="42">
+                    <c:v>reported</c:v>
+                  </c:pt>
+                  <c:pt idx="43">
+                    <c:v>calculated</c:v>
+                  </c:pt>
+                  <c:pt idx="44">
+                    <c:v>reported</c:v>
+                  </c:pt>
+                  <c:pt idx="45">
+                    <c:v>calculated</c:v>
+                  </c:pt>
+                  <c:pt idx="46">
+                    <c:v>reported</c:v>
+                  </c:pt>
+                  <c:pt idx="47">
+                    <c:v>calculated</c:v>
+                  </c:pt>
+                </c:lvl>
+                <c:lvl>
+                  <c:pt idx="0">
+                    <c:v>roof</c:v>
+                  </c:pt>
+                  <c:pt idx="2">
+                    <c:v>floor</c:v>
+                  </c:pt>
+                  <c:pt idx="4">
+                    <c:v>wall</c:v>
+                  </c:pt>
+                  <c:pt idx="7">
+                    <c:v>roof</c:v>
+                  </c:pt>
+                  <c:pt idx="9">
+                    <c:v>floor</c:v>
+                  </c:pt>
+                  <c:pt idx="11">
+                    <c:v>wall</c:v>
+                  </c:pt>
+                  <c:pt idx="14">
+                    <c:v>roof</c:v>
+                  </c:pt>
+                  <c:pt idx="16">
+                    <c:v>floor</c:v>
+                  </c:pt>
+                  <c:pt idx="18">
+                    <c:v>wall</c:v>
+                  </c:pt>
+                  <c:pt idx="21">
+                    <c:v>roof</c:v>
+                  </c:pt>
+                  <c:pt idx="23">
+                    <c:v>floor</c:v>
+                  </c:pt>
+                  <c:pt idx="25">
+                    <c:v>wall</c:v>
+                  </c:pt>
+                  <c:pt idx="28">
+                    <c:v>roof</c:v>
+                  </c:pt>
+                  <c:pt idx="30">
+                    <c:v>floor</c:v>
+                  </c:pt>
+                  <c:pt idx="32">
+                    <c:v>wall</c:v>
+                  </c:pt>
+                  <c:pt idx="35">
+                    <c:v>roof</c:v>
+                  </c:pt>
+                  <c:pt idx="37">
+                    <c:v>floor</c:v>
+                  </c:pt>
+                  <c:pt idx="39">
+                    <c:v>wall</c:v>
+                  </c:pt>
+                  <c:pt idx="42">
+                    <c:v>roof</c:v>
+                  </c:pt>
+                  <c:pt idx="44">
+                    <c:v>floor</c:v>
+                  </c:pt>
+                  <c:pt idx="46">
+                    <c:v>wall</c:v>
+                  </c:pt>
+                </c:lvl>
+                <c:lvl>
+                  <c:pt idx="0">
+                    <c:v>MFH02</c:v>
+                  </c:pt>
+                  <c:pt idx="7">
+                    <c:v>MFH03</c:v>
+                  </c:pt>
+                  <c:pt idx="14">
+                    <c:v>MFH07</c:v>
+                  </c:pt>
+                  <c:pt idx="21">
+                    <c:v>MFH08</c:v>
+                  </c:pt>
+                  <c:pt idx="28">
+                    <c:v>MFH10</c:v>
+                  </c:pt>
+                  <c:pt idx="35">
+                    <c:v>MFH11</c:v>
+                  </c:pt>
+                  <c:pt idx="42">
+                    <c:v>MFH12</c:v>
+                  </c:pt>
+                </c:lvl>
+              </c:multiLvlStrCache>
+            </c:multiLvlStrRef>
+          </c:cat>
+          <c:val>
+            <c:numRef>
+              <c:f>'U-Values_final'!$D$29:$D$76</c:f>
+              <c:numCache>
+                <c:formatCode>General</c:formatCode>
+                <c:ptCount val="48"/>
+                <c:pt idx="0">
+                  <c:v>0.105</c:v>
+                </c:pt>
+                <c:pt idx="1">
+                  <c:v>0.30099999999999999</c:v>
+                </c:pt>
+                <c:pt idx="2">
+                  <c:v>0.19700000000000001</c:v>
+                </c:pt>
+                <c:pt idx="3">
+                  <c:v>0.108</c:v>
+                </c:pt>
+                <c:pt idx="4">
+                  <c:v>0.121</c:v>
+                </c:pt>
+                <c:pt idx="5">
+                  <c:v>0.128</c:v>
+                </c:pt>
+                <c:pt idx="7">
+                  <c:v>0.11</c:v>
+                </c:pt>
+                <c:pt idx="8">
+                  <c:v>0.17</c:v>
+                </c:pt>
+                <c:pt idx="9">
+                  <c:v>0.1</c:v>
+                </c:pt>
+                <c:pt idx="10">
+                  <c:v>0.14099999999999999</c:v>
+                </c:pt>
+                <c:pt idx="11">
+                  <c:v>0.1</c:v>
+                </c:pt>
+                <c:pt idx="12">
+                  <c:v>0.115</c:v>
+                </c:pt>
+                <c:pt idx="14">
+                  <c:v>0.11</c:v>
+                </c:pt>
+                <c:pt idx="15">
+                  <c:v>0.1</c:v>
+                </c:pt>
+                <c:pt idx="16">
+                  <c:v>0.32</c:v>
+                </c:pt>
+                <c:pt idx="17">
+                  <c:v>0.19</c:v>
+                </c:pt>
+                <c:pt idx="18">
+                  <c:v>0.21</c:v>
+                </c:pt>
+                <c:pt idx="19">
+                  <c:v>0.21</c:v>
+                </c:pt>
+                <c:pt idx="21">
+                  <c:v>0.1</c:v>
+                </c:pt>
+                <c:pt idx="22">
+                  <c:v>0.1</c:v>
+                </c:pt>
+                <c:pt idx="23">
+                  <c:v>0.1</c:v>
+                </c:pt>
+                <c:pt idx="24">
+                  <c:v>0.05</c:v>
+                </c:pt>
+                <c:pt idx="25">
+                  <c:v>0.1</c:v>
+                </c:pt>
+                <c:pt idx="26">
+                  <c:v>0.06</c:v>
+                </c:pt>
+                <c:pt idx="28">
+                  <c:v>0.17</c:v>
+                </c:pt>
+                <c:pt idx="29">
+                  <c:v>0.13</c:v>
+                </c:pt>
+                <c:pt idx="30">
+                  <c:v>0.18</c:v>
+                </c:pt>
+                <c:pt idx="31">
+                  <c:v>0.19</c:v>
+                </c:pt>
+                <c:pt idx="32">
+                  <c:v>0.15</c:v>
+                </c:pt>
+                <c:pt idx="33">
+                  <c:v>0.13</c:v>
+                </c:pt>
+                <c:pt idx="35">
+                  <c:v>0.1</c:v>
+                </c:pt>
+                <c:pt idx="36">
+                  <c:v>7.0000000000000007E-2</c:v>
+                </c:pt>
+                <c:pt idx="37">
+                  <c:v>0.16</c:v>
+                </c:pt>
+                <c:pt idx="38">
+                  <c:v>0.09</c:v>
+                </c:pt>
+                <c:pt idx="39">
+                  <c:v>0.1</c:v>
+                </c:pt>
+                <c:pt idx="40">
+                  <c:v>0.11</c:v>
+                </c:pt>
+                <c:pt idx="42">
+                  <c:v>0.08</c:v>
+                </c:pt>
+                <c:pt idx="43">
+                  <c:v>0.09</c:v>
+                </c:pt>
+                <c:pt idx="44">
+                  <c:v>0.1</c:v>
+                </c:pt>
+                <c:pt idx="45">
+                  <c:v>0.08</c:v>
+                </c:pt>
+                <c:pt idx="46">
+                  <c:v>0.11</c:v>
+                </c:pt>
+                <c:pt idx="47">
+                  <c:v>0.27</c:v>
+                </c:pt>
+              </c:numCache>
+            </c:numRef>
+          </c:val>
+          <c:extLst>
+            <c:ext xmlns:c16="http://schemas.microsoft.com/office/drawing/2014/chart" uri="{C3380CC4-5D6E-409C-BE32-E72D297353CC}">
+              <c16:uniqueId val="{0000002A-9B60-4E9B-B0BD-28ACFA792552}"/>
+            </c:ext>
+          </c:extLst>
+        </c:ser>
+        <c:dLbls>
+          <c:showLegendKey val="0"/>
+          <c:showVal val="0"/>
+          <c:showCatName val="0"/>
+          <c:showSerName val="0"/>
+          <c:showPercent val="0"/>
+          <c:showBubbleSize val="0"/>
+        </c:dLbls>
+        <c:gapWidth val="112"/>
+        <c:overlap val="-27"/>
+        <c:axId val="747022272"/>
+        <c:axId val="747022600"/>
+      </c:barChart>
+      <c:catAx>
+        <c:axId val="747022272"/>
+        <c:scaling>
+          <c:orientation val="minMax"/>
+        </c:scaling>
+        <c:delete val="0"/>
+        <c:axPos val="b"/>
+        <c:numFmt formatCode="General" sourceLinked="1"/>
+        <c:majorTickMark val="none"/>
+        <c:minorTickMark val="none"/>
+        <c:tickLblPos val="nextTo"/>
+        <c:spPr>
+          <a:noFill/>
+          <a:ln w="9525" cap="flat" cmpd="sng" algn="ctr">
+            <a:solidFill>
+              <a:schemeClr val="tx1">
+                <a:lumMod val="15000"/>
+                <a:lumOff val="85000"/>
+              </a:schemeClr>
+            </a:solidFill>
+            <a:round/>
+          </a:ln>
+          <a:effectLst/>
+        </c:spPr>
+        <c:txPr>
+          <a:bodyPr rot="-60000000" spcFirstLastPara="1" vertOverflow="ellipsis" vert="horz" wrap="square" anchor="ctr" anchorCtr="1"/>
+          <a:lstStyle/>
+          <a:p>
+            <a:pPr>
+              <a:defRPr sz="900" b="0" i="0" u="none" strike="noStrike" kern="1200" baseline="0">
+                <a:solidFill>
+                  <a:schemeClr val="tx1">
+                    <a:lumMod val="65000"/>
+                    <a:lumOff val="35000"/>
+                  </a:schemeClr>
+                </a:solidFill>
+                <a:latin typeface="+mn-lt"/>
+                <a:ea typeface="+mn-ea"/>
+                <a:cs typeface="+mn-cs"/>
+              </a:defRPr>
+            </a:pPr>
+            <a:endParaRPr lang="en-US"/>
+          </a:p>
+        </c:txPr>
+        <c:crossAx val="747022600"/>
+        <c:crosses val="autoZero"/>
+        <c:auto val="1"/>
+        <c:lblAlgn val="ctr"/>
+        <c:lblOffset val="100"/>
+        <c:noMultiLvlLbl val="0"/>
+      </c:catAx>
+      <c:valAx>
+        <c:axId val="747022600"/>
+        <c:scaling>
+          <c:orientation val="minMax"/>
+        </c:scaling>
+        <c:delete val="0"/>
+        <c:axPos val="l"/>
+        <c:majorGridlines>
+          <c:spPr>
+            <a:ln w="9525" cap="flat" cmpd="sng" algn="ctr">
+              <a:solidFill>
+                <a:schemeClr val="tx1">
+                  <a:lumMod val="15000"/>
+                  <a:lumOff val="85000"/>
+                </a:schemeClr>
+              </a:solidFill>
+              <a:round/>
+            </a:ln>
+            <a:effectLst/>
+          </c:spPr>
+        </c:majorGridlines>
+        <c:title>
+          <c:tx>
+            <c:rich>
+              <a:bodyPr rot="-5400000" spcFirstLastPara="1" vertOverflow="ellipsis" vert="horz" wrap="square" anchor="ctr" anchorCtr="1"/>
+              <a:lstStyle/>
+              <a:p>
+                <a:pPr>
+                  <a:defRPr sz="1000" b="0" i="0" u="none" strike="noStrike" kern="1200" baseline="0">
+                    <a:solidFill>
+                      <a:schemeClr val="tx1">
+                        <a:lumMod val="65000"/>
+                        <a:lumOff val="35000"/>
+                      </a:schemeClr>
+                    </a:solidFill>
+                    <a:latin typeface="+mn-lt"/>
+                    <a:ea typeface="+mn-ea"/>
+                    <a:cs typeface="+mn-cs"/>
+                  </a:defRPr>
+                </a:pPr>
+                <a:r>
+                  <a:rPr lang="en-US" sz="1100" b="0" i="0" baseline="0">
+                    <a:effectLst/>
+                  </a:rPr>
+                  <a:t>U Values for roof, floors and walls [W/m</a:t>
+                </a:r>
+                <a:r>
+                  <a:rPr lang="en-US" sz="1100" b="0" i="0" baseline="30000">
+                    <a:effectLst/>
+                  </a:rPr>
+                  <a:t>2</a:t>
+                </a:r>
+                <a:r>
+                  <a:rPr lang="en-US" sz="1100" b="0" i="0" baseline="0">
+                    <a:effectLst/>
+                  </a:rPr>
+                  <a:t>K]</a:t>
+                </a:r>
+                <a:endParaRPr lang="en-US" sz="600">
+                  <a:effectLst/>
+                </a:endParaRPr>
+              </a:p>
+            </c:rich>
+          </c:tx>
+          <c:layout>
+            <c:manualLayout>
+              <c:xMode val="edge"/>
+              <c:yMode val="edge"/>
+              <c:x val="1.3314036716339206E-2"/>
+              <c:y val="5.8633588089348355E-2"/>
+            </c:manualLayout>
+          </c:layout>
+          <c:overlay val="0"/>
+          <c:spPr>
+            <a:noFill/>
+            <a:ln>
+              <a:noFill/>
+            </a:ln>
+            <a:effectLst/>
+          </c:spPr>
+          <c:txPr>
+            <a:bodyPr rot="-5400000" spcFirstLastPara="1" vertOverflow="ellipsis" vert="horz" wrap="square" anchor="ctr" anchorCtr="1"/>
+            <a:lstStyle/>
+            <a:p>
+              <a:pPr>
+                <a:defRPr sz="1000" b="0" i="0" u="none" strike="noStrike" kern="1200" baseline="0">
+                  <a:solidFill>
+                    <a:schemeClr val="tx1">
+                      <a:lumMod val="65000"/>
+                      <a:lumOff val="35000"/>
+                    </a:schemeClr>
+                  </a:solidFill>
+                  <a:latin typeface="+mn-lt"/>
+                  <a:ea typeface="+mn-ea"/>
+                  <a:cs typeface="+mn-cs"/>
+                </a:defRPr>
+              </a:pPr>
+              <a:endParaRPr lang="en-US"/>
+            </a:p>
+          </c:txPr>
+        </c:title>
+        <c:numFmt formatCode="General" sourceLinked="1"/>
+        <c:majorTickMark val="none"/>
+        <c:minorTickMark val="none"/>
+        <c:tickLblPos val="nextTo"/>
+        <c:spPr>
+          <a:noFill/>
+          <a:ln>
+            <a:noFill/>
+          </a:ln>
+          <a:effectLst/>
+        </c:spPr>
+        <c:txPr>
+          <a:bodyPr rot="-60000000" spcFirstLastPara="1" vertOverflow="ellipsis" vert="horz" wrap="square" anchor="ctr" anchorCtr="1"/>
+          <a:lstStyle/>
+          <a:p>
+            <a:pPr>
+              <a:defRPr sz="900" b="0" i="0" u="none" strike="noStrike" kern="1200" baseline="0">
+                <a:solidFill>
+                  <a:schemeClr val="tx1">
+                    <a:lumMod val="65000"/>
+                    <a:lumOff val="35000"/>
+                  </a:schemeClr>
+                </a:solidFill>
+                <a:latin typeface="+mn-lt"/>
+                <a:ea typeface="+mn-ea"/>
+                <a:cs typeface="+mn-cs"/>
+              </a:defRPr>
+            </a:pPr>
+            <a:endParaRPr lang="en-US"/>
+          </a:p>
+        </c:txPr>
+        <c:crossAx val="747022272"/>
+        <c:crosses val="autoZero"/>
+        <c:crossBetween val="between"/>
+      </c:valAx>
+      <c:spPr>
+        <a:noFill/>
+        <a:ln>
+          <a:noFill/>
+        </a:ln>
+        <a:effectLst/>
+      </c:spPr>
+    </c:plotArea>
+    <c:plotVisOnly val="1"/>
+    <c:dispBlanksAs val="gap"/>
+    <c:showDLblsOverMax val="0"/>
+  </c:chart>
+  <c:spPr>
+    <a:solidFill>
+      <a:schemeClr val="bg1"/>
+    </a:solidFill>
+    <a:ln w="9525" cap="flat" cmpd="sng" algn="ctr">
+      <a:noFill/>
+      <a:round/>
+    </a:ln>
+    <a:effectLst/>
+  </c:spPr>
+  <c:txPr>
+    <a:bodyPr/>
+    <a:lstStyle/>
+    <a:p>
+      <a:pPr>
+        <a:defRPr/>
+      </a:pPr>
+      <a:endParaRPr lang="en-US"/>
+    </a:p>
+  </c:txPr>
+  <c:externalData r:id="rId3">
+    <c:autoUpdate val="0"/>
+  </c:externalData>
+</c:chartSpace>
+</file>
+
+<file path=ppt/charts/chart2.xml><?xml version="1.0" encoding="utf-8"?>
+<c:chartSpace xmlns:c="http://schemas.openxmlformats.org/drawingml/2006/chart" xmlns:a="http://schemas.openxmlformats.org/drawingml/2006/main" xmlns:r="http://schemas.openxmlformats.org/officeDocument/2006/relationships" xmlns:c16r2="http://schemas.microsoft.com/office/drawing/2015/06/chart">
+  <c:date1904 val="0"/>
+  <c:lang val="en-US"/>
+  <c:roundedCorners val="0"/>
+  <mc:AlternateContent xmlns:mc="http://schemas.openxmlformats.org/markup-compatibility/2006">
+    <mc:Choice xmlns:c14="http://schemas.microsoft.com/office/drawing/2007/8/2/chart" Requires="c14">
+      <c14:style val="102"/>
+    </mc:Choice>
+    <mc:Fallback>
+      <c:style val="2"/>
+    </mc:Fallback>
+  </mc:AlternateContent>
+  <c:chart>
+    <c:autoTitleDeleted val="1"/>
+    <c:plotArea>
+      <c:layout>
+        <c:manualLayout>
+          <c:layoutTarget val="inner"/>
+          <c:xMode val="edge"/>
+          <c:yMode val="edge"/>
+          <c:x val="9.409837223261891E-2"/>
+          <c:y val="3.2292728114867997E-2"/>
+          <c:w val="0.89095394465826305"/>
+          <c:h val="0.8065329390387288"/>
+        </c:manualLayout>
+      </c:layout>
+      <c:barChart>
+        <c:barDir val="col"/>
+        <c:grouping val="clustered"/>
+        <c:varyColors val="0"/>
+        <c:ser>
+          <c:idx val="0"/>
+          <c:order val="0"/>
+          <c:tx>
+            <c:strRef>
+              <c:f>'Energy demand plots'!$B$6</c:f>
+              <c:strCache>
+                <c:ptCount val="1"/>
+                <c:pt idx="0">
+                  <c:v>Reported (Viola)</c:v>
+                </c:pt>
+              </c:strCache>
+            </c:strRef>
+          </c:tx>
+          <c:spPr>
+            <a:solidFill>
+              <a:schemeClr val="bg1">
+                <a:lumMod val="75000"/>
+              </a:schemeClr>
+            </a:solidFill>
+            <a:ln>
+              <a:noFill/>
+            </a:ln>
+            <a:effectLst/>
+          </c:spPr>
+          <c:invertIfNegative val="0"/>
+          <c:cat>
+            <c:strRef>
+              <c:f>'Energy demand plots'!$A$7:$A$16</c:f>
+              <c:strCache>
+                <c:ptCount val="10"/>
+                <c:pt idx="0">
+                  <c:v>mfh01</c:v>
+                </c:pt>
+                <c:pt idx="1">
+                  <c:v>mfh02</c:v>
+                </c:pt>
+                <c:pt idx="2">
+                  <c:v>mfh03</c:v>
+                </c:pt>
+                <c:pt idx="3">
+                  <c:v>mfh04</c:v>
+                </c:pt>
+                <c:pt idx="4">
+                  <c:v>mfh05</c:v>
+                </c:pt>
+                <c:pt idx="5">
+                  <c:v>mfh07</c:v>
+                </c:pt>
+                <c:pt idx="6">
+                  <c:v>mfh08</c:v>
+                </c:pt>
+                <c:pt idx="7">
+                  <c:v>mfh10</c:v>
+                </c:pt>
+                <c:pt idx="8">
+                  <c:v>mfh11</c:v>
+                </c:pt>
+                <c:pt idx="9">
+                  <c:v>mfh12</c:v>
+                </c:pt>
+              </c:strCache>
+            </c:strRef>
+          </c:cat>
+          <c:val>
+            <c:numRef>
+              <c:f>'Energy demand plots'!$B$7:$B$16</c:f>
+              <c:numCache>
+                <c:formatCode>General</c:formatCode>
+                <c:ptCount val="10"/>
+                <c:pt idx="0">
+                  <c:v>129.6</c:v>
+                </c:pt>
+                <c:pt idx="1">
+                  <c:v>106</c:v>
+                </c:pt>
+                <c:pt idx="2">
+                  <c:v>70</c:v>
+                </c:pt>
+                <c:pt idx="3">
+                  <c:v>169.3</c:v>
+                </c:pt>
+                <c:pt idx="4">
+                  <c:v>118</c:v>
+                </c:pt>
+                <c:pt idx="5">
+                  <c:v>48</c:v>
+                </c:pt>
+                <c:pt idx="6">
+                  <c:v>78</c:v>
+                </c:pt>
+                <c:pt idx="7">
+                  <c:v>115</c:v>
+                </c:pt>
+                <c:pt idx="8">
+                  <c:v>23</c:v>
+                </c:pt>
+                <c:pt idx="9">
+                  <c:v>28.1</c:v>
+                </c:pt>
+              </c:numCache>
+            </c:numRef>
+          </c:val>
+          <c:extLst>
+            <c:ext xmlns:c16="http://schemas.microsoft.com/office/drawing/2014/chart" uri="{C3380CC4-5D6E-409C-BE32-E72D297353CC}">
+              <c16:uniqueId val="{00000000-A534-40EA-B0EF-6C7F552EC7DB}"/>
+            </c:ext>
+          </c:extLst>
+        </c:ser>
+        <c:ser>
+          <c:idx val="1"/>
+          <c:order val="1"/>
+          <c:tx>
+            <c:strRef>
+              <c:f>'Energy demand plots'!$C$6</c:f>
+              <c:strCache>
+                <c:ptCount val="1"/>
+                <c:pt idx="0">
+                  <c:v>Calculated</c:v>
+                </c:pt>
+              </c:strCache>
+            </c:strRef>
+          </c:tx>
+          <c:spPr>
+            <a:solidFill>
+              <a:srgbClr val="5B9BD5"/>
+            </a:solidFill>
+            <a:ln>
+              <a:noFill/>
+            </a:ln>
+            <a:effectLst/>
+          </c:spPr>
+          <c:invertIfNegative val="0"/>
+          <c:cat>
+            <c:strRef>
+              <c:f>'Energy demand plots'!$A$7:$A$16</c:f>
+              <c:strCache>
+                <c:ptCount val="10"/>
+                <c:pt idx="0">
+                  <c:v>mfh01</c:v>
+                </c:pt>
+                <c:pt idx="1">
+                  <c:v>mfh02</c:v>
+                </c:pt>
+                <c:pt idx="2">
+                  <c:v>mfh03</c:v>
+                </c:pt>
+                <c:pt idx="3">
+                  <c:v>mfh04</c:v>
+                </c:pt>
+                <c:pt idx="4">
+                  <c:v>mfh05</c:v>
+                </c:pt>
+                <c:pt idx="5">
+                  <c:v>mfh07</c:v>
+                </c:pt>
+                <c:pt idx="6">
+                  <c:v>mfh08</c:v>
+                </c:pt>
+                <c:pt idx="7">
+                  <c:v>mfh10</c:v>
+                </c:pt>
+                <c:pt idx="8">
+                  <c:v>mfh11</c:v>
+                </c:pt>
+                <c:pt idx="9">
+                  <c:v>mfh12</c:v>
+                </c:pt>
+              </c:strCache>
+            </c:strRef>
+          </c:cat>
+          <c:val>
+            <c:numRef>
+              <c:f>'Energy demand plots'!$C$7:$C$16</c:f>
+              <c:numCache>
+                <c:formatCode>General</c:formatCode>
+                <c:ptCount val="10"/>
+                <c:pt idx="0">
+                  <c:v>104.13</c:v>
+                </c:pt>
+                <c:pt idx="1">
+                  <c:v>167.97</c:v>
+                </c:pt>
+                <c:pt idx="2">
+                  <c:v>75.650000000000006</c:v>
+                </c:pt>
+                <c:pt idx="3">
+                  <c:v>176.24</c:v>
+                </c:pt>
+                <c:pt idx="4">
+                  <c:v>71.22</c:v>
+                </c:pt>
+                <c:pt idx="5">
+                  <c:v>43.28</c:v>
+                </c:pt>
+                <c:pt idx="6">
+                  <c:v>70.680000000000007</c:v>
+                </c:pt>
+                <c:pt idx="7">
+                  <c:v>109.88</c:v>
+                </c:pt>
+                <c:pt idx="8">
+                  <c:v>32.03</c:v>
+                </c:pt>
+                <c:pt idx="9">
+                  <c:v>68.45</c:v>
+                </c:pt>
+              </c:numCache>
+            </c:numRef>
+          </c:val>
+          <c:extLst>
+            <c:ext xmlns:c16="http://schemas.microsoft.com/office/drawing/2014/chart" uri="{C3380CC4-5D6E-409C-BE32-E72D297353CC}">
+              <c16:uniqueId val="{00000001-A534-40EA-B0EF-6C7F552EC7DB}"/>
+            </c:ext>
+          </c:extLst>
+        </c:ser>
+        <c:ser>
+          <c:idx val="3"/>
+          <c:order val="2"/>
+          <c:tx>
+            <c:strRef>
+              <c:f>'Energy demand plots'!$E$6</c:f>
+              <c:strCache>
+                <c:ptCount val="1"/>
+                <c:pt idx="0">
+                  <c:v>Default (Buffat)</c:v>
+                </c:pt>
+              </c:strCache>
+            </c:strRef>
+          </c:tx>
+          <c:spPr>
+            <a:solidFill>
+              <a:schemeClr val="accent6">
+                <a:lumMod val="60000"/>
+                <a:lumOff val="40000"/>
+              </a:schemeClr>
+            </a:solidFill>
+            <a:ln>
+              <a:noFill/>
+            </a:ln>
+            <a:effectLst/>
+          </c:spPr>
+          <c:invertIfNegative val="0"/>
+          <c:cat>
+            <c:strRef>
+              <c:f>'Energy demand plots'!$A$7:$A$16</c:f>
+              <c:strCache>
+                <c:ptCount val="10"/>
+                <c:pt idx="0">
+                  <c:v>mfh01</c:v>
+                </c:pt>
+                <c:pt idx="1">
+                  <c:v>mfh02</c:v>
+                </c:pt>
+                <c:pt idx="2">
+                  <c:v>mfh03</c:v>
+                </c:pt>
+                <c:pt idx="3">
+                  <c:v>mfh04</c:v>
+                </c:pt>
+                <c:pt idx="4">
+                  <c:v>mfh05</c:v>
+                </c:pt>
+                <c:pt idx="5">
+                  <c:v>mfh07</c:v>
+                </c:pt>
+                <c:pt idx="6">
+                  <c:v>mfh08</c:v>
+                </c:pt>
+                <c:pt idx="7">
+                  <c:v>mfh10</c:v>
+                </c:pt>
+                <c:pt idx="8">
+                  <c:v>mfh11</c:v>
+                </c:pt>
+                <c:pt idx="9">
+                  <c:v>mfh12</c:v>
+                </c:pt>
+              </c:strCache>
+            </c:strRef>
+          </c:cat>
+          <c:val>
+            <c:numRef>
+              <c:f>'Energy demand plots'!$E$7:$E$16</c:f>
+              <c:numCache>
+                <c:formatCode>General</c:formatCode>
+                <c:ptCount val="10"/>
+                <c:pt idx="0">
+                  <c:v>80.59</c:v>
+                </c:pt>
+                <c:pt idx="1">
+                  <c:v>230.77</c:v>
+                </c:pt>
+                <c:pt idx="2">
+                  <c:v>104.76</c:v>
+                </c:pt>
+                <c:pt idx="3">
+                  <c:v>177.36</c:v>
+                </c:pt>
+                <c:pt idx="4">
+                  <c:v>68.55</c:v>
+                </c:pt>
+                <c:pt idx="5">
+                  <c:v>42.61</c:v>
+                </c:pt>
+                <c:pt idx="6">
+                  <c:v>119.39</c:v>
+                </c:pt>
+                <c:pt idx="7">
+                  <c:v>159.12</c:v>
+                </c:pt>
+                <c:pt idx="8">
+                  <c:v>170.87</c:v>
+                </c:pt>
+                <c:pt idx="9">
+                  <c:v>107.83</c:v>
+                </c:pt>
+              </c:numCache>
+            </c:numRef>
+          </c:val>
+          <c:extLst>
+            <c:ext xmlns:c16="http://schemas.microsoft.com/office/drawing/2014/chart" uri="{C3380CC4-5D6E-409C-BE32-E72D297353CC}">
+              <c16:uniqueId val="{00000002-A534-40EA-B0EF-6C7F552EC7DB}"/>
+            </c:ext>
+          </c:extLst>
+        </c:ser>
+        <c:dLbls>
+          <c:showLegendKey val="0"/>
+          <c:showVal val="0"/>
+          <c:showCatName val="0"/>
+          <c:showSerName val="0"/>
+          <c:showPercent val="0"/>
+          <c:showBubbleSize val="0"/>
+        </c:dLbls>
+        <c:gapWidth val="219"/>
+        <c:overlap val="-27"/>
+        <c:axId val="720859208"/>
+        <c:axId val="720856256"/>
+      </c:barChart>
+      <c:catAx>
+        <c:axId val="720859208"/>
+        <c:scaling>
+          <c:orientation val="minMax"/>
+        </c:scaling>
+        <c:delete val="0"/>
+        <c:axPos val="b"/>
+        <c:numFmt formatCode="General" sourceLinked="1"/>
+        <c:majorTickMark val="none"/>
+        <c:minorTickMark val="none"/>
+        <c:tickLblPos val="nextTo"/>
+        <c:spPr>
+          <a:noFill/>
+          <a:ln w="9525" cap="flat" cmpd="sng" algn="ctr">
+            <a:solidFill>
+              <a:schemeClr val="tx1">
+                <a:lumMod val="15000"/>
+                <a:lumOff val="85000"/>
+              </a:schemeClr>
+            </a:solidFill>
+            <a:round/>
+          </a:ln>
+          <a:effectLst/>
+        </c:spPr>
+        <c:txPr>
+          <a:bodyPr rot="-60000000" spcFirstLastPara="1" vertOverflow="ellipsis" vert="horz" wrap="square" anchor="ctr" anchorCtr="1"/>
+          <a:lstStyle/>
+          <a:p>
+            <a:pPr>
+              <a:defRPr sz="1200" b="0" i="0" u="none" strike="noStrike" kern="1200" baseline="0">
+                <a:solidFill>
+                  <a:schemeClr val="tx1">
+                    <a:lumMod val="65000"/>
+                    <a:lumOff val="35000"/>
+                  </a:schemeClr>
+                </a:solidFill>
+                <a:latin typeface="+mn-lt"/>
+                <a:ea typeface="+mn-ea"/>
+                <a:cs typeface="Arial" panose="020B0604020202020204" pitchFamily="34" charset="0"/>
+              </a:defRPr>
+            </a:pPr>
+            <a:endParaRPr lang="en-US"/>
+          </a:p>
+        </c:txPr>
+        <c:crossAx val="720856256"/>
+        <c:crosses val="autoZero"/>
+        <c:auto val="1"/>
+        <c:lblAlgn val="ctr"/>
+        <c:lblOffset val="100"/>
+        <c:noMultiLvlLbl val="0"/>
+      </c:catAx>
+      <c:valAx>
+        <c:axId val="720856256"/>
+        <c:scaling>
+          <c:orientation val="minMax"/>
+        </c:scaling>
+        <c:delete val="0"/>
+        <c:axPos val="l"/>
+        <c:majorGridlines>
+          <c:spPr>
+            <a:ln w="9525" cap="flat" cmpd="sng" algn="ctr">
+              <a:solidFill>
+                <a:schemeClr val="tx1">
+                  <a:lumMod val="15000"/>
+                  <a:lumOff val="85000"/>
+                </a:schemeClr>
+              </a:solidFill>
+              <a:round/>
+            </a:ln>
+            <a:effectLst/>
+          </c:spPr>
+        </c:majorGridlines>
+        <c:title>
+          <c:tx>
+            <c:rich>
+              <a:bodyPr rot="-5400000" spcFirstLastPara="1" vertOverflow="ellipsis" vert="horz" wrap="square" anchor="ctr" anchorCtr="1"/>
+              <a:lstStyle/>
+              <a:p>
+                <a:pPr>
+                  <a:defRPr sz="1400" b="0" i="0" u="none" strike="noStrike" kern="1200" baseline="0">
+                    <a:solidFill>
+                      <a:schemeClr val="tx1">
+                        <a:lumMod val="65000"/>
+                        <a:lumOff val="35000"/>
+                      </a:schemeClr>
+                    </a:solidFill>
+                    <a:latin typeface="+mn-lt"/>
+                    <a:ea typeface="+mn-ea"/>
+                    <a:cs typeface="Arial" panose="020B0604020202020204" pitchFamily="34" charset="0"/>
+                  </a:defRPr>
+                </a:pPr>
+                <a:r>
+                  <a:rPr lang="en-US" sz="1400" b="0" i="0" baseline="0" dirty="0">
+                    <a:effectLst/>
+                  </a:rPr>
+                  <a:t>Space heating demands [MJ/ M</a:t>
+                </a:r>
+                <a:r>
+                  <a:rPr lang="en-US" sz="1400" b="0" i="0" baseline="30000" dirty="0">
+                    <a:effectLst/>
+                  </a:rPr>
+                  <a:t>2</a:t>
+                </a:r>
+                <a:r>
+                  <a:rPr lang="en-US" sz="1400" b="0" i="0" baseline="0" dirty="0">
+                    <a:effectLst/>
+                  </a:rPr>
+                  <a:t>]</a:t>
+                </a:r>
+                <a:endParaRPr lang="en-US" sz="1400" dirty="0">
+                  <a:effectLst/>
+                </a:endParaRPr>
+              </a:p>
+            </c:rich>
+          </c:tx>
+          <c:layout/>
+          <c:overlay val="0"/>
+          <c:spPr>
+            <a:noFill/>
+            <a:ln>
+              <a:noFill/>
+            </a:ln>
+            <a:effectLst/>
+          </c:spPr>
+          <c:txPr>
+            <a:bodyPr rot="-5400000" spcFirstLastPara="1" vertOverflow="ellipsis" vert="horz" wrap="square" anchor="ctr" anchorCtr="1"/>
+            <a:lstStyle/>
+            <a:p>
+              <a:pPr>
+                <a:defRPr sz="1400" b="0" i="0" u="none" strike="noStrike" kern="1200" baseline="0">
+                  <a:solidFill>
+                    <a:schemeClr val="tx1">
+                      <a:lumMod val="65000"/>
+                      <a:lumOff val="35000"/>
+                    </a:schemeClr>
+                  </a:solidFill>
+                  <a:latin typeface="+mn-lt"/>
+                  <a:ea typeface="+mn-ea"/>
+                  <a:cs typeface="Arial" panose="020B0604020202020204" pitchFamily="34" charset="0"/>
+                </a:defRPr>
+              </a:pPr>
+              <a:endParaRPr lang="en-US"/>
+            </a:p>
+          </c:txPr>
+        </c:title>
+        <c:numFmt formatCode="General" sourceLinked="1"/>
+        <c:majorTickMark val="none"/>
+        <c:minorTickMark val="none"/>
+        <c:tickLblPos val="nextTo"/>
+        <c:spPr>
+          <a:noFill/>
+          <a:ln>
+            <a:noFill/>
+          </a:ln>
+          <a:effectLst/>
+        </c:spPr>
+        <c:txPr>
+          <a:bodyPr rot="-60000000" spcFirstLastPara="1" vertOverflow="ellipsis" vert="horz" wrap="square" anchor="ctr" anchorCtr="1"/>
+          <a:lstStyle/>
+          <a:p>
+            <a:pPr>
+              <a:defRPr sz="1200" b="0" i="0" u="none" strike="noStrike" kern="1200" baseline="0">
+                <a:solidFill>
+                  <a:schemeClr val="tx1">
+                    <a:lumMod val="65000"/>
+                    <a:lumOff val="35000"/>
+                  </a:schemeClr>
+                </a:solidFill>
+                <a:latin typeface="+mn-lt"/>
+                <a:ea typeface="+mn-ea"/>
+                <a:cs typeface="Arial" panose="020B0604020202020204" pitchFamily="34" charset="0"/>
+              </a:defRPr>
+            </a:pPr>
+            <a:endParaRPr lang="en-US"/>
+          </a:p>
+        </c:txPr>
+        <c:crossAx val="720859208"/>
+        <c:crosses val="autoZero"/>
+        <c:crossBetween val="between"/>
+      </c:valAx>
+      <c:spPr>
+        <a:noFill/>
+        <a:ln>
+          <a:noFill/>
+        </a:ln>
+        <a:effectLst/>
+      </c:spPr>
+    </c:plotArea>
+    <c:legend>
+      <c:legendPos val="b"/>
+      <c:layout/>
+      <c:overlay val="0"/>
+      <c:spPr>
+        <a:noFill/>
+        <a:ln>
+          <a:noFill/>
+        </a:ln>
+        <a:effectLst/>
+      </c:spPr>
+      <c:txPr>
+        <a:bodyPr rot="0" spcFirstLastPara="1" vertOverflow="ellipsis" vert="horz" wrap="square" anchor="ctr" anchorCtr="1"/>
+        <a:lstStyle/>
+        <a:p>
+          <a:pPr>
+            <a:defRPr sz="1200" b="0" i="0" u="none" strike="noStrike" kern="1200" baseline="0">
+              <a:solidFill>
+                <a:schemeClr val="tx1">
+                  <a:lumMod val="65000"/>
+                  <a:lumOff val="35000"/>
+                </a:schemeClr>
+              </a:solidFill>
+              <a:latin typeface="+mn-lt"/>
+              <a:ea typeface="+mn-ea"/>
+              <a:cs typeface="Arial" panose="020B0604020202020204" pitchFamily="34" charset="0"/>
+            </a:defRPr>
+          </a:pPr>
+          <a:endParaRPr lang="en-US"/>
+        </a:p>
+      </c:txPr>
+    </c:legend>
+    <c:plotVisOnly val="1"/>
+    <c:dispBlanksAs val="gap"/>
+    <c:showDLblsOverMax val="0"/>
+  </c:chart>
+  <c:spPr>
+    <a:solidFill>
+      <a:schemeClr val="bg1"/>
+    </a:solidFill>
+    <a:ln w="9525" cap="flat" cmpd="sng" algn="ctr">
+      <a:noFill/>
+      <a:round/>
+    </a:ln>
+    <a:effectLst/>
+  </c:spPr>
+  <c:txPr>
+    <a:bodyPr/>
+    <a:lstStyle/>
+    <a:p>
+      <a:pPr>
+        <a:defRPr sz="1200">
+          <a:latin typeface="+mn-lt"/>
+          <a:cs typeface="Arial" panose="020B0604020202020204" pitchFamily="34" charset="0"/>
+        </a:defRPr>
+      </a:pPr>
+      <a:endParaRPr lang="en-US"/>
+    </a:p>
+  </c:txPr>
+  <c:externalData r:id="rId3">
+    <c:autoUpdate val="0"/>
+  </c:externalData>
+</c:chartSpace>
+</file>
+
+<file path=ppt/charts/colors1.xml><?xml version="1.0" encoding="utf-8"?>
+<cs:colorStyle xmlns:cs="http://schemas.microsoft.com/office/drawing/2012/chartStyle" xmlns:a="http://schemas.openxmlformats.org/drawingml/2006/main" meth="cycle" id="10">
+  <a:schemeClr val="accent1"/>
+  <a:schemeClr val="accent2"/>
+  <a:schemeClr val="accent3"/>
+  <a:schemeClr val="accent4"/>
+  <a:schemeClr val="accent5"/>
+  <a:schemeClr val="accent6"/>
+  <cs:variation/>
+  <cs:variation>
+    <a:lumMod val="60000"/>
+  </cs:variation>
+  <cs:variation>
+    <a:lumMod val="80000"/>
+    <a:lumOff val="20000"/>
+  </cs:variation>
+  <cs:variation>
+    <a:lumMod val="80000"/>
+  </cs:variation>
+  <cs:variation>
+    <a:lumMod val="60000"/>
+    <a:lumOff val="40000"/>
+  </cs:variation>
+  <cs:variation>
+    <a:lumMod val="50000"/>
+  </cs:variation>
+  <cs:variation>
+    <a:lumMod val="70000"/>
+    <a:lumOff val="30000"/>
+  </cs:variation>
+  <cs:variation>
+    <a:lumMod val="70000"/>
+  </cs:variation>
+  <cs:variation>
+    <a:lumMod val="50000"/>
+    <a:lumOff val="50000"/>
+  </cs:variation>
+</cs:colorStyle>
+</file>
+
+<file path=ppt/charts/colors2.xml><?xml version="1.0" encoding="utf-8"?>
+<cs:colorStyle xmlns:cs="http://schemas.microsoft.com/office/drawing/2012/chartStyle" xmlns:a="http://schemas.openxmlformats.org/drawingml/2006/main" meth="cycle" id="10">
+  <a:schemeClr val="accent1"/>
+  <a:schemeClr val="accent2"/>
+  <a:schemeClr val="accent3"/>
+  <a:schemeClr val="accent4"/>
+  <a:schemeClr val="accent5"/>
+  <a:schemeClr val="accent6"/>
+  <cs:variation/>
+  <cs:variation>
+    <a:lumMod val="60000"/>
+  </cs:variation>
+  <cs:variation>
+    <a:lumMod val="80000"/>
+    <a:lumOff val="20000"/>
+  </cs:variation>
+  <cs:variation>
+    <a:lumMod val="80000"/>
+  </cs:variation>
+  <cs:variation>
+    <a:lumMod val="60000"/>
+    <a:lumOff val="40000"/>
+  </cs:variation>
+  <cs:variation>
+    <a:lumMod val="50000"/>
+  </cs:variation>
+  <cs:variation>
+    <a:lumMod val="70000"/>
+    <a:lumOff val="30000"/>
+  </cs:variation>
+  <cs:variation>
+    <a:lumMod val="70000"/>
+  </cs:variation>
+  <cs:variation>
+    <a:lumMod val="50000"/>
+    <a:lumOff val="50000"/>
+  </cs:variation>
+</cs:colorStyle>
+</file>
+
+<file path=ppt/charts/style1.xml><?xml version="1.0" encoding="utf-8"?>
+<cs:chartStyle xmlns:cs="http://schemas.microsoft.com/office/drawing/2012/chartStyle" xmlns:a="http://schemas.openxmlformats.org/drawingml/2006/main" id="201">
+  <cs:axisTitle>
+    <cs:lnRef idx="0"/>
+    <cs:fillRef idx="0"/>
+    <cs:effectRef idx="0"/>
+    <cs:fontRef idx="minor">
+      <a:schemeClr val="tx1">
+        <a:lumMod val="65000"/>
+        <a:lumOff val="35000"/>
+      </a:schemeClr>
+    </cs:fontRef>
+    <cs:defRPr sz="1000" kern="1200"/>
+  </cs:axisTitle>
+  <cs:categoryAxis>
+    <cs:lnRef idx="0"/>
+    <cs:fillRef idx="0"/>
+    <cs:effectRef idx="0"/>
+    <cs:fontRef idx="minor">
+      <a:schemeClr val="tx1">
+        <a:lumMod val="65000"/>
+        <a:lumOff val="35000"/>
+      </a:schemeClr>
+    </cs:fontRef>
+    <cs:spPr>
+      <a:ln w="9525" cap="flat" cmpd="sng" algn="ctr">
+        <a:solidFill>
+          <a:schemeClr val="tx1">
+            <a:lumMod val="15000"/>
+            <a:lumOff val="85000"/>
+          </a:schemeClr>
+        </a:solidFill>
+        <a:round/>
+      </a:ln>
+    </cs:spPr>
+    <cs:defRPr sz="900" kern="1200"/>
+  </cs:categoryAxis>
+  <cs:chartArea mods="allowNoFillOverride allowNoLineOverride">
+    <cs:lnRef idx="0"/>
+    <cs:fillRef idx="0"/>
+    <cs:effectRef idx="0"/>
+    <cs:fontRef idx="minor">
+      <a:schemeClr val="tx1"/>
+    </cs:fontRef>
+    <cs:spPr>
+      <a:solidFill>
+        <a:schemeClr val="bg1"/>
+      </a:solidFill>
+      <a:ln w="9525" cap="flat" cmpd="sng" algn="ctr">
+        <a:solidFill>
+          <a:schemeClr val="tx1">
+            <a:lumMod val="15000"/>
+            <a:lumOff val="85000"/>
+          </a:schemeClr>
+        </a:solidFill>
+        <a:round/>
+      </a:ln>
+    </cs:spPr>
+    <cs:defRPr sz="1000" kern="1200"/>
+  </cs:chartArea>
+  <cs:dataLabel>
+    <cs:lnRef idx="0"/>
+    <cs:fillRef idx="0"/>
+    <cs:effectRef idx="0"/>
+    <cs:fontRef idx="minor">
+      <a:schemeClr val="tx1">
+        <a:lumMod val="75000"/>
+        <a:lumOff val="25000"/>
+      </a:schemeClr>
+    </cs:fontRef>
+    <cs:defRPr sz="900" kern="1200"/>
+  </cs:dataLabel>
+  <cs:dataLabelCallout>
+    <cs:lnRef idx="0"/>
+    <cs:fillRef idx="0"/>
+    <cs:effectRef idx="0"/>
+    <cs:fontRef idx="minor">
+      <a:schemeClr val="dk1">
+        <a:lumMod val="65000"/>
+        <a:lumOff val="35000"/>
+      </a:schemeClr>
+    </cs:fontRef>
+    <cs:spPr>
+      <a:solidFill>
+        <a:schemeClr val="lt1"/>
+      </a:solidFill>
+      <a:ln>
+        <a:solidFill>
+          <a:schemeClr val="dk1">
+            <a:lumMod val="25000"/>
+            <a:lumOff val="75000"/>
+          </a:schemeClr>
+        </a:solidFill>
+      </a:ln>
+    </cs:spPr>
+    <cs:defRPr sz="900" kern="1200"/>
+    <cs:bodyPr rot="0" spcFirstLastPara="1" vertOverflow="clip" horzOverflow="clip" vert="horz" wrap="square" lIns="36576" tIns="18288" rIns="36576" bIns="18288" anchor="ctr" anchorCtr="1">
+      <a:spAutoFit/>
+    </cs:bodyPr>
+  </cs:dataLabelCallout>
+  <cs:dataPoint>
+    <cs:lnRef idx="0"/>
+    <cs:fillRef idx="1">
+      <cs:styleClr val="auto"/>
+    </cs:fillRef>
+    <cs:effectRef idx="0"/>
+    <cs:fontRef idx="minor">
+      <a:schemeClr val="tx1"/>
+    </cs:fontRef>
+  </cs:dataPoint>
+  <cs:dataPoint3D>
+    <cs:lnRef idx="0"/>
+    <cs:fillRef idx="1">
+      <cs:styleClr val="auto"/>
+    </cs:fillRef>
+    <cs:effectRef idx="0"/>
+    <cs:fontRef idx="minor">
+      <a:schemeClr val="tx1"/>
+    </cs:fontRef>
+  </cs:dataPoint3D>
+  <cs:dataPointLine>
+    <cs:lnRef idx="0">
+      <cs:styleClr val="auto"/>
+    </cs:lnRef>
+    <cs:fillRef idx="1"/>
+    <cs:effectRef idx="0"/>
+    <cs:fontRef idx="minor">
+      <a:schemeClr val="tx1"/>
+    </cs:fontRef>
+    <cs:spPr>
+      <a:ln w="28575" cap="rnd">
+        <a:solidFill>
+          <a:schemeClr val="phClr"/>
+        </a:solidFill>
+        <a:round/>
+      </a:ln>
+    </cs:spPr>
+  </cs:dataPointLine>
+  <cs:dataPointMarker>
+    <cs:lnRef idx="0">
+      <cs:styleClr val="auto"/>
+    </cs:lnRef>
+    <cs:fillRef idx="1">
+      <cs:styleClr val="auto"/>
+    </cs:fillRef>
+    <cs:effectRef idx="0"/>
+    <cs:fontRef idx="minor">
+      <a:schemeClr val="tx1"/>
+    </cs:fontRef>
+    <cs:spPr>
+      <a:ln w="9525">
+        <a:solidFill>
+          <a:schemeClr val="phClr"/>
+        </a:solidFill>
+      </a:ln>
+    </cs:spPr>
+  </cs:dataPointMarker>
+  <cs:dataPointMarkerLayout symbol="circle" size="5"/>
+  <cs:dataPointWireframe>
+    <cs:lnRef idx="0">
+      <cs:styleClr val="auto"/>
+    </cs:lnRef>
+    <cs:fillRef idx="1"/>
+    <cs:effectRef idx="0"/>
+    <cs:fontRef idx="minor">
+      <a:schemeClr val="tx1"/>
+    </cs:fontRef>
+    <cs:spPr>
+      <a:ln w="9525" cap="rnd">
+        <a:solidFill>
+          <a:schemeClr val="phClr"/>
+        </a:solidFill>
+        <a:round/>
+      </a:ln>
+    </cs:spPr>
+  </cs:dataPointWireframe>
+  <cs:dataTable>
+    <cs:lnRef idx="0"/>
+    <cs:fillRef idx="0"/>
+    <cs:effectRef idx="0"/>
+    <cs:fontRef idx="minor">
+      <a:schemeClr val="tx1">
+        <a:lumMod val="65000"/>
+        <a:lumOff val="35000"/>
+      </a:schemeClr>
+    </cs:fontRef>
+    <cs:spPr>
+      <a:noFill/>
+      <a:ln w="9525" cap="flat" cmpd="sng" algn="ctr">
+        <a:solidFill>
+          <a:schemeClr val="tx1">
+            <a:lumMod val="15000"/>
+            <a:lumOff val="85000"/>
+          </a:schemeClr>
+        </a:solidFill>
+        <a:round/>
+      </a:ln>
+    </cs:spPr>
+    <cs:defRPr sz="900" kern="1200"/>
+  </cs:dataTable>
+  <cs:downBar>
+    <cs:lnRef idx="0"/>
+    <cs:fillRef idx="0"/>
+    <cs:effectRef idx="0"/>
+    <cs:fontRef idx="minor">
+      <a:schemeClr val="dk1"/>
+    </cs:fontRef>
+    <cs:spPr>
+      <a:solidFill>
+        <a:schemeClr val="dk1">
+          <a:lumMod val="65000"/>
+          <a:lumOff val="35000"/>
+        </a:schemeClr>
+      </a:solidFill>
+      <a:ln w="9525">
+        <a:solidFill>
+          <a:schemeClr val="tx1">
+            <a:lumMod val="65000"/>
+            <a:lumOff val="35000"/>
+          </a:schemeClr>
+        </a:solidFill>
+      </a:ln>
+    </cs:spPr>
+  </cs:downBar>
+  <cs:dropLine>
+    <cs:lnRef idx="0"/>
+    <cs:fillRef idx="0"/>
+    <cs:effectRef idx="0"/>
+    <cs:fontRef idx="minor">
+      <a:schemeClr val="tx1"/>
+    </cs:fontRef>
+    <cs:spPr>
+      <a:ln w="9525" cap="flat" cmpd="sng" algn="ctr">
+        <a:solidFill>
+          <a:schemeClr val="tx1">
+            <a:lumMod val="35000"/>
+            <a:lumOff val="65000"/>
+          </a:schemeClr>
+        </a:solidFill>
+        <a:round/>
+      </a:ln>
+    </cs:spPr>
+  </cs:dropLine>
+  <cs:errorBar>
+    <cs:lnRef idx="0"/>
+    <cs:fillRef idx="0"/>
+    <cs:effectRef idx="0"/>
+    <cs:fontRef idx="minor">
+      <a:schemeClr val="tx1"/>
+    </cs:fontRef>
+    <cs:spPr>
+      <a:ln w="9525" cap="flat" cmpd="sng" algn="ctr">
+        <a:solidFill>
+          <a:schemeClr val="tx1">
+            <a:lumMod val="65000"/>
+            <a:lumOff val="35000"/>
+          </a:schemeClr>
+        </a:solidFill>
+        <a:round/>
+      </a:ln>
+    </cs:spPr>
+  </cs:errorBar>
+  <cs:floor>
+    <cs:lnRef idx="0"/>
+    <cs:fillRef idx="0"/>
+    <cs:effectRef idx="0"/>
+    <cs:fontRef idx="minor">
+      <a:schemeClr val="tx1"/>
+    </cs:fontRef>
+    <cs:spPr>
+      <a:noFill/>
+      <a:ln>
+        <a:noFill/>
+      </a:ln>
+    </cs:spPr>
+  </cs:floor>
+  <cs:gridlineMajor>
+    <cs:lnRef idx="0"/>
+    <cs:fillRef idx="0"/>
+    <cs:effectRef idx="0"/>
+    <cs:fontRef idx="minor">
+      <a:schemeClr val="tx1"/>
+    </cs:fontRef>
+    <cs:spPr>
+      <a:ln w="9525" cap="flat" cmpd="sng" algn="ctr">
+        <a:solidFill>
+          <a:schemeClr val="tx1">
+            <a:lumMod val="15000"/>
+            <a:lumOff val="85000"/>
+          </a:schemeClr>
+        </a:solidFill>
+        <a:round/>
+      </a:ln>
+    </cs:spPr>
+  </cs:gridlineMajor>
+  <cs:gridlineMinor>
+    <cs:lnRef idx="0"/>
+    <cs:fillRef idx="0"/>
+    <cs:effectRef idx="0"/>
+    <cs:fontRef idx="minor">
+      <a:schemeClr val="tx1"/>
+    </cs:fontRef>
+    <cs:spPr>
+      <a:ln w="9525" cap="flat" cmpd="sng" algn="ctr">
+        <a:solidFill>
+          <a:schemeClr val="tx1">
+            <a:lumMod val="5000"/>
+            <a:lumOff val="95000"/>
+          </a:schemeClr>
+        </a:solidFill>
+        <a:round/>
+      </a:ln>
+    </cs:spPr>
+  </cs:gridlineMinor>
+  <cs:hiLoLine>
+    <cs:lnRef idx="0"/>
+    <cs:fillRef idx="0"/>
+    <cs:effectRef idx="0"/>
+    <cs:fontRef idx="minor">
+      <a:schemeClr val="tx1"/>
+    </cs:fontRef>
+    <cs:spPr>
+      <a:ln w="9525" cap="flat" cmpd="sng" algn="ctr">
+        <a:solidFill>
+          <a:schemeClr val="tx1">
+            <a:lumMod val="75000"/>
+            <a:lumOff val="25000"/>
+          </a:schemeClr>
+        </a:solidFill>
+        <a:round/>
+      </a:ln>
+    </cs:spPr>
+  </cs:hiLoLine>
+  <cs:leaderLine>
+    <cs:lnRef idx="0"/>
+    <cs:fillRef idx="0"/>
+    <cs:effectRef idx="0"/>
+    <cs:fontRef idx="minor">
+      <a:schemeClr val="tx1"/>
+    </cs:fontRef>
+    <cs:spPr>
+      <a:ln w="9525" cap="flat" cmpd="sng" algn="ctr">
+        <a:solidFill>
+          <a:schemeClr val="tx1">
+            <a:lumMod val="35000"/>
+            <a:lumOff val="65000"/>
+          </a:schemeClr>
+        </a:solidFill>
+        <a:round/>
+      </a:ln>
+    </cs:spPr>
+  </cs:leaderLine>
+  <cs:legend>
+    <cs:lnRef idx="0"/>
+    <cs:fillRef idx="0"/>
+    <cs:effectRef idx="0"/>
+    <cs:fontRef idx="minor">
+      <a:schemeClr val="tx1">
+        <a:lumMod val="65000"/>
+        <a:lumOff val="35000"/>
+      </a:schemeClr>
+    </cs:fontRef>
+    <cs:defRPr sz="900" kern="1200"/>
+  </cs:legend>
+  <cs:plotArea mods="allowNoFillOverride allowNoLineOverride">
+    <cs:lnRef idx="0"/>
+    <cs:fillRef idx="0"/>
+    <cs:effectRef idx="0"/>
+    <cs:fontRef idx="minor">
+      <a:schemeClr val="tx1"/>
+    </cs:fontRef>
+  </cs:plotArea>
+  <cs:plotArea3D mods="allowNoFillOverride allowNoLineOverride">
+    <cs:lnRef idx="0"/>
+    <cs:fillRef idx="0"/>
+    <cs:effectRef idx="0"/>
+    <cs:fontRef idx="minor">
+      <a:schemeClr val="tx1"/>
+    </cs:fontRef>
+  </cs:plotArea3D>
+  <cs:seriesAxis>
+    <cs:lnRef idx="0"/>
+    <cs:fillRef idx="0"/>
+    <cs:effectRef idx="0"/>
+    <cs:fontRef idx="minor">
+      <a:schemeClr val="tx1">
+        <a:lumMod val="65000"/>
+        <a:lumOff val="35000"/>
+      </a:schemeClr>
+    </cs:fontRef>
+    <cs:defRPr sz="900" kern="1200"/>
+  </cs:seriesAxis>
+  <cs:seriesLine>
+    <cs:lnRef idx="0"/>
+    <cs:fillRef idx="0"/>
+    <cs:effectRef idx="0"/>
+    <cs:fontRef idx="minor">
+      <a:schemeClr val="tx1"/>
+    </cs:fontRef>
+    <cs:spPr>
+      <a:ln w="9525" cap="flat" cmpd="sng" algn="ctr">
+        <a:solidFill>
+          <a:schemeClr val="tx1">
+            <a:lumMod val="35000"/>
+            <a:lumOff val="65000"/>
+          </a:schemeClr>
+        </a:solidFill>
+        <a:round/>
+      </a:ln>
+    </cs:spPr>
+  </cs:seriesLine>
+  <cs:title>
+    <cs:lnRef idx="0"/>
+    <cs:fillRef idx="0"/>
+    <cs:effectRef idx="0"/>
+    <cs:fontRef idx="minor">
+      <a:schemeClr val="tx1">
+        <a:lumMod val="65000"/>
+        <a:lumOff val="35000"/>
+      </a:schemeClr>
+    </cs:fontRef>
+    <cs:defRPr sz="1400" b="0" kern="1200" spc="0" baseline="0"/>
+  </cs:title>
+  <cs:trendline>
+    <cs:lnRef idx="0">
+      <cs:styleClr val="auto"/>
+    </cs:lnRef>
+    <cs:fillRef idx="0"/>
+    <cs:effectRef idx="0"/>
+    <cs:fontRef idx="minor">
+      <a:schemeClr val="tx1"/>
+    </cs:fontRef>
+    <cs:spPr>
+      <a:ln w="19050" cap="rnd">
+        <a:solidFill>
+          <a:schemeClr val="phClr"/>
+        </a:solidFill>
+        <a:prstDash val="sysDot"/>
+      </a:ln>
+    </cs:spPr>
+  </cs:trendline>
+  <cs:trendlineLabel>
+    <cs:lnRef idx="0"/>
+    <cs:fillRef idx="0"/>
+    <cs:effectRef idx="0"/>
+    <cs:fontRef idx="minor">
+      <a:schemeClr val="tx1">
+        <a:lumMod val="65000"/>
+        <a:lumOff val="35000"/>
+      </a:schemeClr>
+    </cs:fontRef>
+    <cs:defRPr sz="900" kern="1200"/>
+  </cs:trendlineLabel>
+  <cs:upBar>
+    <cs:lnRef idx="0"/>
+    <cs:fillRef idx="0"/>
+    <cs:effectRef idx="0"/>
+    <cs:fontRef idx="minor">
+      <a:schemeClr val="dk1"/>
+    </cs:fontRef>
+    <cs:spPr>
+      <a:solidFill>
+        <a:schemeClr val="lt1"/>
+      </a:solidFill>
+      <a:ln w="9525">
+        <a:solidFill>
+          <a:schemeClr val="tx1">
+            <a:lumMod val="15000"/>
+            <a:lumOff val="85000"/>
+          </a:schemeClr>
+        </a:solidFill>
+      </a:ln>
+    </cs:spPr>
+  </cs:upBar>
+  <cs:valueAxis>
+    <cs:lnRef idx="0"/>
+    <cs:fillRef idx="0"/>
+    <cs:effectRef idx="0"/>
+    <cs:fontRef idx="minor">
+      <a:schemeClr val="tx1">
+        <a:lumMod val="65000"/>
+        <a:lumOff val="35000"/>
+      </a:schemeClr>
+    </cs:fontRef>
+    <cs:defRPr sz="900" kern="1200"/>
+  </cs:valueAxis>
+  <cs:wall>
+    <cs:lnRef idx="0"/>
+    <cs:fillRef idx="0"/>
+    <cs:effectRef idx="0"/>
+    <cs:fontRef idx="minor">
+      <a:schemeClr val="tx1"/>
+    </cs:fontRef>
+    <cs:spPr>
+      <a:noFill/>
+      <a:ln>
+        <a:noFill/>
+      </a:ln>
+    </cs:spPr>
+  </cs:wall>
+</cs:chartStyle>
+</file>
+
+<file path=ppt/charts/style2.xml><?xml version="1.0" encoding="utf-8"?>
+<cs:chartStyle xmlns:cs="http://schemas.microsoft.com/office/drawing/2012/chartStyle" xmlns:a="http://schemas.openxmlformats.org/drawingml/2006/main" id="201">
+  <cs:axisTitle>
+    <cs:lnRef idx="0"/>
+    <cs:fillRef idx="0"/>
+    <cs:effectRef idx="0"/>
+    <cs:fontRef idx="minor">
+      <a:schemeClr val="tx1">
+        <a:lumMod val="65000"/>
+        <a:lumOff val="35000"/>
+      </a:schemeClr>
+    </cs:fontRef>
+    <cs:defRPr sz="1000" kern="1200"/>
+  </cs:axisTitle>
+  <cs:categoryAxis>
+    <cs:lnRef idx="0"/>
+    <cs:fillRef idx="0"/>
+    <cs:effectRef idx="0"/>
+    <cs:fontRef idx="minor">
+      <a:schemeClr val="tx1">
+        <a:lumMod val="65000"/>
+        <a:lumOff val="35000"/>
+      </a:schemeClr>
+    </cs:fontRef>
+    <cs:spPr>
+      <a:ln w="9525" cap="flat" cmpd="sng" algn="ctr">
+        <a:solidFill>
+          <a:schemeClr val="tx1">
+            <a:lumMod val="15000"/>
+            <a:lumOff val="85000"/>
+          </a:schemeClr>
+        </a:solidFill>
+        <a:round/>
+      </a:ln>
+    </cs:spPr>
+    <cs:defRPr sz="900" kern="1200"/>
+  </cs:categoryAxis>
+  <cs:chartArea mods="allowNoFillOverride allowNoLineOverride">
+    <cs:lnRef idx="0"/>
+    <cs:fillRef idx="0"/>
+    <cs:effectRef idx="0"/>
+    <cs:fontRef idx="minor">
+      <a:schemeClr val="tx1"/>
+    </cs:fontRef>
+    <cs:spPr>
+      <a:solidFill>
+        <a:schemeClr val="bg1"/>
+      </a:solidFill>
+      <a:ln w="9525" cap="flat" cmpd="sng" algn="ctr">
+        <a:solidFill>
+          <a:schemeClr val="tx1">
+            <a:lumMod val="15000"/>
+            <a:lumOff val="85000"/>
+          </a:schemeClr>
+        </a:solidFill>
+        <a:round/>
+      </a:ln>
+    </cs:spPr>
+    <cs:defRPr sz="1000" kern="1200"/>
+  </cs:chartArea>
+  <cs:dataLabel>
+    <cs:lnRef idx="0"/>
+    <cs:fillRef idx="0"/>
+    <cs:effectRef idx="0"/>
+    <cs:fontRef idx="minor">
+      <a:schemeClr val="tx1">
+        <a:lumMod val="75000"/>
+        <a:lumOff val="25000"/>
+      </a:schemeClr>
+    </cs:fontRef>
+    <cs:defRPr sz="900" kern="1200"/>
+  </cs:dataLabel>
+  <cs:dataLabelCallout>
+    <cs:lnRef idx="0"/>
+    <cs:fillRef idx="0"/>
+    <cs:effectRef idx="0"/>
+    <cs:fontRef idx="minor">
+      <a:schemeClr val="dk1">
+        <a:lumMod val="65000"/>
+        <a:lumOff val="35000"/>
+      </a:schemeClr>
+    </cs:fontRef>
+    <cs:spPr>
+      <a:solidFill>
+        <a:schemeClr val="lt1"/>
+      </a:solidFill>
+      <a:ln>
+        <a:solidFill>
+          <a:schemeClr val="dk1">
+            <a:lumMod val="25000"/>
+            <a:lumOff val="75000"/>
+          </a:schemeClr>
+        </a:solidFill>
+      </a:ln>
+    </cs:spPr>
+    <cs:defRPr sz="900" kern="1200"/>
+    <cs:bodyPr rot="0" spcFirstLastPara="1" vertOverflow="clip" horzOverflow="clip" vert="horz" wrap="square" lIns="36576" tIns="18288" rIns="36576" bIns="18288" anchor="ctr" anchorCtr="1">
+      <a:spAutoFit/>
+    </cs:bodyPr>
+  </cs:dataLabelCallout>
+  <cs:dataPoint>
+    <cs:lnRef idx="0"/>
+    <cs:fillRef idx="1">
+      <cs:styleClr val="auto"/>
+    </cs:fillRef>
+    <cs:effectRef idx="0"/>
+    <cs:fontRef idx="minor">
+      <a:schemeClr val="tx1"/>
+    </cs:fontRef>
+  </cs:dataPoint>
+  <cs:dataPoint3D>
+    <cs:lnRef idx="0"/>
+    <cs:fillRef idx="1">
+      <cs:styleClr val="auto"/>
+    </cs:fillRef>
+    <cs:effectRef idx="0"/>
+    <cs:fontRef idx="minor">
+      <a:schemeClr val="tx1"/>
+    </cs:fontRef>
+  </cs:dataPoint3D>
+  <cs:dataPointLine>
+    <cs:lnRef idx="0">
+      <cs:styleClr val="auto"/>
+    </cs:lnRef>
+    <cs:fillRef idx="1"/>
+    <cs:effectRef idx="0"/>
+    <cs:fontRef idx="minor">
+      <a:schemeClr val="tx1"/>
+    </cs:fontRef>
+    <cs:spPr>
+      <a:ln w="28575" cap="rnd">
+        <a:solidFill>
+          <a:schemeClr val="phClr"/>
+        </a:solidFill>
+        <a:round/>
+      </a:ln>
+    </cs:spPr>
+  </cs:dataPointLine>
+  <cs:dataPointMarker>
+    <cs:lnRef idx="0">
+      <cs:styleClr val="auto"/>
+    </cs:lnRef>
+    <cs:fillRef idx="1">
+      <cs:styleClr val="auto"/>
+    </cs:fillRef>
+    <cs:effectRef idx="0"/>
+    <cs:fontRef idx="minor">
+      <a:schemeClr val="tx1"/>
+    </cs:fontRef>
+    <cs:spPr>
+      <a:ln w="9525">
+        <a:solidFill>
+          <a:schemeClr val="phClr"/>
+        </a:solidFill>
+      </a:ln>
+    </cs:spPr>
+  </cs:dataPointMarker>
+  <cs:dataPointMarkerLayout symbol="circle" size="5"/>
+  <cs:dataPointWireframe>
+    <cs:lnRef idx="0">
+      <cs:styleClr val="auto"/>
+    </cs:lnRef>
+    <cs:fillRef idx="1"/>
+    <cs:effectRef idx="0"/>
+    <cs:fontRef idx="minor">
+      <a:schemeClr val="tx1"/>
+    </cs:fontRef>
+    <cs:spPr>
+      <a:ln w="9525" cap="rnd">
+        <a:solidFill>
+          <a:schemeClr val="phClr"/>
+        </a:solidFill>
+        <a:round/>
+      </a:ln>
+    </cs:spPr>
+  </cs:dataPointWireframe>
+  <cs:dataTable>
+    <cs:lnRef idx="0"/>
+    <cs:fillRef idx="0"/>
+    <cs:effectRef idx="0"/>
+    <cs:fontRef idx="minor">
+      <a:schemeClr val="tx1">
+        <a:lumMod val="65000"/>
+        <a:lumOff val="35000"/>
+      </a:schemeClr>
+    </cs:fontRef>
+    <cs:spPr>
+      <a:noFill/>
+      <a:ln w="9525" cap="flat" cmpd="sng" algn="ctr">
+        <a:solidFill>
+          <a:schemeClr val="tx1">
+            <a:lumMod val="15000"/>
+            <a:lumOff val="85000"/>
+          </a:schemeClr>
+        </a:solidFill>
+        <a:round/>
+      </a:ln>
+    </cs:spPr>
+    <cs:defRPr sz="900" kern="1200"/>
+  </cs:dataTable>
+  <cs:downBar>
+    <cs:lnRef idx="0"/>
+    <cs:fillRef idx="0"/>
+    <cs:effectRef idx="0"/>
+    <cs:fontRef idx="minor">
+      <a:schemeClr val="dk1"/>
+    </cs:fontRef>
+    <cs:spPr>
+      <a:solidFill>
+        <a:schemeClr val="dk1">
+          <a:lumMod val="65000"/>
+          <a:lumOff val="35000"/>
+        </a:schemeClr>
+      </a:solidFill>
+      <a:ln w="9525">
+        <a:solidFill>
+          <a:schemeClr val="tx1">
+            <a:lumMod val="65000"/>
+            <a:lumOff val="35000"/>
+          </a:schemeClr>
+        </a:solidFill>
+      </a:ln>
+    </cs:spPr>
+  </cs:downBar>
+  <cs:dropLine>
+    <cs:lnRef idx="0"/>
+    <cs:fillRef idx="0"/>
+    <cs:effectRef idx="0"/>
+    <cs:fontRef idx="minor">
+      <a:schemeClr val="tx1"/>
+    </cs:fontRef>
+    <cs:spPr>
+      <a:ln w="9525" cap="flat" cmpd="sng" algn="ctr">
+        <a:solidFill>
+          <a:schemeClr val="tx1">
+            <a:lumMod val="35000"/>
+            <a:lumOff val="65000"/>
+          </a:schemeClr>
+        </a:solidFill>
+        <a:round/>
+      </a:ln>
+    </cs:spPr>
+  </cs:dropLine>
+  <cs:errorBar>
+    <cs:lnRef idx="0"/>
+    <cs:fillRef idx="0"/>
+    <cs:effectRef idx="0"/>
+    <cs:fontRef idx="minor">
+      <a:schemeClr val="tx1"/>
+    </cs:fontRef>
+    <cs:spPr>
+      <a:ln w="9525" cap="flat" cmpd="sng" algn="ctr">
+        <a:solidFill>
+          <a:schemeClr val="tx1">
+            <a:lumMod val="65000"/>
+            <a:lumOff val="35000"/>
+          </a:schemeClr>
+        </a:solidFill>
+        <a:round/>
+      </a:ln>
+    </cs:spPr>
+  </cs:errorBar>
+  <cs:floor>
+    <cs:lnRef idx="0"/>
+    <cs:fillRef idx="0"/>
+    <cs:effectRef idx="0"/>
+    <cs:fontRef idx="minor">
+      <a:schemeClr val="tx1"/>
+    </cs:fontRef>
+    <cs:spPr>
+      <a:noFill/>
+      <a:ln>
+        <a:noFill/>
+      </a:ln>
+    </cs:spPr>
+  </cs:floor>
+  <cs:gridlineMajor>
+    <cs:lnRef idx="0"/>
+    <cs:fillRef idx="0"/>
+    <cs:effectRef idx="0"/>
+    <cs:fontRef idx="minor">
+      <a:schemeClr val="tx1"/>
+    </cs:fontRef>
+    <cs:spPr>
+      <a:ln w="9525" cap="flat" cmpd="sng" algn="ctr">
+        <a:solidFill>
+          <a:schemeClr val="tx1">
+            <a:lumMod val="15000"/>
+            <a:lumOff val="85000"/>
+          </a:schemeClr>
+        </a:solidFill>
+        <a:round/>
+      </a:ln>
+    </cs:spPr>
+  </cs:gridlineMajor>
+  <cs:gridlineMinor>
+    <cs:lnRef idx="0"/>
+    <cs:fillRef idx="0"/>
+    <cs:effectRef idx="0"/>
+    <cs:fontRef idx="minor">
+      <a:schemeClr val="tx1"/>
+    </cs:fontRef>
+    <cs:spPr>
+      <a:ln w="9525" cap="flat" cmpd="sng" algn="ctr">
+        <a:solidFill>
+          <a:schemeClr val="tx1">
+            <a:lumMod val="5000"/>
+            <a:lumOff val="95000"/>
+          </a:schemeClr>
+        </a:solidFill>
+        <a:round/>
+      </a:ln>
+    </cs:spPr>
+  </cs:gridlineMinor>
+  <cs:hiLoLine>
+    <cs:lnRef idx="0"/>
+    <cs:fillRef idx="0"/>
+    <cs:effectRef idx="0"/>
+    <cs:fontRef idx="minor">
+      <a:schemeClr val="tx1"/>
+    </cs:fontRef>
+    <cs:spPr>
+      <a:ln w="9525" cap="flat" cmpd="sng" algn="ctr">
+        <a:solidFill>
+          <a:schemeClr val="tx1">
+            <a:lumMod val="75000"/>
+            <a:lumOff val="25000"/>
+          </a:schemeClr>
+        </a:solidFill>
+        <a:round/>
+      </a:ln>
+    </cs:spPr>
+  </cs:hiLoLine>
+  <cs:leaderLine>
+    <cs:lnRef idx="0"/>
+    <cs:fillRef idx="0"/>
+    <cs:effectRef idx="0"/>
+    <cs:fontRef idx="minor">
+      <a:schemeClr val="tx1"/>
+    </cs:fontRef>
+    <cs:spPr>
+      <a:ln w="9525" cap="flat" cmpd="sng" algn="ctr">
+        <a:solidFill>
+          <a:schemeClr val="tx1">
+            <a:lumMod val="35000"/>
+            <a:lumOff val="65000"/>
+          </a:schemeClr>
+        </a:solidFill>
+        <a:round/>
+      </a:ln>
+    </cs:spPr>
+  </cs:leaderLine>
+  <cs:legend>
+    <cs:lnRef idx="0"/>
+    <cs:fillRef idx="0"/>
+    <cs:effectRef idx="0"/>
+    <cs:fontRef idx="minor">
+      <a:schemeClr val="tx1">
+        <a:lumMod val="65000"/>
+        <a:lumOff val="35000"/>
+      </a:schemeClr>
+    </cs:fontRef>
+    <cs:defRPr sz="900" kern="1200"/>
+  </cs:legend>
+  <cs:plotArea mods="allowNoFillOverride allowNoLineOverride">
+    <cs:lnRef idx="0"/>
+    <cs:fillRef idx="0"/>
+    <cs:effectRef idx="0"/>
+    <cs:fontRef idx="minor">
+      <a:schemeClr val="tx1"/>
+    </cs:fontRef>
+  </cs:plotArea>
+  <cs:plotArea3D mods="allowNoFillOverride allowNoLineOverride">
+    <cs:lnRef idx="0"/>
+    <cs:fillRef idx="0"/>
+    <cs:effectRef idx="0"/>
+    <cs:fontRef idx="minor">
+      <a:schemeClr val="tx1"/>
+    </cs:fontRef>
+  </cs:plotArea3D>
+  <cs:seriesAxis>
+    <cs:lnRef idx="0"/>
+    <cs:fillRef idx="0"/>
+    <cs:effectRef idx="0"/>
+    <cs:fontRef idx="minor">
+      <a:schemeClr val="tx1">
+        <a:lumMod val="65000"/>
+        <a:lumOff val="35000"/>
+      </a:schemeClr>
+    </cs:fontRef>
+    <cs:defRPr sz="900" kern="1200"/>
+  </cs:seriesAxis>
+  <cs:seriesLine>
+    <cs:lnRef idx="0"/>
+    <cs:fillRef idx="0"/>
+    <cs:effectRef idx="0"/>
+    <cs:fontRef idx="minor">
+      <a:schemeClr val="tx1"/>
+    </cs:fontRef>
+    <cs:spPr>
+      <a:ln w="9525" cap="flat" cmpd="sng" algn="ctr">
+        <a:solidFill>
+          <a:schemeClr val="tx1">
+            <a:lumMod val="35000"/>
+            <a:lumOff val="65000"/>
+          </a:schemeClr>
+        </a:solidFill>
+        <a:round/>
+      </a:ln>
+    </cs:spPr>
+  </cs:seriesLine>
+  <cs:title>
+    <cs:lnRef idx="0"/>
+    <cs:fillRef idx="0"/>
+    <cs:effectRef idx="0"/>
+    <cs:fontRef idx="minor">
+      <a:schemeClr val="tx1">
+        <a:lumMod val="65000"/>
+        <a:lumOff val="35000"/>
+      </a:schemeClr>
+    </cs:fontRef>
+    <cs:defRPr sz="1400" b="0" kern="1200" spc="0" baseline="0"/>
+  </cs:title>
+  <cs:trendline>
+    <cs:lnRef idx="0">
+      <cs:styleClr val="auto"/>
+    </cs:lnRef>
+    <cs:fillRef idx="0"/>
+    <cs:effectRef idx="0"/>
+    <cs:fontRef idx="minor">
+      <a:schemeClr val="tx1"/>
+    </cs:fontRef>
+    <cs:spPr>
+      <a:ln w="19050" cap="rnd">
+        <a:solidFill>
+          <a:schemeClr val="phClr"/>
+        </a:solidFill>
+        <a:prstDash val="sysDot"/>
+      </a:ln>
+    </cs:spPr>
+  </cs:trendline>
+  <cs:trendlineLabel>
+    <cs:lnRef idx="0"/>
+    <cs:fillRef idx="0"/>
+    <cs:effectRef idx="0"/>
+    <cs:fontRef idx="minor">
+      <a:schemeClr val="tx1">
+        <a:lumMod val="65000"/>
+        <a:lumOff val="35000"/>
+      </a:schemeClr>
+    </cs:fontRef>
+    <cs:defRPr sz="900" kern="1200"/>
+  </cs:trendlineLabel>
+  <cs:upBar>
+    <cs:lnRef idx="0"/>
+    <cs:fillRef idx="0"/>
+    <cs:effectRef idx="0"/>
+    <cs:fontRef idx="minor">
+      <a:schemeClr val="dk1"/>
+    </cs:fontRef>
+    <cs:spPr>
+      <a:solidFill>
+        <a:schemeClr val="lt1"/>
+      </a:solidFill>
+      <a:ln w="9525">
+        <a:solidFill>
+          <a:schemeClr val="tx1">
+            <a:lumMod val="15000"/>
+            <a:lumOff val="85000"/>
+          </a:schemeClr>
+        </a:solidFill>
+      </a:ln>
+    </cs:spPr>
+  </cs:upBar>
+  <cs:valueAxis>
+    <cs:lnRef idx="0"/>
+    <cs:fillRef idx="0"/>
+    <cs:effectRef idx="0"/>
+    <cs:fontRef idx="minor">
+      <a:schemeClr val="tx1">
+        <a:lumMod val="65000"/>
+        <a:lumOff val="35000"/>
+      </a:schemeClr>
+    </cs:fontRef>
+    <cs:defRPr sz="900" kern="1200"/>
+  </cs:valueAxis>
+  <cs:wall>
+    <cs:lnRef idx="0"/>
+    <cs:fillRef idx="0"/>
+    <cs:effectRef idx="0"/>
+    <cs:fontRef idx="minor">
+      <a:schemeClr val="tx1"/>
+    </cs:fontRef>
+    <cs:spPr>
+      <a:noFill/>
+      <a:ln>
+        <a:noFill/>
+      </a:ln>
+    </cs:spPr>
+  </cs:wall>
+</cs:chartStyle>
+</file>
+
 <file path=ppt/notesMasters/notesMaster1.xml><?xml version="1.0" encoding="utf-8"?>
 <p:notesMaster xmlns:a="http://schemas.openxmlformats.org/drawingml/2006/main" xmlns:r="http://schemas.openxmlformats.org/officeDocument/2006/relationships" xmlns:p="http://schemas.openxmlformats.org/presentationml/2006/main">
   <p:cSld>
@@ -321,7 +3527,7 @@
           <a:p>
             <a:fld id="{BCDB334D-D17F-49C4-91DD-37BB7E818209}" type="datetimeFigureOut">
               <a:rPr lang="de-CH" smtClean="0"/>
-              <a:t>05.01.2023</a:t>
+              <a:t>07.01.2023</a:t>
             </a:fld>
             <a:endParaRPr lang="de-CH"/>
           </a:p>
@@ -746,7 +3952,7 @@
           <a:p>
             <a:fld id="{3CF37669-2BCF-46DA-B042-E354827809F7}" type="datetime1">
               <a:rPr lang="de-DE" smtClean="0"/>
-              <a:t>05.01.2023</a:t>
+              <a:t>07.01.2023</a:t>
             </a:fld>
             <a:endParaRPr lang="de-DE"/>
           </a:p>
@@ -975,7 +4181,7 @@
           <a:p>
             <a:fld id="{DD0AF57A-3629-4D20-9CDE-C9CA7A3667AA}" type="datetime1">
               <a:rPr lang="de-DE" smtClean="0"/>
-              <a:t>05.01.2023</a:t>
+              <a:t>07.01.2023</a:t>
             </a:fld>
             <a:endParaRPr lang="de-DE"/>
           </a:p>
@@ -1247,7 +4453,7 @@
           <a:p>
             <a:fld id="{A02690AB-37C5-464E-B999-AEA04CFF82B9}" type="datetime1">
               <a:rPr lang="de-DE" smtClean="0"/>
-              <a:t>05.01.2023</a:t>
+              <a:t>07.01.2023</a:t>
             </a:fld>
             <a:endParaRPr lang="de-DE" dirty="0"/>
           </a:p>
@@ -1556,7 +4762,7 @@
           <a:p>
             <a:fld id="{D6387CFC-9D6A-4A2B-A4A9-D1A02656E42F}" type="datetime1">
               <a:rPr lang="de-DE" smtClean="0"/>
-              <a:t>05.01.2023</a:t>
+              <a:t>07.01.2023</a:t>
             </a:fld>
             <a:endParaRPr lang="de-DE"/>
           </a:p>
@@ -2160,7 +5366,7 @@
           <a:p>
             <a:fld id="{FF15E650-2C9B-4E22-B544-79A90AB3DDC1}" type="datetime1">
               <a:rPr lang="de-DE" smtClean="0"/>
-              <a:t>05.01.2023</a:t>
+              <a:t>07.01.2023</a:t>
             </a:fld>
             <a:endParaRPr lang="de-DE"/>
           </a:p>
@@ -2493,7 +5699,7 @@
           <a:p>
             <a:fld id="{61621C89-5216-48C0-BC08-43A5D37DC60A}" type="datetime1">
               <a:rPr lang="de-DE" smtClean="0"/>
-              <a:t>05.01.2023</a:t>
+              <a:t>07.01.2023</a:t>
             </a:fld>
             <a:endParaRPr lang="de-DE"/>
           </a:p>
@@ -2617,7 +5823,7 @@
           <a:p>
             <a:fld id="{F1FF226D-F83D-4818-9860-D08642397BB7}" type="datetime1">
               <a:rPr lang="de-DE" smtClean="0"/>
-              <a:t>05.01.2023</a:t>
+              <a:t>07.01.2023</a:t>
             </a:fld>
             <a:endParaRPr lang="de-DE"/>
           </a:p>
@@ -2744,7 +5950,7 @@
           <a:p>
             <a:fld id="{A5F31C7A-EA54-4BF4-ACB0-2765243AF525}" type="datetime1">
               <a:rPr lang="de-DE" smtClean="0"/>
-              <a:t>05.01.2023</a:t>
+              <a:t>07.01.2023</a:t>
             </a:fld>
             <a:endParaRPr lang="de-DE"/>
           </a:p>
@@ -2887,7 +6093,7 @@
           <a:p>
             <a:fld id="{EFD419F0-1738-4192-8FF2-BE957FD32662}" type="datetime1">
               <a:rPr lang="de-DE" smtClean="0"/>
-              <a:t>05.01.2023</a:t>
+              <a:t>07.01.2023</a:t>
             </a:fld>
             <a:endParaRPr lang="de-DE"/>
           </a:p>
@@ -3285,7 +6491,7 @@
           <a:p>
             <a:fld id="{D78D58C2-FBCE-4B47-BBAC-2891E9120B14}" type="datetime1">
               <a:rPr lang="de-DE" smtClean="0"/>
-              <a:t>05.01.2023</a:t>
+              <a:t>07.01.2023</a:t>
             </a:fld>
             <a:endParaRPr lang="de-DE" dirty="0"/>
           </a:p>
@@ -3955,7 +7161,7 @@
           <a:p>
             <a:fld id="{3CF37669-2BCF-46DA-B042-E354827809F7}" type="datetime1">
               <a:rPr lang="de-DE" smtClean="0"/>
-              <a:t>05.01.2023</a:t>
+              <a:t>07.01.2023</a:t>
             </a:fld>
             <a:endParaRPr lang="de-DE"/>
           </a:p>
@@ -4085,7 +7291,31 @@
           <a:bodyPr/>
           <a:lstStyle/>
           <a:p>
-            <a:endParaRPr lang="en-US"/>
+            <a:r>
+              <a:rPr lang="en-US" dirty="0" smtClean="0"/>
+              <a:t>All results presented </a:t>
+            </a:r>
+          </a:p>
+          <a:p>
+            <a:r>
+              <a:rPr lang="en-US" dirty="0" smtClean="0"/>
+              <a:t>Significant p values shown for given </a:t>
+            </a:r>
+          </a:p>
+          <a:p>
+            <a:r>
+              <a:rPr lang="en-US" dirty="0" smtClean="0"/>
+              <a:t>Same p values against </a:t>
+            </a:r>
+            <a:r>
+              <a:rPr lang="en-US" dirty="0" err="1" smtClean="0"/>
+              <a:t>buffat</a:t>
+            </a:r>
+            <a:r>
+              <a:rPr lang="en-US" dirty="0" smtClean="0"/>
+              <a:t> </a:t>
+            </a:r>
+            <a:endParaRPr lang="en-US" dirty="0"/>
           </a:p>
         </p:txBody>
       </p:sp>
@@ -4106,7 +7336,7 @@
           <a:p>
             <a:fld id="{FF15E650-2C9B-4E22-B544-79A90AB3DDC1}" type="datetime1">
               <a:rPr lang="de-DE" smtClean="0"/>
-              <a:t>05.01.2023</a:t>
+              <a:t>07.01.2023</a:t>
             </a:fld>
             <a:endParaRPr lang="de-DE"/>
           </a:p>
@@ -4175,7 +7405,7 @@
           <a:p>
             <a:r>
               <a:rPr lang="en-US" dirty="0" smtClean="0"/>
-              <a:t>LCA results</a:t>
+              <a:t>U Values writings</a:t>
             </a:r>
             <a:endParaRPr lang="en-US" dirty="0"/>
           </a:p>
@@ -4184,7 +7414,7 @@
     </p:spTree>
     <p:extLst>
       <p:ext uri="{BB962C8B-B14F-4D97-AF65-F5344CB8AC3E}">
-        <p14:creationId xmlns:p14="http://schemas.microsoft.com/office/powerpoint/2010/main" val="1406383392"/>
+        <p14:creationId xmlns:p14="http://schemas.microsoft.com/office/powerpoint/2010/main" val="2629382120"/>
       </p:ext>
     </p:extLst>
   </p:cSld>
@@ -4250,7 +7480,7 @@
           <a:p>
             <a:fld id="{FF15E650-2C9B-4E22-B544-79A90AB3DDC1}" type="datetime1">
               <a:rPr lang="de-DE" smtClean="0"/>
-              <a:t>05.01.2023</a:t>
+              <a:t>07.01.2023</a:t>
             </a:fld>
             <a:endParaRPr lang="de-DE"/>
           </a:p>
@@ -4319,7 +7549,7 @@
           <a:p>
             <a:r>
               <a:rPr lang="en-US" dirty="0" smtClean="0"/>
-              <a:t>LCA writings</a:t>
+              <a:t>Heat demand results </a:t>
             </a:r>
             <a:endParaRPr lang="en-US" dirty="0"/>
           </a:p>
@@ -4328,7 +7558,7 @@
     </p:spTree>
     <p:extLst>
       <p:ext uri="{BB962C8B-B14F-4D97-AF65-F5344CB8AC3E}">
-        <p14:creationId xmlns:p14="http://schemas.microsoft.com/office/powerpoint/2010/main" val="3052739354"/>
+        <p14:creationId xmlns:p14="http://schemas.microsoft.com/office/powerpoint/2010/main" val="1444110928"/>
       </p:ext>
     </p:extLst>
   </p:cSld>
@@ -4373,6 +7603,438 @@
           <a:bodyPr/>
           <a:lstStyle/>
           <a:p>
+            <a:endParaRPr lang="en-US"/>
+          </a:p>
+        </p:txBody>
+      </p:sp>
+      <p:sp>
+        <p:nvSpPr>
+          <p:cNvPr id="3" name="Date Placeholder 2"/>
+          <p:cNvSpPr>
+            <a:spLocks noGrp="1"/>
+          </p:cNvSpPr>
+          <p:nvPr>
+            <p:ph type="dt" sz="half" idx="10"/>
+          </p:nvPr>
+        </p:nvSpPr>
+        <p:spPr/>
+        <p:txBody>
+          <a:bodyPr/>
+          <a:lstStyle/>
+          <a:p>
+            <a:fld id="{FF15E650-2C9B-4E22-B544-79A90AB3DDC1}" type="datetime1">
+              <a:rPr lang="de-DE" smtClean="0"/>
+              <a:t>07.01.2023</a:t>
+            </a:fld>
+            <a:endParaRPr lang="de-DE"/>
+          </a:p>
+        </p:txBody>
+      </p:sp>
+      <p:sp>
+        <p:nvSpPr>
+          <p:cNvPr id="4" name="Footer Placeholder 3"/>
+          <p:cNvSpPr>
+            <a:spLocks noGrp="1"/>
+          </p:cNvSpPr>
+          <p:nvPr>
+            <p:ph type="ftr" sz="quarter" idx="11"/>
+          </p:nvPr>
+        </p:nvSpPr>
+        <p:spPr/>
+        <p:txBody>
+          <a:bodyPr/>
+          <a:lstStyle/>
+          <a:p>
+            <a:r>
+              <a:rPr lang="de-DE" smtClean="0"/>
+              <a:t>Shinde, Rhythima</a:t>
+            </a:r>
+            <a:endParaRPr lang="de-DE"/>
+          </a:p>
+        </p:txBody>
+      </p:sp>
+      <p:sp>
+        <p:nvSpPr>
+          <p:cNvPr id="5" name="Slide Number Placeholder 4"/>
+          <p:cNvSpPr>
+            <a:spLocks noGrp="1"/>
+          </p:cNvSpPr>
+          <p:nvPr>
+            <p:ph type="sldNum" sz="quarter" idx="12"/>
+          </p:nvPr>
+        </p:nvSpPr>
+        <p:spPr/>
+        <p:txBody>
+          <a:bodyPr/>
+          <a:lstStyle/>
+          <a:p>
+            <a:fld id="{6C6AE60A-B69C-4790-82F7-3882EDF23186}" type="slidenum">
+              <a:rPr lang="de-DE" smtClean="0"/>
+              <a:t>12</a:t>
+            </a:fld>
+            <a:endParaRPr lang="de-DE"/>
+          </a:p>
+        </p:txBody>
+      </p:sp>
+      <p:sp>
+        <p:nvSpPr>
+          <p:cNvPr id="6" name="Title 5"/>
+          <p:cNvSpPr>
+            <a:spLocks noGrp="1"/>
+          </p:cNvSpPr>
+          <p:nvPr>
+            <p:ph type="title"/>
+          </p:nvPr>
+        </p:nvSpPr>
+        <p:spPr/>
+        <p:txBody>
+          <a:bodyPr/>
+          <a:lstStyle/>
+          <a:p>
+            <a:r>
+              <a:rPr lang="en-US" dirty="0" smtClean="0"/>
+              <a:t>Heat demand writings</a:t>
+            </a:r>
+            <a:endParaRPr lang="en-US" dirty="0"/>
+          </a:p>
+        </p:txBody>
+      </p:sp>
+    </p:spTree>
+    <p:extLst>
+      <p:ext uri="{BB962C8B-B14F-4D97-AF65-F5344CB8AC3E}">
+        <p14:creationId xmlns:p14="http://schemas.microsoft.com/office/powerpoint/2010/main" val="296182105"/>
+      </p:ext>
+    </p:extLst>
+  </p:cSld>
+  <p:clrMapOvr>
+    <a:masterClrMapping/>
+  </p:clrMapOvr>
+  <p:transition>
+    <p:fade/>
+  </p:transition>
+</p:sld>
+</file>
+
+<file path=ppt/slides/slide13.xml><?xml version="1.0" encoding="utf-8"?>
+<p:sld xmlns:a="http://schemas.openxmlformats.org/drawingml/2006/main" xmlns:r="http://schemas.openxmlformats.org/officeDocument/2006/relationships" xmlns:p="http://schemas.openxmlformats.org/presentationml/2006/main">
+  <p:cSld>
+    <p:spTree>
+      <p:nvGrpSpPr>
+        <p:cNvPr id="1" name=""/>
+        <p:cNvGrpSpPr/>
+        <p:nvPr/>
+      </p:nvGrpSpPr>
+      <p:grpSpPr>
+        <a:xfrm>
+          <a:off x="0" y="0"/>
+          <a:ext cx="0" cy="0"/>
+          <a:chOff x="0" y="0"/>
+          <a:chExt cx="0" cy="0"/>
+        </a:xfrm>
+      </p:grpSpPr>
+      <p:sp>
+        <p:nvSpPr>
+          <p:cNvPr id="2" name="Content Placeholder 1"/>
+          <p:cNvSpPr>
+            <a:spLocks noGrp="1"/>
+          </p:cNvSpPr>
+          <p:nvPr>
+            <p:ph idx="1"/>
+          </p:nvPr>
+        </p:nvSpPr>
+        <p:spPr/>
+        <p:txBody>
+          <a:bodyPr/>
+          <a:lstStyle/>
+          <a:p>
+            <a:endParaRPr lang="en-US"/>
+          </a:p>
+        </p:txBody>
+      </p:sp>
+      <p:sp>
+        <p:nvSpPr>
+          <p:cNvPr id="3" name="Date Placeholder 2"/>
+          <p:cNvSpPr>
+            <a:spLocks noGrp="1"/>
+          </p:cNvSpPr>
+          <p:nvPr>
+            <p:ph type="dt" sz="half" idx="10"/>
+          </p:nvPr>
+        </p:nvSpPr>
+        <p:spPr/>
+        <p:txBody>
+          <a:bodyPr/>
+          <a:lstStyle/>
+          <a:p>
+            <a:fld id="{FF15E650-2C9B-4E22-B544-79A90AB3DDC1}" type="datetime1">
+              <a:rPr lang="de-DE" smtClean="0"/>
+              <a:t>07.01.2023</a:t>
+            </a:fld>
+            <a:endParaRPr lang="de-DE"/>
+          </a:p>
+        </p:txBody>
+      </p:sp>
+      <p:sp>
+        <p:nvSpPr>
+          <p:cNvPr id="4" name="Footer Placeholder 3"/>
+          <p:cNvSpPr>
+            <a:spLocks noGrp="1"/>
+          </p:cNvSpPr>
+          <p:nvPr>
+            <p:ph type="ftr" sz="quarter" idx="11"/>
+          </p:nvPr>
+        </p:nvSpPr>
+        <p:spPr/>
+        <p:txBody>
+          <a:bodyPr/>
+          <a:lstStyle/>
+          <a:p>
+            <a:r>
+              <a:rPr lang="de-DE" smtClean="0"/>
+              <a:t>Shinde, Rhythima</a:t>
+            </a:r>
+            <a:endParaRPr lang="de-DE"/>
+          </a:p>
+        </p:txBody>
+      </p:sp>
+      <p:sp>
+        <p:nvSpPr>
+          <p:cNvPr id="5" name="Slide Number Placeholder 4"/>
+          <p:cNvSpPr>
+            <a:spLocks noGrp="1"/>
+          </p:cNvSpPr>
+          <p:nvPr>
+            <p:ph type="sldNum" sz="quarter" idx="12"/>
+          </p:nvPr>
+        </p:nvSpPr>
+        <p:spPr/>
+        <p:txBody>
+          <a:bodyPr/>
+          <a:lstStyle/>
+          <a:p>
+            <a:fld id="{6C6AE60A-B69C-4790-82F7-3882EDF23186}" type="slidenum">
+              <a:rPr lang="de-DE" smtClean="0"/>
+              <a:t>13</a:t>
+            </a:fld>
+            <a:endParaRPr lang="de-DE"/>
+          </a:p>
+        </p:txBody>
+      </p:sp>
+      <p:sp>
+        <p:nvSpPr>
+          <p:cNvPr id="6" name="Title 5"/>
+          <p:cNvSpPr>
+            <a:spLocks noGrp="1"/>
+          </p:cNvSpPr>
+          <p:nvPr>
+            <p:ph type="title"/>
+          </p:nvPr>
+        </p:nvSpPr>
+        <p:spPr/>
+        <p:txBody>
+          <a:bodyPr/>
+          <a:lstStyle/>
+          <a:p>
+            <a:r>
+              <a:rPr lang="en-US" dirty="0" smtClean="0"/>
+              <a:t>LCA results</a:t>
+            </a:r>
+            <a:endParaRPr lang="en-US" dirty="0"/>
+          </a:p>
+        </p:txBody>
+      </p:sp>
+    </p:spTree>
+    <p:extLst>
+      <p:ext uri="{BB962C8B-B14F-4D97-AF65-F5344CB8AC3E}">
+        <p14:creationId xmlns:p14="http://schemas.microsoft.com/office/powerpoint/2010/main" val="1406383392"/>
+      </p:ext>
+    </p:extLst>
+  </p:cSld>
+  <p:clrMapOvr>
+    <a:masterClrMapping/>
+  </p:clrMapOvr>
+  <p:transition>
+    <p:fade/>
+  </p:transition>
+</p:sld>
+</file>
+
+<file path=ppt/slides/slide14.xml><?xml version="1.0" encoding="utf-8"?>
+<p:sld xmlns:a="http://schemas.openxmlformats.org/drawingml/2006/main" xmlns:r="http://schemas.openxmlformats.org/officeDocument/2006/relationships" xmlns:p="http://schemas.openxmlformats.org/presentationml/2006/main">
+  <p:cSld>
+    <p:spTree>
+      <p:nvGrpSpPr>
+        <p:cNvPr id="1" name=""/>
+        <p:cNvGrpSpPr/>
+        <p:nvPr/>
+      </p:nvGrpSpPr>
+      <p:grpSpPr>
+        <a:xfrm>
+          <a:off x="0" y="0"/>
+          <a:ext cx="0" cy="0"/>
+          <a:chOff x="0" y="0"/>
+          <a:chExt cx="0" cy="0"/>
+        </a:xfrm>
+      </p:grpSpPr>
+      <p:sp>
+        <p:nvSpPr>
+          <p:cNvPr id="2" name="Content Placeholder 1"/>
+          <p:cNvSpPr>
+            <a:spLocks noGrp="1"/>
+          </p:cNvSpPr>
+          <p:nvPr>
+            <p:ph idx="1"/>
+          </p:nvPr>
+        </p:nvSpPr>
+        <p:spPr/>
+        <p:txBody>
+          <a:bodyPr/>
+          <a:lstStyle/>
+          <a:p>
+            <a:endParaRPr lang="en-US"/>
+          </a:p>
+        </p:txBody>
+      </p:sp>
+      <p:sp>
+        <p:nvSpPr>
+          <p:cNvPr id="3" name="Date Placeholder 2"/>
+          <p:cNvSpPr>
+            <a:spLocks noGrp="1"/>
+          </p:cNvSpPr>
+          <p:nvPr>
+            <p:ph type="dt" sz="half" idx="10"/>
+          </p:nvPr>
+        </p:nvSpPr>
+        <p:spPr/>
+        <p:txBody>
+          <a:bodyPr/>
+          <a:lstStyle/>
+          <a:p>
+            <a:fld id="{FF15E650-2C9B-4E22-B544-79A90AB3DDC1}" type="datetime1">
+              <a:rPr lang="de-DE" smtClean="0"/>
+              <a:t>07.01.2023</a:t>
+            </a:fld>
+            <a:endParaRPr lang="de-DE"/>
+          </a:p>
+        </p:txBody>
+      </p:sp>
+      <p:sp>
+        <p:nvSpPr>
+          <p:cNvPr id="4" name="Footer Placeholder 3"/>
+          <p:cNvSpPr>
+            <a:spLocks noGrp="1"/>
+          </p:cNvSpPr>
+          <p:nvPr>
+            <p:ph type="ftr" sz="quarter" idx="11"/>
+          </p:nvPr>
+        </p:nvSpPr>
+        <p:spPr/>
+        <p:txBody>
+          <a:bodyPr/>
+          <a:lstStyle/>
+          <a:p>
+            <a:r>
+              <a:rPr lang="de-DE" smtClean="0"/>
+              <a:t>Shinde, Rhythima</a:t>
+            </a:r>
+            <a:endParaRPr lang="de-DE"/>
+          </a:p>
+        </p:txBody>
+      </p:sp>
+      <p:sp>
+        <p:nvSpPr>
+          <p:cNvPr id="5" name="Slide Number Placeholder 4"/>
+          <p:cNvSpPr>
+            <a:spLocks noGrp="1"/>
+          </p:cNvSpPr>
+          <p:nvPr>
+            <p:ph type="sldNum" sz="quarter" idx="12"/>
+          </p:nvPr>
+        </p:nvSpPr>
+        <p:spPr/>
+        <p:txBody>
+          <a:bodyPr/>
+          <a:lstStyle/>
+          <a:p>
+            <a:fld id="{6C6AE60A-B69C-4790-82F7-3882EDF23186}" type="slidenum">
+              <a:rPr lang="de-DE" smtClean="0"/>
+              <a:t>14</a:t>
+            </a:fld>
+            <a:endParaRPr lang="de-DE"/>
+          </a:p>
+        </p:txBody>
+      </p:sp>
+      <p:sp>
+        <p:nvSpPr>
+          <p:cNvPr id="6" name="Title 5"/>
+          <p:cNvSpPr>
+            <a:spLocks noGrp="1"/>
+          </p:cNvSpPr>
+          <p:nvPr>
+            <p:ph type="title"/>
+          </p:nvPr>
+        </p:nvSpPr>
+        <p:spPr/>
+        <p:txBody>
+          <a:bodyPr/>
+          <a:lstStyle/>
+          <a:p>
+            <a:r>
+              <a:rPr lang="en-US" dirty="0" smtClean="0"/>
+              <a:t>LCA writings</a:t>
+            </a:r>
+            <a:endParaRPr lang="en-US" dirty="0"/>
+          </a:p>
+        </p:txBody>
+      </p:sp>
+    </p:spTree>
+    <p:extLst>
+      <p:ext uri="{BB962C8B-B14F-4D97-AF65-F5344CB8AC3E}">
+        <p14:creationId xmlns:p14="http://schemas.microsoft.com/office/powerpoint/2010/main" val="3052739354"/>
+      </p:ext>
+    </p:extLst>
+  </p:cSld>
+  <p:clrMapOvr>
+    <a:masterClrMapping/>
+  </p:clrMapOvr>
+  <p:transition>
+    <p:fade/>
+  </p:transition>
+</p:sld>
+</file>
+
+<file path=ppt/slides/slide15.xml><?xml version="1.0" encoding="utf-8"?>
+<p:sld xmlns:a="http://schemas.openxmlformats.org/drawingml/2006/main" xmlns:r="http://schemas.openxmlformats.org/officeDocument/2006/relationships" xmlns:p="http://schemas.openxmlformats.org/presentationml/2006/main">
+  <p:cSld>
+    <p:spTree>
+      <p:nvGrpSpPr>
+        <p:cNvPr id="1" name=""/>
+        <p:cNvGrpSpPr/>
+        <p:nvPr/>
+      </p:nvGrpSpPr>
+      <p:grpSpPr>
+        <a:xfrm>
+          <a:off x="0" y="0"/>
+          <a:ext cx="0" cy="0"/>
+          <a:chOff x="0" y="0"/>
+          <a:chExt cx="0" cy="0"/>
+        </a:xfrm>
+      </p:grpSpPr>
+      <p:sp>
+        <p:nvSpPr>
+          <p:cNvPr id="2" name="Content Placeholder 1"/>
+          <p:cNvSpPr>
+            <a:spLocks noGrp="1"/>
+          </p:cNvSpPr>
+          <p:nvPr>
+            <p:ph idx="1"/>
+          </p:nvPr>
+        </p:nvSpPr>
+        <p:spPr/>
+        <p:txBody>
+          <a:bodyPr/>
+          <a:lstStyle/>
+          <a:p>
             <a:pPr marL="0" indent="0">
               <a:buNone/>
             </a:pPr>
@@ -4509,7 +8171,7 @@
           <a:p>
             <a:fld id="{FF15E650-2C9B-4E22-B544-79A90AB3DDC1}" type="datetime1">
               <a:rPr lang="de-DE" smtClean="0"/>
-              <a:t>05.01.2023</a:t>
+              <a:t>07.01.2023</a:t>
             </a:fld>
             <a:endParaRPr lang="de-DE"/>
           </a:p>
@@ -4555,7 +8217,7 @@
           <a:p>
             <a:fld id="{6C6AE60A-B69C-4790-82F7-3882EDF23186}" type="slidenum">
               <a:rPr lang="de-DE" smtClean="0"/>
-              <a:t>12</a:t>
+              <a:t>15</a:t>
             </a:fld>
             <a:endParaRPr lang="de-DE"/>
           </a:p>
@@ -4600,7 +8262,7 @@
 </p:sld>
 </file>
 
-<file path=ppt/slides/slide13.xml><?xml version="1.0" encoding="utf-8"?>
+<file path=ppt/slides/slide16.xml><?xml version="1.0" encoding="utf-8"?>
 <p:sld xmlns:a="http://schemas.openxmlformats.org/drawingml/2006/main" xmlns:r="http://schemas.openxmlformats.org/officeDocument/2006/relationships" xmlns:p="http://schemas.openxmlformats.org/presentationml/2006/main">
   <p:cSld>
     <p:spTree>
@@ -4684,7 +8346,7 @@
           <a:p>
             <a:fld id="{FF15E650-2C9B-4E22-B544-79A90AB3DDC1}" type="datetime1">
               <a:rPr lang="de-DE" smtClean="0"/>
-              <a:t>05.01.2023</a:t>
+              <a:t>07.01.2023</a:t>
             </a:fld>
             <a:endParaRPr lang="de-DE"/>
           </a:p>
@@ -4730,7 +8392,7 @@
           <a:p>
             <a:fld id="{6C6AE60A-B69C-4790-82F7-3882EDF23186}" type="slidenum">
               <a:rPr lang="de-DE" smtClean="0"/>
-              <a:t>13</a:t>
+              <a:t>16</a:t>
             </a:fld>
             <a:endParaRPr lang="de-DE"/>
           </a:p>
@@ -4848,7 +8510,7 @@
 </p:sld>
 </file>
 
-<file path=ppt/slides/slide14.xml><?xml version="1.0" encoding="utf-8"?>
+<file path=ppt/slides/slide17.xml><?xml version="1.0" encoding="utf-8"?>
 <p:sld xmlns:a="http://schemas.openxmlformats.org/drawingml/2006/main" xmlns:r="http://schemas.openxmlformats.org/officeDocument/2006/relationships" xmlns:p="http://schemas.openxmlformats.org/presentationml/2006/main">
   <p:cSld>
     <p:spTree>
@@ -4907,7 +8569,7 @@
           <a:p>
             <a:fld id="{FF15E650-2C9B-4E22-B544-79A90AB3DDC1}" type="datetime1">
               <a:rPr lang="de-DE" smtClean="0"/>
-              <a:t>05.01.2023</a:t>
+              <a:t>07.01.2023</a:t>
             </a:fld>
             <a:endParaRPr lang="de-DE"/>
           </a:p>
@@ -4953,7 +8615,7 @@
           <a:p>
             <a:fld id="{6C6AE60A-B69C-4790-82F7-3882EDF23186}" type="slidenum">
               <a:rPr lang="de-DE" smtClean="0"/>
-              <a:t>14</a:t>
+              <a:t>17</a:t>
             </a:fld>
             <a:endParaRPr lang="de-DE"/>
           </a:p>
@@ -5020,7 +8682,7 @@
 </p:sld>
 </file>
 
-<file path=ppt/slides/slide15.xml><?xml version="1.0" encoding="utf-8"?>
+<file path=ppt/slides/slide18.xml><?xml version="1.0" encoding="utf-8"?>
 <p:sld xmlns:a="http://schemas.openxmlformats.org/drawingml/2006/main" xmlns:r="http://schemas.openxmlformats.org/officeDocument/2006/relationships" xmlns:p="http://schemas.openxmlformats.org/presentationml/2006/main">
   <p:cSld>
     <p:spTree>
@@ -5080,7 +8742,7 @@
           <a:p>
             <a:fld id="{FF15E650-2C9B-4E22-B544-79A90AB3DDC1}" type="datetime1">
               <a:rPr lang="de-DE" smtClean="0"/>
-              <a:t>05.01.2023</a:t>
+              <a:t>07.01.2023</a:t>
             </a:fld>
             <a:endParaRPr lang="de-DE"/>
           </a:p>
@@ -5126,7 +8788,7 @@
           <a:p>
             <a:fld id="{6C6AE60A-B69C-4790-82F7-3882EDF23186}" type="slidenum">
               <a:rPr lang="de-DE" smtClean="0"/>
-              <a:t>15</a:t>
+              <a:t>18</a:t>
             </a:fld>
             <a:endParaRPr lang="de-DE"/>
           </a:p>
@@ -5159,722 +8821,6 @@
     <p:extLst>
       <p:ext uri="{BB962C8B-B14F-4D97-AF65-F5344CB8AC3E}">
         <p14:creationId xmlns:p14="http://schemas.microsoft.com/office/powerpoint/2010/main" val="1703934676"/>
-      </p:ext>
-    </p:extLst>
-  </p:cSld>
-  <p:clrMapOvr>
-    <a:masterClrMapping/>
-  </p:clrMapOvr>
-  <p:transition>
-    <p:fade/>
-  </p:transition>
-</p:sld>
-</file>
-
-<file path=ppt/slides/slide16.xml><?xml version="1.0" encoding="utf-8"?>
-<p:sld xmlns:a="http://schemas.openxmlformats.org/drawingml/2006/main" xmlns:r="http://schemas.openxmlformats.org/officeDocument/2006/relationships" xmlns:p="http://schemas.openxmlformats.org/presentationml/2006/main">
-  <p:cSld>
-    <p:spTree>
-      <p:nvGrpSpPr>
-        <p:cNvPr id="1" name=""/>
-        <p:cNvGrpSpPr/>
-        <p:nvPr/>
-      </p:nvGrpSpPr>
-      <p:grpSpPr>
-        <a:xfrm>
-          <a:off x="0" y="0"/>
-          <a:ext cx="0" cy="0"/>
-          <a:chOff x="0" y="0"/>
-          <a:chExt cx="0" cy="0"/>
-        </a:xfrm>
-      </p:grpSpPr>
-      <p:pic>
-        <p:nvPicPr>
-          <p:cNvPr id="7" name="Content Placeholder 6"/>
-          <p:cNvPicPr>
-            <a:picLocks noGrp="1" noChangeAspect="1"/>
-          </p:cNvPicPr>
-          <p:nvPr>
-            <p:ph idx="1"/>
-          </p:nvPr>
-        </p:nvPicPr>
-        <p:blipFill>
-          <a:blip r:embed="rId2"/>
-          <a:stretch>
-            <a:fillRect/>
-          </a:stretch>
-        </p:blipFill>
-        <p:spPr>
-          <a:xfrm>
-            <a:off x="409029" y="1845695"/>
-            <a:ext cx="4832466" cy="4210050"/>
-          </a:xfrm>
-          <a:prstGeom prst="rect">
-            <a:avLst/>
-          </a:prstGeom>
-        </p:spPr>
-      </p:pic>
-      <p:sp>
-        <p:nvSpPr>
-          <p:cNvPr id="3" name="Date Placeholder 2"/>
-          <p:cNvSpPr>
-            <a:spLocks noGrp="1"/>
-          </p:cNvSpPr>
-          <p:nvPr>
-            <p:ph type="dt" sz="half" idx="10"/>
-          </p:nvPr>
-        </p:nvSpPr>
-        <p:spPr/>
-        <p:txBody>
-          <a:bodyPr/>
-          <a:lstStyle/>
-          <a:p>
-            <a:fld id="{FF15E650-2C9B-4E22-B544-79A90AB3DDC1}" type="datetime1">
-              <a:rPr lang="de-DE" smtClean="0"/>
-              <a:t>05.01.2023</a:t>
-            </a:fld>
-            <a:endParaRPr lang="de-DE"/>
-          </a:p>
-        </p:txBody>
-      </p:sp>
-      <p:sp>
-        <p:nvSpPr>
-          <p:cNvPr id="4" name="Footer Placeholder 3"/>
-          <p:cNvSpPr>
-            <a:spLocks noGrp="1"/>
-          </p:cNvSpPr>
-          <p:nvPr>
-            <p:ph type="ftr" sz="quarter" idx="11"/>
-          </p:nvPr>
-        </p:nvSpPr>
-        <p:spPr/>
-        <p:txBody>
-          <a:bodyPr/>
-          <a:lstStyle/>
-          <a:p>
-            <a:r>
-              <a:rPr lang="de-DE" smtClean="0"/>
-              <a:t>Shinde, Rhythima</a:t>
-            </a:r>
-            <a:endParaRPr lang="de-DE"/>
-          </a:p>
-        </p:txBody>
-      </p:sp>
-      <p:sp>
-        <p:nvSpPr>
-          <p:cNvPr id="5" name="Slide Number Placeholder 4"/>
-          <p:cNvSpPr>
-            <a:spLocks noGrp="1"/>
-          </p:cNvSpPr>
-          <p:nvPr>
-            <p:ph type="sldNum" sz="quarter" idx="12"/>
-          </p:nvPr>
-        </p:nvSpPr>
-        <p:spPr/>
-        <p:txBody>
-          <a:bodyPr/>
-          <a:lstStyle/>
-          <a:p>
-            <a:fld id="{6C6AE60A-B69C-4790-82F7-3882EDF23186}" type="slidenum">
-              <a:rPr lang="de-DE" smtClean="0"/>
-              <a:t>16</a:t>
-            </a:fld>
-            <a:endParaRPr lang="de-DE"/>
-          </a:p>
-        </p:txBody>
-      </p:sp>
-      <p:sp>
-        <p:nvSpPr>
-          <p:cNvPr id="6" name="Title 5"/>
-          <p:cNvSpPr>
-            <a:spLocks noGrp="1"/>
-          </p:cNvSpPr>
-          <p:nvPr>
-            <p:ph type="title"/>
-          </p:nvPr>
-        </p:nvSpPr>
-        <p:spPr/>
-        <p:txBody>
-          <a:bodyPr/>
-          <a:lstStyle/>
-          <a:p>
-            <a:r>
-              <a:rPr lang="en-US" dirty="0" smtClean="0"/>
-              <a:t>Paper – Case study (writing)</a:t>
-            </a:r>
-            <a:endParaRPr lang="en-US" dirty="0"/>
-          </a:p>
-        </p:txBody>
-      </p:sp>
-    </p:spTree>
-    <p:extLst>
-      <p:ext uri="{BB962C8B-B14F-4D97-AF65-F5344CB8AC3E}">
-        <p14:creationId xmlns:p14="http://schemas.microsoft.com/office/powerpoint/2010/main" val="3252225311"/>
-      </p:ext>
-    </p:extLst>
-  </p:cSld>
-  <p:clrMapOvr>
-    <a:masterClrMapping/>
-  </p:clrMapOvr>
-  <p:transition>
-    <p:fade/>
-  </p:transition>
-</p:sld>
-</file>
-
-<file path=ppt/slides/slide17.xml><?xml version="1.0" encoding="utf-8"?>
-<p:sld xmlns:a="http://schemas.openxmlformats.org/drawingml/2006/main" xmlns:r="http://schemas.openxmlformats.org/officeDocument/2006/relationships" xmlns:p="http://schemas.openxmlformats.org/presentationml/2006/main">
-  <p:cSld>
-    <p:spTree>
-      <p:nvGrpSpPr>
-        <p:cNvPr id="1" name=""/>
-        <p:cNvGrpSpPr/>
-        <p:nvPr/>
-      </p:nvGrpSpPr>
-      <p:grpSpPr>
-        <a:xfrm>
-          <a:off x="0" y="0"/>
-          <a:ext cx="0" cy="0"/>
-          <a:chOff x="0" y="0"/>
-          <a:chExt cx="0" cy="0"/>
-        </a:xfrm>
-      </p:grpSpPr>
-      <p:sp>
-        <p:nvSpPr>
-          <p:cNvPr id="2" name="Content Placeholder 1"/>
-          <p:cNvSpPr>
-            <a:spLocks noGrp="1"/>
-          </p:cNvSpPr>
-          <p:nvPr>
-            <p:ph idx="1"/>
-          </p:nvPr>
-        </p:nvSpPr>
-        <p:spPr>
-          <a:xfrm>
-            <a:off x="323850" y="2552116"/>
-            <a:ext cx="8496300" cy="3681994"/>
-          </a:xfrm>
-        </p:spPr>
-        <p:txBody>
-          <a:bodyPr/>
-          <a:lstStyle/>
-          <a:p>
-            <a:pPr marL="457200" indent="-457200">
-              <a:buAutoNum type="arabicPeriod"/>
-            </a:pPr>
-            <a:r>
-              <a:rPr lang="en-US" dirty="0" smtClean="0"/>
-              <a:t>Paper </a:t>
-            </a:r>
-          </a:p>
-          <a:p>
-            <a:pPr marL="457200" indent="-457200">
-              <a:buAutoNum type="arabicPeriod"/>
-            </a:pPr>
-            <a:endParaRPr lang="en-US" dirty="0"/>
-          </a:p>
-          <a:p>
-            <a:pPr marL="457200" indent="-457200">
-              <a:buAutoNum type="arabicPeriod"/>
-            </a:pPr>
-            <a:r>
-              <a:rPr lang="en-US" dirty="0" smtClean="0"/>
-              <a:t>Model &amp; Results</a:t>
-            </a:r>
-          </a:p>
-          <a:p>
-            <a:pPr lvl="1"/>
-            <a:endParaRPr lang="en-US" dirty="0"/>
-          </a:p>
-          <a:p>
-            <a:pPr lvl="1"/>
-            <a:endParaRPr lang="en-US" dirty="0"/>
-          </a:p>
-          <a:p>
-            <a:pPr marL="0" indent="0">
-              <a:buNone/>
-            </a:pPr>
-            <a:endParaRPr lang="en-US" dirty="0"/>
-          </a:p>
-        </p:txBody>
-      </p:sp>
-      <p:sp>
-        <p:nvSpPr>
-          <p:cNvPr id="3" name="Date Placeholder 2"/>
-          <p:cNvSpPr>
-            <a:spLocks noGrp="1"/>
-          </p:cNvSpPr>
-          <p:nvPr>
-            <p:ph type="dt" sz="half" idx="10"/>
-          </p:nvPr>
-        </p:nvSpPr>
-        <p:spPr/>
-        <p:txBody>
-          <a:bodyPr/>
-          <a:lstStyle/>
-          <a:p>
-            <a:fld id="{FF15E650-2C9B-4E22-B544-79A90AB3DDC1}" type="datetime1">
-              <a:rPr lang="de-DE" smtClean="0"/>
-              <a:t>05.01.2023</a:t>
-            </a:fld>
-            <a:endParaRPr lang="de-DE"/>
-          </a:p>
-        </p:txBody>
-      </p:sp>
-      <p:sp>
-        <p:nvSpPr>
-          <p:cNvPr id="4" name="Footer Placeholder 3"/>
-          <p:cNvSpPr>
-            <a:spLocks noGrp="1"/>
-          </p:cNvSpPr>
-          <p:nvPr>
-            <p:ph type="ftr" sz="quarter" idx="11"/>
-          </p:nvPr>
-        </p:nvSpPr>
-        <p:spPr/>
-        <p:txBody>
-          <a:bodyPr/>
-          <a:lstStyle/>
-          <a:p>
-            <a:r>
-              <a:rPr lang="de-DE" smtClean="0"/>
-              <a:t>Shinde, Rhythima</a:t>
-            </a:r>
-            <a:endParaRPr lang="de-DE"/>
-          </a:p>
-        </p:txBody>
-      </p:sp>
-      <p:sp>
-        <p:nvSpPr>
-          <p:cNvPr id="5" name="Slide Number Placeholder 4"/>
-          <p:cNvSpPr>
-            <a:spLocks noGrp="1"/>
-          </p:cNvSpPr>
-          <p:nvPr>
-            <p:ph type="sldNum" sz="quarter" idx="12"/>
-          </p:nvPr>
-        </p:nvSpPr>
-        <p:spPr/>
-        <p:txBody>
-          <a:bodyPr/>
-          <a:lstStyle/>
-          <a:p>
-            <a:fld id="{6C6AE60A-B69C-4790-82F7-3882EDF23186}" type="slidenum">
-              <a:rPr lang="de-DE" smtClean="0"/>
-              <a:t>17</a:t>
-            </a:fld>
-            <a:endParaRPr lang="de-DE"/>
-          </a:p>
-        </p:txBody>
-      </p:sp>
-      <p:sp>
-        <p:nvSpPr>
-          <p:cNvPr id="6" name="Title 5"/>
-          <p:cNvSpPr>
-            <a:spLocks noGrp="1"/>
-          </p:cNvSpPr>
-          <p:nvPr>
-            <p:ph type="title"/>
-          </p:nvPr>
-        </p:nvSpPr>
-        <p:spPr/>
-        <p:txBody>
-          <a:bodyPr/>
-          <a:lstStyle/>
-          <a:p>
-            <a:r>
-              <a:rPr lang="en-US" dirty="0" smtClean="0"/>
-              <a:t>Agenda</a:t>
-            </a:r>
-            <a:endParaRPr lang="en-US" dirty="0"/>
-          </a:p>
-        </p:txBody>
-      </p:sp>
-      <p:sp>
-        <p:nvSpPr>
-          <p:cNvPr id="7" name="TextBox 6">
-            <a:hlinkClick r:id="rId2"/>
-          </p:cNvPr>
-          <p:cNvSpPr txBox="1"/>
-          <p:nvPr/>
-        </p:nvSpPr>
-        <p:spPr>
-          <a:xfrm>
-            <a:off x="323850" y="1887749"/>
-            <a:ext cx="2121093" cy="369332"/>
-          </a:xfrm>
-          <a:prstGeom prst="rect">
-            <a:avLst/>
-          </a:prstGeom>
-          <a:noFill/>
-        </p:spPr>
-        <p:txBody>
-          <a:bodyPr wrap="none" rtlCol="0">
-            <a:spAutoFit/>
-          </a:bodyPr>
-          <a:lstStyle/>
-          <a:p>
-            <a:r>
-              <a:rPr lang="en-US" dirty="0" smtClean="0">
-                <a:hlinkClick r:id="rId2"/>
-              </a:rPr>
-              <a:t>Old plan till 24 Nov</a:t>
-            </a:r>
-            <a:endParaRPr lang="en-US" dirty="0"/>
-          </a:p>
-        </p:txBody>
-      </p:sp>
-    </p:spTree>
-    <p:extLst>
-      <p:ext uri="{BB962C8B-B14F-4D97-AF65-F5344CB8AC3E}">
-        <p14:creationId xmlns:p14="http://schemas.microsoft.com/office/powerpoint/2010/main" val="2461387543"/>
-      </p:ext>
-    </p:extLst>
-  </p:cSld>
-  <p:clrMapOvr>
-    <a:masterClrMapping/>
-  </p:clrMapOvr>
-  <p:transition>
-    <p:fade/>
-  </p:transition>
-  <p:timing>
-    <p:tnLst>
-      <p:par>
-        <p:cTn id="1" dur="indefinite" restart="never" nodeType="tmRoot"/>
-      </p:par>
-    </p:tnLst>
-  </p:timing>
-</p:sld>
-</file>
-
-<file path=ppt/slides/slide18.xml><?xml version="1.0" encoding="utf-8"?>
-<p:sld xmlns:a="http://schemas.openxmlformats.org/drawingml/2006/main" xmlns:r="http://schemas.openxmlformats.org/officeDocument/2006/relationships" xmlns:p="http://schemas.openxmlformats.org/presentationml/2006/main">
-  <p:cSld>
-    <p:spTree>
-      <p:nvGrpSpPr>
-        <p:cNvPr id="1" name=""/>
-        <p:cNvGrpSpPr/>
-        <p:nvPr/>
-      </p:nvGrpSpPr>
-      <p:grpSpPr>
-        <a:xfrm>
-          <a:off x="0" y="0"/>
-          <a:ext cx="0" cy="0"/>
-          <a:chOff x="0" y="0"/>
-          <a:chExt cx="0" cy="0"/>
-        </a:xfrm>
-      </p:grpSpPr>
-      <p:sp>
-        <p:nvSpPr>
-          <p:cNvPr id="2" name="Content Placeholder 1"/>
-          <p:cNvSpPr>
-            <a:spLocks noGrp="1"/>
-          </p:cNvSpPr>
-          <p:nvPr>
-            <p:ph idx="1"/>
-          </p:nvPr>
-        </p:nvSpPr>
-        <p:spPr/>
-        <p:txBody>
-          <a:bodyPr/>
-          <a:lstStyle/>
-          <a:p>
-            <a:endParaRPr lang="en-US"/>
-          </a:p>
-        </p:txBody>
-      </p:sp>
-      <p:sp>
-        <p:nvSpPr>
-          <p:cNvPr id="3" name="Date Placeholder 2"/>
-          <p:cNvSpPr>
-            <a:spLocks noGrp="1"/>
-          </p:cNvSpPr>
-          <p:nvPr>
-            <p:ph type="dt" sz="half" idx="10"/>
-          </p:nvPr>
-        </p:nvSpPr>
-        <p:spPr/>
-        <p:txBody>
-          <a:bodyPr/>
-          <a:lstStyle/>
-          <a:p>
-            <a:fld id="{FF15E650-2C9B-4E22-B544-79A90AB3DDC1}" type="datetime1">
-              <a:rPr lang="de-DE" smtClean="0"/>
-              <a:t>05.01.2023</a:t>
-            </a:fld>
-            <a:endParaRPr lang="de-DE"/>
-          </a:p>
-        </p:txBody>
-      </p:sp>
-      <p:sp>
-        <p:nvSpPr>
-          <p:cNvPr id="4" name="Footer Placeholder 3"/>
-          <p:cNvSpPr>
-            <a:spLocks noGrp="1"/>
-          </p:cNvSpPr>
-          <p:nvPr>
-            <p:ph type="ftr" sz="quarter" idx="11"/>
-          </p:nvPr>
-        </p:nvSpPr>
-        <p:spPr/>
-        <p:txBody>
-          <a:bodyPr/>
-          <a:lstStyle/>
-          <a:p>
-            <a:r>
-              <a:rPr lang="de-DE" smtClean="0"/>
-              <a:t>Shinde, Rhythima</a:t>
-            </a:r>
-            <a:endParaRPr lang="de-DE"/>
-          </a:p>
-        </p:txBody>
-      </p:sp>
-      <p:sp>
-        <p:nvSpPr>
-          <p:cNvPr id="5" name="Slide Number Placeholder 4"/>
-          <p:cNvSpPr>
-            <a:spLocks noGrp="1"/>
-          </p:cNvSpPr>
-          <p:nvPr>
-            <p:ph type="sldNum" sz="quarter" idx="12"/>
-          </p:nvPr>
-        </p:nvSpPr>
-        <p:spPr/>
-        <p:txBody>
-          <a:bodyPr/>
-          <a:lstStyle/>
-          <a:p>
-            <a:fld id="{6C6AE60A-B69C-4790-82F7-3882EDF23186}" type="slidenum">
-              <a:rPr lang="de-DE" smtClean="0"/>
-              <a:t>18</a:t>
-            </a:fld>
-            <a:endParaRPr lang="de-DE"/>
-          </a:p>
-        </p:txBody>
-      </p:sp>
-      <p:sp>
-        <p:nvSpPr>
-          <p:cNvPr id="6" name="Title 5"/>
-          <p:cNvSpPr>
-            <a:spLocks noGrp="1"/>
-          </p:cNvSpPr>
-          <p:nvPr>
-            <p:ph type="title"/>
-          </p:nvPr>
-        </p:nvSpPr>
-        <p:spPr/>
-        <p:txBody>
-          <a:bodyPr/>
-          <a:lstStyle/>
-          <a:p>
-            <a:r>
-              <a:rPr lang="en-US" dirty="0" smtClean="0"/>
-              <a:t>Paper – Data description (table)</a:t>
-            </a:r>
-            <a:endParaRPr lang="en-US" dirty="0"/>
-          </a:p>
-        </p:txBody>
-      </p:sp>
-      <p:pic>
-        <p:nvPicPr>
-          <p:cNvPr id="7" name="Picture 6"/>
-          <p:cNvPicPr>
-            <a:picLocks noChangeAspect="1"/>
-          </p:cNvPicPr>
-          <p:nvPr/>
-        </p:nvPicPr>
-        <p:blipFill>
-          <a:blip r:embed="rId2"/>
-          <a:stretch>
-            <a:fillRect/>
-          </a:stretch>
-        </p:blipFill>
-        <p:spPr>
-          <a:xfrm>
-            <a:off x="4286445" y="1701538"/>
-            <a:ext cx="4473256" cy="5156462"/>
-          </a:xfrm>
-          <a:prstGeom prst="rect">
-            <a:avLst/>
-          </a:prstGeom>
-        </p:spPr>
-      </p:pic>
-      <p:pic>
-        <p:nvPicPr>
-          <p:cNvPr id="8" name="Picture 7"/>
-          <p:cNvPicPr>
-            <a:picLocks noChangeAspect="1"/>
-          </p:cNvPicPr>
-          <p:nvPr/>
-        </p:nvPicPr>
-        <p:blipFill>
-          <a:blip r:embed="rId3"/>
-          <a:stretch>
-            <a:fillRect/>
-          </a:stretch>
-        </p:blipFill>
-        <p:spPr>
-          <a:xfrm>
-            <a:off x="209609" y="1915240"/>
-            <a:ext cx="3943486" cy="3987609"/>
-          </a:xfrm>
-          <a:prstGeom prst="rect">
-            <a:avLst/>
-          </a:prstGeom>
-        </p:spPr>
-      </p:pic>
-      <p:cxnSp>
-        <p:nvCxnSpPr>
-          <p:cNvPr id="10" name="Straight Arrow Connector 9"/>
-          <p:cNvCxnSpPr/>
-          <p:nvPr/>
-        </p:nvCxnSpPr>
-        <p:spPr>
-          <a:xfrm flipV="1">
-            <a:off x="1326911" y="2743200"/>
-            <a:ext cx="2959534" cy="144379"/>
-          </a:xfrm>
-          <a:prstGeom prst="straightConnector1">
-            <a:avLst/>
-          </a:prstGeom>
-          <a:ln w="19050">
-            <a:solidFill>
-              <a:srgbClr val="FF0000"/>
-            </a:solidFill>
-            <a:headEnd type="none" w="med" len="med"/>
-            <a:tailEnd type="triangle"/>
-          </a:ln>
-        </p:spPr>
-        <p:style>
-          <a:lnRef idx="1">
-            <a:schemeClr val="accent1"/>
-          </a:lnRef>
-          <a:fillRef idx="0">
-            <a:schemeClr val="accent1"/>
-          </a:fillRef>
-          <a:effectRef idx="0">
-            <a:schemeClr val="accent1"/>
-          </a:effectRef>
-          <a:fontRef idx="minor">
-            <a:schemeClr val="tx1"/>
-          </a:fontRef>
-        </p:style>
-      </p:cxnSp>
-      <p:cxnSp>
-        <p:nvCxnSpPr>
-          <p:cNvPr id="11" name="Straight Arrow Connector 10"/>
-          <p:cNvCxnSpPr/>
-          <p:nvPr/>
-        </p:nvCxnSpPr>
-        <p:spPr>
-          <a:xfrm>
-            <a:off x="1193561" y="4053424"/>
-            <a:ext cx="3144683" cy="435231"/>
-          </a:xfrm>
-          <a:prstGeom prst="straightConnector1">
-            <a:avLst/>
-          </a:prstGeom>
-          <a:ln w="19050">
-            <a:solidFill>
-              <a:srgbClr val="FF0000"/>
-            </a:solidFill>
-            <a:headEnd type="none" w="med" len="med"/>
-            <a:tailEnd type="triangle"/>
-          </a:ln>
-        </p:spPr>
-        <p:style>
-          <a:lnRef idx="1">
-            <a:schemeClr val="accent1"/>
-          </a:lnRef>
-          <a:fillRef idx="0">
-            <a:schemeClr val="accent1"/>
-          </a:fillRef>
-          <a:effectRef idx="0">
-            <a:schemeClr val="accent1"/>
-          </a:effectRef>
-          <a:fontRef idx="minor">
-            <a:schemeClr val="tx1"/>
-          </a:fontRef>
-        </p:style>
-      </p:cxnSp>
-      <p:cxnSp>
-        <p:nvCxnSpPr>
-          <p:cNvPr id="13" name="Straight Arrow Connector 12"/>
-          <p:cNvCxnSpPr/>
-          <p:nvPr/>
-        </p:nvCxnSpPr>
-        <p:spPr>
-          <a:xfrm>
-            <a:off x="1234336" y="5133419"/>
-            <a:ext cx="3144683" cy="435231"/>
-          </a:xfrm>
-          <a:prstGeom prst="straightConnector1">
-            <a:avLst/>
-          </a:prstGeom>
-          <a:ln w="19050">
-            <a:solidFill>
-              <a:srgbClr val="FF0000"/>
-            </a:solidFill>
-            <a:headEnd type="none" w="med" len="med"/>
-            <a:tailEnd type="triangle"/>
-          </a:ln>
-        </p:spPr>
-        <p:style>
-          <a:lnRef idx="1">
-            <a:schemeClr val="accent1"/>
-          </a:lnRef>
-          <a:fillRef idx="0">
-            <a:schemeClr val="accent1"/>
-          </a:fillRef>
-          <a:effectRef idx="0">
-            <a:schemeClr val="accent1"/>
-          </a:effectRef>
-          <a:fontRef idx="minor">
-            <a:schemeClr val="tx1"/>
-          </a:fontRef>
-        </p:style>
-      </p:cxnSp>
-      <p:cxnSp>
-        <p:nvCxnSpPr>
-          <p:cNvPr id="14" name="Straight Arrow Connector 13"/>
-          <p:cNvCxnSpPr/>
-          <p:nvPr/>
-        </p:nvCxnSpPr>
-        <p:spPr>
-          <a:xfrm>
-            <a:off x="1326911" y="5467618"/>
-            <a:ext cx="2959534" cy="841108"/>
-          </a:xfrm>
-          <a:prstGeom prst="straightConnector1">
-            <a:avLst/>
-          </a:prstGeom>
-          <a:ln w="19050">
-            <a:solidFill>
-              <a:srgbClr val="FF0000"/>
-            </a:solidFill>
-            <a:headEnd type="none" w="med" len="med"/>
-            <a:tailEnd type="triangle"/>
-          </a:ln>
-        </p:spPr>
-        <p:style>
-          <a:lnRef idx="1">
-            <a:schemeClr val="accent1"/>
-          </a:lnRef>
-          <a:fillRef idx="0">
-            <a:schemeClr val="accent1"/>
-          </a:fillRef>
-          <a:effectRef idx="0">
-            <a:schemeClr val="accent1"/>
-          </a:effectRef>
-          <a:fontRef idx="minor">
-            <a:schemeClr val="tx1"/>
-          </a:fontRef>
-        </p:style>
-      </p:cxnSp>
-    </p:spTree>
-    <p:extLst>
-      <p:ext uri="{BB962C8B-B14F-4D97-AF65-F5344CB8AC3E}">
-        <p14:creationId xmlns:p14="http://schemas.microsoft.com/office/powerpoint/2010/main" val="3615969753"/>
       </p:ext>
     </p:extLst>
   </p:cSld>
@@ -5904,105 +8850,15 @@
           <a:chExt cx="0" cy="0"/>
         </a:xfrm>
       </p:grpSpPr>
-      <p:sp>
-        <p:nvSpPr>
-          <p:cNvPr id="3" name="Date Placeholder 2"/>
-          <p:cNvSpPr>
-            <a:spLocks noGrp="1"/>
-          </p:cNvSpPr>
-          <p:nvPr>
-            <p:ph type="dt" sz="half" idx="10"/>
-          </p:nvPr>
-        </p:nvSpPr>
-        <p:spPr/>
-        <p:txBody>
-          <a:bodyPr/>
-          <a:lstStyle/>
-          <a:p>
-            <a:fld id="{FF15E650-2C9B-4E22-B544-79A90AB3DDC1}" type="datetime1">
-              <a:rPr lang="de-DE" smtClean="0"/>
-              <a:t>05.01.2023</a:t>
-            </a:fld>
-            <a:endParaRPr lang="de-DE"/>
-          </a:p>
-        </p:txBody>
-      </p:sp>
-      <p:sp>
-        <p:nvSpPr>
-          <p:cNvPr id="4" name="Footer Placeholder 3"/>
-          <p:cNvSpPr>
-            <a:spLocks noGrp="1"/>
-          </p:cNvSpPr>
-          <p:nvPr>
-            <p:ph type="ftr" sz="quarter" idx="11"/>
-          </p:nvPr>
-        </p:nvSpPr>
-        <p:spPr/>
-        <p:txBody>
-          <a:bodyPr/>
-          <a:lstStyle/>
-          <a:p>
-            <a:r>
-              <a:rPr lang="de-DE" smtClean="0"/>
-              <a:t>Shinde, Rhythima</a:t>
-            </a:r>
-            <a:endParaRPr lang="de-DE"/>
-          </a:p>
-        </p:txBody>
-      </p:sp>
-      <p:sp>
-        <p:nvSpPr>
-          <p:cNvPr id="5" name="Slide Number Placeholder 4"/>
-          <p:cNvSpPr>
-            <a:spLocks noGrp="1"/>
-          </p:cNvSpPr>
-          <p:nvPr>
-            <p:ph type="sldNum" sz="quarter" idx="12"/>
-          </p:nvPr>
-        </p:nvSpPr>
-        <p:spPr/>
-        <p:txBody>
-          <a:bodyPr/>
-          <a:lstStyle/>
-          <a:p>
-            <a:fld id="{6C6AE60A-B69C-4790-82F7-3882EDF23186}" type="slidenum">
-              <a:rPr lang="de-DE" smtClean="0"/>
-              <a:t>19</a:t>
-            </a:fld>
-            <a:endParaRPr lang="de-DE"/>
-          </a:p>
-        </p:txBody>
-      </p:sp>
-      <p:sp>
-        <p:nvSpPr>
-          <p:cNvPr id="6" name="Title 5"/>
-          <p:cNvSpPr>
-            <a:spLocks noGrp="1"/>
-          </p:cNvSpPr>
-          <p:nvPr>
-            <p:ph type="title"/>
-          </p:nvPr>
-        </p:nvSpPr>
-        <p:spPr/>
-        <p:txBody>
-          <a:bodyPr/>
-          <a:lstStyle/>
-          <a:p>
-            <a:r>
-              <a:rPr lang="en-US" dirty="0" smtClean="0"/>
-              <a:t>Paper – Methodology structure</a:t>
-            </a:r>
-            <a:endParaRPr lang="en-US" dirty="0"/>
-          </a:p>
-        </p:txBody>
-      </p:sp>
       <p:pic>
         <p:nvPicPr>
-          <p:cNvPr id="9" name="Picture 8"/>
+          <p:cNvPr id="7" name="Content Placeholder 6"/>
           <p:cNvPicPr>
-            <a:picLocks noChangeAspect="1"/>
+            <a:picLocks noGrp="1" noChangeAspect="1"/>
           </p:cNvPicPr>
-          <p:nvPr/>
+          <p:nvPr>
+            <p:ph idx="1"/>
+          </p:nvPr>
         </p:nvPicPr>
         <p:blipFill>
           <a:blip r:embed="rId2"/>
@@ -6012,79 +8868,110 @@
         </p:blipFill>
         <p:spPr>
           <a:xfrm>
-            <a:off x="755376" y="2168442"/>
-            <a:ext cx="3266073" cy="3778595"/>
+            <a:off x="409029" y="1845695"/>
+            <a:ext cx="4832466" cy="4210050"/>
           </a:xfrm>
           <a:prstGeom prst="rect">
             <a:avLst/>
           </a:prstGeom>
         </p:spPr>
       </p:pic>
-      <p:pic>
-        <p:nvPicPr>
-          <p:cNvPr id="10" name="Picture 9"/>
-          <p:cNvPicPr>
-            <a:picLocks noChangeAspect="1"/>
-          </p:cNvPicPr>
-          <p:nvPr/>
-        </p:nvPicPr>
-        <p:blipFill>
-          <a:blip r:embed="rId3"/>
-          <a:stretch>
-            <a:fillRect/>
-          </a:stretch>
-        </p:blipFill>
-        <p:spPr>
-          <a:xfrm>
-            <a:off x="5276850" y="1990814"/>
-            <a:ext cx="3543300" cy="4133850"/>
-          </a:xfrm>
-          <a:prstGeom prst="rect">
-            <a:avLst/>
-          </a:prstGeom>
-        </p:spPr>
-      </p:pic>
-      <p:cxnSp>
-        <p:nvCxnSpPr>
-          <p:cNvPr id="12" name="Straight Arrow Connector 11"/>
-          <p:cNvCxnSpPr/>
-          <p:nvPr/>
-        </p:nvCxnSpPr>
-        <p:spPr>
-          <a:xfrm flipV="1">
-            <a:off x="2798202" y="2433817"/>
-            <a:ext cx="2701948" cy="165004"/>
-          </a:xfrm>
-          <a:prstGeom prst="straightConnector1">
-            <a:avLst/>
-          </a:prstGeom>
-          <a:ln w="19050">
-            <a:solidFill>
-              <a:srgbClr val="FF0000"/>
-            </a:solidFill>
-            <a:headEnd type="none" w="med" len="med"/>
-            <a:tailEnd type="triangle"/>
-          </a:ln>
-        </p:spPr>
-        <p:style>
-          <a:lnRef idx="1">
-            <a:schemeClr val="accent1"/>
-          </a:lnRef>
-          <a:fillRef idx="0">
-            <a:schemeClr val="accent1"/>
-          </a:fillRef>
-          <a:effectRef idx="0">
-            <a:schemeClr val="accent1"/>
-          </a:effectRef>
-          <a:fontRef idx="minor">
-            <a:schemeClr val="tx1"/>
-          </a:fontRef>
-        </p:style>
-      </p:cxnSp>
+      <p:sp>
+        <p:nvSpPr>
+          <p:cNvPr id="3" name="Date Placeholder 2"/>
+          <p:cNvSpPr>
+            <a:spLocks noGrp="1"/>
+          </p:cNvSpPr>
+          <p:nvPr>
+            <p:ph type="dt" sz="half" idx="10"/>
+          </p:nvPr>
+        </p:nvSpPr>
+        <p:spPr/>
+        <p:txBody>
+          <a:bodyPr/>
+          <a:lstStyle/>
+          <a:p>
+            <a:fld id="{FF15E650-2C9B-4E22-B544-79A90AB3DDC1}" type="datetime1">
+              <a:rPr lang="de-DE" smtClean="0"/>
+              <a:t>07.01.2023</a:t>
+            </a:fld>
+            <a:endParaRPr lang="de-DE"/>
+          </a:p>
+        </p:txBody>
+      </p:sp>
+      <p:sp>
+        <p:nvSpPr>
+          <p:cNvPr id="4" name="Footer Placeholder 3"/>
+          <p:cNvSpPr>
+            <a:spLocks noGrp="1"/>
+          </p:cNvSpPr>
+          <p:nvPr>
+            <p:ph type="ftr" sz="quarter" idx="11"/>
+          </p:nvPr>
+        </p:nvSpPr>
+        <p:spPr/>
+        <p:txBody>
+          <a:bodyPr/>
+          <a:lstStyle/>
+          <a:p>
+            <a:r>
+              <a:rPr lang="de-DE" smtClean="0"/>
+              <a:t>Shinde, Rhythima</a:t>
+            </a:r>
+            <a:endParaRPr lang="de-DE"/>
+          </a:p>
+        </p:txBody>
+      </p:sp>
+      <p:sp>
+        <p:nvSpPr>
+          <p:cNvPr id="5" name="Slide Number Placeholder 4"/>
+          <p:cNvSpPr>
+            <a:spLocks noGrp="1"/>
+          </p:cNvSpPr>
+          <p:nvPr>
+            <p:ph type="sldNum" sz="quarter" idx="12"/>
+          </p:nvPr>
+        </p:nvSpPr>
+        <p:spPr/>
+        <p:txBody>
+          <a:bodyPr/>
+          <a:lstStyle/>
+          <a:p>
+            <a:fld id="{6C6AE60A-B69C-4790-82F7-3882EDF23186}" type="slidenum">
+              <a:rPr lang="de-DE" smtClean="0"/>
+              <a:t>19</a:t>
+            </a:fld>
+            <a:endParaRPr lang="de-DE"/>
+          </a:p>
+        </p:txBody>
+      </p:sp>
+      <p:sp>
+        <p:nvSpPr>
+          <p:cNvPr id="6" name="Title 5"/>
+          <p:cNvSpPr>
+            <a:spLocks noGrp="1"/>
+          </p:cNvSpPr>
+          <p:nvPr>
+            <p:ph type="title"/>
+          </p:nvPr>
+        </p:nvSpPr>
+        <p:spPr/>
+        <p:txBody>
+          <a:bodyPr/>
+          <a:lstStyle/>
+          <a:p>
+            <a:r>
+              <a:rPr lang="en-US" dirty="0" smtClean="0"/>
+              <a:t>Paper – Case study (writing)</a:t>
+            </a:r>
+            <a:endParaRPr lang="en-US" dirty="0"/>
+          </a:p>
+        </p:txBody>
+      </p:sp>
     </p:spTree>
     <p:extLst>
       <p:ext uri="{BB962C8B-B14F-4D97-AF65-F5344CB8AC3E}">
-        <p14:creationId xmlns:p14="http://schemas.microsoft.com/office/powerpoint/2010/main" val="1935547615"/>
+        <p14:creationId xmlns:p14="http://schemas.microsoft.com/office/powerpoint/2010/main" val="3252225311"/>
       </p:ext>
     </p:extLst>
   </p:cSld>
@@ -7407,7 +10294,7 @@
           <a:p>
             <a:fld id="{A02690AB-37C5-464E-B999-AEA04CFF82B9}" type="datetime1">
               <a:rPr lang="de-DE" smtClean="0"/>
-              <a:t>05.01.2023</a:t>
+              <a:t>07.01.2023</a:t>
             </a:fld>
             <a:endParaRPr lang="de-DE" dirty="0"/>
           </a:p>
@@ -7520,6 +10407,781 @@
           <a:chExt cx="0" cy="0"/>
         </a:xfrm>
       </p:grpSpPr>
+      <p:sp>
+        <p:nvSpPr>
+          <p:cNvPr id="2" name="Content Placeholder 1"/>
+          <p:cNvSpPr>
+            <a:spLocks noGrp="1"/>
+          </p:cNvSpPr>
+          <p:nvPr>
+            <p:ph idx="1"/>
+          </p:nvPr>
+        </p:nvSpPr>
+        <p:spPr>
+          <a:xfrm>
+            <a:off x="323850" y="2552116"/>
+            <a:ext cx="8496300" cy="3681994"/>
+          </a:xfrm>
+        </p:spPr>
+        <p:txBody>
+          <a:bodyPr/>
+          <a:lstStyle/>
+          <a:p>
+            <a:pPr marL="457200" indent="-457200">
+              <a:buAutoNum type="arabicPeriod"/>
+            </a:pPr>
+            <a:r>
+              <a:rPr lang="en-US" dirty="0" smtClean="0"/>
+              <a:t>Paper </a:t>
+            </a:r>
+          </a:p>
+          <a:p>
+            <a:pPr marL="457200" indent="-457200">
+              <a:buAutoNum type="arabicPeriod"/>
+            </a:pPr>
+            <a:endParaRPr lang="en-US" dirty="0"/>
+          </a:p>
+          <a:p>
+            <a:pPr marL="457200" indent="-457200">
+              <a:buAutoNum type="arabicPeriod"/>
+            </a:pPr>
+            <a:r>
+              <a:rPr lang="en-US" dirty="0" smtClean="0"/>
+              <a:t>Model &amp; Results</a:t>
+            </a:r>
+          </a:p>
+          <a:p>
+            <a:pPr lvl="1"/>
+            <a:endParaRPr lang="en-US" dirty="0"/>
+          </a:p>
+          <a:p>
+            <a:pPr lvl="1"/>
+            <a:endParaRPr lang="en-US" dirty="0"/>
+          </a:p>
+          <a:p>
+            <a:pPr marL="0" indent="0">
+              <a:buNone/>
+            </a:pPr>
+            <a:endParaRPr lang="en-US" dirty="0"/>
+          </a:p>
+        </p:txBody>
+      </p:sp>
+      <p:sp>
+        <p:nvSpPr>
+          <p:cNvPr id="3" name="Date Placeholder 2"/>
+          <p:cNvSpPr>
+            <a:spLocks noGrp="1"/>
+          </p:cNvSpPr>
+          <p:nvPr>
+            <p:ph type="dt" sz="half" idx="10"/>
+          </p:nvPr>
+        </p:nvSpPr>
+        <p:spPr/>
+        <p:txBody>
+          <a:bodyPr/>
+          <a:lstStyle/>
+          <a:p>
+            <a:fld id="{FF15E650-2C9B-4E22-B544-79A90AB3DDC1}" type="datetime1">
+              <a:rPr lang="de-DE" smtClean="0"/>
+              <a:t>07.01.2023</a:t>
+            </a:fld>
+            <a:endParaRPr lang="de-DE"/>
+          </a:p>
+        </p:txBody>
+      </p:sp>
+      <p:sp>
+        <p:nvSpPr>
+          <p:cNvPr id="4" name="Footer Placeholder 3"/>
+          <p:cNvSpPr>
+            <a:spLocks noGrp="1"/>
+          </p:cNvSpPr>
+          <p:nvPr>
+            <p:ph type="ftr" sz="quarter" idx="11"/>
+          </p:nvPr>
+        </p:nvSpPr>
+        <p:spPr/>
+        <p:txBody>
+          <a:bodyPr/>
+          <a:lstStyle/>
+          <a:p>
+            <a:r>
+              <a:rPr lang="de-DE" smtClean="0"/>
+              <a:t>Shinde, Rhythima</a:t>
+            </a:r>
+            <a:endParaRPr lang="de-DE"/>
+          </a:p>
+        </p:txBody>
+      </p:sp>
+      <p:sp>
+        <p:nvSpPr>
+          <p:cNvPr id="5" name="Slide Number Placeholder 4"/>
+          <p:cNvSpPr>
+            <a:spLocks noGrp="1"/>
+          </p:cNvSpPr>
+          <p:nvPr>
+            <p:ph type="sldNum" sz="quarter" idx="12"/>
+          </p:nvPr>
+        </p:nvSpPr>
+        <p:spPr/>
+        <p:txBody>
+          <a:bodyPr/>
+          <a:lstStyle/>
+          <a:p>
+            <a:fld id="{6C6AE60A-B69C-4790-82F7-3882EDF23186}" type="slidenum">
+              <a:rPr lang="de-DE" smtClean="0"/>
+              <a:t>20</a:t>
+            </a:fld>
+            <a:endParaRPr lang="de-DE"/>
+          </a:p>
+        </p:txBody>
+      </p:sp>
+      <p:sp>
+        <p:nvSpPr>
+          <p:cNvPr id="6" name="Title 5"/>
+          <p:cNvSpPr>
+            <a:spLocks noGrp="1"/>
+          </p:cNvSpPr>
+          <p:nvPr>
+            <p:ph type="title"/>
+          </p:nvPr>
+        </p:nvSpPr>
+        <p:spPr/>
+        <p:txBody>
+          <a:bodyPr/>
+          <a:lstStyle/>
+          <a:p>
+            <a:r>
+              <a:rPr lang="en-US" dirty="0" smtClean="0"/>
+              <a:t>Agenda</a:t>
+            </a:r>
+            <a:endParaRPr lang="en-US" dirty="0"/>
+          </a:p>
+        </p:txBody>
+      </p:sp>
+      <p:sp>
+        <p:nvSpPr>
+          <p:cNvPr id="7" name="TextBox 6">
+            <a:hlinkClick r:id="rId2"/>
+          </p:cNvPr>
+          <p:cNvSpPr txBox="1"/>
+          <p:nvPr/>
+        </p:nvSpPr>
+        <p:spPr>
+          <a:xfrm>
+            <a:off x="323850" y="1887749"/>
+            <a:ext cx="2121093" cy="369332"/>
+          </a:xfrm>
+          <a:prstGeom prst="rect">
+            <a:avLst/>
+          </a:prstGeom>
+          <a:noFill/>
+        </p:spPr>
+        <p:txBody>
+          <a:bodyPr wrap="none" rtlCol="0">
+            <a:spAutoFit/>
+          </a:bodyPr>
+          <a:lstStyle/>
+          <a:p>
+            <a:r>
+              <a:rPr lang="en-US" dirty="0" smtClean="0">
+                <a:hlinkClick r:id="rId2"/>
+              </a:rPr>
+              <a:t>Old plan till 24 Nov</a:t>
+            </a:r>
+            <a:endParaRPr lang="en-US" dirty="0"/>
+          </a:p>
+        </p:txBody>
+      </p:sp>
+    </p:spTree>
+    <p:extLst>
+      <p:ext uri="{BB962C8B-B14F-4D97-AF65-F5344CB8AC3E}">
+        <p14:creationId xmlns:p14="http://schemas.microsoft.com/office/powerpoint/2010/main" val="2461387543"/>
+      </p:ext>
+    </p:extLst>
+  </p:cSld>
+  <p:clrMapOvr>
+    <a:masterClrMapping/>
+  </p:clrMapOvr>
+  <p:transition>
+    <p:fade/>
+  </p:transition>
+  <p:timing>
+    <p:tnLst>
+      <p:par>
+        <p:cTn id="1" dur="indefinite" restart="never" nodeType="tmRoot"/>
+      </p:par>
+    </p:tnLst>
+  </p:timing>
+</p:sld>
+</file>
+
+<file path=ppt/slides/slide21.xml><?xml version="1.0" encoding="utf-8"?>
+<p:sld xmlns:a="http://schemas.openxmlformats.org/drawingml/2006/main" xmlns:r="http://schemas.openxmlformats.org/officeDocument/2006/relationships" xmlns:p="http://schemas.openxmlformats.org/presentationml/2006/main">
+  <p:cSld>
+    <p:spTree>
+      <p:nvGrpSpPr>
+        <p:cNvPr id="1" name=""/>
+        <p:cNvGrpSpPr/>
+        <p:nvPr/>
+      </p:nvGrpSpPr>
+      <p:grpSpPr>
+        <a:xfrm>
+          <a:off x="0" y="0"/>
+          <a:ext cx="0" cy="0"/>
+          <a:chOff x="0" y="0"/>
+          <a:chExt cx="0" cy="0"/>
+        </a:xfrm>
+      </p:grpSpPr>
+      <p:sp>
+        <p:nvSpPr>
+          <p:cNvPr id="2" name="Content Placeholder 1"/>
+          <p:cNvSpPr>
+            <a:spLocks noGrp="1"/>
+          </p:cNvSpPr>
+          <p:nvPr>
+            <p:ph idx="1"/>
+          </p:nvPr>
+        </p:nvSpPr>
+        <p:spPr/>
+        <p:txBody>
+          <a:bodyPr/>
+          <a:lstStyle/>
+          <a:p>
+            <a:endParaRPr lang="en-US"/>
+          </a:p>
+        </p:txBody>
+      </p:sp>
+      <p:sp>
+        <p:nvSpPr>
+          <p:cNvPr id="3" name="Date Placeholder 2"/>
+          <p:cNvSpPr>
+            <a:spLocks noGrp="1"/>
+          </p:cNvSpPr>
+          <p:nvPr>
+            <p:ph type="dt" sz="half" idx="10"/>
+          </p:nvPr>
+        </p:nvSpPr>
+        <p:spPr/>
+        <p:txBody>
+          <a:bodyPr/>
+          <a:lstStyle/>
+          <a:p>
+            <a:fld id="{FF15E650-2C9B-4E22-B544-79A90AB3DDC1}" type="datetime1">
+              <a:rPr lang="de-DE" smtClean="0"/>
+              <a:t>07.01.2023</a:t>
+            </a:fld>
+            <a:endParaRPr lang="de-DE"/>
+          </a:p>
+        </p:txBody>
+      </p:sp>
+      <p:sp>
+        <p:nvSpPr>
+          <p:cNvPr id="4" name="Footer Placeholder 3"/>
+          <p:cNvSpPr>
+            <a:spLocks noGrp="1"/>
+          </p:cNvSpPr>
+          <p:nvPr>
+            <p:ph type="ftr" sz="quarter" idx="11"/>
+          </p:nvPr>
+        </p:nvSpPr>
+        <p:spPr/>
+        <p:txBody>
+          <a:bodyPr/>
+          <a:lstStyle/>
+          <a:p>
+            <a:r>
+              <a:rPr lang="de-DE" smtClean="0"/>
+              <a:t>Shinde, Rhythima</a:t>
+            </a:r>
+            <a:endParaRPr lang="de-DE"/>
+          </a:p>
+        </p:txBody>
+      </p:sp>
+      <p:sp>
+        <p:nvSpPr>
+          <p:cNvPr id="5" name="Slide Number Placeholder 4"/>
+          <p:cNvSpPr>
+            <a:spLocks noGrp="1"/>
+          </p:cNvSpPr>
+          <p:nvPr>
+            <p:ph type="sldNum" sz="quarter" idx="12"/>
+          </p:nvPr>
+        </p:nvSpPr>
+        <p:spPr/>
+        <p:txBody>
+          <a:bodyPr/>
+          <a:lstStyle/>
+          <a:p>
+            <a:fld id="{6C6AE60A-B69C-4790-82F7-3882EDF23186}" type="slidenum">
+              <a:rPr lang="de-DE" smtClean="0"/>
+              <a:t>21</a:t>
+            </a:fld>
+            <a:endParaRPr lang="de-DE"/>
+          </a:p>
+        </p:txBody>
+      </p:sp>
+      <p:sp>
+        <p:nvSpPr>
+          <p:cNvPr id="6" name="Title 5"/>
+          <p:cNvSpPr>
+            <a:spLocks noGrp="1"/>
+          </p:cNvSpPr>
+          <p:nvPr>
+            <p:ph type="title"/>
+          </p:nvPr>
+        </p:nvSpPr>
+        <p:spPr/>
+        <p:txBody>
+          <a:bodyPr/>
+          <a:lstStyle/>
+          <a:p>
+            <a:r>
+              <a:rPr lang="en-US" dirty="0" smtClean="0"/>
+              <a:t>Paper – Data description (table)</a:t>
+            </a:r>
+            <a:endParaRPr lang="en-US" dirty="0"/>
+          </a:p>
+        </p:txBody>
+      </p:sp>
+      <p:pic>
+        <p:nvPicPr>
+          <p:cNvPr id="7" name="Picture 6"/>
+          <p:cNvPicPr>
+            <a:picLocks noChangeAspect="1"/>
+          </p:cNvPicPr>
+          <p:nvPr/>
+        </p:nvPicPr>
+        <p:blipFill>
+          <a:blip r:embed="rId2"/>
+          <a:stretch>
+            <a:fillRect/>
+          </a:stretch>
+        </p:blipFill>
+        <p:spPr>
+          <a:xfrm>
+            <a:off x="4286445" y="1701538"/>
+            <a:ext cx="4473256" cy="5156462"/>
+          </a:xfrm>
+          <a:prstGeom prst="rect">
+            <a:avLst/>
+          </a:prstGeom>
+        </p:spPr>
+      </p:pic>
+      <p:pic>
+        <p:nvPicPr>
+          <p:cNvPr id="8" name="Picture 7"/>
+          <p:cNvPicPr>
+            <a:picLocks noChangeAspect="1"/>
+          </p:cNvPicPr>
+          <p:nvPr/>
+        </p:nvPicPr>
+        <p:blipFill>
+          <a:blip r:embed="rId3"/>
+          <a:stretch>
+            <a:fillRect/>
+          </a:stretch>
+        </p:blipFill>
+        <p:spPr>
+          <a:xfrm>
+            <a:off x="209609" y="1915240"/>
+            <a:ext cx="3943486" cy="3987609"/>
+          </a:xfrm>
+          <a:prstGeom prst="rect">
+            <a:avLst/>
+          </a:prstGeom>
+        </p:spPr>
+      </p:pic>
+      <p:cxnSp>
+        <p:nvCxnSpPr>
+          <p:cNvPr id="10" name="Straight Arrow Connector 9"/>
+          <p:cNvCxnSpPr/>
+          <p:nvPr/>
+        </p:nvCxnSpPr>
+        <p:spPr>
+          <a:xfrm flipV="1">
+            <a:off x="1326911" y="2743200"/>
+            <a:ext cx="2959534" cy="144379"/>
+          </a:xfrm>
+          <a:prstGeom prst="straightConnector1">
+            <a:avLst/>
+          </a:prstGeom>
+          <a:ln w="19050">
+            <a:solidFill>
+              <a:srgbClr val="FF0000"/>
+            </a:solidFill>
+            <a:headEnd type="none" w="med" len="med"/>
+            <a:tailEnd type="triangle"/>
+          </a:ln>
+        </p:spPr>
+        <p:style>
+          <a:lnRef idx="1">
+            <a:schemeClr val="accent1"/>
+          </a:lnRef>
+          <a:fillRef idx="0">
+            <a:schemeClr val="accent1"/>
+          </a:fillRef>
+          <a:effectRef idx="0">
+            <a:schemeClr val="accent1"/>
+          </a:effectRef>
+          <a:fontRef idx="minor">
+            <a:schemeClr val="tx1"/>
+          </a:fontRef>
+        </p:style>
+      </p:cxnSp>
+      <p:cxnSp>
+        <p:nvCxnSpPr>
+          <p:cNvPr id="11" name="Straight Arrow Connector 10"/>
+          <p:cNvCxnSpPr/>
+          <p:nvPr/>
+        </p:nvCxnSpPr>
+        <p:spPr>
+          <a:xfrm>
+            <a:off x="1193561" y="4053424"/>
+            <a:ext cx="3144683" cy="435231"/>
+          </a:xfrm>
+          <a:prstGeom prst="straightConnector1">
+            <a:avLst/>
+          </a:prstGeom>
+          <a:ln w="19050">
+            <a:solidFill>
+              <a:srgbClr val="FF0000"/>
+            </a:solidFill>
+            <a:headEnd type="none" w="med" len="med"/>
+            <a:tailEnd type="triangle"/>
+          </a:ln>
+        </p:spPr>
+        <p:style>
+          <a:lnRef idx="1">
+            <a:schemeClr val="accent1"/>
+          </a:lnRef>
+          <a:fillRef idx="0">
+            <a:schemeClr val="accent1"/>
+          </a:fillRef>
+          <a:effectRef idx="0">
+            <a:schemeClr val="accent1"/>
+          </a:effectRef>
+          <a:fontRef idx="minor">
+            <a:schemeClr val="tx1"/>
+          </a:fontRef>
+        </p:style>
+      </p:cxnSp>
+      <p:cxnSp>
+        <p:nvCxnSpPr>
+          <p:cNvPr id="13" name="Straight Arrow Connector 12"/>
+          <p:cNvCxnSpPr/>
+          <p:nvPr/>
+        </p:nvCxnSpPr>
+        <p:spPr>
+          <a:xfrm>
+            <a:off x="1234336" y="5133419"/>
+            <a:ext cx="3144683" cy="435231"/>
+          </a:xfrm>
+          <a:prstGeom prst="straightConnector1">
+            <a:avLst/>
+          </a:prstGeom>
+          <a:ln w="19050">
+            <a:solidFill>
+              <a:srgbClr val="FF0000"/>
+            </a:solidFill>
+            <a:headEnd type="none" w="med" len="med"/>
+            <a:tailEnd type="triangle"/>
+          </a:ln>
+        </p:spPr>
+        <p:style>
+          <a:lnRef idx="1">
+            <a:schemeClr val="accent1"/>
+          </a:lnRef>
+          <a:fillRef idx="0">
+            <a:schemeClr val="accent1"/>
+          </a:fillRef>
+          <a:effectRef idx="0">
+            <a:schemeClr val="accent1"/>
+          </a:effectRef>
+          <a:fontRef idx="minor">
+            <a:schemeClr val="tx1"/>
+          </a:fontRef>
+        </p:style>
+      </p:cxnSp>
+      <p:cxnSp>
+        <p:nvCxnSpPr>
+          <p:cNvPr id="14" name="Straight Arrow Connector 13"/>
+          <p:cNvCxnSpPr/>
+          <p:nvPr/>
+        </p:nvCxnSpPr>
+        <p:spPr>
+          <a:xfrm>
+            <a:off x="1326911" y="5467618"/>
+            <a:ext cx="2959534" cy="841108"/>
+          </a:xfrm>
+          <a:prstGeom prst="straightConnector1">
+            <a:avLst/>
+          </a:prstGeom>
+          <a:ln w="19050">
+            <a:solidFill>
+              <a:srgbClr val="FF0000"/>
+            </a:solidFill>
+            <a:headEnd type="none" w="med" len="med"/>
+            <a:tailEnd type="triangle"/>
+          </a:ln>
+        </p:spPr>
+        <p:style>
+          <a:lnRef idx="1">
+            <a:schemeClr val="accent1"/>
+          </a:lnRef>
+          <a:fillRef idx="0">
+            <a:schemeClr val="accent1"/>
+          </a:fillRef>
+          <a:effectRef idx="0">
+            <a:schemeClr val="accent1"/>
+          </a:effectRef>
+          <a:fontRef idx="minor">
+            <a:schemeClr val="tx1"/>
+          </a:fontRef>
+        </p:style>
+      </p:cxnSp>
+    </p:spTree>
+    <p:extLst>
+      <p:ext uri="{BB962C8B-B14F-4D97-AF65-F5344CB8AC3E}">
+        <p14:creationId xmlns:p14="http://schemas.microsoft.com/office/powerpoint/2010/main" val="3615969753"/>
+      </p:ext>
+    </p:extLst>
+  </p:cSld>
+  <p:clrMapOvr>
+    <a:masterClrMapping/>
+  </p:clrMapOvr>
+  <p:transition>
+    <p:fade/>
+  </p:transition>
+</p:sld>
+</file>
+
+<file path=ppt/slides/slide22.xml><?xml version="1.0" encoding="utf-8"?>
+<p:sld xmlns:a="http://schemas.openxmlformats.org/drawingml/2006/main" xmlns:r="http://schemas.openxmlformats.org/officeDocument/2006/relationships" xmlns:p="http://schemas.openxmlformats.org/presentationml/2006/main">
+  <p:cSld>
+    <p:spTree>
+      <p:nvGrpSpPr>
+        <p:cNvPr id="1" name=""/>
+        <p:cNvGrpSpPr/>
+        <p:nvPr/>
+      </p:nvGrpSpPr>
+      <p:grpSpPr>
+        <a:xfrm>
+          <a:off x="0" y="0"/>
+          <a:ext cx="0" cy="0"/>
+          <a:chOff x="0" y="0"/>
+          <a:chExt cx="0" cy="0"/>
+        </a:xfrm>
+      </p:grpSpPr>
+      <p:sp>
+        <p:nvSpPr>
+          <p:cNvPr id="3" name="Date Placeholder 2"/>
+          <p:cNvSpPr>
+            <a:spLocks noGrp="1"/>
+          </p:cNvSpPr>
+          <p:nvPr>
+            <p:ph type="dt" sz="half" idx="10"/>
+          </p:nvPr>
+        </p:nvSpPr>
+        <p:spPr/>
+        <p:txBody>
+          <a:bodyPr/>
+          <a:lstStyle/>
+          <a:p>
+            <a:fld id="{FF15E650-2C9B-4E22-B544-79A90AB3DDC1}" type="datetime1">
+              <a:rPr lang="de-DE" smtClean="0"/>
+              <a:t>07.01.2023</a:t>
+            </a:fld>
+            <a:endParaRPr lang="de-DE"/>
+          </a:p>
+        </p:txBody>
+      </p:sp>
+      <p:sp>
+        <p:nvSpPr>
+          <p:cNvPr id="4" name="Footer Placeholder 3"/>
+          <p:cNvSpPr>
+            <a:spLocks noGrp="1"/>
+          </p:cNvSpPr>
+          <p:nvPr>
+            <p:ph type="ftr" sz="quarter" idx="11"/>
+          </p:nvPr>
+        </p:nvSpPr>
+        <p:spPr/>
+        <p:txBody>
+          <a:bodyPr/>
+          <a:lstStyle/>
+          <a:p>
+            <a:r>
+              <a:rPr lang="de-DE" smtClean="0"/>
+              <a:t>Shinde, Rhythima</a:t>
+            </a:r>
+            <a:endParaRPr lang="de-DE"/>
+          </a:p>
+        </p:txBody>
+      </p:sp>
+      <p:sp>
+        <p:nvSpPr>
+          <p:cNvPr id="5" name="Slide Number Placeholder 4"/>
+          <p:cNvSpPr>
+            <a:spLocks noGrp="1"/>
+          </p:cNvSpPr>
+          <p:nvPr>
+            <p:ph type="sldNum" sz="quarter" idx="12"/>
+          </p:nvPr>
+        </p:nvSpPr>
+        <p:spPr/>
+        <p:txBody>
+          <a:bodyPr/>
+          <a:lstStyle/>
+          <a:p>
+            <a:fld id="{6C6AE60A-B69C-4790-82F7-3882EDF23186}" type="slidenum">
+              <a:rPr lang="de-DE" smtClean="0"/>
+              <a:t>22</a:t>
+            </a:fld>
+            <a:endParaRPr lang="de-DE"/>
+          </a:p>
+        </p:txBody>
+      </p:sp>
+      <p:sp>
+        <p:nvSpPr>
+          <p:cNvPr id="6" name="Title 5"/>
+          <p:cNvSpPr>
+            <a:spLocks noGrp="1"/>
+          </p:cNvSpPr>
+          <p:nvPr>
+            <p:ph type="title"/>
+          </p:nvPr>
+        </p:nvSpPr>
+        <p:spPr/>
+        <p:txBody>
+          <a:bodyPr/>
+          <a:lstStyle/>
+          <a:p>
+            <a:r>
+              <a:rPr lang="en-US" dirty="0" smtClean="0"/>
+              <a:t>Paper – Methodology structure</a:t>
+            </a:r>
+            <a:endParaRPr lang="en-US" dirty="0"/>
+          </a:p>
+        </p:txBody>
+      </p:sp>
+      <p:pic>
+        <p:nvPicPr>
+          <p:cNvPr id="9" name="Picture 8"/>
+          <p:cNvPicPr>
+            <a:picLocks noChangeAspect="1"/>
+          </p:cNvPicPr>
+          <p:nvPr/>
+        </p:nvPicPr>
+        <p:blipFill>
+          <a:blip r:embed="rId2"/>
+          <a:stretch>
+            <a:fillRect/>
+          </a:stretch>
+        </p:blipFill>
+        <p:spPr>
+          <a:xfrm>
+            <a:off x="755376" y="2168442"/>
+            <a:ext cx="3266073" cy="3778595"/>
+          </a:xfrm>
+          <a:prstGeom prst="rect">
+            <a:avLst/>
+          </a:prstGeom>
+        </p:spPr>
+      </p:pic>
+      <p:pic>
+        <p:nvPicPr>
+          <p:cNvPr id="10" name="Picture 9"/>
+          <p:cNvPicPr>
+            <a:picLocks noChangeAspect="1"/>
+          </p:cNvPicPr>
+          <p:nvPr/>
+        </p:nvPicPr>
+        <p:blipFill>
+          <a:blip r:embed="rId3"/>
+          <a:stretch>
+            <a:fillRect/>
+          </a:stretch>
+        </p:blipFill>
+        <p:spPr>
+          <a:xfrm>
+            <a:off x="5276850" y="1990814"/>
+            <a:ext cx="3543300" cy="4133850"/>
+          </a:xfrm>
+          <a:prstGeom prst="rect">
+            <a:avLst/>
+          </a:prstGeom>
+        </p:spPr>
+      </p:pic>
+      <p:cxnSp>
+        <p:nvCxnSpPr>
+          <p:cNvPr id="12" name="Straight Arrow Connector 11"/>
+          <p:cNvCxnSpPr/>
+          <p:nvPr/>
+        </p:nvCxnSpPr>
+        <p:spPr>
+          <a:xfrm flipV="1">
+            <a:off x="2798202" y="2433817"/>
+            <a:ext cx="2701948" cy="165004"/>
+          </a:xfrm>
+          <a:prstGeom prst="straightConnector1">
+            <a:avLst/>
+          </a:prstGeom>
+          <a:ln w="19050">
+            <a:solidFill>
+              <a:srgbClr val="FF0000"/>
+            </a:solidFill>
+            <a:headEnd type="none" w="med" len="med"/>
+            <a:tailEnd type="triangle"/>
+          </a:ln>
+        </p:spPr>
+        <p:style>
+          <a:lnRef idx="1">
+            <a:schemeClr val="accent1"/>
+          </a:lnRef>
+          <a:fillRef idx="0">
+            <a:schemeClr val="accent1"/>
+          </a:fillRef>
+          <a:effectRef idx="0">
+            <a:schemeClr val="accent1"/>
+          </a:effectRef>
+          <a:fontRef idx="minor">
+            <a:schemeClr val="tx1"/>
+          </a:fontRef>
+        </p:style>
+      </p:cxnSp>
+    </p:spTree>
+    <p:extLst>
+      <p:ext uri="{BB962C8B-B14F-4D97-AF65-F5344CB8AC3E}">
+        <p14:creationId xmlns:p14="http://schemas.microsoft.com/office/powerpoint/2010/main" val="1935547615"/>
+      </p:ext>
+    </p:extLst>
+  </p:cSld>
+  <p:clrMapOvr>
+    <a:masterClrMapping/>
+  </p:clrMapOvr>
+  <p:transition>
+    <p:fade/>
+  </p:transition>
+</p:sld>
+</file>
+
+<file path=ppt/slides/slide23.xml><?xml version="1.0" encoding="utf-8"?>
+<p:sld xmlns:a="http://schemas.openxmlformats.org/drawingml/2006/main" xmlns:r="http://schemas.openxmlformats.org/officeDocument/2006/relationships" xmlns:p="http://schemas.openxmlformats.org/presentationml/2006/main">
+  <p:cSld>
+    <p:spTree>
+      <p:nvGrpSpPr>
+        <p:cNvPr id="1" name=""/>
+        <p:cNvGrpSpPr/>
+        <p:nvPr/>
+      </p:nvGrpSpPr>
+      <p:grpSpPr>
+        <a:xfrm>
+          <a:off x="0" y="0"/>
+          <a:ext cx="0" cy="0"/>
+          <a:chOff x="0" y="0"/>
+          <a:chExt cx="0" cy="0"/>
+        </a:xfrm>
+      </p:grpSpPr>
       <p:pic>
         <p:nvPicPr>
           <p:cNvPr id="8" name="Content Placeholder 7"/>
@@ -7562,7 +11224,7 @@
           <a:p>
             <a:fld id="{FF15E650-2C9B-4E22-B544-79A90AB3DDC1}" type="datetime1">
               <a:rPr lang="de-DE" smtClean="0"/>
-              <a:t>05.01.2023</a:t>
+              <a:t>07.01.2023</a:t>
             </a:fld>
             <a:endParaRPr lang="de-DE"/>
           </a:p>
@@ -7608,7 +11270,7 @@
           <a:p>
             <a:fld id="{6C6AE60A-B69C-4790-82F7-3882EDF23186}" type="slidenum">
               <a:rPr lang="de-DE" smtClean="0"/>
-              <a:t>20</a:t>
+              <a:t>23</a:t>
             </a:fld>
             <a:endParaRPr lang="de-DE"/>
           </a:p>
@@ -7676,7 +11338,7 @@
 </p:sld>
 </file>
 
-<file path=ppt/slides/slide21.xml><?xml version="1.0" encoding="utf-8"?>
+<file path=ppt/slides/slide24.xml><?xml version="1.0" encoding="utf-8"?>
 <p:sld xmlns:a="http://schemas.openxmlformats.org/drawingml/2006/main" xmlns:r="http://schemas.openxmlformats.org/officeDocument/2006/relationships" xmlns:p="http://schemas.openxmlformats.org/presentationml/2006/main">
   <p:cSld>
     <p:spTree>
@@ -7739,7 +11401,7 @@
           <a:p>
             <a:fld id="{FF15E650-2C9B-4E22-B544-79A90AB3DDC1}" type="datetime1">
               <a:rPr lang="de-DE" smtClean="0"/>
-              <a:t>05.01.2023</a:t>
+              <a:t>07.01.2023</a:t>
             </a:fld>
             <a:endParaRPr lang="de-DE"/>
           </a:p>
@@ -7785,7 +11447,7 @@
           <a:p>
             <a:fld id="{6C6AE60A-B69C-4790-82F7-3882EDF23186}" type="slidenum">
               <a:rPr lang="de-DE" smtClean="0"/>
-              <a:t>21</a:t>
+              <a:t>24</a:t>
             </a:fld>
             <a:endParaRPr lang="de-DE"/>
           </a:p>
@@ -7900,7 +11562,7 @@
 </p:sld>
 </file>
 
-<file path=ppt/slides/slide22.xml><?xml version="1.0" encoding="utf-8"?>
+<file path=ppt/slides/slide25.xml><?xml version="1.0" encoding="utf-8"?>
 <p:sld xmlns:a="http://schemas.openxmlformats.org/drawingml/2006/main" xmlns:r="http://schemas.openxmlformats.org/officeDocument/2006/relationships" xmlns:p="http://schemas.openxmlformats.org/presentationml/2006/main" show="0">
   <p:cSld>
     <p:spTree>
@@ -7963,7 +11625,7 @@
           <a:p>
             <a:fld id="{FF15E650-2C9B-4E22-B544-79A90AB3DDC1}" type="datetime1">
               <a:rPr lang="de-DE" smtClean="0"/>
-              <a:t>05.01.2023</a:t>
+              <a:t>07.01.2023</a:t>
             </a:fld>
             <a:endParaRPr lang="de-DE"/>
           </a:p>
@@ -8009,7 +11671,7 @@
           <a:p>
             <a:fld id="{6C6AE60A-B69C-4790-82F7-3882EDF23186}" type="slidenum">
               <a:rPr lang="de-DE" smtClean="0"/>
-              <a:t>22</a:t>
+              <a:t>25</a:t>
             </a:fld>
             <a:endParaRPr lang="de-DE"/>
           </a:p>
@@ -8031,7 +11693,7 @@
 </p:sld>
 </file>
 
-<file path=ppt/slides/slide23.xml><?xml version="1.0" encoding="utf-8"?>
+<file path=ppt/slides/slide26.xml><?xml version="1.0" encoding="utf-8"?>
 <p:sld xmlns:a="http://schemas.openxmlformats.org/drawingml/2006/main" xmlns:r="http://schemas.openxmlformats.org/officeDocument/2006/relationships" xmlns:p="http://schemas.openxmlformats.org/presentationml/2006/main" show="0">
   <p:cSld>
     <p:spTree>
@@ -8093,7 +11755,7 @@
           <a:p>
             <a:fld id="{FF15E650-2C9B-4E22-B544-79A90AB3DDC1}" type="datetime1">
               <a:rPr lang="de-DE" smtClean="0"/>
-              <a:t>05.01.2023</a:t>
+              <a:t>07.01.2023</a:t>
             </a:fld>
             <a:endParaRPr lang="de-DE"/>
           </a:p>
@@ -8139,7 +11801,7 @@
           <a:p>
             <a:fld id="{6C6AE60A-B69C-4790-82F7-3882EDF23186}" type="slidenum">
               <a:rPr lang="de-DE" smtClean="0"/>
-              <a:t>23</a:t>
+              <a:t>26</a:t>
             </a:fld>
             <a:endParaRPr lang="de-DE"/>
           </a:p>
@@ -8161,7 +11823,7 @@
 </p:sld>
 </file>
 
-<file path=ppt/slides/slide24.xml><?xml version="1.0" encoding="utf-8"?>
+<file path=ppt/slides/slide27.xml><?xml version="1.0" encoding="utf-8"?>
 <p:sld xmlns:a="http://schemas.openxmlformats.org/drawingml/2006/main" xmlns:r="http://schemas.openxmlformats.org/officeDocument/2006/relationships" xmlns:p="http://schemas.openxmlformats.org/presentationml/2006/main" show="0">
   <p:cSld>
     <p:spTree>
@@ -8195,7 +11857,7 @@
           <a:p>
             <a:fld id="{FF15E650-2C9B-4E22-B544-79A90AB3DDC1}" type="datetime1">
               <a:rPr lang="de-DE" smtClean="0"/>
-              <a:t>05.01.2023</a:t>
+              <a:t>07.01.2023</a:t>
             </a:fld>
             <a:endParaRPr lang="de-DE"/>
           </a:p>
@@ -8241,7 +11903,7 @@
           <a:p>
             <a:fld id="{6C6AE60A-B69C-4790-82F7-3882EDF23186}" type="slidenum">
               <a:rPr lang="de-DE" smtClean="0"/>
-              <a:t>24</a:t>
+              <a:t>27</a:t>
             </a:fld>
             <a:endParaRPr lang="de-DE"/>
           </a:p>
@@ -8292,7 +11954,7 @@
 </p:sld>
 </file>
 
-<file path=ppt/slides/slide25.xml><?xml version="1.0" encoding="utf-8"?>
+<file path=ppt/slides/slide28.xml><?xml version="1.0" encoding="utf-8"?>
 <p:sld xmlns:a="http://schemas.openxmlformats.org/drawingml/2006/main" xmlns:r="http://schemas.openxmlformats.org/officeDocument/2006/relationships" xmlns:p="http://schemas.openxmlformats.org/presentationml/2006/main">
   <p:cSld>
     <p:spTree>
@@ -8394,7 +12056,7 @@
           <a:p>
             <a:fld id="{FF15E650-2C9B-4E22-B544-79A90AB3DDC1}" type="datetime1">
               <a:rPr lang="de-DE" smtClean="0"/>
-              <a:t>05.01.2023</a:t>
+              <a:t>07.01.2023</a:t>
             </a:fld>
             <a:endParaRPr lang="de-DE"/>
           </a:p>
@@ -8440,7 +12102,7 @@
           <a:p>
             <a:fld id="{6C6AE60A-B69C-4790-82F7-3882EDF23186}" type="slidenum">
               <a:rPr lang="de-DE" smtClean="0"/>
-              <a:t>25</a:t>
+              <a:t>28</a:t>
             </a:fld>
             <a:endParaRPr lang="de-DE"/>
           </a:p>
@@ -9828,7 +13490,7 @@
           <a:p>
             <a:fld id="{FF15E650-2C9B-4E22-B544-79A90AB3DDC1}" type="datetime1">
               <a:rPr lang="de-DE" smtClean="0"/>
-              <a:t>05.01.2023</a:t>
+              <a:t>07.01.2023</a:t>
             </a:fld>
             <a:endParaRPr lang="de-DE"/>
           </a:p>
@@ -9958,7 +13620,7 @@
           <a:p>
             <a:fld id="{FF15E650-2C9B-4E22-B544-79A90AB3DDC1}" type="datetime1">
               <a:rPr lang="de-DE" smtClean="0"/>
-              <a:t>05.01.2023</a:t>
+              <a:t>07.01.2023</a:t>
             </a:fld>
             <a:endParaRPr lang="de-DE"/>
           </a:p>
@@ -10154,13 +13816,8 @@
                       </a:r>
                       <a:r>
                         <a:rPr lang="en-US" sz="1200" baseline="0" dirty="0" smtClean="0"/>
-                        <a:t> </a:t>
+                        <a:t> checks</a:t>
                       </a:r>
-                      <a:r>
-                        <a:rPr lang="en-US" sz="1200" baseline="0" dirty="0" smtClean="0"/>
-                        <a:t>checks</a:t>
-                      </a:r>
-                      <a:endParaRPr lang="en-US" sz="1200" baseline="0" dirty="0" smtClean="0"/>
                     </a:p>
                   </a:txBody>
                   <a:tcPr>
@@ -10493,27 +14150,8 @@
                           <a:ea typeface="+mn-ea"/>
                           <a:cs typeface="+mn-cs"/>
                         </a:rPr>
-                        <a:t>Check / edit figure 3, table </a:t>
+                        <a:t>Check / edit figure 3, table 5</a:t>
                       </a:r>
-                      <a:r>
-                        <a:rPr lang="en-US" sz="1200" kern="1200" dirty="0" smtClean="0">
-                          <a:solidFill>
-                            <a:schemeClr val="dk1"/>
-                          </a:solidFill>
-                          <a:latin typeface="+mn-lt"/>
-                          <a:ea typeface="+mn-ea"/>
-                          <a:cs typeface="+mn-cs"/>
-                        </a:rPr>
-                        <a:t>5</a:t>
-                      </a:r>
-                      <a:endParaRPr lang="en-US" sz="1200" kern="1200" dirty="0" smtClean="0">
-                        <a:solidFill>
-                          <a:schemeClr val="dk1"/>
-                        </a:solidFill>
-                        <a:latin typeface="+mn-lt"/>
-                        <a:ea typeface="+mn-ea"/>
-                        <a:cs typeface="+mn-cs"/>
-                      </a:endParaRPr>
                     </a:p>
                   </a:txBody>
                   <a:tcPr>
@@ -11126,11 +14764,7 @@
                       </a:pPr>
                       <a:r>
                         <a:rPr lang="en-US" sz="1200" baseline="0" dirty="0" smtClean="0"/>
-                        <a:t>Section 5.3 LCA </a:t>
-                      </a:r>
-                      <a:r>
-                        <a:rPr lang="en-US" sz="1200" baseline="0" dirty="0" smtClean="0"/>
-                        <a:t>writing</a:t>
+                        <a:t>Section 5.3 LCA writing</a:t>
                       </a:r>
                       <a:endParaRPr lang="en-US" sz="1200" dirty="0" smtClean="0"/>
                     </a:p>
@@ -11302,11 +14936,7 @@
                       </a:pPr>
                       <a:r>
                         <a:rPr lang="en-US" sz="1200" baseline="0" dirty="0" smtClean="0"/>
-                        <a:t>Check model scenario setup: Figure 5 , table </a:t>
-                      </a:r>
-                      <a:r>
-                        <a:rPr lang="en-US" sz="1200" baseline="0" dirty="0" smtClean="0"/>
-                        <a:t>2</a:t>
+                        <a:t>Check model scenario setup: Figure 5 , table 2</a:t>
                       </a:r>
                       <a:endParaRPr lang="en-US" sz="1200" dirty="0" smtClean="0"/>
                     </a:p>
@@ -11631,7 +15261,7 @@
 </file>
 
 <file path=ppt/slides/slide5.xml><?xml version="1.0" encoding="utf-8"?>
-<p:sld xmlns:a="http://schemas.openxmlformats.org/drawingml/2006/main" xmlns:r="http://schemas.openxmlformats.org/officeDocument/2006/relationships" xmlns:p="http://schemas.openxmlformats.org/presentationml/2006/main">
+<p:sld xmlns:a="http://schemas.openxmlformats.org/drawingml/2006/main" xmlns:r="http://schemas.openxmlformats.org/officeDocument/2006/relationships" xmlns:p="http://schemas.openxmlformats.org/presentationml/2006/main" show="0">
   <p:cSld>
     <p:spTree>
       <p:nvGrpSpPr>
@@ -11649,12 +15279,12 @@
       </p:grpSpPr>
       <p:sp>
         <p:nvSpPr>
-          <p:cNvPr id="2" name="Content Placeholder 1"/>
-          <p:cNvSpPr>
-            <a:spLocks noGrp="1"/>
-          </p:cNvSpPr>
-          <p:nvPr>
-            <p:ph idx="1"/>
+          <p:cNvPr id="3" name="Date Placeholder 2"/>
+          <p:cNvSpPr>
+            <a:spLocks noGrp="1"/>
+          </p:cNvSpPr>
+          <p:nvPr>
+            <p:ph type="dt" sz="half" idx="10"/>
           </p:nvPr>
         </p:nvSpPr>
         <p:spPr/>
@@ -11662,45 +15292,9 @@
           <a:bodyPr/>
           <a:lstStyle/>
           <a:p>
-            <a:r>
-              <a:rPr lang="en-US" dirty="0" smtClean="0"/>
-              <a:t>Figure 1 + Table 1 </a:t>
-            </a:r>
-          </a:p>
-          <a:p>
-            <a:pPr lvl="1"/>
-            <a:r>
-              <a:rPr lang="en-US" dirty="0" smtClean="0"/>
-              <a:t>Dimensions of building components </a:t>
-            </a:r>
-          </a:p>
-          <a:p>
-            <a:r>
-              <a:rPr lang="en-US" dirty="0" smtClean="0"/>
-              <a:t>Ventilation data and updates </a:t>
-            </a:r>
-            <a:endParaRPr lang="en-US" dirty="0"/>
-          </a:p>
-        </p:txBody>
-      </p:sp>
-      <p:sp>
-        <p:nvSpPr>
-          <p:cNvPr id="3" name="Date Placeholder 2"/>
-          <p:cNvSpPr>
-            <a:spLocks noGrp="1"/>
-          </p:cNvSpPr>
-          <p:nvPr>
-            <p:ph type="dt" sz="half" idx="10"/>
-          </p:nvPr>
-        </p:nvSpPr>
-        <p:spPr/>
-        <p:txBody>
-          <a:bodyPr/>
-          <a:lstStyle/>
-          <a:p>
             <a:fld id="{FF15E650-2C9B-4E22-B544-79A90AB3DDC1}" type="datetime1">
               <a:rPr lang="de-DE" smtClean="0"/>
-              <a:t>05.01.2023</a:t>
+              <a:t>07.01.2023</a:t>
             </a:fld>
             <a:endParaRPr lang="de-DE"/>
           </a:p>
@@ -11769,16 +15363,40 @@
           <a:p>
             <a:r>
               <a:rPr lang="en-US" dirty="0" smtClean="0"/>
-              <a:t>Comments Section 2-4</a:t>
+              <a:t>U Values</a:t>
             </a:r>
             <a:endParaRPr lang="en-US" dirty="0"/>
           </a:p>
         </p:txBody>
       </p:sp>
+      <p:graphicFrame>
+        <p:nvGraphicFramePr>
+          <p:cNvPr id="8" name="Chart 7"/>
+          <p:cNvGraphicFramePr>
+            <a:graphicFrameLocks/>
+          </p:cNvGraphicFramePr>
+          <p:nvPr>
+            <p:extLst>
+              <p:ext uri="{D42A27DB-BD31-4B8C-83A1-F6EECF244321}">
+                <p14:modId xmlns:p14="http://schemas.microsoft.com/office/powerpoint/2010/main" val="1665658394"/>
+              </p:ext>
+            </p:extLst>
+          </p:nvPr>
+        </p:nvGraphicFramePr>
+        <p:xfrm>
+          <a:off x="323850" y="1852586"/>
+          <a:ext cx="8302501" cy="4114460"/>
+        </p:xfrm>
+        <a:graphic>
+          <a:graphicData uri="http://schemas.openxmlformats.org/drawingml/2006/chart">
+            <c:chart xmlns:c="http://schemas.openxmlformats.org/drawingml/2006/chart" xmlns:r="http://schemas.openxmlformats.org/officeDocument/2006/relationships" r:id="rId2"/>
+          </a:graphicData>
+        </a:graphic>
+      </p:graphicFrame>
     </p:spTree>
     <p:extLst>
       <p:ext uri="{BB962C8B-B14F-4D97-AF65-F5344CB8AC3E}">
-        <p14:creationId xmlns:p14="http://schemas.microsoft.com/office/powerpoint/2010/main" val="565144384"/>
+        <p14:creationId xmlns:p14="http://schemas.microsoft.com/office/powerpoint/2010/main" val="990010030"/>
       </p:ext>
     </p:extLst>
   </p:cSld>
@@ -11810,12 +15428,12 @@
       </p:grpSpPr>
       <p:sp>
         <p:nvSpPr>
-          <p:cNvPr id="2" name="Content Placeholder 1"/>
-          <p:cNvSpPr>
-            <a:spLocks noGrp="1"/>
-          </p:cNvSpPr>
-          <p:nvPr>
-            <p:ph idx="1"/>
+          <p:cNvPr id="3" name="Date Placeholder 2"/>
+          <p:cNvSpPr>
+            <a:spLocks noGrp="1"/>
+          </p:cNvSpPr>
+          <p:nvPr>
+            <p:ph type="dt" sz="half" idx="10"/>
           </p:nvPr>
         </p:nvSpPr>
         <p:spPr/>
@@ -11823,58 +15441,9 @@
           <a:bodyPr/>
           <a:lstStyle/>
           <a:p>
-            <a:r>
-              <a:rPr lang="en-US" dirty="0" smtClean="0"/>
-              <a:t>Internal walls removed </a:t>
-            </a:r>
-          </a:p>
-          <a:p>
-            <a:r>
-              <a:rPr lang="en-US" dirty="0" smtClean="0"/>
-              <a:t>U Values rechecked</a:t>
-            </a:r>
-          </a:p>
-          <a:p>
-            <a:pPr lvl="1"/>
-            <a:r>
-              <a:rPr lang="en-US" dirty="0" smtClean="0"/>
-              <a:t>Some large values for buildings estimated with high space heating demands</a:t>
-            </a:r>
-          </a:p>
-          <a:p>
-            <a:pPr lvl="1"/>
-            <a:r>
-              <a:rPr lang="en-US" dirty="0" smtClean="0"/>
-              <a:t>Rechecked for the given values vs calculated – which one to use? </a:t>
-            </a:r>
-          </a:p>
-          <a:p>
-            <a:r>
-              <a:rPr lang="en-US" dirty="0" smtClean="0"/>
-              <a:t>U Values windows updates</a:t>
-            </a:r>
-            <a:endParaRPr lang="en-US" dirty="0"/>
-          </a:p>
-        </p:txBody>
-      </p:sp>
-      <p:sp>
-        <p:nvSpPr>
-          <p:cNvPr id="3" name="Date Placeholder 2"/>
-          <p:cNvSpPr>
-            <a:spLocks noGrp="1"/>
-          </p:cNvSpPr>
-          <p:nvPr>
-            <p:ph type="dt" sz="half" idx="10"/>
-          </p:nvPr>
-        </p:nvSpPr>
-        <p:spPr/>
-        <p:txBody>
-          <a:bodyPr/>
-          <a:lstStyle/>
-          <a:p>
             <a:fld id="{FF15E650-2C9B-4E22-B544-79A90AB3DDC1}" type="datetime1">
               <a:rPr lang="de-DE" smtClean="0"/>
-              <a:t>05.01.2023</a:t>
+              <a:t>07.01.2023</a:t>
             </a:fld>
             <a:endParaRPr lang="de-DE"/>
           </a:p>
@@ -11943,16 +15512,41 @@
           <a:p>
             <a:r>
               <a:rPr lang="en-US" dirty="0" smtClean="0"/>
-              <a:t>U values results</a:t>
+              <a:t>Space heating demands</a:t>
             </a:r>
             <a:endParaRPr lang="en-US" dirty="0"/>
           </a:p>
         </p:txBody>
       </p:sp>
+      <p:graphicFrame>
+        <p:nvGraphicFramePr>
+          <p:cNvPr id="7" name="Content Placeholder 6"/>
+          <p:cNvGraphicFramePr>
+            <a:graphicFrameLocks noGrp="1"/>
+          </p:cNvGraphicFramePr>
+          <p:nvPr>
+            <p:ph idx="1"/>
+            <p:extLst>
+              <p:ext uri="{D42A27DB-BD31-4B8C-83A1-F6EECF244321}">
+                <p14:modId xmlns:p14="http://schemas.microsoft.com/office/powerpoint/2010/main" val="864924782"/>
+              </p:ext>
+            </p:extLst>
+          </p:nvPr>
+        </p:nvGraphicFramePr>
+        <p:xfrm>
+          <a:off x="323850" y="2024063"/>
+          <a:ext cx="8496300" cy="4210050"/>
+        </p:xfrm>
+        <a:graphic>
+          <a:graphicData uri="http://schemas.openxmlformats.org/drawingml/2006/chart">
+            <c:chart xmlns:c="http://schemas.openxmlformats.org/drawingml/2006/chart" xmlns:r="http://schemas.openxmlformats.org/officeDocument/2006/relationships" r:id="rId2"/>
+          </a:graphicData>
+        </a:graphic>
+      </p:graphicFrame>
     </p:spTree>
     <p:extLst>
       <p:ext uri="{BB962C8B-B14F-4D97-AF65-F5344CB8AC3E}">
-        <p14:creationId xmlns:p14="http://schemas.microsoft.com/office/powerpoint/2010/main" val="1024277250"/>
+        <p14:creationId xmlns:p14="http://schemas.microsoft.com/office/powerpoint/2010/main" val="4133344821"/>
       </p:ext>
     </p:extLst>
   </p:cSld>
@@ -11997,31 +15591,7 @@
           <a:bodyPr/>
           <a:lstStyle/>
           <a:p>
-            <a:r>
-              <a:rPr lang="en-US" dirty="0" smtClean="0"/>
-              <a:t>All results presented </a:t>
-            </a:r>
-          </a:p>
-          <a:p>
-            <a:r>
-              <a:rPr lang="en-US" dirty="0" smtClean="0"/>
-              <a:t>Significant p values shown for given </a:t>
-            </a:r>
-          </a:p>
-          <a:p>
-            <a:r>
-              <a:rPr lang="en-US" dirty="0" smtClean="0"/>
-              <a:t>Same p values against </a:t>
-            </a:r>
-            <a:r>
-              <a:rPr lang="en-US" dirty="0" err="1" smtClean="0"/>
-              <a:t>buffat</a:t>
-            </a:r>
-            <a:r>
-              <a:rPr lang="en-US" dirty="0" smtClean="0"/>
-              <a:t> </a:t>
-            </a:r>
-            <a:endParaRPr lang="en-US" dirty="0"/>
+            <a:endParaRPr lang="en-US"/>
           </a:p>
         </p:txBody>
       </p:sp>
@@ -12042,7 +15612,7 @@
           <a:p>
             <a:fld id="{FF15E650-2C9B-4E22-B544-79A90AB3DDC1}" type="datetime1">
               <a:rPr lang="de-DE" smtClean="0"/>
-              <a:t>05.01.2023</a:t>
+              <a:t>07.01.2023</a:t>
             </a:fld>
             <a:endParaRPr lang="de-DE"/>
           </a:p>
@@ -12109,18 +15679,14 @@
           <a:bodyPr/>
           <a:lstStyle/>
           <a:p>
-            <a:r>
-              <a:rPr lang="en-US" dirty="0" smtClean="0"/>
-              <a:t>U Values writings</a:t>
-            </a:r>
-            <a:endParaRPr lang="en-US" dirty="0"/>
+            <a:endParaRPr lang="en-US"/>
           </a:p>
         </p:txBody>
       </p:sp>
     </p:spTree>
     <p:extLst>
       <p:ext uri="{BB962C8B-B14F-4D97-AF65-F5344CB8AC3E}">
-        <p14:creationId xmlns:p14="http://schemas.microsoft.com/office/powerpoint/2010/main" val="2629382120"/>
+        <p14:creationId xmlns:p14="http://schemas.microsoft.com/office/powerpoint/2010/main" val="2023348121"/>
       </p:ext>
     </p:extLst>
   </p:cSld>
@@ -12165,7 +15731,24 @@
           <a:bodyPr/>
           <a:lstStyle/>
           <a:p>
-            <a:endParaRPr lang="en-US"/>
+            <a:r>
+              <a:rPr lang="en-US" dirty="0" smtClean="0"/>
+              <a:t>Figure 1 + Table 1 </a:t>
+            </a:r>
+          </a:p>
+          <a:p>
+            <a:pPr lvl="1"/>
+            <a:r>
+              <a:rPr lang="en-US" dirty="0" smtClean="0"/>
+              <a:t>Dimensions of building components </a:t>
+            </a:r>
+          </a:p>
+          <a:p>
+            <a:r>
+              <a:rPr lang="en-US" dirty="0" smtClean="0"/>
+              <a:t>Ventilation data and updates </a:t>
+            </a:r>
+            <a:endParaRPr lang="en-US" dirty="0"/>
           </a:p>
         </p:txBody>
       </p:sp>
@@ -12186,7 +15769,7 @@
           <a:p>
             <a:fld id="{FF15E650-2C9B-4E22-B544-79A90AB3DDC1}" type="datetime1">
               <a:rPr lang="de-DE" smtClean="0"/>
-              <a:t>05.01.2023</a:t>
+              <a:t>07.01.2023</a:t>
             </a:fld>
             <a:endParaRPr lang="de-DE"/>
           </a:p>
@@ -12255,7 +15838,7 @@
           <a:p>
             <a:r>
               <a:rPr lang="en-US" dirty="0" smtClean="0"/>
-              <a:t>Heat demand results </a:t>
+              <a:t>Comments Section 2-4</a:t>
             </a:r>
             <a:endParaRPr lang="en-US" dirty="0"/>
           </a:p>
@@ -12264,7 +15847,7 @@
     </p:spTree>
     <p:extLst>
       <p:ext uri="{BB962C8B-B14F-4D97-AF65-F5344CB8AC3E}">
-        <p14:creationId xmlns:p14="http://schemas.microsoft.com/office/powerpoint/2010/main" val="1444110928"/>
+        <p14:creationId xmlns:p14="http://schemas.microsoft.com/office/powerpoint/2010/main" val="565144384"/>
       </p:ext>
     </p:extLst>
   </p:cSld>
@@ -12309,7 +15892,37 @@
           <a:bodyPr/>
           <a:lstStyle/>
           <a:p>
-            <a:endParaRPr lang="en-US"/>
+            <a:r>
+              <a:rPr lang="en-US" dirty="0" smtClean="0"/>
+              <a:t>Internal walls removed </a:t>
+            </a:r>
+          </a:p>
+          <a:p>
+            <a:r>
+              <a:rPr lang="en-US" dirty="0" smtClean="0"/>
+              <a:t>U Values rechecked</a:t>
+            </a:r>
+          </a:p>
+          <a:p>
+            <a:pPr lvl="1"/>
+            <a:r>
+              <a:rPr lang="en-US" dirty="0" smtClean="0"/>
+              <a:t>Some large values for buildings estimated with high space heating demands</a:t>
+            </a:r>
+          </a:p>
+          <a:p>
+            <a:pPr lvl="1"/>
+            <a:r>
+              <a:rPr lang="en-US" dirty="0" smtClean="0"/>
+              <a:t>Rechecked for the given values vs calculated – which one to use? </a:t>
+            </a:r>
+          </a:p>
+          <a:p>
+            <a:r>
+              <a:rPr lang="en-US" dirty="0" smtClean="0"/>
+              <a:t>U Values windows updates</a:t>
+            </a:r>
+            <a:endParaRPr lang="en-US" dirty="0"/>
           </a:p>
         </p:txBody>
       </p:sp>
@@ -12330,7 +15943,7 @@
           <a:p>
             <a:fld id="{FF15E650-2C9B-4E22-B544-79A90AB3DDC1}" type="datetime1">
               <a:rPr lang="de-DE" smtClean="0"/>
-              <a:t>05.01.2023</a:t>
+              <a:t>07.01.2023</a:t>
             </a:fld>
             <a:endParaRPr lang="de-DE"/>
           </a:p>
@@ -12399,7 +16012,7 @@
           <a:p>
             <a:r>
               <a:rPr lang="en-US" dirty="0" smtClean="0"/>
-              <a:t>Heat demand writings</a:t>
+              <a:t>U values results</a:t>
             </a:r>
             <a:endParaRPr lang="en-US" dirty="0"/>
           </a:p>
@@ -12408,7 +16021,7 @@
     </p:spTree>
     <p:extLst>
       <p:ext uri="{BB962C8B-B14F-4D97-AF65-F5344CB8AC3E}">
-        <p14:creationId xmlns:p14="http://schemas.microsoft.com/office/powerpoint/2010/main" val="296182105"/>
+        <p14:creationId xmlns:p14="http://schemas.microsoft.com/office/powerpoint/2010/main" val="1024277250"/>
       </p:ext>
     </p:extLst>
   </p:cSld>

--- a/paper_SI_discussions/Discussion_paper.pptx
+++ b/paper_SI_discussions/Discussion_paper.pptx
@@ -5,7 +5,7 @@
     <p:sldMasterId id="2147483648" r:id="rId1"/>
   </p:sldMasterIdLst>
   <p:notesMasterIdLst>
-    <p:notesMasterId r:id="rId38"/>
+    <p:notesMasterId r:id="rId39"/>
   </p:notesMasterIdLst>
   <p:sldIdLst>
     <p:sldId id="440" r:id="rId2"/>
@@ -13,37 +13,38 @@
     <p:sldId id="515" r:id="rId4"/>
     <p:sldId id="523" r:id="rId5"/>
     <p:sldId id="537" r:id="rId6"/>
-    <p:sldId id="524" r:id="rId7"/>
-    <p:sldId id="536" r:id="rId8"/>
-    <p:sldId id="531" r:id="rId9"/>
-    <p:sldId id="528" r:id="rId10"/>
-    <p:sldId id="526" r:id="rId11"/>
-    <p:sldId id="529" r:id="rId12"/>
-    <p:sldId id="533" r:id="rId13"/>
-    <p:sldId id="534" r:id="rId14"/>
-    <p:sldId id="525" r:id="rId15"/>
-    <p:sldId id="530" r:id="rId16"/>
-    <p:sldId id="516" r:id="rId17"/>
-    <p:sldId id="517" r:id="rId18"/>
-    <p:sldId id="518" r:id="rId19"/>
-    <p:sldId id="519" r:id="rId20"/>
-    <p:sldId id="520" r:id="rId21"/>
-    <p:sldId id="521" r:id="rId22"/>
-    <p:sldId id="522" r:id="rId23"/>
-    <p:sldId id="509" r:id="rId24"/>
-    <p:sldId id="510" r:id="rId25"/>
-    <p:sldId id="511" r:id="rId26"/>
-    <p:sldId id="512" r:id="rId27"/>
-    <p:sldId id="513" r:id="rId28"/>
-    <p:sldId id="497" r:id="rId29"/>
-    <p:sldId id="500" r:id="rId30"/>
-    <p:sldId id="514" r:id="rId31"/>
-    <p:sldId id="505" r:id="rId32"/>
-    <p:sldId id="499" r:id="rId33"/>
-    <p:sldId id="502" r:id="rId34"/>
-    <p:sldId id="503" r:id="rId35"/>
-    <p:sldId id="504" r:id="rId36"/>
-    <p:sldId id="506" r:id="rId37"/>
+    <p:sldId id="538" r:id="rId7"/>
+    <p:sldId id="524" r:id="rId8"/>
+    <p:sldId id="536" r:id="rId9"/>
+    <p:sldId id="531" r:id="rId10"/>
+    <p:sldId id="528" r:id="rId11"/>
+    <p:sldId id="526" r:id="rId12"/>
+    <p:sldId id="529" r:id="rId13"/>
+    <p:sldId id="533" r:id="rId14"/>
+    <p:sldId id="534" r:id="rId15"/>
+    <p:sldId id="525" r:id="rId16"/>
+    <p:sldId id="530" r:id="rId17"/>
+    <p:sldId id="516" r:id="rId18"/>
+    <p:sldId id="517" r:id="rId19"/>
+    <p:sldId id="518" r:id="rId20"/>
+    <p:sldId id="519" r:id="rId21"/>
+    <p:sldId id="520" r:id="rId22"/>
+    <p:sldId id="521" r:id="rId23"/>
+    <p:sldId id="522" r:id="rId24"/>
+    <p:sldId id="509" r:id="rId25"/>
+    <p:sldId id="510" r:id="rId26"/>
+    <p:sldId id="511" r:id="rId27"/>
+    <p:sldId id="512" r:id="rId28"/>
+    <p:sldId id="513" r:id="rId29"/>
+    <p:sldId id="497" r:id="rId30"/>
+    <p:sldId id="500" r:id="rId31"/>
+    <p:sldId id="514" r:id="rId32"/>
+    <p:sldId id="505" r:id="rId33"/>
+    <p:sldId id="499" r:id="rId34"/>
+    <p:sldId id="502" r:id="rId35"/>
+    <p:sldId id="503" r:id="rId36"/>
+    <p:sldId id="504" r:id="rId37"/>
+    <p:sldId id="506" r:id="rId38"/>
   </p:sldIdLst>
   <p:sldSz cx="9144000" cy="6858000" type="screen4x3"/>
   <p:notesSz cx="6794500" cy="9931400"/>
@@ -156,6 +157,7 @@
             <p14:sldId id="515"/>
             <p14:sldId id="523"/>
             <p14:sldId id="537"/>
+            <p14:sldId id="538"/>
           </p14:sldIdLst>
         </p14:section>
         <p14:section name="070123" id="{88BC7959-5355-492C-9DE9-19C2A735791E}">
@@ -7400,7 +7402,7 @@
           <a:p>
             <a:fld id="{A51C0C35-A9A2-4EFD-9BAF-1E52E29E03D1}" type="slidenum">
               <a:rPr lang="de-CH" smtClean="0"/>
-              <a:t>9</a:t>
+              <a:t>10</a:t>
             </a:fld>
             <a:endParaRPr lang="de-CH"/>
           </a:p>
@@ -10986,40 +10988,73 @@
           <a:p>
             <a:r>
               <a:rPr lang="en-US" dirty="0" smtClean="0"/>
-              <a:t>2. Embodied : components (Example building)</a:t>
+              <a:t>1. Overall LCA - Embodied and </a:t>
             </a:r>
-            <a:endParaRPr lang="en-US" dirty="0"/>
+            <a:r>
+              <a:rPr lang="en-US" dirty="0"/>
+              <a:t>operational (Example building)</a:t>
+            </a:r>
           </a:p>
         </p:txBody>
       </p:sp>
       <p:graphicFrame>
         <p:nvGraphicFramePr>
-          <p:cNvPr id="9" name="Chart 8"/>
+          <p:cNvPr id="10" name="Chart 9"/>
           <p:cNvGraphicFramePr>
             <a:graphicFrameLocks/>
           </p:cNvGraphicFramePr>
           <p:nvPr>
             <p:extLst>
               <p:ext uri="{D42A27DB-BD31-4B8C-83A1-F6EECF244321}">
-                <p14:modId xmlns:p14="http://schemas.microsoft.com/office/powerpoint/2010/main" val="603343493"/>
+                <p14:modId xmlns:p14="http://schemas.microsoft.com/office/powerpoint/2010/main" val="1547022581"/>
               </p:ext>
             </p:extLst>
           </p:nvPr>
         </p:nvGraphicFramePr>
         <p:xfrm>
-          <a:off x="1198685" y="2118213"/>
-          <a:ext cx="6324600" cy="3981450"/>
+          <a:off x="521678" y="2057399"/>
+          <a:ext cx="8104674" cy="3399693"/>
         </p:xfrm>
         <a:graphic>
           <a:graphicData uri="http://schemas.openxmlformats.org/drawingml/2006/chart">
-            <c:chart xmlns:c="http://schemas.openxmlformats.org/drawingml/2006/chart" xmlns:r="http://schemas.openxmlformats.org/officeDocument/2006/relationships" r:id="rId2"/>
+            <c:chart xmlns:c="http://schemas.openxmlformats.org/drawingml/2006/chart" xmlns:r="http://schemas.openxmlformats.org/officeDocument/2006/relationships" r:id="rId3"/>
           </a:graphicData>
         </a:graphic>
       </p:graphicFrame>
+      <p:sp>
+        <p:nvSpPr>
+          <p:cNvPr id="11" name="TextBox 10"/>
+          <p:cNvSpPr txBox="1"/>
+          <p:nvPr/>
+        </p:nvSpPr>
+        <p:spPr>
+          <a:xfrm>
+            <a:off x="2702169" y="5726723"/>
+            <a:ext cx="4185761" cy="369332"/>
+          </a:xfrm>
+          <a:prstGeom prst="rect">
+            <a:avLst/>
+          </a:prstGeom>
+          <a:noFill/>
+        </p:spPr>
+        <p:txBody>
+          <a:bodyPr wrap="none" rtlCol="0">
+            <a:spAutoFit/>
+          </a:bodyPr>
+          <a:lstStyle/>
+          <a:p>
+            <a:r>
+              <a:rPr lang="en-US" i="1" dirty="0" smtClean="0"/>
+              <a:t>Results on paper will show all buildings</a:t>
+            </a:r>
+            <a:endParaRPr lang="en-US" i="1" dirty="0"/>
+          </a:p>
+        </p:txBody>
+      </p:sp>
     </p:spTree>
     <p:extLst>
       <p:ext uri="{BB962C8B-B14F-4D97-AF65-F5344CB8AC3E}">
-        <p14:creationId xmlns:p14="http://schemas.microsoft.com/office/powerpoint/2010/main" val="2023348121"/>
+        <p14:creationId xmlns:p14="http://schemas.microsoft.com/office/powerpoint/2010/main" val="4030856589"/>
       </p:ext>
     </p:extLst>
   </p:cSld>
@@ -11051,6 +11086,155 @@
       </p:grpSpPr>
       <p:sp>
         <p:nvSpPr>
+          <p:cNvPr id="3" name="Date Placeholder 2"/>
+          <p:cNvSpPr>
+            <a:spLocks noGrp="1"/>
+          </p:cNvSpPr>
+          <p:nvPr>
+            <p:ph type="dt" sz="half" idx="10"/>
+          </p:nvPr>
+        </p:nvSpPr>
+        <p:spPr/>
+        <p:txBody>
+          <a:bodyPr/>
+          <a:lstStyle/>
+          <a:p>
+            <a:fld id="{FF15E650-2C9B-4E22-B544-79A90AB3DDC1}" type="datetime1">
+              <a:rPr lang="de-DE" smtClean="0"/>
+              <a:t>16.01.2023</a:t>
+            </a:fld>
+            <a:endParaRPr lang="de-DE"/>
+          </a:p>
+        </p:txBody>
+      </p:sp>
+      <p:sp>
+        <p:nvSpPr>
+          <p:cNvPr id="4" name="Footer Placeholder 3"/>
+          <p:cNvSpPr>
+            <a:spLocks noGrp="1"/>
+          </p:cNvSpPr>
+          <p:nvPr>
+            <p:ph type="ftr" sz="quarter" idx="11"/>
+          </p:nvPr>
+        </p:nvSpPr>
+        <p:spPr/>
+        <p:txBody>
+          <a:bodyPr/>
+          <a:lstStyle/>
+          <a:p>
+            <a:r>
+              <a:rPr lang="de-DE" smtClean="0"/>
+              <a:t>Shinde, Rhythima</a:t>
+            </a:r>
+            <a:endParaRPr lang="de-DE"/>
+          </a:p>
+        </p:txBody>
+      </p:sp>
+      <p:sp>
+        <p:nvSpPr>
+          <p:cNvPr id="5" name="Slide Number Placeholder 4"/>
+          <p:cNvSpPr>
+            <a:spLocks noGrp="1"/>
+          </p:cNvSpPr>
+          <p:nvPr>
+            <p:ph type="sldNum" sz="quarter" idx="12"/>
+          </p:nvPr>
+        </p:nvSpPr>
+        <p:spPr/>
+        <p:txBody>
+          <a:bodyPr/>
+          <a:lstStyle/>
+          <a:p>
+            <a:fld id="{6C6AE60A-B69C-4790-82F7-3882EDF23186}" type="slidenum">
+              <a:rPr lang="de-DE" smtClean="0"/>
+              <a:t>11</a:t>
+            </a:fld>
+            <a:endParaRPr lang="de-DE"/>
+          </a:p>
+        </p:txBody>
+      </p:sp>
+      <p:sp>
+        <p:nvSpPr>
+          <p:cNvPr id="6" name="Title 5"/>
+          <p:cNvSpPr>
+            <a:spLocks noGrp="1"/>
+          </p:cNvSpPr>
+          <p:nvPr>
+            <p:ph type="title"/>
+          </p:nvPr>
+        </p:nvSpPr>
+        <p:spPr/>
+        <p:txBody>
+          <a:bodyPr/>
+          <a:lstStyle/>
+          <a:p>
+            <a:r>
+              <a:rPr lang="en-US" dirty="0" smtClean="0"/>
+              <a:t>2. Embodied : components (Example building)</a:t>
+            </a:r>
+            <a:endParaRPr lang="en-US" dirty="0"/>
+          </a:p>
+        </p:txBody>
+      </p:sp>
+      <p:graphicFrame>
+        <p:nvGraphicFramePr>
+          <p:cNvPr id="9" name="Chart 8"/>
+          <p:cNvGraphicFramePr>
+            <a:graphicFrameLocks/>
+          </p:cNvGraphicFramePr>
+          <p:nvPr>
+            <p:extLst>
+              <p:ext uri="{D42A27DB-BD31-4B8C-83A1-F6EECF244321}">
+                <p14:modId xmlns:p14="http://schemas.microsoft.com/office/powerpoint/2010/main" val="603343493"/>
+              </p:ext>
+            </p:extLst>
+          </p:nvPr>
+        </p:nvGraphicFramePr>
+        <p:xfrm>
+          <a:off x="1198685" y="2118213"/>
+          <a:ext cx="6324600" cy="3981450"/>
+        </p:xfrm>
+        <a:graphic>
+          <a:graphicData uri="http://schemas.openxmlformats.org/drawingml/2006/chart">
+            <c:chart xmlns:c="http://schemas.openxmlformats.org/drawingml/2006/chart" xmlns:r="http://schemas.openxmlformats.org/officeDocument/2006/relationships" r:id="rId2"/>
+          </a:graphicData>
+        </a:graphic>
+      </p:graphicFrame>
+    </p:spTree>
+    <p:extLst>
+      <p:ext uri="{BB962C8B-B14F-4D97-AF65-F5344CB8AC3E}">
+        <p14:creationId xmlns:p14="http://schemas.microsoft.com/office/powerpoint/2010/main" val="2023348121"/>
+      </p:ext>
+    </p:extLst>
+  </p:cSld>
+  <p:clrMapOvr>
+    <a:masterClrMapping/>
+  </p:clrMapOvr>
+  <p:transition>
+    <p:fade/>
+  </p:transition>
+</p:sld>
+</file>
+
+<file path=ppt/slides/slide12.xml><?xml version="1.0" encoding="utf-8"?>
+<p:sld xmlns:a="http://schemas.openxmlformats.org/drawingml/2006/main" xmlns:r="http://schemas.openxmlformats.org/officeDocument/2006/relationships" xmlns:p="http://schemas.openxmlformats.org/presentationml/2006/main">
+  <p:cSld>
+    <p:spTree>
+      <p:nvGrpSpPr>
+        <p:cNvPr id="1" name=""/>
+        <p:cNvGrpSpPr/>
+        <p:nvPr/>
+      </p:nvGrpSpPr>
+      <p:grpSpPr>
+        <a:xfrm>
+          <a:off x="0" y="0"/>
+          <a:ext cx="0" cy="0"/>
+          <a:chOff x="0" y="0"/>
+          <a:chExt cx="0" cy="0"/>
+        </a:xfrm>
+      </p:grpSpPr>
+      <p:sp>
+        <p:nvSpPr>
           <p:cNvPr id="2" name="Content Placeholder 1"/>
           <p:cNvSpPr>
             <a:spLocks noGrp="1"/>
@@ -11161,7 +11345,7 @@
           <a:p>
             <a:fld id="{6C6AE60A-B69C-4790-82F7-3882EDF23186}" type="slidenum">
               <a:rPr lang="de-DE" smtClean="0"/>
-              <a:t>11</a:t>
+              <a:t>12</a:t>
             </a:fld>
             <a:endParaRPr lang="de-DE"/>
           </a:p>
@@ -11230,7 +11414,7 @@
 </p:sld>
 </file>
 
-<file path=ppt/slides/slide12.xml><?xml version="1.0" encoding="utf-8"?>
+<file path=ppt/slides/slide13.xml><?xml version="1.0" encoding="utf-8"?>
 <p:sld xmlns:a="http://schemas.openxmlformats.org/drawingml/2006/main" xmlns:r="http://schemas.openxmlformats.org/officeDocument/2006/relationships" xmlns:p="http://schemas.openxmlformats.org/presentationml/2006/main">
   <p:cSld>
     <p:spTree>
@@ -11310,7 +11494,7 @@
           <a:p>
             <a:fld id="{6C6AE60A-B69C-4790-82F7-3882EDF23186}" type="slidenum">
               <a:rPr lang="de-DE" smtClean="0"/>
-              <a:t>12</a:t>
+              <a:t>13</a:t>
             </a:fld>
             <a:endParaRPr lang="de-DE"/>
           </a:p>
@@ -11624,7 +11808,7 @@
 </p:sld>
 </file>
 
-<file path=ppt/slides/slide13.xml><?xml version="1.0" encoding="utf-8"?>
+<file path=ppt/slides/slide14.xml><?xml version="1.0" encoding="utf-8"?>
 <p:sld xmlns:a="http://schemas.openxmlformats.org/drawingml/2006/main" xmlns:r="http://schemas.openxmlformats.org/officeDocument/2006/relationships" xmlns:p="http://schemas.openxmlformats.org/presentationml/2006/main">
   <p:cSld>
     <p:spTree>
@@ -11727,7 +11911,7 @@
           <a:p>
             <a:fld id="{6C6AE60A-B69C-4790-82F7-3882EDF23186}" type="slidenum">
               <a:rPr lang="de-DE" smtClean="0"/>
-              <a:t>13</a:t>
+              <a:t>14</a:t>
             </a:fld>
             <a:endParaRPr lang="de-DE"/>
           </a:p>
@@ -11845,156 +12029,6 @@
 </p:sld>
 </file>
 
-<file path=ppt/slides/slide14.xml><?xml version="1.0" encoding="utf-8"?>
-<p:sld xmlns:a="http://schemas.openxmlformats.org/drawingml/2006/main" xmlns:r="http://schemas.openxmlformats.org/officeDocument/2006/relationships" xmlns:p="http://schemas.openxmlformats.org/presentationml/2006/main">
-  <p:cSld>
-    <p:spTree>
-      <p:nvGrpSpPr>
-        <p:cNvPr id="1" name=""/>
-        <p:cNvGrpSpPr/>
-        <p:nvPr/>
-      </p:nvGrpSpPr>
-      <p:grpSpPr>
-        <a:xfrm>
-          <a:off x="0" y="0"/>
-          <a:ext cx="0" cy="0"/>
-          <a:chOff x="0" y="0"/>
-          <a:chExt cx="0" cy="0"/>
-        </a:xfrm>
-      </p:grpSpPr>
-      <p:sp>
-        <p:nvSpPr>
-          <p:cNvPr id="3" name="Date Placeholder 2"/>
-          <p:cNvSpPr>
-            <a:spLocks noGrp="1"/>
-          </p:cNvSpPr>
-          <p:nvPr>
-            <p:ph type="dt" sz="half" idx="10"/>
-          </p:nvPr>
-        </p:nvSpPr>
-        <p:spPr/>
-        <p:txBody>
-          <a:bodyPr/>
-          <a:lstStyle/>
-          <a:p>
-            <a:fld id="{FF15E650-2C9B-4E22-B544-79A90AB3DDC1}" type="datetime1">
-              <a:rPr lang="de-DE" smtClean="0"/>
-              <a:t>16.01.2023</a:t>
-            </a:fld>
-            <a:endParaRPr lang="de-DE"/>
-          </a:p>
-        </p:txBody>
-      </p:sp>
-      <p:sp>
-        <p:nvSpPr>
-          <p:cNvPr id="4" name="Footer Placeholder 3"/>
-          <p:cNvSpPr>
-            <a:spLocks noGrp="1"/>
-          </p:cNvSpPr>
-          <p:nvPr>
-            <p:ph type="ftr" sz="quarter" idx="11"/>
-          </p:nvPr>
-        </p:nvSpPr>
-        <p:spPr/>
-        <p:txBody>
-          <a:bodyPr/>
-          <a:lstStyle/>
-          <a:p>
-            <a:r>
-              <a:rPr lang="de-DE" smtClean="0"/>
-              <a:t>Shinde, Rhythima</a:t>
-            </a:r>
-            <a:endParaRPr lang="de-DE"/>
-          </a:p>
-        </p:txBody>
-      </p:sp>
-      <p:sp>
-        <p:nvSpPr>
-          <p:cNvPr id="5" name="Slide Number Placeholder 4"/>
-          <p:cNvSpPr>
-            <a:spLocks noGrp="1"/>
-          </p:cNvSpPr>
-          <p:nvPr>
-            <p:ph type="sldNum" sz="quarter" idx="12"/>
-          </p:nvPr>
-        </p:nvSpPr>
-        <p:spPr/>
-        <p:txBody>
-          <a:bodyPr/>
-          <a:lstStyle/>
-          <a:p>
-            <a:fld id="{6C6AE60A-B69C-4790-82F7-3882EDF23186}" type="slidenum">
-              <a:rPr lang="de-DE" smtClean="0"/>
-              <a:t>14</a:t>
-            </a:fld>
-            <a:endParaRPr lang="de-DE"/>
-          </a:p>
-        </p:txBody>
-      </p:sp>
-      <p:sp>
-        <p:nvSpPr>
-          <p:cNvPr id="6" name="Title 5"/>
-          <p:cNvSpPr>
-            <a:spLocks noGrp="1"/>
-          </p:cNvSpPr>
-          <p:nvPr>
-            <p:ph type="title"/>
-          </p:nvPr>
-        </p:nvSpPr>
-        <p:spPr/>
-        <p:txBody>
-          <a:bodyPr/>
-          <a:lstStyle/>
-          <a:p>
-            <a:r>
-              <a:rPr lang="en-US" dirty="0" smtClean="0"/>
-              <a:t>3. Operational emissions : space heating + ventilation + hot water</a:t>
-            </a:r>
-            <a:endParaRPr lang="en-US" dirty="0"/>
-          </a:p>
-        </p:txBody>
-      </p:sp>
-      <p:graphicFrame>
-        <p:nvGraphicFramePr>
-          <p:cNvPr id="8" name="Content Placeholder 7"/>
-          <p:cNvGraphicFramePr>
-            <a:graphicFrameLocks noGrp="1"/>
-          </p:cNvGraphicFramePr>
-          <p:nvPr>
-            <p:ph idx="1"/>
-            <p:extLst>
-              <p:ext uri="{D42A27DB-BD31-4B8C-83A1-F6EECF244321}">
-                <p14:modId xmlns:p14="http://schemas.microsoft.com/office/powerpoint/2010/main" val="3160185675"/>
-              </p:ext>
-            </p:extLst>
-          </p:nvPr>
-        </p:nvGraphicFramePr>
-        <p:xfrm>
-          <a:off x="323850" y="2024063"/>
-          <a:ext cx="8496300" cy="4210050"/>
-        </p:xfrm>
-        <a:graphic>
-          <a:graphicData uri="http://schemas.openxmlformats.org/drawingml/2006/chart">
-            <c:chart xmlns:c="http://schemas.openxmlformats.org/drawingml/2006/chart" xmlns:r="http://schemas.openxmlformats.org/officeDocument/2006/relationships" r:id="rId2"/>
-          </a:graphicData>
-        </a:graphic>
-      </p:graphicFrame>
-    </p:spTree>
-    <p:extLst>
-      <p:ext uri="{BB962C8B-B14F-4D97-AF65-F5344CB8AC3E}">
-        <p14:creationId xmlns:p14="http://schemas.microsoft.com/office/powerpoint/2010/main" val="4133344821"/>
-      </p:ext>
-    </p:extLst>
-  </p:cSld>
-  <p:clrMapOvr>
-    <a:masterClrMapping/>
-  </p:clrMapOvr>
-  <p:transition>
-    <p:fade/>
-  </p:transition>
-</p:sld>
-</file>
-
 <file path=ppt/slides/slide15.xml><?xml version="1.0" encoding="utf-8"?>
 <p:sld xmlns:a="http://schemas.openxmlformats.org/drawingml/2006/main" xmlns:r="http://schemas.openxmlformats.org/officeDocument/2006/relationships" xmlns:p="http://schemas.openxmlformats.org/presentationml/2006/main">
   <p:cSld>
@@ -12098,22 +12132,7 @@
           <a:p>
             <a:r>
               <a:rPr lang="en-US" dirty="0" smtClean="0"/>
-              <a:t>3. Operational</a:t>
-            </a:r>
-            <a:r>
-              <a:rPr lang="en-US" dirty="0"/>
-              <a:t> </a:t>
-            </a:r>
-            <a:r>
-              <a:rPr lang="en-US" dirty="0" smtClean="0"/>
-              <a:t>: all components </a:t>
-            </a:r>
-            <a:br>
-              <a:rPr lang="en-US" dirty="0" smtClean="0"/>
-            </a:br>
-            <a:r>
-              <a:rPr lang="en-US" dirty="0" smtClean="0"/>
-              <a:t>(example building)</a:t>
+              <a:t>3. Operational emissions : space heating + ventilation + hot water</a:t>
             </a:r>
             <a:endParaRPr lang="en-US" dirty="0"/>
           </a:p>
@@ -12121,21 +12140,22 @@
       </p:sp>
       <p:graphicFrame>
         <p:nvGraphicFramePr>
-          <p:cNvPr id="8" name="Chart 7"/>
+          <p:cNvPr id="8" name="Content Placeholder 7"/>
           <p:cNvGraphicFramePr>
-            <a:graphicFrameLocks/>
+            <a:graphicFrameLocks noGrp="1"/>
           </p:cNvGraphicFramePr>
           <p:nvPr>
+            <p:ph idx="1"/>
             <p:extLst>
               <p:ext uri="{D42A27DB-BD31-4B8C-83A1-F6EECF244321}">
-                <p14:modId xmlns:p14="http://schemas.microsoft.com/office/powerpoint/2010/main" val="321563292"/>
+                <p14:modId xmlns:p14="http://schemas.microsoft.com/office/powerpoint/2010/main" val="3160185675"/>
               </p:ext>
             </p:extLst>
           </p:nvPr>
         </p:nvGraphicFramePr>
         <p:xfrm>
-          <a:off x="1409700" y="2080846"/>
-          <a:ext cx="5665177" cy="3634153"/>
+          <a:off x="323850" y="2024063"/>
+          <a:ext cx="8496300" cy="4210050"/>
         </p:xfrm>
         <a:graphic>
           <a:graphicData uri="http://schemas.openxmlformats.org/drawingml/2006/chart">
@@ -12146,7 +12166,7 @@
     </p:spTree>
     <p:extLst>
       <p:ext uri="{BB962C8B-B14F-4D97-AF65-F5344CB8AC3E}">
-        <p14:creationId xmlns:p14="http://schemas.microsoft.com/office/powerpoint/2010/main" val="2402256300"/>
+        <p14:creationId xmlns:p14="http://schemas.microsoft.com/office/powerpoint/2010/main" val="4133344821"/>
       </p:ext>
     </p:extLst>
   </p:cSld>
@@ -12178,42 +12198,6 @@
       </p:grpSpPr>
       <p:sp>
         <p:nvSpPr>
-          <p:cNvPr id="2" name="Content Placeholder 1"/>
-          <p:cNvSpPr>
-            <a:spLocks noGrp="1"/>
-          </p:cNvSpPr>
-          <p:nvPr>
-            <p:ph idx="1"/>
-          </p:nvPr>
-        </p:nvSpPr>
-        <p:spPr/>
-        <p:txBody>
-          <a:bodyPr/>
-          <a:lstStyle/>
-          <a:p>
-            <a:r>
-              <a:rPr lang="en-US" dirty="0" smtClean="0"/>
-              <a:t>Figure 1 + Table 1 </a:t>
-            </a:r>
-          </a:p>
-          <a:p>
-            <a:pPr lvl="1"/>
-            <a:r>
-              <a:rPr lang="en-US" dirty="0" smtClean="0"/>
-              <a:t>Dimensions of building components </a:t>
-            </a:r>
-          </a:p>
-          <a:p>
-            <a:r>
-              <a:rPr lang="en-US" dirty="0" smtClean="0"/>
-              <a:t>Ventilation data and updates </a:t>
-            </a:r>
-            <a:endParaRPr lang="en-US" dirty="0"/>
-          </a:p>
-        </p:txBody>
-      </p:sp>
-      <p:sp>
-        <p:nvSpPr>
           <p:cNvPr id="3" name="Date Placeholder 2"/>
           <p:cNvSpPr>
             <a:spLocks noGrp="1"/>
@@ -12298,16 +12282,55 @@
           <a:p>
             <a:r>
               <a:rPr lang="en-US" dirty="0" smtClean="0"/>
-              <a:t>Comments Section 2-4</a:t>
+              <a:t>3. Operational</a:t>
+            </a:r>
+            <a:r>
+              <a:rPr lang="en-US" dirty="0"/>
+              <a:t> </a:t>
+            </a:r>
+            <a:r>
+              <a:rPr lang="en-US" dirty="0" smtClean="0"/>
+              <a:t>: all components </a:t>
+            </a:r>
+            <a:br>
+              <a:rPr lang="en-US" dirty="0" smtClean="0"/>
+            </a:br>
+            <a:r>
+              <a:rPr lang="en-US" dirty="0" smtClean="0"/>
+              <a:t>(example building)</a:t>
             </a:r>
             <a:endParaRPr lang="en-US" dirty="0"/>
           </a:p>
         </p:txBody>
       </p:sp>
+      <p:graphicFrame>
+        <p:nvGraphicFramePr>
+          <p:cNvPr id="8" name="Chart 7"/>
+          <p:cNvGraphicFramePr>
+            <a:graphicFrameLocks/>
+          </p:cNvGraphicFramePr>
+          <p:nvPr>
+            <p:extLst>
+              <p:ext uri="{D42A27DB-BD31-4B8C-83A1-F6EECF244321}">
+                <p14:modId xmlns:p14="http://schemas.microsoft.com/office/powerpoint/2010/main" val="321563292"/>
+              </p:ext>
+            </p:extLst>
+          </p:nvPr>
+        </p:nvGraphicFramePr>
+        <p:xfrm>
+          <a:off x="1409700" y="2080846"/>
+          <a:ext cx="5665177" cy="3634153"/>
+        </p:xfrm>
+        <a:graphic>
+          <a:graphicData uri="http://schemas.openxmlformats.org/drawingml/2006/chart">
+            <c:chart xmlns:c="http://schemas.openxmlformats.org/drawingml/2006/chart" xmlns:r="http://schemas.openxmlformats.org/officeDocument/2006/relationships" r:id="rId2"/>
+          </a:graphicData>
+        </a:graphic>
+      </p:graphicFrame>
     </p:spTree>
     <p:extLst>
       <p:ext uri="{BB962C8B-B14F-4D97-AF65-F5344CB8AC3E}">
-        <p14:creationId xmlns:p14="http://schemas.microsoft.com/office/powerpoint/2010/main" val="565144384"/>
+        <p14:creationId xmlns:p14="http://schemas.microsoft.com/office/powerpoint/2010/main" val="2402256300"/>
       </p:ext>
     </p:extLst>
   </p:cSld>
@@ -12354,33 +12377,20 @@
           <a:p>
             <a:r>
               <a:rPr lang="en-US" dirty="0" smtClean="0"/>
-              <a:t>Internal walls removed </a:t>
-            </a:r>
-          </a:p>
-          <a:p>
-            <a:r>
-              <a:rPr lang="en-US" dirty="0" smtClean="0"/>
-              <a:t>U Values rechecked</a:t>
+              <a:t>Figure 1 + Table 1 </a:t>
             </a:r>
           </a:p>
           <a:p>
             <a:pPr lvl="1"/>
             <a:r>
               <a:rPr lang="en-US" dirty="0" smtClean="0"/>
-              <a:t>Some large values for buildings estimated with high space heating demands</a:t>
+              <a:t>Dimensions of building components </a:t>
             </a:r>
           </a:p>
           <a:p>
-            <a:pPr lvl="1"/>
             <a:r>
               <a:rPr lang="en-US" dirty="0" smtClean="0"/>
-              <a:t>Rechecked for the given values vs calculated – which one to use? </a:t>
-            </a:r>
-          </a:p>
-          <a:p>
-            <a:r>
-              <a:rPr lang="en-US" dirty="0" smtClean="0"/>
-              <a:t>U Values windows updates</a:t>
+              <a:t>Ventilation data and updates </a:t>
             </a:r>
             <a:endParaRPr lang="en-US" dirty="0"/>
           </a:p>
@@ -12472,7 +12482,7 @@
           <a:p>
             <a:r>
               <a:rPr lang="en-US" dirty="0" smtClean="0"/>
-              <a:t>U values results</a:t>
+              <a:t>Comments Section 2-4</a:t>
             </a:r>
             <a:endParaRPr lang="en-US" dirty="0"/>
           </a:p>
@@ -12481,7 +12491,7 @@
     </p:spTree>
     <p:extLst>
       <p:ext uri="{BB962C8B-B14F-4D97-AF65-F5344CB8AC3E}">
-        <p14:creationId xmlns:p14="http://schemas.microsoft.com/office/powerpoint/2010/main" val="1024277250"/>
+        <p14:creationId xmlns:p14="http://schemas.microsoft.com/office/powerpoint/2010/main" val="565144384"/>
       </p:ext>
     </p:extLst>
   </p:cSld>
@@ -12528,27 +12538,33 @@
           <a:p>
             <a:r>
               <a:rPr lang="en-US" dirty="0" smtClean="0"/>
-              <a:t>All results presented </a:t>
+              <a:t>Internal walls removed </a:t>
             </a:r>
           </a:p>
           <a:p>
             <a:r>
               <a:rPr lang="en-US" dirty="0" smtClean="0"/>
-              <a:t>Significant p values shown for given </a:t>
+              <a:t>U Values rechecked</a:t>
             </a:r>
           </a:p>
           <a:p>
+            <a:pPr lvl="1"/>
             <a:r>
               <a:rPr lang="en-US" dirty="0" smtClean="0"/>
-              <a:t>Same p values against </a:t>
+              <a:t>Some large values for buildings estimated with high space heating demands</a:t>
             </a:r>
-            <a:r>
-              <a:rPr lang="en-US" dirty="0" err="1" smtClean="0"/>
-              <a:t>buffat</a:t>
-            </a:r>
+          </a:p>
+          <a:p>
+            <a:pPr lvl="1"/>
             <a:r>
               <a:rPr lang="en-US" dirty="0" smtClean="0"/>
-              <a:t> </a:t>
+              <a:t>Rechecked for the given values vs calculated – which one to use? </a:t>
+            </a:r>
+          </a:p>
+          <a:p>
+            <a:r>
+              <a:rPr lang="en-US" dirty="0" smtClean="0"/>
+              <a:t>U Values windows updates</a:t>
             </a:r>
             <a:endParaRPr lang="en-US" dirty="0"/>
           </a:p>
@@ -12640,7 +12656,7 @@
           <a:p>
             <a:r>
               <a:rPr lang="en-US" dirty="0" smtClean="0"/>
-              <a:t>U Values writings</a:t>
+              <a:t>U values results</a:t>
             </a:r>
             <a:endParaRPr lang="en-US" dirty="0"/>
           </a:p>
@@ -12649,7 +12665,7 @@
     </p:spTree>
     <p:extLst>
       <p:ext uri="{BB962C8B-B14F-4D97-AF65-F5344CB8AC3E}">
-        <p14:creationId xmlns:p14="http://schemas.microsoft.com/office/powerpoint/2010/main" val="2629382120"/>
+        <p14:creationId xmlns:p14="http://schemas.microsoft.com/office/powerpoint/2010/main" val="1024277250"/>
       </p:ext>
     </p:extLst>
   </p:cSld>
@@ -12694,7 +12710,31 @@
           <a:bodyPr/>
           <a:lstStyle/>
           <a:p>
-            <a:endParaRPr lang="en-US"/>
+            <a:r>
+              <a:rPr lang="en-US" dirty="0" smtClean="0"/>
+              <a:t>All results presented </a:t>
+            </a:r>
+          </a:p>
+          <a:p>
+            <a:r>
+              <a:rPr lang="en-US" dirty="0" smtClean="0"/>
+              <a:t>Significant p values shown for given </a:t>
+            </a:r>
+          </a:p>
+          <a:p>
+            <a:r>
+              <a:rPr lang="en-US" dirty="0" smtClean="0"/>
+              <a:t>Same p values against </a:t>
+            </a:r>
+            <a:r>
+              <a:rPr lang="en-US" dirty="0" err="1" smtClean="0"/>
+              <a:t>buffat</a:t>
+            </a:r>
+            <a:r>
+              <a:rPr lang="en-US" dirty="0" smtClean="0"/>
+              <a:t> </a:t>
+            </a:r>
+            <a:endParaRPr lang="en-US" dirty="0"/>
           </a:p>
         </p:txBody>
       </p:sp>
@@ -12784,7 +12824,7 @@
           <a:p>
             <a:r>
               <a:rPr lang="en-US" dirty="0" smtClean="0"/>
-              <a:t>Heat demand results </a:t>
+              <a:t>U Values writings</a:t>
             </a:r>
             <a:endParaRPr lang="en-US" dirty="0"/>
           </a:p>
@@ -12793,7 +12833,7 @@
     </p:spTree>
     <p:extLst>
       <p:ext uri="{BB962C8B-B14F-4D97-AF65-F5344CB8AC3E}">
-        <p14:creationId xmlns:p14="http://schemas.microsoft.com/office/powerpoint/2010/main" val="1444110928"/>
+        <p14:creationId xmlns:p14="http://schemas.microsoft.com/office/powerpoint/2010/main" val="2629382120"/>
       </p:ext>
     </p:extLst>
   </p:cSld>
@@ -14334,7 +14374,7 @@
           <a:p>
             <a:r>
               <a:rPr lang="en-US" dirty="0" smtClean="0"/>
-              <a:t>Heat demand writings</a:t>
+              <a:t>Heat demand results </a:t>
             </a:r>
             <a:endParaRPr lang="en-US" dirty="0"/>
           </a:p>
@@ -14343,7 +14383,7 @@
     </p:spTree>
     <p:extLst>
       <p:ext uri="{BB962C8B-B14F-4D97-AF65-F5344CB8AC3E}">
-        <p14:creationId xmlns:p14="http://schemas.microsoft.com/office/powerpoint/2010/main" val="296182105"/>
+        <p14:creationId xmlns:p14="http://schemas.microsoft.com/office/powerpoint/2010/main" val="1444110928"/>
       </p:ext>
     </p:extLst>
   </p:cSld>
@@ -14478,7 +14518,7 @@
           <a:p>
             <a:r>
               <a:rPr lang="en-US" dirty="0" smtClean="0"/>
-              <a:t>LCA results</a:t>
+              <a:t>Heat demand writings</a:t>
             </a:r>
             <a:endParaRPr lang="en-US" dirty="0"/>
           </a:p>
@@ -14487,7 +14527,7 @@
     </p:spTree>
     <p:extLst>
       <p:ext uri="{BB962C8B-B14F-4D97-AF65-F5344CB8AC3E}">
-        <p14:creationId xmlns:p14="http://schemas.microsoft.com/office/powerpoint/2010/main" val="1406383392"/>
+        <p14:creationId xmlns:p14="http://schemas.microsoft.com/office/powerpoint/2010/main" val="296182105"/>
       </p:ext>
     </p:extLst>
   </p:cSld>
@@ -14622,7 +14662,7 @@
           <a:p>
             <a:r>
               <a:rPr lang="en-US" dirty="0" smtClean="0"/>
-              <a:t>LCA writings</a:t>
+              <a:t>LCA results</a:t>
             </a:r>
             <a:endParaRPr lang="en-US" dirty="0"/>
           </a:p>
@@ -14631,7 +14671,7 @@
     </p:spTree>
     <p:extLst>
       <p:ext uri="{BB962C8B-B14F-4D97-AF65-F5344CB8AC3E}">
-        <p14:creationId xmlns:p14="http://schemas.microsoft.com/office/powerpoint/2010/main" val="3052739354"/>
+        <p14:creationId xmlns:p14="http://schemas.microsoft.com/office/powerpoint/2010/main" val="1406383392"/>
       </p:ext>
     </p:extLst>
   </p:cSld>
@@ -14676,6 +14716,150 @@
           <a:bodyPr/>
           <a:lstStyle/>
           <a:p>
+            <a:endParaRPr lang="en-US"/>
+          </a:p>
+        </p:txBody>
+      </p:sp>
+      <p:sp>
+        <p:nvSpPr>
+          <p:cNvPr id="3" name="Date Placeholder 2"/>
+          <p:cNvSpPr>
+            <a:spLocks noGrp="1"/>
+          </p:cNvSpPr>
+          <p:nvPr>
+            <p:ph type="dt" sz="half" idx="10"/>
+          </p:nvPr>
+        </p:nvSpPr>
+        <p:spPr/>
+        <p:txBody>
+          <a:bodyPr/>
+          <a:lstStyle/>
+          <a:p>
+            <a:fld id="{FF15E650-2C9B-4E22-B544-79A90AB3DDC1}" type="datetime1">
+              <a:rPr lang="de-DE" smtClean="0"/>
+              <a:t>16.01.2023</a:t>
+            </a:fld>
+            <a:endParaRPr lang="de-DE"/>
+          </a:p>
+        </p:txBody>
+      </p:sp>
+      <p:sp>
+        <p:nvSpPr>
+          <p:cNvPr id="4" name="Footer Placeholder 3"/>
+          <p:cNvSpPr>
+            <a:spLocks noGrp="1"/>
+          </p:cNvSpPr>
+          <p:nvPr>
+            <p:ph type="ftr" sz="quarter" idx="11"/>
+          </p:nvPr>
+        </p:nvSpPr>
+        <p:spPr/>
+        <p:txBody>
+          <a:bodyPr/>
+          <a:lstStyle/>
+          <a:p>
+            <a:r>
+              <a:rPr lang="de-DE" smtClean="0"/>
+              <a:t>Shinde, Rhythima</a:t>
+            </a:r>
+            <a:endParaRPr lang="de-DE"/>
+          </a:p>
+        </p:txBody>
+      </p:sp>
+      <p:sp>
+        <p:nvSpPr>
+          <p:cNvPr id="5" name="Slide Number Placeholder 4"/>
+          <p:cNvSpPr>
+            <a:spLocks noGrp="1"/>
+          </p:cNvSpPr>
+          <p:nvPr>
+            <p:ph type="sldNum" sz="quarter" idx="12"/>
+          </p:nvPr>
+        </p:nvSpPr>
+        <p:spPr/>
+        <p:txBody>
+          <a:bodyPr/>
+          <a:lstStyle/>
+          <a:p>
+            <a:fld id="{6C6AE60A-B69C-4790-82F7-3882EDF23186}" type="slidenum">
+              <a:rPr lang="de-DE" smtClean="0"/>
+              <a:t>23</a:t>
+            </a:fld>
+            <a:endParaRPr lang="de-DE"/>
+          </a:p>
+        </p:txBody>
+      </p:sp>
+      <p:sp>
+        <p:nvSpPr>
+          <p:cNvPr id="6" name="Title 5"/>
+          <p:cNvSpPr>
+            <a:spLocks noGrp="1"/>
+          </p:cNvSpPr>
+          <p:nvPr>
+            <p:ph type="title"/>
+          </p:nvPr>
+        </p:nvSpPr>
+        <p:spPr/>
+        <p:txBody>
+          <a:bodyPr/>
+          <a:lstStyle/>
+          <a:p>
+            <a:r>
+              <a:rPr lang="en-US" dirty="0" smtClean="0"/>
+              <a:t>LCA writings</a:t>
+            </a:r>
+            <a:endParaRPr lang="en-US" dirty="0"/>
+          </a:p>
+        </p:txBody>
+      </p:sp>
+    </p:spTree>
+    <p:extLst>
+      <p:ext uri="{BB962C8B-B14F-4D97-AF65-F5344CB8AC3E}">
+        <p14:creationId xmlns:p14="http://schemas.microsoft.com/office/powerpoint/2010/main" val="3052739354"/>
+      </p:ext>
+    </p:extLst>
+  </p:cSld>
+  <p:clrMapOvr>
+    <a:masterClrMapping/>
+  </p:clrMapOvr>
+  <p:transition>
+    <p:fade/>
+  </p:transition>
+</p:sld>
+</file>
+
+<file path=ppt/slides/slide24.xml><?xml version="1.0" encoding="utf-8"?>
+<p:sld xmlns:a="http://schemas.openxmlformats.org/drawingml/2006/main" xmlns:r="http://schemas.openxmlformats.org/officeDocument/2006/relationships" xmlns:p="http://schemas.openxmlformats.org/presentationml/2006/main">
+  <p:cSld>
+    <p:spTree>
+      <p:nvGrpSpPr>
+        <p:cNvPr id="1" name=""/>
+        <p:cNvGrpSpPr/>
+        <p:nvPr/>
+      </p:nvGrpSpPr>
+      <p:grpSpPr>
+        <a:xfrm>
+          <a:off x="0" y="0"/>
+          <a:ext cx="0" cy="0"/>
+          <a:chOff x="0" y="0"/>
+          <a:chExt cx="0" cy="0"/>
+        </a:xfrm>
+      </p:grpSpPr>
+      <p:sp>
+        <p:nvSpPr>
+          <p:cNvPr id="2" name="Content Placeholder 1"/>
+          <p:cNvSpPr>
+            <a:spLocks noGrp="1"/>
+          </p:cNvSpPr>
+          <p:nvPr>
+            <p:ph idx="1"/>
+          </p:nvPr>
+        </p:nvSpPr>
+        <p:spPr/>
+        <p:txBody>
+          <a:bodyPr/>
+          <a:lstStyle/>
+          <a:p>
             <a:pPr marL="0" indent="0">
               <a:buNone/>
             </a:pPr>
@@ -14858,7 +15042,7 @@
           <a:p>
             <a:fld id="{6C6AE60A-B69C-4790-82F7-3882EDF23186}" type="slidenum">
               <a:rPr lang="de-DE" smtClean="0"/>
-              <a:t>23</a:t>
+              <a:t>24</a:t>
             </a:fld>
             <a:endParaRPr lang="de-DE"/>
           </a:p>
@@ -14903,7 +15087,7 @@
 </p:sld>
 </file>
 
-<file path=ppt/slides/slide24.xml><?xml version="1.0" encoding="utf-8"?>
+<file path=ppt/slides/slide25.xml><?xml version="1.0" encoding="utf-8"?>
 <p:sld xmlns:a="http://schemas.openxmlformats.org/drawingml/2006/main" xmlns:r="http://schemas.openxmlformats.org/officeDocument/2006/relationships" xmlns:p="http://schemas.openxmlformats.org/presentationml/2006/main">
   <p:cSld>
     <p:spTree>
@@ -15033,7 +15217,7 @@
           <a:p>
             <a:fld id="{6C6AE60A-B69C-4790-82F7-3882EDF23186}" type="slidenum">
               <a:rPr lang="de-DE" smtClean="0"/>
-              <a:t>24</a:t>
+              <a:t>25</a:t>
             </a:fld>
             <a:endParaRPr lang="de-DE"/>
           </a:p>
@@ -15151,7 +15335,7 @@
 </p:sld>
 </file>
 
-<file path=ppt/slides/slide25.xml><?xml version="1.0" encoding="utf-8"?>
+<file path=ppt/slides/slide26.xml><?xml version="1.0" encoding="utf-8"?>
 <p:sld xmlns:a="http://schemas.openxmlformats.org/drawingml/2006/main" xmlns:r="http://schemas.openxmlformats.org/officeDocument/2006/relationships" xmlns:p="http://schemas.openxmlformats.org/presentationml/2006/main">
   <p:cSld>
     <p:spTree>
@@ -15256,7 +15440,7 @@
           <a:p>
             <a:fld id="{6C6AE60A-B69C-4790-82F7-3882EDF23186}" type="slidenum">
               <a:rPr lang="de-DE" smtClean="0"/>
-              <a:t>25</a:t>
+              <a:t>26</a:t>
             </a:fld>
             <a:endParaRPr lang="de-DE"/>
           </a:p>
@@ -15323,7 +15507,7 @@
 </p:sld>
 </file>
 
-<file path=ppt/slides/slide26.xml><?xml version="1.0" encoding="utf-8"?>
+<file path=ppt/slides/slide27.xml><?xml version="1.0" encoding="utf-8"?>
 <p:sld xmlns:a="http://schemas.openxmlformats.org/drawingml/2006/main" xmlns:r="http://schemas.openxmlformats.org/officeDocument/2006/relationships" xmlns:p="http://schemas.openxmlformats.org/presentationml/2006/main">
   <p:cSld>
     <p:spTree>
@@ -15429,7 +15613,7 @@
           <a:p>
             <a:fld id="{6C6AE60A-B69C-4790-82F7-3882EDF23186}" type="slidenum">
               <a:rPr lang="de-DE" smtClean="0"/>
-              <a:t>26</a:t>
+              <a:t>27</a:t>
             </a:fld>
             <a:endParaRPr lang="de-DE"/>
           </a:p>
@@ -15462,157 +15646,6 @@
     <p:extLst>
       <p:ext uri="{BB962C8B-B14F-4D97-AF65-F5344CB8AC3E}">
         <p14:creationId xmlns:p14="http://schemas.microsoft.com/office/powerpoint/2010/main" val="1703934676"/>
-      </p:ext>
-    </p:extLst>
-  </p:cSld>
-  <p:clrMapOvr>
-    <a:masterClrMapping/>
-  </p:clrMapOvr>
-  <p:transition>
-    <p:fade/>
-  </p:transition>
-</p:sld>
-</file>
-
-<file path=ppt/slides/slide27.xml><?xml version="1.0" encoding="utf-8"?>
-<p:sld xmlns:a="http://schemas.openxmlformats.org/drawingml/2006/main" xmlns:r="http://schemas.openxmlformats.org/officeDocument/2006/relationships" xmlns:p="http://schemas.openxmlformats.org/presentationml/2006/main">
-  <p:cSld>
-    <p:spTree>
-      <p:nvGrpSpPr>
-        <p:cNvPr id="1" name=""/>
-        <p:cNvGrpSpPr/>
-        <p:nvPr/>
-      </p:nvGrpSpPr>
-      <p:grpSpPr>
-        <a:xfrm>
-          <a:off x="0" y="0"/>
-          <a:ext cx="0" cy="0"/>
-          <a:chOff x="0" y="0"/>
-          <a:chExt cx="0" cy="0"/>
-        </a:xfrm>
-      </p:grpSpPr>
-      <p:pic>
-        <p:nvPicPr>
-          <p:cNvPr id="7" name="Content Placeholder 6"/>
-          <p:cNvPicPr>
-            <a:picLocks noGrp="1" noChangeAspect="1"/>
-          </p:cNvPicPr>
-          <p:nvPr>
-            <p:ph idx="1"/>
-          </p:nvPr>
-        </p:nvPicPr>
-        <p:blipFill>
-          <a:blip r:embed="rId2"/>
-          <a:stretch>
-            <a:fillRect/>
-          </a:stretch>
-        </p:blipFill>
-        <p:spPr>
-          <a:xfrm>
-            <a:off x="409029" y="1845695"/>
-            <a:ext cx="4832466" cy="4210050"/>
-          </a:xfrm>
-          <a:prstGeom prst="rect">
-            <a:avLst/>
-          </a:prstGeom>
-        </p:spPr>
-      </p:pic>
-      <p:sp>
-        <p:nvSpPr>
-          <p:cNvPr id="3" name="Date Placeholder 2"/>
-          <p:cNvSpPr>
-            <a:spLocks noGrp="1"/>
-          </p:cNvSpPr>
-          <p:nvPr>
-            <p:ph type="dt" sz="half" idx="10"/>
-          </p:nvPr>
-        </p:nvSpPr>
-        <p:spPr/>
-        <p:txBody>
-          <a:bodyPr/>
-          <a:lstStyle/>
-          <a:p>
-            <a:fld id="{FF15E650-2C9B-4E22-B544-79A90AB3DDC1}" type="datetime1">
-              <a:rPr lang="de-DE" smtClean="0"/>
-              <a:t>16.01.2023</a:t>
-            </a:fld>
-            <a:endParaRPr lang="de-DE"/>
-          </a:p>
-        </p:txBody>
-      </p:sp>
-      <p:sp>
-        <p:nvSpPr>
-          <p:cNvPr id="4" name="Footer Placeholder 3"/>
-          <p:cNvSpPr>
-            <a:spLocks noGrp="1"/>
-          </p:cNvSpPr>
-          <p:nvPr>
-            <p:ph type="ftr" sz="quarter" idx="11"/>
-          </p:nvPr>
-        </p:nvSpPr>
-        <p:spPr/>
-        <p:txBody>
-          <a:bodyPr/>
-          <a:lstStyle/>
-          <a:p>
-            <a:r>
-              <a:rPr lang="de-DE" smtClean="0"/>
-              <a:t>Shinde, Rhythima</a:t>
-            </a:r>
-            <a:endParaRPr lang="de-DE"/>
-          </a:p>
-        </p:txBody>
-      </p:sp>
-      <p:sp>
-        <p:nvSpPr>
-          <p:cNvPr id="5" name="Slide Number Placeholder 4"/>
-          <p:cNvSpPr>
-            <a:spLocks noGrp="1"/>
-          </p:cNvSpPr>
-          <p:nvPr>
-            <p:ph type="sldNum" sz="quarter" idx="12"/>
-          </p:nvPr>
-        </p:nvSpPr>
-        <p:spPr/>
-        <p:txBody>
-          <a:bodyPr/>
-          <a:lstStyle/>
-          <a:p>
-            <a:fld id="{6C6AE60A-B69C-4790-82F7-3882EDF23186}" type="slidenum">
-              <a:rPr lang="de-DE" smtClean="0"/>
-              <a:t>27</a:t>
-            </a:fld>
-            <a:endParaRPr lang="de-DE"/>
-          </a:p>
-        </p:txBody>
-      </p:sp>
-      <p:sp>
-        <p:nvSpPr>
-          <p:cNvPr id="6" name="Title 5"/>
-          <p:cNvSpPr>
-            <a:spLocks noGrp="1"/>
-          </p:cNvSpPr>
-          <p:nvPr>
-            <p:ph type="title"/>
-          </p:nvPr>
-        </p:nvSpPr>
-        <p:spPr/>
-        <p:txBody>
-          <a:bodyPr/>
-          <a:lstStyle/>
-          <a:p>
-            <a:r>
-              <a:rPr lang="en-US" dirty="0" smtClean="0"/>
-              <a:t>Paper – Case study (writing)</a:t>
-            </a:r>
-            <a:endParaRPr lang="en-US" dirty="0"/>
-          </a:p>
-        </p:txBody>
-      </p:sp>
-    </p:spTree>
-    <p:extLst>
-      <p:ext uri="{BB962C8B-B14F-4D97-AF65-F5344CB8AC3E}">
-        <p14:creationId xmlns:p14="http://schemas.microsoft.com/office/powerpoint/2010/main" val="3252225311"/>
       </p:ext>
     </p:extLst>
   </p:cSld>
@@ -15642,65 +15675,32 @@
           <a:chExt cx="0" cy="0"/>
         </a:xfrm>
       </p:grpSpPr>
-      <p:sp>
-        <p:nvSpPr>
-          <p:cNvPr id="2" name="Content Placeholder 1"/>
-          <p:cNvSpPr>
-            <a:spLocks noGrp="1"/>
-          </p:cNvSpPr>
+      <p:pic>
+        <p:nvPicPr>
+          <p:cNvPr id="7" name="Content Placeholder 6"/>
+          <p:cNvPicPr>
+            <a:picLocks noGrp="1" noChangeAspect="1"/>
+          </p:cNvPicPr>
           <p:nvPr>
             <p:ph idx="1"/>
           </p:nvPr>
-        </p:nvSpPr>
+        </p:nvPicPr>
+        <p:blipFill>
+          <a:blip r:embed="rId2"/>
+          <a:stretch>
+            <a:fillRect/>
+          </a:stretch>
+        </p:blipFill>
         <p:spPr>
           <a:xfrm>
-            <a:off x="323850" y="2552116"/>
-            <a:ext cx="8496300" cy="3681994"/>
+            <a:off x="409029" y="1845695"/>
+            <a:ext cx="4832466" cy="4210050"/>
           </a:xfrm>
+          <a:prstGeom prst="rect">
+            <a:avLst/>
+          </a:prstGeom>
         </p:spPr>
-        <p:txBody>
-          <a:bodyPr/>
-          <a:lstStyle/>
-          <a:p>
-            <a:pPr marL="457200" indent="-457200">
-              <a:buAutoNum type="arabicPeriod"/>
-            </a:pPr>
-            <a:r>
-              <a:rPr lang="en-US" dirty="0" smtClean="0"/>
-              <a:t>Paper </a:t>
-            </a:r>
-          </a:p>
-          <a:p>
-            <a:pPr marL="457200" indent="-457200">
-              <a:buAutoNum type="arabicPeriod"/>
-            </a:pPr>
-            <a:endParaRPr lang="en-US" dirty="0"/>
-          </a:p>
-          <a:p>
-            <a:pPr marL="457200" indent="-457200">
-              <a:buAutoNum type="arabicPeriod"/>
-            </a:pPr>
-            <a:r>
-              <a:rPr lang="en-US" dirty="0" smtClean="0"/>
-              <a:t>Model &amp; Results</a:t>
-            </a:r>
-          </a:p>
-          <a:p>
-            <a:pPr lvl="1"/>
-            <a:endParaRPr lang="en-US" dirty="0"/>
-          </a:p>
-          <a:p>
-            <a:pPr lvl="1"/>
-            <a:endParaRPr lang="en-US" dirty="0"/>
-          </a:p>
-          <a:p>
-            <a:pPr marL="0" indent="0">
-              <a:buNone/>
-            </a:pPr>
-            <a:endParaRPr lang="en-US" dirty="0"/>
-          </a:p>
-        </p:txBody>
-      </p:sp>
+      </p:pic>
       <p:sp>
         <p:nvSpPr>
           <p:cNvPr id="3" name="Date Placeholder 2"/>
@@ -15787,41 +15787,7 @@
           <a:p>
             <a:r>
               <a:rPr lang="en-US" dirty="0" smtClean="0"/>
-              <a:t>Agenda</a:t>
-            </a:r>
-            <a:endParaRPr lang="en-US" dirty="0"/>
-          </a:p>
-        </p:txBody>
-      </p:sp>
-      <p:sp>
-        <p:nvSpPr>
-          <p:cNvPr id="7" name="TextBox 6">
-            <a:hlinkClick r:id="rId2"/>
-          </p:cNvPr>
-          <p:cNvSpPr txBox="1"/>
-          <p:nvPr/>
-        </p:nvSpPr>
-        <p:spPr>
-          <a:xfrm>
-            <a:off x="323850" y="1887749"/>
-            <a:ext cx="2121093" cy="369332"/>
-          </a:xfrm>
-          <a:prstGeom prst="rect">
-            <a:avLst/>
-          </a:prstGeom>
-          <a:noFill/>
-        </p:spPr>
-        <p:txBody>
-          <a:bodyPr wrap="none" rtlCol="0">
-            <a:spAutoFit/>
-          </a:bodyPr>
-          <a:lstStyle/>
-          <a:p>
-            <a:r>
-              <a:rPr lang="en-US" dirty="0" smtClean="0">
-                <a:hlinkClick r:id="rId2"/>
-              </a:rPr>
-              <a:t>Old plan till 24 Nov</a:t>
+              <a:t>Paper – Case study (writing)</a:t>
             </a:r>
             <a:endParaRPr lang="en-US" dirty="0"/>
           </a:p>
@@ -15830,7 +15796,7 @@
     </p:spTree>
     <p:extLst>
       <p:ext uri="{BB962C8B-B14F-4D97-AF65-F5344CB8AC3E}">
-        <p14:creationId xmlns:p14="http://schemas.microsoft.com/office/powerpoint/2010/main" val="2461387543"/>
+        <p14:creationId xmlns:p14="http://schemas.microsoft.com/office/powerpoint/2010/main" val="3252225311"/>
       </p:ext>
     </p:extLst>
   </p:cSld>
@@ -15840,13 +15806,6 @@
   <p:transition>
     <p:fade/>
   </p:transition>
-  <p:timing>
-    <p:tnLst>
-      <p:par>
-        <p:cTn id="1" dur="indefinite" restart="never" nodeType="tmRoot"/>
-      </p:par>
-    </p:tnLst>
-  </p:timing>
 </p:sld>
 </file>
 
@@ -15877,12 +15836,52 @@
             <p:ph idx="1"/>
           </p:nvPr>
         </p:nvSpPr>
-        <p:spPr/>
+        <p:spPr>
+          <a:xfrm>
+            <a:off x="323850" y="2552116"/>
+            <a:ext cx="8496300" cy="3681994"/>
+          </a:xfrm>
+        </p:spPr>
         <p:txBody>
           <a:bodyPr/>
           <a:lstStyle/>
           <a:p>
-            <a:endParaRPr lang="en-US"/>
+            <a:pPr marL="457200" indent="-457200">
+              <a:buAutoNum type="arabicPeriod"/>
+            </a:pPr>
+            <a:r>
+              <a:rPr lang="en-US" dirty="0" smtClean="0"/>
+              <a:t>Paper </a:t>
+            </a:r>
+          </a:p>
+          <a:p>
+            <a:pPr marL="457200" indent="-457200">
+              <a:buAutoNum type="arabicPeriod"/>
+            </a:pPr>
+            <a:endParaRPr lang="en-US" dirty="0"/>
+          </a:p>
+          <a:p>
+            <a:pPr marL="457200" indent="-457200">
+              <a:buAutoNum type="arabicPeriod"/>
+            </a:pPr>
+            <a:r>
+              <a:rPr lang="en-US" dirty="0" smtClean="0"/>
+              <a:t>Model &amp; Results</a:t>
+            </a:r>
+          </a:p>
+          <a:p>
+            <a:pPr lvl="1"/>
+            <a:endParaRPr lang="en-US" dirty="0"/>
+          </a:p>
+          <a:p>
+            <a:pPr lvl="1"/>
+            <a:endParaRPr lang="en-US" dirty="0"/>
+          </a:p>
+          <a:p>
+            <a:pPr marL="0" indent="0">
+              <a:buNone/>
+            </a:pPr>
+            <a:endParaRPr lang="en-US" dirty="0"/>
           </a:p>
         </p:txBody>
       </p:sp>
@@ -15972,212 +15971,50 @@
           <a:p>
             <a:r>
               <a:rPr lang="en-US" dirty="0" smtClean="0"/>
-              <a:t>Paper – Data description (table)</a:t>
+              <a:t>Agenda</a:t>
             </a:r>
             <a:endParaRPr lang="en-US" dirty="0"/>
           </a:p>
         </p:txBody>
       </p:sp>
-      <p:pic>
-        <p:nvPicPr>
-          <p:cNvPr id="7" name="Picture 6"/>
-          <p:cNvPicPr>
-            <a:picLocks noChangeAspect="1"/>
-          </p:cNvPicPr>
+      <p:sp>
+        <p:nvSpPr>
+          <p:cNvPr id="7" name="TextBox 6">
+            <a:hlinkClick r:id="rId2"/>
+          </p:cNvPr>
+          <p:cNvSpPr txBox="1"/>
           <p:nvPr/>
-        </p:nvPicPr>
-        <p:blipFill>
-          <a:blip r:embed="rId2"/>
-          <a:stretch>
-            <a:fillRect/>
-          </a:stretch>
-        </p:blipFill>
+        </p:nvSpPr>
         <p:spPr>
           <a:xfrm>
-            <a:off x="4286445" y="1701538"/>
-            <a:ext cx="4473256" cy="5156462"/>
+            <a:off x="323850" y="1887749"/>
+            <a:ext cx="2121093" cy="369332"/>
           </a:xfrm>
           <a:prstGeom prst="rect">
             <a:avLst/>
           </a:prstGeom>
+          <a:noFill/>
         </p:spPr>
-      </p:pic>
-      <p:pic>
-        <p:nvPicPr>
-          <p:cNvPr id="8" name="Picture 7"/>
-          <p:cNvPicPr>
-            <a:picLocks noChangeAspect="1"/>
-          </p:cNvPicPr>
-          <p:nvPr/>
-        </p:nvPicPr>
-        <p:blipFill>
-          <a:blip r:embed="rId3"/>
-          <a:stretch>
-            <a:fillRect/>
-          </a:stretch>
-        </p:blipFill>
-        <p:spPr>
-          <a:xfrm>
-            <a:off x="209609" y="1915240"/>
-            <a:ext cx="3943486" cy="3987609"/>
-          </a:xfrm>
-          <a:prstGeom prst="rect">
-            <a:avLst/>
-          </a:prstGeom>
-        </p:spPr>
-      </p:pic>
-      <p:cxnSp>
-        <p:nvCxnSpPr>
-          <p:cNvPr id="10" name="Straight Arrow Connector 9"/>
-          <p:cNvCxnSpPr/>
-          <p:nvPr/>
-        </p:nvCxnSpPr>
-        <p:spPr>
-          <a:xfrm flipV="1">
-            <a:off x="1326911" y="2743200"/>
-            <a:ext cx="2959534" cy="144379"/>
-          </a:xfrm>
-          <a:prstGeom prst="straightConnector1">
-            <a:avLst/>
-          </a:prstGeom>
-          <a:ln w="19050">
-            <a:solidFill>
-              <a:srgbClr val="FF0000"/>
-            </a:solidFill>
-            <a:headEnd type="none" w="med" len="med"/>
-            <a:tailEnd type="triangle"/>
-          </a:ln>
-        </p:spPr>
-        <p:style>
-          <a:lnRef idx="1">
-            <a:schemeClr val="accent1"/>
-          </a:lnRef>
-          <a:fillRef idx="0">
-            <a:schemeClr val="accent1"/>
-          </a:fillRef>
-          <a:effectRef idx="0">
-            <a:schemeClr val="accent1"/>
-          </a:effectRef>
-          <a:fontRef idx="minor">
-            <a:schemeClr val="tx1"/>
-          </a:fontRef>
-        </p:style>
-      </p:cxnSp>
-      <p:cxnSp>
-        <p:nvCxnSpPr>
-          <p:cNvPr id="11" name="Straight Arrow Connector 10"/>
-          <p:cNvCxnSpPr/>
-          <p:nvPr/>
-        </p:nvCxnSpPr>
-        <p:spPr>
-          <a:xfrm>
-            <a:off x="1193561" y="4053424"/>
-            <a:ext cx="3144683" cy="435231"/>
-          </a:xfrm>
-          <a:prstGeom prst="straightConnector1">
-            <a:avLst/>
-          </a:prstGeom>
-          <a:ln w="19050">
-            <a:solidFill>
-              <a:srgbClr val="FF0000"/>
-            </a:solidFill>
-            <a:headEnd type="none" w="med" len="med"/>
-            <a:tailEnd type="triangle"/>
-          </a:ln>
-        </p:spPr>
-        <p:style>
-          <a:lnRef idx="1">
-            <a:schemeClr val="accent1"/>
-          </a:lnRef>
-          <a:fillRef idx="0">
-            <a:schemeClr val="accent1"/>
-          </a:fillRef>
-          <a:effectRef idx="0">
-            <a:schemeClr val="accent1"/>
-          </a:effectRef>
-          <a:fontRef idx="minor">
-            <a:schemeClr val="tx1"/>
-          </a:fontRef>
-        </p:style>
-      </p:cxnSp>
-      <p:cxnSp>
-        <p:nvCxnSpPr>
-          <p:cNvPr id="13" name="Straight Arrow Connector 12"/>
-          <p:cNvCxnSpPr/>
-          <p:nvPr/>
-        </p:nvCxnSpPr>
-        <p:spPr>
-          <a:xfrm>
-            <a:off x="1234336" y="5133419"/>
-            <a:ext cx="3144683" cy="435231"/>
-          </a:xfrm>
-          <a:prstGeom prst="straightConnector1">
-            <a:avLst/>
-          </a:prstGeom>
-          <a:ln w="19050">
-            <a:solidFill>
-              <a:srgbClr val="FF0000"/>
-            </a:solidFill>
-            <a:headEnd type="none" w="med" len="med"/>
-            <a:tailEnd type="triangle"/>
-          </a:ln>
-        </p:spPr>
-        <p:style>
-          <a:lnRef idx="1">
-            <a:schemeClr val="accent1"/>
-          </a:lnRef>
-          <a:fillRef idx="0">
-            <a:schemeClr val="accent1"/>
-          </a:fillRef>
-          <a:effectRef idx="0">
-            <a:schemeClr val="accent1"/>
-          </a:effectRef>
-          <a:fontRef idx="minor">
-            <a:schemeClr val="tx1"/>
-          </a:fontRef>
-        </p:style>
-      </p:cxnSp>
-      <p:cxnSp>
-        <p:nvCxnSpPr>
-          <p:cNvPr id="14" name="Straight Arrow Connector 13"/>
-          <p:cNvCxnSpPr/>
-          <p:nvPr/>
-        </p:nvCxnSpPr>
-        <p:spPr>
-          <a:xfrm>
-            <a:off x="1326911" y="5467618"/>
-            <a:ext cx="2959534" cy="841108"/>
-          </a:xfrm>
-          <a:prstGeom prst="straightConnector1">
-            <a:avLst/>
-          </a:prstGeom>
-          <a:ln w="19050">
-            <a:solidFill>
-              <a:srgbClr val="FF0000"/>
-            </a:solidFill>
-            <a:headEnd type="none" w="med" len="med"/>
-            <a:tailEnd type="triangle"/>
-          </a:ln>
-        </p:spPr>
-        <p:style>
-          <a:lnRef idx="1">
-            <a:schemeClr val="accent1"/>
-          </a:lnRef>
-          <a:fillRef idx="0">
-            <a:schemeClr val="accent1"/>
-          </a:fillRef>
-          <a:effectRef idx="0">
-            <a:schemeClr val="accent1"/>
-          </a:effectRef>
-          <a:fontRef idx="minor">
-            <a:schemeClr val="tx1"/>
-          </a:fontRef>
-        </p:style>
-      </p:cxnSp>
+        <p:txBody>
+          <a:bodyPr wrap="none" rtlCol="0">
+            <a:spAutoFit/>
+          </a:bodyPr>
+          <a:lstStyle/>
+          <a:p>
+            <a:r>
+              <a:rPr lang="en-US" dirty="0" smtClean="0">
+                <a:hlinkClick r:id="rId2"/>
+              </a:rPr>
+              <a:t>Old plan till 24 Nov</a:t>
+            </a:r>
+            <a:endParaRPr lang="en-US" dirty="0"/>
+          </a:p>
+        </p:txBody>
+      </p:sp>
     </p:spTree>
     <p:extLst>
       <p:ext uri="{BB962C8B-B14F-4D97-AF65-F5344CB8AC3E}">
-        <p14:creationId xmlns:p14="http://schemas.microsoft.com/office/powerpoint/2010/main" val="3615969753"/>
+        <p14:creationId xmlns:p14="http://schemas.microsoft.com/office/powerpoint/2010/main" val="2461387543"/>
       </p:ext>
     </p:extLst>
   </p:cSld>
@@ -16187,6 +16024,13 @@
   <p:transition>
     <p:fade/>
   </p:transition>
+  <p:timing>
+    <p:tnLst>
+      <p:par>
+        <p:cTn id="1" dur="indefinite" restart="never" nodeType="tmRoot"/>
+      </p:par>
+    </p:tnLst>
+  </p:timing>
 </p:sld>
 </file>
 
@@ -17648,6 +17492,25 @@
       </p:grpSpPr>
       <p:sp>
         <p:nvSpPr>
+          <p:cNvPr id="2" name="Content Placeholder 1"/>
+          <p:cNvSpPr>
+            <a:spLocks noGrp="1"/>
+          </p:cNvSpPr>
+          <p:nvPr>
+            <p:ph idx="1"/>
+          </p:nvPr>
+        </p:nvSpPr>
+        <p:spPr/>
+        <p:txBody>
+          <a:bodyPr/>
+          <a:lstStyle/>
+          <a:p>
+            <a:endParaRPr lang="en-US"/>
+          </a:p>
+        </p:txBody>
+      </p:sp>
+      <p:sp>
+        <p:nvSpPr>
           <p:cNvPr id="3" name="Date Placeholder 2"/>
           <p:cNvSpPr>
             <a:spLocks noGrp="1"/>
@@ -17710,6 +17573,327 @@
             <a:fld id="{6C6AE60A-B69C-4790-82F7-3882EDF23186}" type="slidenum">
               <a:rPr lang="de-DE" smtClean="0"/>
               <a:t>30</a:t>
+            </a:fld>
+            <a:endParaRPr lang="de-DE"/>
+          </a:p>
+        </p:txBody>
+      </p:sp>
+      <p:sp>
+        <p:nvSpPr>
+          <p:cNvPr id="6" name="Title 5"/>
+          <p:cNvSpPr>
+            <a:spLocks noGrp="1"/>
+          </p:cNvSpPr>
+          <p:nvPr>
+            <p:ph type="title"/>
+          </p:nvPr>
+        </p:nvSpPr>
+        <p:spPr/>
+        <p:txBody>
+          <a:bodyPr/>
+          <a:lstStyle/>
+          <a:p>
+            <a:r>
+              <a:rPr lang="en-US" dirty="0" smtClean="0"/>
+              <a:t>Paper – Data description (table)</a:t>
+            </a:r>
+            <a:endParaRPr lang="en-US" dirty="0"/>
+          </a:p>
+        </p:txBody>
+      </p:sp>
+      <p:pic>
+        <p:nvPicPr>
+          <p:cNvPr id="7" name="Picture 6"/>
+          <p:cNvPicPr>
+            <a:picLocks noChangeAspect="1"/>
+          </p:cNvPicPr>
+          <p:nvPr/>
+        </p:nvPicPr>
+        <p:blipFill>
+          <a:blip r:embed="rId2"/>
+          <a:stretch>
+            <a:fillRect/>
+          </a:stretch>
+        </p:blipFill>
+        <p:spPr>
+          <a:xfrm>
+            <a:off x="4286445" y="1701538"/>
+            <a:ext cx="4473256" cy="5156462"/>
+          </a:xfrm>
+          <a:prstGeom prst="rect">
+            <a:avLst/>
+          </a:prstGeom>
+        </p:spPr>
+      </p:pic>
+      <p:pic>
+        <p:nvPicPr>
+          <p:cNvPr id="8" name="Picture 7"/>
+          <p:cNvPicPr>
+            <a:picLocks noChangeAspect="1"/>
+          </p:cNvPicPr>
+          <p:nvPr/>
+        </p:nvPicPr>
+        <p:blipFill>
+          <a:blip r:embed="rId3"/>
+          <a:stretch>
+            <a:fillRect/>
+          </a:stretch>
+        </p:blipFill>
+        <p:spPr>
+          <a:xfrm>
+            <a:off x="209609" y="1915240"/>
+            <a:ext cx="3943486" cy="3987609"/>
+          </a:xfrm>
+          <a:prstGeom prst="rect">
+            <a:avLst/>
+          </a:prstGeom>
+        </p:spPr>
+      </p:pic>
+      <p:cxnSp>
+        <p:nvCxnSpPr>
+          <p:cNvPr id="10" name="Straight Arrow Connector 9"/>
+          <p:cNvCxnSpPr/>
+          <p:nvPr/>
+        </p:nvCxnSpPr>
+        <p:spPr>
+          <a:xfrm flipV="1">
+            <a:off x="1326911" y="2743200"/>
+            <a:ext cx="2959534" cy="144379"/>
+          </a:xfrm>
+          <a:prstGeom prst="straightConnector1">
+            <a:avLst/>
+          </a:prstGeom>
+          <a:ln w="19050">
+            <a:solidFill>
+              <a:srgbClr val="FF0000"/>
+            </a:solidFill>
+            <a:headEnd type="none" w="med" len="med"/>
+            <a:tailEnd type="triangle"/>
+          </a:ln>
+        </p:spPr>
+        <p:style>
+          <a:lnRef idx="1">
+            <a:schemeClr val="accent1"/>
+          </a:lnRef>
+          <a:fillRef idx="0">
+            <a:schemeClr val="accent1"/>
+          </a:fillRef>
+          <a:effectRef idx="0">
+            <a:schemeClr val="accent1"/>
+          </a:effectRef>
+          <a:fontRef idx="minor">
+            <a:schemeClr val="tx1"/>
+          </a:fontRef>
+        </p:style>
+      </p:cxnSp>
+      <p:cxnSp>
+        <p:nvCxnSpPr>
+          <p:cNvPr id="11" name="Straight Arrow Connector 10"/>
+          <p:cNvCxnSpPr/>
+          <p:nvPr/>
+        </p:nvCxnSpPr>
+        <p:spPr>
+          <a:xfrm>
+            <a:off x="1193561" y="4053424"/>
+            <a:ext cx="3144683" cy="435231"/>
+          </a:xfrm>
+          <a:prstGeom prst="straightConnector1">
+            <a:avLst/>
+          </a:prstGeom>
+          <a:ln w="19050">
+            <a:solidFill>
+              <a:srgbClr val="FF0000"/>
+            </a:solidFill>
+            <a:headEnd type="none" w="med" len="med"/>
+            <a:tailEnd type="triangle"/>
+          </a:ln>
+        </p:spPr>
+        <p:style>
+          <a:lnRef idx="1">
+            <a:schemeClr val="accent1"/>
+          </a:lnRef>
+          <a:fillRef idx="0">
+            <a:schemeClr val="accent1"/>
+          </a:fillRef>
+          <a:effectRef idx="0">
+            <a:schemeClr val="accent1"/>
+          </a:effectRef>
+          <a:fontRef idx="minor">
+            <a:schemeClr val="tx1"/>
+          </a:fontRef>
+        </p:style>
+      </p:cxnSp>
+      <p:cxnSp>
+        <p:nvCxnSpPr>
+          <p:cNvPr id="13" name="Straight Arrow Connector 12"/>
+          <p:cNvCxnSpPr/>
+          <p:nvPr/>
+        </p:nvCxnSpPr>
+        <p:spPr>
+          <a:xfrm>
+            <a:off x="1234336" y="5133419"/>
+            <a:ext cx="3144683" cy="435231"/>
+          </a:xfrm>
+          <a:prstGeom prst="straightConnector1">
+            <a:avLst/>
+          </a:prstGeom>
+          <a:ln w="19050">
+            <a:solidFill>
+              <a:srgbClr val="FF0000"/>
+            </a:solidFill>
+            <a:headEnd type="none" w="med" len="med"/>
+            <a:tailEnd type="triangle"/>
+          </a:ln>
+        </p:spPr>
+        <p:style>
+          <a:lnRef idx="1">
+            <a:schemeClr val="accent1"/>
+          </a:lnRef>
+          <a:fillRef idx="0">
+            <a:schemeClr val="accent1"/>
+          </a:fillRef>
+          <a:effectRef idx="0">
+            <a:schemeClr val="accent1"/>
+          </a:effectRef>
+          <a:fontRef idx="minor">
+            <a:schemeClr val="tx1"/>
+          </a:fontRef>
+        </p:style>
+      </p:cxnSp>
+      <p:cxnSp>
+        <p:nvCxnSpPr>
+          <p:cNvPr id="14" name="Straight Arrow Connector 13"/>
+          <p:cNvCxnSpPr/>
+          <p:nvPr/>
+        </p:nvCxnSpPr>
+        <p:spPr>
+          <a:xfrm>
+            <a:off x="1326911" y="5467618"/>
+            <a:ext cx="2959534" cy="841108"/>
+          </a:xfrm>
+          <a:prstGeom prst="straightConnector1">
+            <a:avLst/>
+          </a:prstGeom>
+          <a:ln w="19050">
+            <a:solidFill>
+              <a:srgbClr val="FF0000"/>
+            </a:solidFill>
+            <a:headEnd type="none" w="med" len="med"/>
+            <a:tailEnd type="triangle"/>
+          </a:ln>
+        </p:spPr>
+        <p:style>
+          <a:lnRef idx="1">
+            <a:schemeClr val="accent1"/>
+          </a:lnRef>
+          <a:fillRef idx="0">
+            <a:schemeClr val="accent1"/>
+          </a:fillRef>
+          <a:effectRef idx="0">
+            <a:schemeClr val="accent1"/>
+          </a:effectRef>
+          <a:fontRef idx="minor">
+            <a:schemeClr val="tx1"/>
+          </a:fontRef>
+        </p:style>
+      </p:cxnSp>
+    </p:spTree>
+    <p:extLst>
+      <p:ext uri="{BB962C8B-B14F-4D97-AF65-F5344CB8AC3E}">
+        <p14:creationId xmlns:p14="http://schemas.microsoft.com/office/powerpoint/2010/main" val="3615969753"/>
+      </p:ext>
+    </p:extLst>
+  </p:cSld>
+  <p:clrMapOvr>
+    <a:masterClrMapping/>
+  </p:clrMapOvr>
+  <p:transition>
+    <p:fade/>
+  </p:transition>
+</p:sld>
+</file>
+
+<file path=ppt/slides/slide31.xml><?xml version="1.0" encoding="utf-8"?>
+<p:sld xmlns:a="http://schemas.openxmlformats.org/drawingml/2006/main" xmlns:r="http://schemas.openxmlformats.org/officeDocument/2006/relationships" xmlns:p="http://schemas.openxmlformats.org/presentationml/2006/main">
+  <p:cSld>
+    <p:spTree>
+      <p:nvGrpSpPr>
+        <p:cNvPr id="1" name=""/>
+        <p:cNvGrpSpPr/>
+        <p:nvPr/>
+      </p:nvGrpSpPr>
+      <p:grpSpPr>
+        <a:xfrm>
+          <a:off x="0" y="0"/>
+          <a:ext cx="0" cy="0"/>
+          <a:chOff x="0" y="0"/>
+          <a:chExt cx="0" cy="0"/>
+        </a:xfrm>
+      </p:grpSpPr>
+      <p:sp>
+        <p:nvSpPr>
+          <p:cNvPr id="3" name="Date Placeholder 2"/>
+          <p:cNvSpPr>
+            <a:spLocks noGrp="1"/>
+          </p:cNvSpPr>
+          <p:nvPr>
+            <p:ph type="dt" sz="half" idx="10"/>
+          </p:nvPr>
+        </p:nvSpPr>
+        <p:spPr/>
+        <p:txBody>
+          <a:bodyPr/>
+          <a:lstStyle/>
+          <a:p>
+            <a:fld id="{FF15E650-2C9B-4E22-B544-79A90AB3DDC1}" type="datetime1">
+              <a:rPr lang="de-DE" smtClean="0"/>
+              <a:t>16.01.2023</a:t>
+            </a:fld>
+            <a:endParaRPr lang="de-DE"/>
+          </a:p>
+        </p:txBody>
+      </p:sp>
+      <p:sp>
+        <p:nvSpPr>
+          <p:cNvPr id="4" name="Footer Placeholder 3"/>
+          <p:cNvSpPr>
+            <a:spLocks noGrp="1"/>
+          </p:cNvSpPr>
+          <p:nvPr>
+            <p:ph type="ftr" sz="quarter" idx="11"/>
+          </p:nvPr>
+        </p:nvSpPr>
+        <p:spPr/>
+        <p:txBody>
+          <a:bodyPr/>
+          <a:lstStyle/>
+          <a:p>
+            <a:r>
+              <a:rPr lang="de-DE" smtClean="0"/>
+              <a:t>Shinde, Rhythima</a:t>
+            </a:r>
+            <a:endParaRPr lang="de-DE"/>
+          </a:p>
+        </p:txBody>
+      </p:sp>
+      <p:sp>
+        <p:nvSpPr>
+          <p:cNvPr id="5" name="Slide Number Placeholder 4"/>
+          <p:cNvSpPr>
+            <a:spLocks noGrp="1"/>
+          </p:cNvSpPr>
+          <p:nvPr>
+            <p:ph type="sldNum" sz="quarter" idx="12"/>
+          </p:nvPr>
+        </p:nvSpPr>
+        <p:spPr/>
+        <p:txBody>
+          <a:bodyPr/>
+          <a:lstStyle/>
+          <a:p>
+            <a:fld id="{6C6AE60A-B69C-4790-82F7-3882EDF23186}" type="slidenum">
+              <a:rPr lang="de-DE" smtClean="0"/>
+              <a:t>31</a:t>
             </a:fld>
             <a:endParaRPr lang="de-DE"/>
           </a:p>
@@ -17839,7 +18023,7 @@
 </p:sld>
 </file>
 
-<file path=ppt/slides/slide31.xml><?xml version="1.0" encoding="utf-8"?>
+<file path=ppt/slides/slide32.xml><?xml version="1.0" encoding="utf-8"?>
 <p:sld xmlns:a="http://schemas.openxmlformats.org/drawingml/2006/main" xmlns:r="http://schemas.openxmlformats.org/officeDocument/2006/relationships" xmlns:p="http://schemas.openxmlformats.org/presentationml/2006/main">
   <p:cSld>
     <p:spTree>
@@ -17944,7 +18128,7 @@
           <a:p>
             <a:fld id="{6C6AE60A-B69C-4790-82F7-3882EDF23186}" type="slidenum">
               <a:rPr lang="de-DE" smtClean="0"/>
-              <a:t>31</a:t>
+              <a:t>32</a:t>
             </a:fld>
             <a:endParaRPr lang="de-DE"/>
           </a:p>
@@ -18012,7 +18196,7 @@
 </p:sld>
 </file>
 
-<file path=ppt/slides/slide32.xml><?xml version="1.0" encoding="utf-8"?>
+<file path=ppt/slides/slide33.xml><?xml version="1.0" encoding="utf-8"?>
 <p:sld xmlns:a="http://schemas.openxmlformats.org/drawingml/2006/main" xmlns:r="http://schemas.openxmlformats.org/officeDocument/2006/relationships" xmlns:p="http://schemas.openxmlformats.org/presentationml/2006/main">
   <p:cSld>
     <p:spTree>
@@ -18121,7 +18305,7 @@
           <a:p>
             <a:fld id="{6C6AE60A-B69C-4790-82F7-3882EDF23186}" type="slidenum">
               <a:rPr lang="de-DE" smtClean="0"/>
-              <a:t>32</a:t>
+              <a:t>33</a:t>
             </a:fld>
             <a:endParaRPr lang="de-DE"/>
           </a:p>
@@ -18236,7 +18420,7 @@
 </p:sld>
 </file>
 
-<file path=ppt/slides/slide33.xml><?xml version="1.0" encoding="utf-8"?>
+<file path=ppt/slides/slide34.xml><?xml version="1.0" encoding="utf-8"?>
 <p:sld xmlns:a="http://schemas.openxmlformats.org/drawingml/2006/main" xmlns:r="http://schemas.openxmlformats.org/officeDocument/2006/relationships" xmlns:p="http://schemas.openxmlformats.org/presentationml/2006/main" show="0">
   <p:cSld>
     <p:spTree>
@@ -18345,7 +18529,7 @@
           <a:p>
             <a:fld id="{6C6AE60A-B69C-4790-82F7-3882EDF23186}" type="slidenum">
               <a:rPr lang="de-DE" smtClean="0"/>
-              <a:t>33</a:t>
+              <a:t>34</a:t>
             </a:fld>
             <a:endParaRPr lang="de-DE"/>
           </a:p>
@@ -18355,136 +18539,6 @@
     <p:extLst>
       <p:ext uri="{BB962C8B-B14F-4D97-AF65-F5344CB8AC3E}">
         <p14:creationId xmlns:p14="http://schemas.microsoft.com/office/powerpoint/2010/main" val="3440191758"/>
-      </p:ext>
-    </p:extLst>
-  </p:cSld>
-  <p:clrMapOvr>
-    <a:masterClrMapping/>
-  </p:clrMapOvr>
-  <p:transition>
-    <p:fade/>
-  </p:transition>
-</p:sld>
-</file>
-
-<file path=ppt/slides/slide34.xml><?xml version="1.0" encoding="utf-8"?>
-<p:sld xmlns:a="http://schemas.openxmlformats.org/drawingml/2006/main" xmlns:r="http://schemas.openxmlformats.org/officeDocument/2006/relationships" xmlns:p="http://schemas.openxmlformats.org/presentationml/2006/main" show="0">
-  <p:cSld>
-    <p:spTree>
-      <p:nvGrpSpPr>
-        <p:cNvPr id="1" name=""/>
-        <p:cNvGrpSpPr/>
-        <p:nvPr/>
-      </p:nvGrpSpPr>
-      <p:grpSpPr>
-        <a:xfrm>
-          <a:off x="0" y="0"/>
-          <a:ext cx="0" cy="0"/>
-          <a:chOff x="0" y="0"/>
-          <a:chExt cx="0" cy="0"/>
-        </a:xfrm>
-      </p:grpSpPr>
-      <p:pic>
-        <p:nvPicPr>
-          <p:cNvPr id="7" name="Content Placeholder 6"/>
-          <p:cNvPicPr>
-            <a:picLocks noGrp="1" noChangeAspect="1"/>
-          </p:cNvPicPr>
-          <p:nvPr>
-            <p:ph idx="1"/>
-          </p:nvPr>
-        </p:nvPicPr>
-        <p:blipFill rotWithShape="1">
-          <a:blip r:embed="rId2" cstate="print">
-            <a:extLst>
-              <a:ext uri="{28A0092B-C50C-407E-A947-70E740481C1C}">
-                <a14:useLocalDpi xmlns:a14="http://schemas.microsoft.com/office/drawing/2010/main" val="0"/>
-              </a:ext>
-            </a:extLst>
-          </a:blip>
-          <a:srcRect b="62220"/>
-          <a:stretch/>
-        </p:blipFill>
-        <p:spPr>
-          <a:xfrm>
-            <a:off x="485983" y="1144038"/>
-            <a:ext cx="8309709" cy="4362988"/>
-          </a:xfrm>
-        </p:spPr>
-      </p:pic>
-      <p:sp>
-        <p:nvSpPr>
-          <p:cNvPr id="3" name="Date Placeholder 2"/>
-          <p:cNvSpPr>
-            <a:spLocks noGrp="1"/>
-          </p:cNvSpPr>
-          <p:nvPr>
-            <p:ph type="dt" sz="half" idx="10"/>
-          </p:nvPr>
-        </p:nvSpPr>
-        <p:spPr/>
-        <p:txBody>
-          <a:bodyPr/>
-          <a:lstStyle/>
-          <a:p>
-            <a:fld id="{FF15E650-2C9B-4E22-B544-79A90AB3DDC1}" type="datetime1">
-              <a:rPr lang="de-DE" smtClean="0"/>
-              <a:t>16.01.2023</a:t>
-            </a:fld>
-            <a:endParaRPr lang="de-DE"/>
-          </a:p>
-        </p:txBody>
-      </p:sp>
-      <p:sp>
-        <p:nvSpPr>
-          <p:cNvPr id="4" name="Footer Placeholder 3"/>
-          <p:cNvSpPr>
-            <a:spLocks noGrp="1"/>
-          </p:cNvSpPr>
-          <p:nvPr>
-            <p:ph type="ftr" sz="quarter" idx="11"/>
-          </p:nvPr>
-        </p:nvSpPr>
-        <p:spPr/>
-        <p:txBody>
-          <a:bodyPr/>
-          <a:lstStyle/>
-          <a:p>
-            <a:r>
-              <a:rPr lang="de-DE" smtClean="0"/>
-              <a:t>Shinde, Rhythima</a:t>
-            </a:r>
-            <a:endParaRPr lang="de-DE"/>
-          </a:p>
-        </p:txBody>
-      </p:sp>
-      <p:sp>
-        <p:nvSpPr>
-          <p:cNvPr id="5" name="Slide Number Placeholder 4"/>
-          <p:cNvSpPr>
-            <a:spLocks noGrp="1"/>
-          </p:cNvSpPr>
-          <p:nvPr>
-            <p:ph type="sldNum" sz="quarter" idx="12"/>
-          </p:nvPr>
-        </p:nvSpPr>
-        <p:spPr/>
-        <p:txBody>
-          <a:bodyPr/>
-          <a:lstStyle/>
-          <a:p>
-            <a:fld id="{6C6AE60A-B69C-4790-82F7-3882EDF23186}" type="slidenum">
-              <a:rPr lang="de-DE" smtClean="0"/>
-              <a:t>34</a:t>
-            </a:fld>
-            <a:endParaRPr lang="de-DE"/>
-          </a:p>
-        </p:txBody>
-      </p:sp>
-    </p:spTree>
-    <p:extLst>
-      <p:ext uri="{BB962C8B-B14F-4D97-AF65-F5344CB8AC3E}">
-        <p14:creationId xmlns:p14="http://schemas.microsoft.com/office/powerpoint/2010/main" val="738812974"/>
       </p:ext>
     </p:extLst>
   </p:cSld>
@@ -18514,6 +18568,34 @@
           <a:chExt cx="0" cy="0"/>
         </a:xfrm>
       </p:grpSpPr>
+      <p:pic>
+        <p:nvPicPr>
+          <p:cNvPr id="7" name="Content Placeholder 6"/>
+          <p:cNvPicPr>
+            <a:picLocks noGrp="1" noChangeAspect="1"/>
+          </p:cNvPicPr>
+          <p:nvPr>
+            <p:ph idx="1"/>
+          </p:nvPr>
+        </p:nvPicPr>
+        <p:blipFill rotWithShape="1">
+          <a:blip r:embed="rId2" cstate="print">
+            <a:extLst>
+              <a:ext uri="{28A0092B-C50C-407E-A947-70E740481C1C}">
+                <a14:useLocalDpi xmlns:a14="http://schemas.microsoft.com/office/drawing/2010/main" val="0"/>
+              </a:ext>
+            </a:extLst>
+          </a:blip>
+          <a:srcRect b="62220"/>
+          <a:stretch/>
+        </p:blipFill>
+        <p:spPr>
+          <a:xfrm>
+            <a:off x="485983" y="1144038"/>
+            <a:ext cx="8309709" cy="4362988"/>
+          </a:xfrm>
+        </p:spPr>
+      </p:pic>
       <p:sp>
         <p:nvSpPr>
           <p:cNvPr id="3" name="Date Placeholder 2"/>
@@ -18578,6 +18660,108 @@
             <a:fld id="{6C6AE60A-B69C-4790-82F7-3882EDF23186}" type="slidenum">
               <a:rPr lang="de-DE" smtClean="0"/>
               <a:t>35</a:t>
+            </a:fld>
+            <a:endParaRPr lang="de-DE"/>
+          </a:p>
+        </p:txBody>
+      </p:sp>
+    </p:spTree>
+    <p:extLst>
+      <p:ext uri="{BB962C8B-B14F-4D97-AF65-F5344CB8AC3E}">
+        <p14:creationId xmlns:p14="http://schemas.microsoft.com/office/powerpoint/2010/main" val="738812974"/>
+      </p:ext>
+    </p:extLst>
+  </p:cSld>
+  <p:clrMapOvr>
+    <a:masterClrMapping/>
+  </p:clrMapOvr>
+  <p:transition>
+    <p:fade/>
+  </p:transition>
+</p:sld>
+</file>
+
+<file path=ppt/slides/slide36.xml><?xml version="1.0" encoding="utf-8"?>
+<p:sld xmlns:a="http://schemas.openxmlformats.org/drawingml/2006/main" xmlns:r="http://schemas.openxmlformats.org/officeDocument/2006/relationships" xmlns:p="http://schemas.openxmlformats.org/presentationml/2006/main" show="0">
+  <p:cSld>
+    <p:spTree>
+      <p:nvGrpSpPr>
+        <p:cNvPr id="1" name=""/>
+        <p:cNvGrpSpPr/>
+        <p:nvPr/>
+      </p:nvGrpSpPr>
+      <p:grpSpPr>
+        <a:xfrm>
+          <a:off x="0" y="0"/>
+          <a:ext cx="0" cy="0"/>
+          <a:chOff x="0" y="0"/>
+          <a:chExt cx="0" cy="0"/>
+        </a:xfrm>
+      </p:grpSpPr>
+      <p:sp>
+        <p:nvSpPr>
+          <p:cNvPr id="3" name="Date Placeholder 2"/>
+          <p:cNvSpPr>
+            <a:spLocks noGrp="1"/>
+          </p:cNvSpPr>
+          <p:nvPr>
+            <p:ph type="dt" sz="half" idx="10"/>
+          </p:nvPr>
+        </p:nvSpPr>
+        <p:spPr/>
+        <p:txBody>
+          <a:bodyPr/>
+          <a:lstStyle/>
+          <a:p>
+            <a:fld id="{FF15E650-2C9B-4E22-B544-79A90AB3DDC1}" type="datetime1">
+              <a:rPr lang="de-DE" smtClean="0"/>
+              <a:t>16.01.2023</a:t>
+            </a:fld>
+            <a:endParaRPr lang="de-DE"/>
+          </a:p>
+        </p:txBody>
+      </p:sp>
+      <p:sp>
+        <p:nvSpPr>
+          <p:cNvPr id="4" name="Footer Placeholder 3"/>
+          <p:cNvSpPr>
+            <a:spLocks noGrp="1"/>
+          </p:cNvSpPr>
+          <p:nvPr>
+            <p:ph type="ftr" sz="quarter" idx="11"/>
+          </p:nvPr>
+        </p:nvSpPr>
+        <p:spPr/>
+        <p:txBody>
+          <a:bodyPr/>
+          <a:lstStyle/>
+          <a:p>
+            <a:r>
+              <a:rPr lang="de-DE" smtClean="0"/>
+              <a:t>Shinde, Rhythima</a:t>
+            </a:r>
+            <a:endParaRPr lang="de-DE"/>
+          </a:p>
+        </p:txBody>
+      </p:sp>
+      <p:sp>
+        <p:nvSpPr>
+          <p:cNvPr id="5" name="Slide Number Placeholder 4"/>
+          <p:cNvSpPr>
+            <a:spLocks noGrp="1"/>
+          </p:cNvSpPr>
+          <p:nvPr>
+            <p:ph type="sldNum" sz="quarter" idx="12"/>
+          </p:nvPr>
+        </p:nvSpPr>
+        <p:spPr/>
+        <p:txBody>
+          <a:bodyPr/>
+          <a:lstStyle/>
+          <a:p>
+            <a:fld id="{6C6AE60A-B69C-4790-82F7-3882EDF23186}" type="slidenum">
+              <a:rPr lang="de-DE" smtClean="0"/>
+              <a:t>36</a:t>
             </a:fld>
             <a:endParaRPr lang="de-DE"/>
           </a:p>
@@ -18628,7 +18812,7 @@
 </p:sld>
 </file>
 
-<file path=ppt/slides/slide36.xml><?xml version="1.0" encoding="utf-8"?>
+<file path=ppt/slides/slide37.xml><?xml version="1.0" encoding="utf-8"?>
 <p:sld xmlns:a="http://schemas.openxmlformats.org/drawingml/2006/main" xmlns:r="http://schemas.openxmlformats.org/officeDocument/2006/relationships" xmlns:p="http://schemas.openxmlformats.org/presentationml/2006/main">
   <p:cSld>
     <p:spTree>
@@ -18776,7 +18960,7 @@
           <a:p>
             <a:fld id="{6C6AE60A-B69C-4790-82F7-3882EDF23186}" type="slidenum">
               <a:rPr lang="de-DE" smtClean="0"/>
-              <a:t>36</a:t>
+              <a:t>37</a:t>
             </a:fld>
             <a:endParaRPr lang="de-DE"/>
           </a:p>
@@ -20492,14 +20676,14 @@
             <p:ph idx="1"/>
             <p:extLst>
               <p:ext uri="{D42A27DB-BD31-4B8C-83A1-F6EECF244321}">
-                <p14:modId xmlns:p14="http://schemas.microsoft.com/office/powerpoint/2010/main" val="1973080704"/>
+                <p14:modId xmlns:p14="http://schemas.microsoft.com/office/powerpoint/2010/main" val="3888177803"/>
               </p:ext>
             </p:extLst>
           </p:nvPr>
         </p:nvGraphicFramePr>
         <p:xfrm>
           <a:off x="323850" y="1776549"/>
-          <a:ext cx="8496300" cy="4423958"/>
+          <a:ext cx="8496300" cy="4429608"/>
         </p:xfrm>
         <a:graphic>
           <a:graphicData uri="http://schemas.openxmlformats.org/drawingml/2006/table">
@@ -20579,7 +20763,7 @@
                   </a:ext>
                 </a:extLst>
               </a:tr>
-              <a:tr h="402178">
+              <a:tr h="352806">
                 <a:tc>
                   <a:txBody>
                     <a:bodyPr/>
@@ -20618,7 +20802,6 @@
                         <a:rPr lang="en-US" sz="1200" baseline="0" dirty="0" smtClean="0"/>
                         <a:t>LCA all results </a:t>
                       </a:r>
-                      <a:endParaRPr lang="en-US" sz="1200" baseline="0" dirty="0" smtClean="0"/>
                     </a:p>
                   </a:txBody>
                   <a:tcPr>
@@ -20728,7 +20911,6 @@
                         <a:rPr lang="en-US" sz="1200" baseline="0" dirty="0" smtClean="0"/>
                         <a:t>Write Section 4.1. U Values, 4.2. Space heating</a:t>
                       </a:r>
-                      <a:endParaRPr lang="en-US" sz="1200" baseline="0" dirty="0" smtClean="0"/>
                     </a:p>
                   </a:txBody>
                   <a:tcPr>
@@ -20775,11 +20957,15 @@
                       </a:pPr>
                       <a:r>
                         <a:rPr lang="en-US" sz="1200" dirty="0" smtClean="0"/>
-                        <a:t>LCA remaining</a:t>
+                        <a:t>LCA </a:t>
+                      </a:r>
+                      <a:r>
+                        <a:rPr lang="en-US" sz="1200" dirty="0" smtClean="0"/>
+                        <a:t>reviewing </a:t>
                       </a:r>
                       <a:r>
                         <a:rPr lang="en-US" sz="1200" baseline="0" dirty="0" smtClean="0"/>
-                        <a:t> results? </a:t>
+                        <a:t>results</a:t>
                       </a:r>
                       <a:endParaRPr lang="en-US" sz="1200" dirty="0"/>
                     </a:p>
@@ -20846,7 +21032,6 @@
                         <a:rPr lang="en-US" sz="1200" baseline="0" dirty="0" smtClean="0"/>
                         <a:t>Write Section 4.3. LCA </a:t>
                       </a:r>
-                      <a:endParaRPr lang="en-US" sz="1200" baseline="0" dirty="0" smtClean="0"/>
                     </a:p>
                   </a:txBody>
                   <a:tcPr>
@@ -20959,7 +21144,6 @@
                         <a:rPr lang="en-US" sz="1200" baseline="0" dirty="0" smtClean="0"/>
                         <a:t>Scenarios results + Write Section 4.4 Scenarios</a:t>
                       </a:r>
-                      <a:endParaRPr lang="en-US" sz="1200" baseline="0" dirty="0" smtClean="0"/>
                     </a:p>
                   </a:txBody>
                   <a:tcPr>
@@ -21086,7 +21270,6 @@
                         <a:rPr lang="en-US" sz="1200" baseline="0" dirty="0" smtClean="0"/>
                         <a:t>Discussion points / writing </a:t>
                       </a:r>
-                      <a:endParaRPr lang="en-US" sz="1200" baseline="0" dirty="0" smtClean="0"/>
                     </a:p>
                   </a:txBody>
                   <a:tcPr>
@@ -21235,7 +21418,6 @@
                         <a:rPr lang="en-US" sz="1200" baseline="0" dirty="0" smtClean="0"/>
                         <a:t>Conclusion  + Abstract</a:t>
                       </a:r>
-                      <a:endParaRPr lang="en-US" sz="1200" baseline="0" dirty="0" smtClean="0"/>
                     </a:p>
                   </a:txBody>
                   <a:tcPr>
@@ -21365,6 +21547,13 @@
                       </a:r>
                       <a:endParaRPr lang="en-US" sz="1200" baseline="0" dirty="0" smtClean="0"/>
                     </a:p>
+                    <a:p>
+                      <a:r>
+                        <a:rPr lang="en-US" sz="1200" baseline="0" dirty="0" smtClean="0"/>
+                        <a:t>Paper overall read (consistency – next slide)</a:t>
+                      </a:r>
+                      <a:endParaRPr lang="en-US" sz="1200" baseline="0" dirty="0" smtClean="0"/>
+                    </a:p>
                   </a:txBody>
                   <a:tcPr>
                     <a:lnL w="12700" cmpd="sng">
@@ -21475,7 +21664,7 @@
                       </a:r>
                       <a:r>
                         <a:rPr lang="en-US" sz="1200" baseline="0" dirty="0" err="1" smtClean="0"/>
-                        <a:t>github</a:t>
+                        <a:t>Github</a:t>
                       </a:r>
                       <a:endParaRPr lang="en-US" sz="1200" baseline="0" dirty="0" smtClean="0"/>
                     </a:p>
@@ -21595,7 +21784,6 @@
                         <a:rPr lang="en-US" sz="1200" baseline="0" dirty="0" smtClean="0"/>
                         <a:t>Check the journal guidelines completely </a:t>
                       </a:r>
-                      <a:endParaRPr lang="en-US" sz="1200" baseline="0" dirty="0" smtClean="0"/>
                     </a:p>
                   </a:txBody>
                   <a:tcPr>
@@ -21716,7 +21904,6 @@
                         <a:rPr lang="en-US" sz="1200" baseline="0" dirty="0" smtClean="0"/>
                         <a:t>Submit paper </a:t>
                       </a:r>
-                      <a:endParaRPr lang="en-US" sz="1200" baseline="0" dirty="0" smtClean="0"/>
                     </a:p>
                   </a:txBody>
                   <a:tcPr>
@@ -21822,6 +22009,13 @@
   <p:transition>
     <p:fade/>
   </p:transition>
+  <p:timing>
+    <p:tnLst>
+      <p:par>
+        <p:cTn id="1" dur="indefinite" restart="never" nodeType="tmRoot"/>
+      </p:par>
+    </p:tnLst>
+  </p:timing>
 </p:sld>
 </file>
 
@@ -21844,6 +22038,37 @@
       </p:grpSpPr>
       <p:sp>
         <p:nvSpPr>
+          <p:cNvPr id="2" name="Content Placeholder 1"/>
+          <p:cNvSpPr>
+            <a:spLocks noGrp="1"/>
+          </p:cNvSpPr>
+          <p:nvPr>
+            <p:ph idx="1"/>
+          </p:nvPr>
+        </p:nvSpPr>
+        <p:spPr/>
+        <p:txBody>
+          <a:bodyPr/>
+          <a:lstStyle/>
+          <a:p>
+            <a:r>
+              <a:rPr lang="en-US" dirty="0" smtClean="0"/>
+              <a:t>12 buildings -&gt; 10 buildings </a:t>
+            </a:r>
+          </a:p>
+          <a:p>
+            <a:r>
+              <a:rPr lang="en-US" dirty="0" smtClean="0"/>
+              <a:t>Comments on the paper</a:t>
+            </a:r>
+          </a:p>
+          <a:p>
+            <a:endParaRPr lang="en-US" dirty="0"/>
+          </a:p>
+        </p:txBody>
+      </p:sp>
+      <p:sp>
+        <p:nvSpPr>
           <p:cNvPr id="3" name="Date Placeholder 2"/>
           <p:cNvSpPr>
             <a:spLocks noGrp="1"/>
@@ -21928,40 +22153,16 @@
           <a:p>
             <a:r>
               <a:rPr lang="en-US" dirty="0" smtClean="0"/>
-              <a:t>U Values</a:t>
+              <a:t>Checks for consistency of the paper</a:t>
             </a:r>
             <a:endParaRPr lang="en-US" dirty="0"/>
           </a:p>
         </p:txBody>
       </p:sp>
-      <p:graphicFrame>
-        <p:nvGraphicFramePr>
-          <p:cNvPr id="8" name="Chart 7"/>
-          <p:cNvGraphicFramePr>
-            <a:graphicFrameLocks/>
-          </p:cNvGraphicFramePr>
-          <p:nvPr>
-            <p:extLst>
-              <p:ext uri="{D42A27DB-BD31-4B8C-83A1-F6EECF244321}">
-                <p14:modId xmlns:p14="http://schemas.microsoft.com/office/powerpoint/2010/main" val="1665658394"/>
-              </p:ext>
-            </p:extLst>
-          </p:nvPr>
-        </p:nvGraphicFramePr>
-        <p:xfrm>
-          <a:off x="323850" y="1852586"/>
-          <a:ext cx="8302501" cy="4114460"/>
-        </p:xfrm>
-        <a:graphic>
-          <a:graphicData uri="http://schemas.openxmlformats.org/drawingml/2006/chart">
-            <c:chart xmlns:c="http://schemas.openxmlformats.org/drawingml/2006/chart" xmlns:r="http://schemas.openxmlformats.org/officeDocument/2006/relationships" r:id="rId2"/>
-          </a:graphicData>
-        </a:graphic>
-      </p:graphicFrame>
     </p:spTree>
     <p:extLst>
       <p:ext uri="{BB962C8B-B14F-4D97-AF65-F5344CB8AC3E}">
-        <p14:creationId xmlns:p14="http://schemas.microsoft.com/office/powerpoint/2010/main" val="990010030"/>
+        <p14:creationId xmlns:p14="http://schemas.microsoft.com/office/powerpoint/2010/main" val="32840857"/>
       </p:ext>
     </p:extLst>
   </p:cSld>
@@ -21993,106 +22194,6 @@
       </p:grpSpPr>
       <p:sp>
         <p:nvSpPr>
-          <p:cNvPr id="2" name="Content Placeholder 1"/>
-          <p:cNvSpPr>
-            <a:spLocks noGrp="1"/>
-          </p:cNvSpPr>
-          <p:nvPr>
-            <p:ph idx="1"/>
-          </p:nvPr>
-        </p:nvSpPr>
-        <p:spPr/>
-        <p:txBody>
-          <a:bodyPr/>
-          <a:lstStyle/>
-          <a:p>
-            <a:pPr marL="457200" indent="-457200">
-              <a:buAutoNum type="arabicPeriod"/>
-            </a:pPr>
-            <a:r>
-              <a:rPr lang="en-US" dirty="0" smtClean="0"/>
-              <a:t>Overall </a:t>
-            </a:r>
-            <a:r>
-              <a:rPr lang="en-US" dirty="0"/>
-              <a:t>LCA </a:t>
-            </a:r>
-          </a:p>
-          <a:p>
-            <a:pPr marL="457200" indent="-457200">
-              <a:buAutoNum type="arabicPeriod"/>
-            </a:pPr>
-            <a:r>
-              <a:rPr lang="en-US" dirty="0" smtClean="0"/>
-              <a:t>Embodied emissions</a:t>
-            </a:r>
-          </a:p>
-          <a:p>
-            <a:pPr marL="722313" lvl="1" indent="-457200">
-              <a:buFont typeface="Wingdings" pitchFamily="2" charset="2"/>
-              <a:buAutoNum type="arabicPeriod"/>
-            </a:pPr>
-            <a:r>
-              <a:rPr lang="en-US" dirty="0"/>
-              <a:t>Components of the building </a:t>
-            </a:r>
-          </a:p>
-          <a:p>
-            <a:pPr marL="457200" indent="-457200">
-              <a:buFont typeface="Wingdings" pitchFamily="2" charset="2"/>
-              <a:buAutoNum type="arabicPeriod"/>
-            </a:pPr>
-            <a:r>
-              <a:rPr lang="en-US" dirty="0" smtClean="0"/>
-              <a:t>Operational emissions</a:t>
-            </a:r>
-          </a:p>
-          <a:p>
-            <a:pPr marL="722313" lvl="1" indent="-457200">
-              <a:buFont typeface="Wingdings" pitchFamily="2" charset="2"/>
-              <a:buAutoNum type="arabicPeriod"/>
-            </a:pPr>
-            <a:r>
-              <a:rPr lang="en-US" dirty="0" smtClean="0"/>
-              <a:t>Space heating</a:t>
-            </a:r>
-          </a:p>
-          <a:p>
-            <a:pPr marL="722313" lvl="1" indent="-457200">
-              <a:buFont typeface="Wingdings" pitchFamily="2" charset="2"/>
-              <a:buAutoNum type="arabicPeriod"/>
-            </a:pPr>
-            <a:r>
-              <a:rPr lang="en-US" dirty="0" smtClean="0"/>
-              <a:t>Ventilation </a:t>
-            </a:r>
-            <a:endParaRPr lang="en-US" dirty="0"/>
-          </a:p>
-          <a:p>
-            <a:pPr lvl="1"/>
-            <a:endParaRPr lang="en-US" dirty="0"/>
-          </a:p>
-          <a:p>
-            <a:pPr marL="457200" indent="-457200">
-              <a:buAutoNum type="arabicPeriod"/>
-            </a:pPr>
-            <a:endParaRPr lang="en-US" dirty="0"/>
-          </a:p>
-          <a:p>
-            <a:pPr lvl="1"/>
-            <a:endParaRPr lang="en-US" dirty="0"/>
-          </a:p>
-          <a:p>
-            <a:pPr lvl="1"/>
-            <a:endParaRPr lang="en-US" dirty="0"/>
-          </a:p>
-          <a:p>
-            <a:endParaRPr lang="en-US" dirty="0"/>
-          </a:p>
-        </p:txBody>
-      </p:sp>
-      <p:sp>
-        <p:nvSpPr>
           <p:cNvPr id="3" name="Date Placeholder 2"/>
           <p:cNvSpPr>
             <a:spLocks noGrp="1"/>
@@ -22177,16 +22278,40 @@
           <a:p>
             <a:r>
               <a:rPr lang="en-US" dirty="0" smtClean="0"/>
-              <a:t>Results </a:t>
+              <a:t>U Values</a:t>
             </a:r>
             <a:endParaRPr lang="en-US" dirty="0"/>
           </a:p>
         </p:txBody>
       </p:sp>
+      <p:graphicFrame>
+        <p:nvGraphicFramePr>
+          <p:cNvPr id="8" name="Chart 7"/>
+          <p:cNvGraphicFramePr>
+            <a:graphicFrameLocks/>
+          </p:cNvGraphicFramePr>
+          <p:nvPr>
+            <p:extLst>
+              <p:ext uri="{D42A27DB-BD31-4B8C-83A1-F6EECF244321}">
+                <p14:modId xmlns:p14="http://schemas.microsoft.com/office/powerpoint/2010/main" val="1665658394"/>
+              </p:ext>
+            </p:extLst>
+          </p:nvPr>
+        </p:nvGraphicFramePr>
+        <p:xfrm>
+          <a:off x="323850" y="1852586"/>
+          <a:ext cx="8302501" cy="4114460"/>
+        </p:xfrm>
+        <a:graphic>
+          <a:graphicData uri="http://schemas.openxmlformats.org/drawingml/2006/chart">
+            <c:chart xmlns:c="http://schemas.openxmlformats.org/drawingml/2006/chart" xmlns:r="http://schemas.openxmlformats.org/officeDocument/2006/relationships" r:id="rId2"/>
+          </a:graphicData>
+        </a:graphic>
+      </p:graphicFrame>
     </p:spTree>
     <p:extLst>
       <p:ext uri="{BB962C8B-B14F-4D97-AF65-F5344CB8AC3E}">
-        <p14:creationId xmlns:p14="http://schemas.microsoft.com/office/powerpoint/2010/main" val="1469761683"/>
+        <p14:creationId xmlns:p14="http://schemas.microsoft.com/office/powerpoint/2010/main" val="990010030"/>
       </p:ext>
     </p:extLst>
   </p:cSld>
@@ -22238,104 +22363,88 @@
           <a:bodyPr/>
           <a:lstStyle/>
           <a:p>
-            <a:pPr marL="342900" indent="-342900">
+            <a:pPr marL="457200" indent="-457200">
               <a:buAutoNum type="arabicPeriod"/>
             </a:pPr>
             <a:r>
-              <a:rPr lang="en-US" sz="1800" dirty="0" smtClean="0"/>
-              <a:t>Overall LCA </a:t>
+              <a:rPr lang="en-US" dirty="0" smtClean="0"/>
+              <a:t>Overall </a:t>
             </a:r>
-          </a:p>
-          <a:p>
-            <a:pPr marL="342900" indent="-342900">
+            <a:r>
+              <a:rPr lang="en-US" dirty="0"/>
+              <a:t>LCA </a:t>
+            </a:r>
+          </a:p>
+          <a:p>
+            <a:pPr marL="457200" indent="-457200">
               <a:buAutoNum type="arabicPeriod"/>
             </a:pPr>
             <a:r>
-              <a:rPr lang="en-US" sz="1800" dirty="0" smtClean="0"/>
-              <a:t>Embodied </a:t>
+              <a:rPr lang="en-US" dirty="0" smtClean="0"/>
+              <a:t>Embodied emissions</a:t>
             </a:r>
-            <a:r>
-              <a:rPr lang="en-US" sz="1800" dirty="0"/>
-              <a:t>emissions</a:t>
-            </a:r>
-          </a:p>
-          <a:p>
-            <a:pPr lvl="1"/>
-            <a:r>
-              <a:rPr lang="en-US" sz="1800" dirty="0"/>
-              <a:t>Components of the building </a:t>
-            </a:r>
-          </a:p>
-          <a:p>
-            <a:pPr lvl="1"/>
-            <a:r>
-              <a:rPr lang="en-US" sz="1800" dirty="0"/>
-              <a:t>+ Transportation</a:t>
-            </a:r>
-          </a:p>
-          <a:p>
-            <a:pPr lvl="2"/>
-            <a:r>
-              <a:rPr lang="en-US" sz="1600" dirty="0"/>
-              <a:t>as assumed by Viola - lorry transportation of local and not local material till the building site)</a:t>
-            </a:r>
-            <a:endParaRPr lang="en-US" sz="1800" dirty="0" smtClean="0"/>
-          </a:p>
-          <a:p>
-            <a:pPr marL="342900" indent="-342900">
+          </a:p>
+          <a:p>
+            <a:pPr marL="722313" lvl="1" indent="-457200">
+              <a:buFont typeface="Wingdings" pitchFamily="2" charset="2"/>
               <a:buAutoNum type="arabicPeriod"/>
             </a:pPr>
             <a:r>
-              <a:rPr lang="en-US" sz="1800" dirty="0" smtClean="0"/>
+              <a:rPr lang="en-US" dirty="0"/>
+              <a:t>Components of the building </a:t>
+            </a:r>
+          </a:p>
+          <a:p>
+            <a:pPr marL="457200" indent="-457200">
+              <a:buFont typeface="Wingdings" pitchFamily="2" charset="2"/>
+              <a:buAutoNum type="arabicPeriod"/>
+            </a:pPr>
+            <a:r>
+              <a:rPr lang="en-US" dirty="0" smtClean="0"/>
               <a:t>Operational emissions</a:t>
             </a:r>
           </a:p>
           <a:p>
-            <a:pPr lvl="1"/>
+            <a:pPr marL="722313" lvl="1" indent="-457200">
+              <a:buFont typeface="Wingdings" pitchFamily="2" charset="2"/>
+              <a:buAutoNum type="arabicPeriod"/>
+            </a:pPr>
             <a:r>
-              <a:rPr lang="en-US" sz="1800" dirty="0"/>
+              <a:rPr lang="en-US" dirty="0" smtClean="0"/>
               <a:t>Space heating</a:t>
             </a:r>
           </a:p>
           <a:p>
-            <a:pPr lvl="1"/>
+            <a:pPr marL="722313" lvl="1" indent="-457200">
+              <a:buFont typeface="Wingdings" pitchFamily="2" charset="2"/>
+              <a:buAutoNum type="arabicPeriod"/>
+            </a:pPr>
             <a:r>
-              <a:rPr lang="en-US" sz="1800" dirty="0"/>
+              <a:rPr lang="en-US" dirty="0" smtClean="0"/>
               <a:t>Ventilation </a:t>
             </a:r>
+            <a:endParaRPr lang="en-US" dirty="0"/>
           </a:p>
           <a:p>
             <a:pPr lvl="1"/>
-            <a:r>
-              <a:rPr lang="en-US" sz="1800" dirty="0" smtClean="0"/>
-              <a:t>+ Hot water</a:t>
-            </a:r>
-          </a:p>
-          <a:p>
-            <a:pPr lvl="2"/>
-            <a:r>
-              <a:rPr lang="en-US" sz="1600" dirty="0" smtClean="0"/>
-              <a:t>directly associated to the reported values of hot water usage)</a:t>
-            </a:r>
+            <a:endParaRPr lang="en-US" dirty="0"/>
+          </a:p>
+          <a:p>
+            <a:pPr marL="457200" indent="-457200">
+              <a:buAutoNum type="arabicPeriod"/>
+            </a:pPr>
+            <a:endParaRPr lang="en-US" dirty="0"/>
           </a:p>
           <a:p>
             <a:pPr lvl="1"/>
-            <a:r>
-              <a:rPr lang="en-US" sz="1800" dirty="0" smtClean="0"/>
-              <a:t>+ Electricity </a:t>
-            </a:r>
-          </a:p>
-          <a:p>
-            <a:pPr lvl="2"/>
-            <a:r>
-              <a:rPr lang="en-US" sz="1600" dirty="0" smtClean="0"/>
-              <a:t>as assumed by viola based on occupancy)</a:t>
-            </a:r>
-            <a:endParaRPr lang="en-US" sz="1800" dirty="0" smtClean="0"/>
+            <a:endParaRPr lang="en-US" dirty="0"/>
           </a:p>
           <a:p>
             <a:pPr lvl="1"/>
-            <a:endParaRPr lang="en-US" sz="1800" dirty="0"/>
+            <a:endParaRPr lang="en-US" dirty="0"/>
+          </a:p>
+          <a:p>
+            <a:endParaRPr lang="en-US" dirty="0"/>
           </a:p>
         </p:txBody>
       </p:sp>
@@ -22425,7 +22534,7 @@
           <a:p>
             <a:r>
               <a:rPr lang="en-US" dirty="0" smtClean="0"/>
-              <a:t>LCA extensions</a:t>
+              <a:t>Results </a:t>
             </a:r>
             <a:endParaRPr lang="en-US" dirty="0"/>
           </a:p>
@@ -22434,7 +22543,7 @@
     </p:spTree>
     <p:extLst>
       <p:ext uri="{BB962C8B-B14F-4D97-AF65-F5344CB8AC3E}">
-        <p14:creationId xmlns:p14="http://schemas.microsoft.com/office/powerpoint/2010/main" val="2135928578"/>
+        <p14:creationId xmlns:p14="http://schemas.microsoft.com/office/powerpoint/2010/main" val="1469761683"/>
       </p:ext>
     </p:extLst>
   </p:cSld>
@@ -22473,6 +22582,122 @@
       </p:grpSpPr>
       <p:sp>
         <p:nvSpPr>
+          <p:cNvPr id="2" name="Content Placeholder 1"/>
+          <p:cNvSpPr>
+            <a:spLocks noGrp="1"/>
+          </p:cNvSpPr>
+          <p:nvPr>
+            <p:ph idx="1"/>
+          </p:nvPr>
+        </p:nvSpPr>
+        <p:spPr/>
+        <p:txBody>
+          <a:bodyPr/>
+          <a:lstStyle/>
+          <a:p>
+            <a:pPr marL="342900" indent="-342900">
+              <a:buAutoNum type="arabicPeriod"/>
+            </a:pPr>
+            <a:r>
+              <a:rPr lang="en-US" sz="1800" dirty="0" smtClean="0"/>
+              <a:t>Overall LCA </a:t>
+            </a:r>
+          </a:p>
+          <a:p>
+            <a:pPr marL="342900" indent="-342900">
+              <a:buAutoNum type="arabicPeriod"/>
+            </a:pPr>
+            <a:r>
+              <a:rPr lang="en-US" sz="1800" dirty="0" smtClean="0"/>
+              <a:t>Embodied </a:t>
+            </a:r>
+            <a:r>
+              <a:rPr lang="en-US" sz="1800" dirty="0"/>
+              <a:t>emissions</a:t>
+            </a:r>
+          </a:p>
+          <a:p>
+            <a:pPr lvl="1"/>
+            <a:r>
+              <a:rPr lang="en-US" sz="1800" dirty="0"/>
+              <a:t>Components of the building </a:t>
+            </a:r>
+          </a:p>
+          <a:p>
+            <a:pPr lvl="1"/>
+            <a:r>
+              <a:rPr lang="en-US" sz="1800" dirty="0"/>
+              <a:t>+ Transportation</a:t>
+            </a:r>
+          </a:p>
+          <a:p>
+            <a:pPr lvl="2"/>
+            <a:r>
+              <a:rPr lang="en-US" sz="1600" dirty="0"/>
+              <a:t>as assumed by Viola - lorry transportation of local and not local material till the building site)</a:t>
+            </a:r>
+            <a:endParaRPr lang="en-US" sz="1800" dirty="0" smtClean="0"/>
+          </a:p>
+          <a:p>
+            <a:pPr marL="342900" indent="-342900">
+              <a:buAutoNum type="arabicPeriod"/>
+            </a:pPr>
+            <a:r>
+              <a:rPr lang="en-US" sz="1800" dirty="0" smtClean="0"/>
+              <a:t>Operational emissions</a:t>
+            </a:r>
+          </a:p>
+          <a:p>
+            <a:pPr lvl="1"/>
+            <a:r>
+              <a:rPr lang="en-US" sz="1800" dirty="0"/>
+              <a:t>Space heating</a:t>
+            </a:r>
+          </a:p>
+          <a:p>
+            <a:pPr lvl="1"/>
+            <a:r>
+              <a:rPr lang="en-US" sz="1800" dirty="0"/>
+              <a:t>Ventilation </a:t>
+            </a:r>
+          </a:p>
+          <a:p>
+            <a:pPr lvl="1"/>
+            <a:r>
+              <a:rPr lang="en-US" sz="1800" dirty="0" smtClean="0"/>
+              <a:t>+ Hot water</a:t>
+            </a:r>
+          </a:p>
+          <a:p>
+            <a:pPr lvl="2"/>
+            <a:r>
+              <a:rPr lang="en-US" sz="1600" dirty="0" smtClean="0"/>
+              <a:t>directly associated to the reported values of hot water usage)</a:t>
+            </a:r>
+          </a:p>
+          <a:p>
+            <a:pPr lvl="1"/>
+            <a:r>
+              <a:rPr lang="en-US" sz="1800" dirty="0" smtClean="0"/>
+              <a:t>+ Electricity </a:t>
+            </a:r>
+          </a:p>
+          <a:p>
+            <a:pPr lvl="2"/>
+            <a:r>
+              <a:rPr lang="en-US" sz="1600" dirty="0" smtClean="0"/>
+              <a:t>as assumed by viola based on occupancy)</a:t>
+            </a:r>
+            <a:endParaRPr lang="en-US" sz="1800" dirty="0" smtClean="0"/>
+          </a:p>
+          <a:p>
+            <a:pPr lvl="1"/>
+            <a:endParaRPr lang="en-US" sz="1800" dirty="0"/>
+          </a:p>
+        </p:txBody>
+      </p:sp>
+      <p:sp>
+        <p:nvSpPr>
           <p:cNvPr id="3" name="Date Placeholder 2"/>
           <p:cNvSpPr>
             <a:spLocks noGrp="1"/>
@@ -22557,73 +22782,16 @@
           <a:p>
             <a:r>
               <a:rPr lang="en-US" dirty="0" smtClean="0"/>
-              <a:t>1. Overall LCA - Embodied and </a:t>
+              <a:t>LCA extensions</a:t>
             </a:r>
-            <a:r>
-              <a:rPr lang="en-US" dirty="0"/>
-              <a:t>operational (Example building)</a:t>
-            </a:r>
-          </a:p>
-        </p:txBody>
-      </p:sp>
-      <p:graphicFrame>
-        <p:nvGraphicFramePr>
-          <p:cNvPr id="10" name="Chart 9"/>
-          <p:cNvGraphicFramePr>
-            <a:graphicFrameLocks/>
-          </p:cNvGraphicFramePr>
-          <p:nvPr>
-            <p:extLst>
-              <p:ext uri="{D42A27DB-BD31-4B8C-83A1-F6EECF244321}">
-                <p14:modId xmlns:p14="http://schemas.microsoft.com/office/powerpoint/2010/main" val="1547022581"/>
-              </p:ext>
-            </p:extLst>
-          </p:nvPr>
-        </p:nvGraphicFramePr>
-        <p:xfrm>
-          <a:off x="521678" y="2057399"/>
-          <a:ext cx="8104674" cy="3399693"/>
-        </p:xfrm>
-        <a:graphic>
-          <a:graphicData uri="http://schemas.openxmlformats.org/drawingml/2006/chart">
-            <c:chart xmlns:c="http://schemas.openxmlformats.org/drawingml/2006/chart" xmlns:r="http://schemas.openxmlformats.org/officeDocument/2006/relationships" r:id="rId3"/>
-          </a:graphicData>
-        </a:graphic>
-      </p:graphicFrame>
-      <p:sp>
-        <p:nvSpPr>
-          <p:cNvPr id="11" name="TextBox 10"/>
-          <p:cNvSpPr txBox="1"/>
-          <p:nvPr/>
-        </p:nvSpPr>
-        <p:spPr>
-          <a:xfrm>
-            <a:off x="2702169" y="5726723"/>
-            <a:ext cx="4185761" cy="369332"/>
-          </a:xfrm>
-          <a:prstGeom prst="rect">
-            <a:avLst/>
-          </a:prstGeom>
-          <a:noFill/>
-        </p:spPr>
-        <p:txBody>
-          <a:bodyPr wrap="none" rtlCol="0">
-            <a:spAutoFit/>
-          </a:bodyPr>
-          <a:lstStyle/>
-          <a:p>
-            <a:r>
-              <a:rPr lang="en-US" i="1" dirty="0" smtClean="0"/>
-              <a:t>Results on paper will show all buildings</a:t>
-            </a:r>
-            <a:endParaRPr lang="en-US" i="1" dirty="0"/>
+            <a:endParaRPr lang="en-US" dirty="0"/>
           </a:p>
         </p:txBody>
       </p:sp>
     </p:spTree>
     <p:extLst>
       <p:ext uri="{BB962C8B-B14F-4D97-AF65-F5344CB8AC3E}">
-        <p14:creationId xmlns:p14="http://schemas.microsoft.com/office/powerpoint/2010/main" val="4030856589"/>
+        <p14:creationId xmlns:p14="http://schemas.microsoft.com/office/powerpoint/2010/main" val="2135928578"/>
       </p:ext>
     </p:extLst>
   </p:cSld>
@@ -22633,6 +22801,13 @@
   <p:transition>
     <p:fade/>
   </p:transition>
+  <p:timing>
+    <p:tnLst>
+      <p:par>
+        <p:cTn id="1" dur="indefinite" restart="never" nodeType="tmRoot"/>
+      </p:par>
+    </p:tnLst>
+  </p:timing>
 </p:sld>
 </file>
 

--- a/paper_SI_discussions/Discussion_paper.pptx
+++ b/paper_SI_discussions/Discussion_paper.pptx
@@ -7046,7 +7046,7 @@
           <a:p>
             <a:fld id="{BCDB334D-D17F-49C4-91DD-37BB7E818209}" type="datetimeFigureOut">
               <a:rPr lang="de-CH" smtClean="0"/>
-              <a:t>16.01.2023</a:t>
+              <a:t>17.01.2023</a:t>
             </a:fld>
             <a:endParaRPr lang="de-CH"/>
           </a:p>
@@ -7578,7 +7578,7 @@
           <a:p>
             <a:fld id="{3CF37669-2BCF-46DA-B042-E354827809F7}" type="datetime1">
               <a:rPr lang="de-DE" smtClean="0"/>
-              <a:t>16.01.2023</a:t>
+              <a:t>17.01.2023</a:t>
             </a:fld>
             <a:endParaRPr lang="de-DE"/>
           </a:p>
@@ -7807,7 +7807,7 @@
           <a:p>
             <a:fld id="{DD0AF57A-3629-4D20-9CDE-C9CA7A3667AA}" type="datetime1">
               <a:rPr lang="de-DE" smtClean="0"/>
-              <a:t>16.01.2023</a:t>
+              <a:t>17.01.2023</a:t>
             </a:fld>
             <a:endParaRPr lang="de-DE"/>
           </a:p>
@@ -8079,7 +8079,7 @@
           <a:p>
             <a:fld id="{A02690AB-37C5-464E-B999-AEA04CFF82B9}" type="datetime1">
               <a:rPr lang="de-DE" smtClean="0"/>
-              <a:t>16.01.2023</a:t>
+              <a:t>17.01.2023</a:t>
             </a:fld>
             <a:endParaRPr lang="de-DE" dirty="0"/>
           </a:p>
@@ -8388,7 +8388,7 @@
           <a:p>
             <a:fld id="{D6387CFC-9D6A-4A2B-A4A9-D1A02656E42F}" type="datetime1">
               <a:rPr lang="de-DE" smtClean="0"/>
-              <a:t>16.01.2023</a:t>
+              <a:t>17.01.2023</a:t>
             </a:fld>
             <a:endParaRPr lang="de-DE"/>
           </a:p>
@@ -8992,7 +8992,7 @@
           <a:p>
             <a:fld id="{FF15E650-2C9B-4E22-B544-79A90AB3DDC1}" type="datetime1">
               <a:rPr lang="de-DE" smtClean="0"/>
-              <a:t>16.01.2023</a:t>
+              <a:t>17.01.2023</a:t>
             </a:fld>
             <a:endParaRPr lang="de-DE"/>
           </a:p>
@@ -9325,7 +9325,7 @@
           <a:p>
             <a:fld id="{61621C89-5216-48C0-BC08-43A5D37DC60A}" type="datetime1">
               <a:rPr lang="de-DE" smtClean="0"/>
-              <a:t>16.01.2023</a:t>
+              <a:t>17.01.2023</a:t>
             </a:fld>
             <a:endParaRPr lang="de-DE"/>
           </a:p>
@@ -9449,7 +9449,7 @@
           <a:p>
             <a:fld id="{F1FF226D-F83D-4818-9860-D08642397BB7}" type="datetime1">
               <a:rPr lang="de-DE" smtClean="0"/>
-              <a:t>16.01.2023</a:t>
+              <a:t>17.01.2023</a:t>
             </a:fld>
             <a:endParaRPr lang="de-DE"/>
           </a:p>
@@ -9576,7 +9576,7 @@
           <a:p>
             <a:fld id="{A5F31C7A-EA54-4BF4-ACB0-2765243AF525}" type="datetime1">
               <a:rPr lang="de-DE" smtClean="0"/>
-              <a:t>16.01.2023</a:t>
+              <a:t>17.01.2023</a:t>
             </a:fld>
             <a:endParaRPr lang="de-DE"/>
           </a:p>
@@ -9719,7 +9719,7 @@
           <a:p>
             <a:fld id="{EFD419F0-1738-4192-8FF2-BE957FD32662}" type="datetime1">
               <a:rPr lang="de-DE" smtClean="0"/>
-              <a:t>16.01.2023</a:t>
+              <a:t>17.01.2023</a:t>
             </a:fld>
             <a:endParaRPr lang="de-DE"/>
           </a:p>
@@ -10117,7 +10117,7 @@
           <a:p>
             <a:fld id="{D78D58C2-FBCE-4B47-BBAC-2891E9120B14}" type="datetime1">
               <a:rPr lang="de-DE" smtClean="0"/>
-              <a:t>16.01.2023</a:t>
+              <a:t>17.01.2023</a:t>
             </a:fld>
             <a:endParaRPr lang="de-DE" dirty="0"/>
           </a:p>
@@ -10787,7 +10787,7 @@
           <a:p>
             <a:fld id="{3CF37669-2BCF-46DA-B042-E354827809F7}" type="datetime1">
               <a:rPr lang="de-DE" smtClean="0"/>
-              <a:t>16.01.2023</a:t>
+              <a:t>17.01.2023</a:t>
             </a:fld>
             <a:endParaRPr lang="de-DE"/>
           </a:p>
@@ -10919,7 +10919,7 @@
           <a:p>
             <a:fld id="{FF15E650-2C9B-4E22-B544-79A90AB3DDC1}" type="datetime1">
               <a:rPr lang="de-DE" smtClean="0"/>
-              <a:t>16.01.2023</a:t>
+              <a:t>17.01.2023</a:t>
             </a:fld>
             <a:endParaRPr lang="de-DE"/>
           </a:p>
@@ -11101,7 +11101,7 @@
           <a:p>
             <a:fld id="{FF15E650-2C9B-4E22-B544-79A90AB3DDC1}" type="datetime1">
               <a:rPr lang="de-DE" smtClean="0"/>
-              <a:t>16.01.2023</a:t>
+              <a:t>17.01.2023</a:t>
             </a:fld>
             <a:endParaRPr lang="de-DE"/>
           </a:p>
@@ -11299,7 +11299,7 @@
           <a:p>
             <a:fld id="{FF15E650-2C9B-4E22-B544-79A90AB3DDC1}" type="datetime1">
               <a:rPr lang="de-DE" smtClean="0"/>
-              <a:t>16.01.2023</a:t>
+              <a:t>17.01.2023</a:t>
             </a:fld>
             <a:endParaRPr lang="de-DE"/>
           </a:p>
@@ -11448,7 +11448,7 @@
           <a:p>
             <a:fld id="{FF15E650-2C9B-4E22-B544-79A90AB3DDC1}" type="datetime1">
               <a:rPr lang="de-DE" smtClean="0"/>
-              <a:t>16.01.2023</a:t>
+              <a:t>17.01.2023</a:t>
             </a:fld>
             <a:endParaRPr lang="de-DE"/>
           </a:p>
@@ -11865,7 +11865,7 @@
           <a:p>
             <a:fld id="{FF15E650-2C9B-4E22-B544-79A90AB3DDC1}" type="datetime1">
               <a:rPr lang="de-DE" smtClean="0"/>
-              <a:t>16.01.2023</a:t>
+              <a:t>17.01.2023</a:t>
             </a:fld>
             <a:endParaRPr lang="de-DE"/>
           </a:p>
@@ -12063,7 +12063,7 @@
           <a:p>
             <a:fld id="{FF15E650-2C9B-4E22-B544-79A90AB3DDC1}" type="datetime1">
               <a:rPr lang="de-DE" smtClean="0"/>
-              <a:t>16.01.2023</a:t>
+              <a:t>17.01.2023</a:t>
             </a:fld>
             <a:endParaRPr lang="de-DE"/>
           </a:p>
@@ -12213,7 +12213,7 @@
           <a:p>
             <a:fld id="{FF15E650-2C9B-4E22-B544-79A90AB3DDC1}" type="datetime1">
               <a:rPr lang="de-DE" smtClean="0"/>
-              <a:t>16.01.2023</a:t>
+              <a:t>17.01.2023</a:t>
             </a:fld>
             <a:endParaRPr lang="de-DE"/>
           </a:p>
@@ -12413,7 +12413,7 @@
           <a:p>
             <a:fld id="{FF15E650-2C9B-4E22-B544-79A90AB3DDC1}" type="datetime1">
               <a:rPr lang="de-DE" smtClean="0"/>
-              <a:t>16.01.2023</a:t>
+              <a:t>17.01.2023</a:t>
             </a:fld>
             <a:endParaRPr lang="de-DE"/>
           </a:p>
@@ -12587,7 +12587,7 @@
           <a:p>
             <a:fld id="{FF15E650-2C9B-4E22-B544-79A90AB3DDC1}" type="datetime1">
               <a:rPr lang="de-DE" smtClean="0"/>
-              <a:t>16.01.2023</a:t>
+              <a:t>17.01.2023</a:t>
             </a:fld>
             <a:endParaRPr lang="de-DE"/>
           </a:p>
@@ -12755,7 +12755,7 @@
           <a:p>
             <a:fld id="{FF15E650-2C9B-4E22-B544-79A90AB3DDC1}" type="datetime1">
               <a:rPr lang="de-DE" smtClean="0"/>
-              <a:t>16.01.2023</a:t>
+              <a:t>17.01.2023</a:t>
             </a:fld>
             <a:endParaRPr lang="de-DE"/>
           </a:p>
@@ -14156,7 +14156,7 @@
           <a:p>
             <a:fld id="{A02690AB-37C5-464E-B999-AEA04CFF82B9}" type="datetime1">
               <a:rPr lang="de-DE" smtClean="0"/>
-              <a:t>16.01.2023</a:t>
+              <a:t>17.01.2023</a:t>
             </a:fld>
             <a:endParaRPr lang="de-DE" dirty="0"/>
           </a:p>
@@ -14305,7 +14305,7 @@
           <a:p>
             <a:fld id="{FF15E650-2C9B-4E22-B544-79A90AB3DDC1}" type="datetime1">
               <a:rPr lang="de-DE" smtClean="0"/>
-              <a:t>16.01.2023</a:t>
+              <a:t>17.01.2023</a:t>
             </a:fld>
             <a:endParaRPr lang="de-DE"/>
           </a:p>
@@ -14449,7 +14449,7 @@
           <a:p>
             <a:fld id="{FF15E650-2C9B-4E22-B544-79A90AB3DDC1}" type="datetime1">
               <a:rPr lang="de-DE" smtClean="0"/>
-              <a:t>16.01.2023</a:t>
+              <a:t>17.01.2023</a:t>
             </a:fld>
             <a:endParaRPr lang="de-DE"/>
           </a:p>
@@ -14593,7 +14593,7 @@
           <a:p>
             <a:fld id="{FF15E650-2C9B-4E22-B544-79A90AB3DDC1}" type="datetime1">
               <a:rPr lang="de-DE" smtClean="0"/>
-              <a:t>16.01.2023</a:t>
+              <a:t>17.01.2023</a:t>
             </a:fld>
             <a:endParaRPr lang="de-DE"/>
           </a:p>
@@ -14737,7 +14737,7 @@
           <a:p>
             <a:fld id="{FF15E650-2C9B-4E22-B544-79A90AB3DDC1}" type="datetime1">
               <a:rPr lang="de-DE" smtClean="0"/>
-              <a:t>16.01.2023</a:t>
+              <a:t>17.01.2023</a:t>
             </a:fld>
             <a:endParaRPr lang="de-DE"/>
           </a:p>
@@ -14996,7 +14996,7 @@
           <a:p>
             <a:fld id="{FF15E650-2C9B-4E22-B544-79A90AB3DDC1}" type="datetime1">
               <a:rPr lang="de-DE" smtClean="0"/>
-              <a:t>16.01.2023</a:t>
+              <a:t>17.01.2023</a:t>
             </a:fld>
             <a:endParaRPr lang="de-DE"/>
           </a:p>
@@ -15171,7 +15171,7 @@
           <a:p>
             <a:fld id="{FF15E650-2C9B-4E22-B544-79A90AB3DDC1}" type="datetime1">
               <a:rPr lang="de-DE" smtClean="0"/>
-              <a:t>16.01.2023</a:t>
+              <a:t>17.01.2023</a:t>
             </a:fld>
             <a:endParaRPr lang="de-DE"/>
           </a:p>
@@ -15394,7 +15394,7 @@
           <a:p>
             <a:fld id="{FF15E650-2C9B-4E22-B544-79A90AB3DDC1}" type="datetime1">
               <a:rPr lang="de-DE" smtClean="0"/>
-              <a:t>16.01.2023</a:t>
+              <a:t>17.01.2023</a:t>
             </a:fld>
             <a:endParaRPr lang="de-DE"/>
           </a:p>
@@ -15567,7 +15567,7 @@
           <a:p>
             <a:fld id="{FF15E650-2C9B-4E22-B544-79A90AB3DDC1}" type="datetime1">
               <a:rPr lang="de-DE" smtClean="0"/>
-              <a:t>16.01.2023</a:t>
+              <a:t>17.01.2023</a:t>
             </a:fld>
             <a:endParaRPr lang="de-DE"/>
           </a:p>
@@ -15718,7 +15718,7 @@
           <a:p>
             <a:fld id="{FF15E650-2C9B-4E22-B544-79A90AB3DDC1}" type="datetime1">
               <a:rPr lang="de-DE" smtClean="0"/>
-              <a:t>16.01.2023</a:t>
+              <a:t>17.01.2023</a:t>
             </a:fld>
             <a:endParaRPr lang="de-DE"/>
           </a:p>
@@ -15902,7 +15902,7 @@
           <a:p>
             <a:fld id="{FF15E650-2C9B-4E22-B544-79A90AB3DDC1}" type="datetime1">
               <a:rPr lang="de-DE" smtClean="0"/>
-              <a:t>16.01.2023</a:t>
+              <a:t>17.01.2023</a:t>
             </a:fld>
             <a:endParaRPr lang="de-DE"/>
           </a:p>
@@ -17377,7 +17377,7 @@
           <a:p>
             <a:fld id="{FF15E650-2C9B-4E22-B544-79A90AB3DDC1}" type="datetime1">
               <a:rPr lang="de-DE" smtClean="0"/>
-              <a:t>16.01.2023</a:t>
+              <a:t>17.01.2023</a:t>
             </a:fld>
             <a:endParaRPr lang="de-DE"/>
           </a:p>
@@ -17526,7 +17526,7 @@
           <a:p>
             <a:fld id="{FF15E650-2C9B-4E22-B544-79A90AB3DDC1}" type="datetime1">
               <a:rPr lang="de-DE" smtClean="0"/>
-              <a:t>16.01.2023</a:t>
+              <a:t>17.01.2023</a:t>
             </a:fld>
             <a:endParaRPr lang="de-DE"/>
           </a:p>
@@ -17847,7 +17847,7 @@
           <a:p>
             <a:fld id="{FF15E650-2C9B-4E22-B544-79A90AB3DDC1}" type="datetime1">
               <a:rPr lang="de-DE" smtClean="0"/>
-              <a:t>16.01.2023</a:t>
+              <a:t>17.01.2023</a:t>
             </a:fld>
             <a:endParaRPr lang="de-DE"/>
           </a:p>
@@ -18082,7 +18082,7 @@
           <a:p>
             <a:fld id="{FF15E650-2C9B-4E22-B544-79A90AB3DDC1}" type="datetime1">
               <a:rPr lang="de-DE" smtClean="0"/>
-              <a:t>16.01.2023</a:t>
+              <a:t>17.01.2023</a:t>
             </a:fld>
             <a:endParaRPr lang="de-DE"/>
           </a:p>
@@ -18259,7 +18259,7 @@
           <a:p>
             <a:fld id="{FF15E650-2C9B-4E22-B544-79A90AB3DDC1}" type="datetime1">
               <a:rPr lang="de-DE" smtClean="0"/>
-              <a:t>16.01.2023</a:t>
+              <a:t>17.01.2023</a:t>
             </a:fld>
             <a:endParaRPr lang="de-DE"/>
           </a:p>
@@ -18483,7 +18483,7 @@
           <a:p>
             <a:fld id="{FF15E650-2C9B-4E22-B544-79A90AB3DDC1}" type="datetime1">
               <a:rPr lang="de-DE" smtClean="0"/>
-              <a:t>16.01.2023</a:t>
+              <a:t>17.01.2023</a:t>
             </a:fld>
             <a:endParaRPr lang="de-DE"/>
           </a:p>
@@ -18613,7 +18613,7 @@
           <a:p>
             <a:fld id="{FF15E650-2C9B-4E22-B544-79A90AB3DDC1}" type="datetime1">
               <a:rPr lang="de-DE" smtClean="0"/>
-              <a:t>16.01.2023</a:t>
+              <a:t>17.01.2023</a:t>
             </a:fld>
             <a:endParaRPr lang="de-DE"/>
           </a:p>
@@ -18715,7 +18715,7 @@
           <a:p>
             <a:fld id="{FF15E650-2C9B-4E22-B544-79A90AB3DDC1}" type="datetime1">
               <a:rPr lang="de-DE" smtClean="0"/>
-              <a:t>16.01.2023</a:t>
+              <a:t>17.01.2023</a:t>
             </a:fld>
             <a:endParaRPr lang="de-DE"/>
           </a:p>
@@ -18914,7 +18914,7 @@
           <a:p>
             <a:fld id="{FF15E650-2C9B-4E22-B544-79A90AB3DDC1}" type="datetime1">
               <a:rPr lang="de-DE" smtClean="0"/>
-              <a:t>16.01.2023</a:t>
+              <a:t>17.01.2023</a:t>
             </a:fld>
             <a:endParaRPr lang="de-DE"/>
           </a:p>
@@ -19039,7 +19039,7 @@
           <a:p>
             <a:fld id="{FF15E650-2C9B-4E22-B544-79A90AB3DDC1}" type="datetime1">
               <a:rPr lang="de-DE" smtClean="0"/>
-              <a:t>16.01.2023</a:t>
+              <a:t>17.01.2023</a:t>
             </a:fld>
             <a:endParaRPr lang="de-DE"/>
           </a:p>
@@ -20587,7 +20587,7 @@
           <a:p>
             <a:fld id="{FF15E650-2C9B-4E22-B544-79A90AB3DDC1}" type="datetime1">
               <a:rPr lang="de-DE" smtClean="0"/>
-              <a:t>16.01.2023</a:t>
+              <a:t>17.01.2023</a:t>
             </a:fld>
             <a:endParaRPr lang="de-DE"/>
           </a:p>
@@ -20676,7 +20676,7 @@
             <p:ph idx="1"/>
             <p:extLst>
               <p:ext uri="{D42A27DB-BD31-4B8C-83A1-F6EECF244321}">
-                <p14:modId xmlns:p14="http://schemas.microsoft.com/office/powerpoint/2010/main" val="3888177803"/>
+                <p14:modId xmlns:p14="http://schemas.microsoft.com/office/powerpoint/2010/main" val="3376179002"/>
               </p:ext>
             </p:extLst>
           </p:nvPr>
@@ -20802,6 +20802,11 @@
                         <a:rPr lang="en-US" sz="1200" baseline="0" dirty="0" smtClean="0"/>
                         <a:t>LCA all results </a:t>
                       </a:r>
+                      <a:r>
+                        <a:rPr lang="en-US" sz="1200" baseline="0" dirty="0" smtClean="0"/>
+                        <a:t>, setup pipeline one building</a:t>
+                      </a:r>
+                      <a:endParaRPr lang="en-US" sz="1200" baseline="0" dirty="0" smtClean="0"/>
                     </a:p>
                   </a:txBody>
                   <a:tcPr>
@@ -20820,7 +20825,7 @@
                       <a:prstDash val="solid"/>
                     </a:lnBlToTr>
                     <a:solidFill>
-                      <a:srgbClr val="D5D7CC"/>
+                      <a:srgbClr val="92D050"/>
                     </a:solidFill>
                   </a:tcPr>
                 </a:tc>
@@ -20909,7 +20914,23 @@
                     <a:p>
                       <a:r>
                         <a:rPr lang="en-US" sz="1200" baseline="0" dirty="0" smtClean="0"/>
-                        <a:t>Write Section 4.1. U Values, 4.2. Space heating</a:t>
+                        <a:t>Write Section </a:t>
+                      </a:r>
+                      <a:r>
+                        <a:rPr lang="en-US" sz="1200" baseline="0" dirty="0" smtClean="0"/>
+                        <a:t>5.1</a:t>
+                      </a:r>
+                      <a:r>
+                        <a:rPr lang="en-US" sz="1200" baseline="0" dirty="0" smtClean="0"/>
+                        <a:t>. U Values, </a:t>
+                      </a:r>
+                      <a:r>
+                        <a:rPr lang="en-US" sz="1200" baseline="0" dirty="0" smtClean="0"/>
+                        <a:t>5.2</a:t>
+                      </a:r>
+                      <a:r>
+                        <a:rPr lang="en-US" sz="1200" baseline="0" dirty="0" smtClean="0"/>
+                        <a:t>. Space heating</a:t>
                       </a:r>
                     </a:p>
                   </a:txBody>
@@ -20961,11 +20982,11 @@
                       </a:r>
                       <a:r>
                         <a:rPr lang="en-US" sz="1200" dirty="0" smtClean="0"/>
-                        <a:t>reviewing </a:t>
+                        <a:t>all </a:t>
                       </a:r>
                       <a:r>
                         <a:rPr lang="en-US" sz="1200" baseline="0" dirty="0" smtClean="0"/>
-                        <a:t>results</a:t>
+                        <a:t>results extension for all buildings</a:t>
                       </a:r>
                       <a:endParaRPr lang="en-US" sz="1200" dirty="0"/>
                     </a:p>
@@ -20985,6 +21006,9 @@
                       <a:noFill/>
                       <a:prstDash val="solid"/>
                     </a:lnBlToTr>
+                    <a:solidFill>
+                      <a:srgbClr val="FFFF00"/>
+                    </a:solidFill>
                   </a:tcPr>
                 </a:tc>
                 <a:extLst>
@@ -21030,7 +21054,19 @@
                     <a:p>
                       <a:r>
                         <a:rPr lang="en-US" sz="1200" baseline="0" dirty="0" smtClean="0"/>
-                        <a:t>Write Section 4.3. LCA </a:t>
+                        <a:t>LCA all results, Write </a:t>
+                      </a:r>
+                      <a:r>
+                        <a:rPr lang="en-US" sz="1200" baseline="0" dirty="0" smtClean="0"/>
+                        <a:t>Section </a:t>
+                      </a:r>
+                      <a:r>
+                        <a:rPr lang="en-US" sz="1200" baseline="0" dirty="0" smtClean="0"/>
+                        <a:t>5.3</a:t>
+                      </a:r>
+                      <a:r>
+                        <a:rPr lang="en-US" sz="1200" baseline="0" dirty="0" smtClean="0"/>
+                        <a:t>. LCA </a:t>
                       </a:r>
                     </a:p>
                   </a:txBody>
@@ -21078,8 +21114,13 @@
                       </a:pPr>
                       <a:r>
                         <a:rPr lang="en-US" sz="1200" dirty="0" smtClean="0"/>
-                        <a:t>Review  sections 4.1-4.3 </a:t>
+                        <a:t>Review  sections </a:t>
                       </a:r>
+                      <a:r>
+                        <a:rPr lang="en-US" sz="1200" dirty="0" smtClean="0"/>
+                        <a:t>5.1-5.3 </a:t>
+                      </a:r>
+                      <a:endParaRPr lang="en-US" sz="1200" dirty="0" smtClean="0"/>
                     </a:p>
                   </a:txBody>
                   <a:tcPr>
@@ -21142,7 +21183,15 @@
                     <a:p>
                       <a:r>
                         <a:rPr lang="en-US" sz="1200" baseline="0" dirty="0" smtClean="0"/>
-                        <a:t>Scenarios results + Write Section 4.4 Scenarios</a:t>
+                        <a:t>Scenarios results + Write Section </a:t>
+                      </a:r>
+                      <a:r>
+                        <a:rPr lang="en-US" sz="1200" baseline="0" dirty="0" smtClean="0"/>
+                        <a:t>5.4 </a:t>
+                      </a:r>
+                      <a:r>
+                        <a:rPr lang="en-US" sz="1200" baseline="0" dirty="0" smtClean="0"/>
+                        <a:t>Scenarios</a:t>
                       </a:r>
                     </a:p>
                   </a:txBody>
@@ -21190,11 +21239,23 @@
                       </a:pPr>
                       <a:r>
                         <a:rPr lang="en-US" sz="1200" dirty="0" smtClean="0"/>
-                        <a:t>Review  section 4.4</a:t>
+                        <a:t>Review  </a:t>
+                      </a:r>
+                      <a:r>
+                        <a:rPr lang="en-US" sz="1200" smtClean="0"/>
+                        <a:t>section </a:t>
+                      </a:r>
+                      <a:r>
+                        <a:rPr lang="en-US" sz="1200" smtClean="0"/>
+                        <a:t>5.4</a:t>
+                      </a:r>
+                      <a:r>
+                        <a:rPr lang="en-US" sz="1200" baseline="0" smtClean="0"/>
+                        <a:t> </a:t>
                       </a:r>
                       <a:r>
                         <a:rPr lang="en-US" sz="1200" baseline="0" dirty="0" smtClean="0"/>
-                        <a:t> + Discussion pointers </a:t>
+                        <a:t>+ Discussion pointers </a:t>
                       </a:r>
                       <a:endParaRPr lang="en-US" sz="1200" dirty="0"/>
                     </a:p>
@@ -21545,14 +21606,12 @@
                         <a:rPr lang="en-US" sz="1200" baseline="0" dirty="0" smtClean="0"/>
                         <a:t>Letter to editor + SI check </a:t>
                       </a:r>
-                      <a:endParaRPr lang="en-US" sz="1200" baseline="0" dirty="0" smtClean="0"/>
                     </a:p>
                     <a:p>
                       <a:r>
                         <a:rPr lang="en-US" sz="1200" baseline="0" dirty="0" smtClean="0"/>
                         <a:t>Paper overall read (consistency – next slide)</a:t>
                       </a:r>
-                      <a:endParaRPr lang="en-US" sz="1200" baseline="0" dirty="0" smtClean="0"/>
                     </a:p>
                   </a:txBody>
                   <a:tcPr>
@@ -22084,7 +22143,7 @@
           <a:p>
             <a:fld id="{FF15E650-2C9B-4E22-B544-79A90AB3DDC1}" type="datetime1">
               <a:rPr lang="de-DE" smtClean="0"/>
-              <a:t>16.01.2023</a:t>
+              <a:t>17.01.2023</a:t>
             </a:fld>
             <a:endParaRPr lang="de-DE"/>
           </a:p>
@@ -22209,7 +22268,7 @@
           <a:p>
             <a:fld id="{FF15E650-2C9B-4E22-B544-79A90AB3DDC1}" type="datetime1">
               <a:rPr lang="de-DE" smtClean="0"/>
-              <a:t>16.01.2023</a:t>
+              <a:t>17.01.2023</a:t>
             </a:fld>
             <a:endParaRPr lang="de-DE"/>
           </a:p>
@@ -22465,7 +22524,7 @@
           <a:p>
             <a:fld id="{FF15E650-2C9B-4E22-B544-79A90AB3DDC1}" type="datetime1">
               <a:rPr lang="de-DE" smtClean="0"/>
-              <a:t>16.01.2023</a:t>
+              <a:t>17.01.2023</a:t>
             </a:fld>
             <a:endParaRPr lang="de-DE"/>
           </a:p>
@@ -22713,7 +22772,7 @@
           <a:p>
             <a:fld id="{FF15E650-2C9B-4E22-B544-79A90AB3DDC1}" type="datetime1">
               <a:rPr lang="de-DE" smtClean="0"/>
-              <a:t>16.01.2023</a:t>
+              <a:t>17.01.2023</a:t>
             </a:fld>
             <a:endParaRPr lang="de-DE"/>
           </a:p>

--- a/paper_SI_discussions/Discussion_paper.pptx
+++ b/paper_SI_discussions/Discussion_paper.pptx
@@ -5,7 +5,7 @@
     <p:sldMasterId id="2147483648" r:id="rId1"/>
   </p:sldMasterIdLst>
   <p:notesMasterIdLst>
-    <p:notesMasterId r:id="rId39"/>
+    <p:notesMasterId r:id="rId40"/>
   </p:notesMasterIdLst>
   <p:sldIdLst>
     <p:sldId id="440" r:id="rId2"/>
@@ -13,38 +13,39 @@
     <p:sldId id="515" r:id="rId4"/>
     <p:sldId id="523" r:id="rId5"/>
     <p:sldId id="537" r:id="rId6"/>
-    <p:sldId id="538" r:id="rId7"/>
-    <p:sldId id="524" r:id="rId8"/>
-    <p:sldId id="536" r:id="rId9"/>
-    <p:sldId id="531" r:id="rId10"/>
-    <p:sldId id="528" r:id="rId11"/>
-    <p:sldId id="526" r:id="rId12"/>
-    <p:sldId id="529" r:id="rId13"/>
-    <p:sldId id="533" r:id="rId14"/>
-    <p:sldId id="534" r:id="rId15"/>
-    <p:sldId id="525" r:id="rId16"/>
-    <p:sldId id="530" r:id="rId17"/>
-    <p:sldId id="516" r:id="rId18"/>
-    <p:sldId id="517" r:id="rId19"/>
-    <p:sldId id="518" r:id="rId20"/>
-    <p:sldId id="519" r:id="rId21"/>
-    <p:sldId id="520" r:id="rId22"/>
-    <p:sldId id="521" r:id="rId23"/>
-    <p:sldId id="522" r:id="rId24"/>
-    <p:sldId id="509" r:id="rId25"/>
-    <p:sldId id="510" r:id="rId26"/>
-    <p:sldId id="511" r:id="rId27"/>
-    <p:sldId id="512" r:id="rId28"/>
-    <p:sldId id="513" r:id="rId29"/>
-    <p:sldId id="497" r:id="rId30"/>
-    <p:sldId id="500" r:id="rId31"/>
-    <p:sldId id="514" r:id="rId32"/>
-    <p:sldId id="505" r:id="rId33"/>
-    <p:sldId id="499" r:id="rId34"/>
-    <p:sldId id="502" r:id="rId35"/>
-    <p:sldId id="503" r:id="rId36"/>
-    <p:sldId id="504" r:id="rId37"/>
-    <p:sldId id="506" r:id="rId38"/>
+    <p:sldId id="539" r:id="rId7"/>
+    <p:sldId id="538" r:id="rId8"/>
+    <p:sldId id="524" r:id="rId9"/>
+    <p:sldId id="536" r:id="rId10"/>
+    <p:sldId id="531" r:id="rId11"/>
+    <p:sldId id="528" r:id="rId12"/>
+    <p:sldId id="526" r:id="rId13"/>
+    <p:sldId id="529" r:id="rId14"/>
+    <p:sldId id="533" r:id="rId15"/>
+    <p:sldId id="534" r:id="rId16"/>
+    <p:sldId id="525" r:id="rId17"/>
+    <p:sldId id="530" r:id="rId18"/>
+    <p:sldId id="516" r:id="rId19"/>
+    <p:sldId id="517" r:id="rId20"/>
+    <p:sldId id="518" r:id="rId21"/>
+    <p:sldId id="519" r:id="rId22"/>
+    <p:sldId id="520" r:id="rId23"/>
+    <p:sldId id="521" r:id="rId24"/>
+    <p:sldId id="522" r:id="rId25"/>
+    <p:sldId id="509" r:id="rId26"/>
+    <p:sldId id="510" r:id="rId27"/>
+    <p:sldId id="511" r:id="rId28"/>
+    <p:sldId id="512" r:id="rId29"/>
+    <p:sldId id="513" r:id="rId30"/>
+    <p:sldId id="497" r:id="rId31"/>
+    <p:sldId id="500" r:id="rId32"/>
+    <p:sldId id="514" r:id="rId33"/>
+    <p:sldId id="505" r:id="rId34"/>
+    <p:sldId id="499" r:id="rId35"/>
+    <p:sldId id="502" r:id="rId36"/>
+    <p:sldId id="503" r:id="rId37"/>
+    <p:sldId id="504" r:id="rId38"/>
+    <p:sldId id="506" r:id="rId39"/>
   </p:sldIdLst>
   <p:sldSz cx="9144000" cy="6858000" type="screen4x3"/>
   <p:notesSz cx="6794500" cy="9931400"/>
@@ -157,6 +158,7 @@
             <p14:sldId id="515"/>
             <p14:sldId id="523"/>
             <p14:sldId id="537"/>
+            <p14:sldId id="539"/>
             <p14:sldId id="538"/>
           </p14:sldIdLst>
         </p14:section>
@@ -1775,8 +1777,8 @@
           <c:layoutTarget val="inner"/>
           <c:xMode val="edge"/>
           <c:yMode val="edge"/>
-          <c:x val="0.180481534482448"/>
-          <c:y val="0.10985487903791021"/>
+          <c:x val="0.24233327798992749"/>
+          <c:y val="8.370549929067124E-2"/>
           <c:w val="0.48046682691987369"/>
           <c:h val="0.78872386283175766"/>
         </c:manualLayout>
@@ -2672,8 +2674,8 @@
         <c:manualLayout>
           <c:xMode val="edge"/>
           <c:yMode val="edge"/>
-          <c:x val="0.67762737896675429"/>
-          <c:y val="8.4710003678043044E-2"/>
+          <c:x val="0.73666766284797169"/>
+          <c:y val="8.4710001756040917E-2"/>
           <c:w val="0.22505606024375563"/>
           <c:h val="0.89081955341261698"/>
         </c:manualLayout>
@@ -7046,7 +7048,7 @@
           <a:p>
             <a:fld id="{BCDB334D-D17F-49C4-91DD-37BB7E818209}" type="datetimeFigureOut">
               <a:rPr lang="de-CH" smtClean="0"/>
-              <a:t>17.01.2023</a:t>
+              <a:t>19.01.2023</a:t>
             </a:fld>
             <a:endParaRPr lang="de-CH"/>
           </a:p>
@@ -7402,7 +7404,7 @@
           <a:p>
             <a:fld id="{A51C0C35-A9A2-4EFD-9BAF-1E52E29E03D1}" type="slidenum">
               <a:rPr lang="de-CH" smtClean="0"/>
-              <a:t>10</a:t>
+              <a:t>11</a:t>
             </a:fld>
             <a:endParaRPr lang="de-CH"/>
           </a:p>
@@ -7578,7 +7580,7 @@
           <a:p>
             <a:fld id="{3CF37669-2BCF-46DA-B042-E354827809F7}" type="datetime1">
               <a:rPr lang="de-DE" smtClean="0"/>
-              <a:t>17.01.2023</a:t>
+              <a:t>19.01.2023</a:t>
             </a:fld>
             <a:endParaRPr lang="de-DE"/>
           </a:p>
@@ -7807,7 +7809,7 @@
           <a:p>
             <a:fld id="{DD0AF57A-3629-4D20-9CDE-C9CA7A3667AA}" type="datetime1">
               <a:rPr lang="de-DE" smtClean="0"/>
-              <a:t>17.01.2023</a:t>
+              <a:t>19.01.2023</a:t>
             </a:fld>
             <a:endParaRPr lang="de-DE"/>
           </a:p>
@@ -8079,7 +8081,7 @@
           <a:p>
             <a:fld id="{A02690AB-37C5-464E-B999-AEA04CFF82B9}" type="datetime1">
               <a:rPr lang="de-DE" smtClean="0"/>
-              <a:t>17.01.2023</a:t>
+              <a:t>19.01.2023</a:t>
             </a:fld>
             <a:endParaRPr lang="de-DE" dirty="0"/>
           </a:p>
@@ -8388,7 +8390,7 @@
           <a:p>
             <a:fld id="{D6387CFC-9D6A-4A2B-A4A9-D1A02656E42F}" type="datetime1">
               <a:rPr lang="de-DE" smtClean="0"/>
-              <a:t>17.01.2023</a:t>
+              <a:t>19.01.2023</a:t>
             </a:fld>
             <a:endParaRPr lang="de-DE"/>
           </a:p>
@@ -8992,7 +8994,7 @@
           <a:p>
             <a:fld id="{FF15E650-2C9B-4E22-B544-79A90AB3DDC1}" type="datetime1">
               <a:rPr lang="de-DE" smtClean="0"/>
-              <a:t>17.01.2023</a:t>
+              <a:t>19.01.2023</a:t>
             </a:fld>
             <a:endParaRPr lang="de-DE"/>
           </a:p>
@@ -9325,7 +9327,7 @@
           <a:p>
             <a:fld id="{61621C89-5216-48C0-BC08-43A5D37DC60A}" type="datetime1">
               <a:rPr lang="de-DE" smtClean="0"/>
-              <a:t>17.01.2023</a:t>
+              <a:t>19.01.2023</a:t>
             </a:fld>
             <a:endParaRPr lang="de-DE"/>
           </a:p>
@@ -9449,7 +9451,7 @@
           <a:p>
             <a:fld id="{F1FF226D-F83D-4818-9860-D08642397BB7}" type="datetime1">
               <a:rPr lang="de-DE" smtClean="0"/>
-              <a:t>17.01.2023</a:t>
+              <a:t>19.01.2023</a:t>
             </a:fld>
             <a:endParaRPr lang="de-DE"/>
           </a:p>
@@ -9576,7 +9578,7 @@
           <a:p>
             <a:fld id="{A5F31C7A-EA54-4BF4-ACB0-2765243AF525}" type="datetime1">
               <a:rPr lang="de-DE" smtClean="0"/>
-              <a:t>17.01.2023</a:t>
+              <a:t>19.01.2023</a:t>
             </a:fld>
             <a:endParaRPr lang="de-DE"/>
           </a:p>
@@ -9719,7 +9721,7 @@
           <a:p>
             <a:fld id="{EFD419F0-1738-4192-8FF2-BE957FD32662}" type="datetime1">
               <a:rPr lang="de-DE" smtClean="0"/>
-              <a:t>17.01.2023</a:t>
+              <a:t>19.01.2023</a:t>
             </a:fld>
             <a:endParaRPr lang="de-DE"/>
           </a:p>
@@ -10117,7 +10119,7 @@
           <a:p>
             <a:fld id="{D78D58C2-FBCE-4B47-BBAC-2891E9120B14}" type="datetime1">
               <a:rPr lang="de-DE" smtClean="0"/>
-              <a:t>17.01.2023</a:t>
+              <a:t>19.01.2023</a:t>
             </a:fld>
             <a:endParaRPr lang="de-DE" dirty="0"/>
           </a:p>
@@ -10787,7 +10789,7 @@
           <a:p>
             <a:fld id="{3CF37669-2BCF-46DA-B042-E354827809F7}" type="datetime1">
               <a:rPr lang="de-DE" smtClean="0"/>
-              <a:t>17.01.2023</a:t>
+              <a:t>19.01.2023</a:t>
             </a:fld>
             <a:endParaRPr lang="de-DE"/>
           </a:p>
@@ -10904,12 +10906,12 @@
       </p:grpSpPr>
       <p:sp>
         <p:nvSpPr>
-          <p:cNvPr id="3" name="Date Placeholder 2"/>
+          <p:cNvPr id="2" name="Content Placeholder 1"/>
           <p:cNvSpPr>
             <a:spLocks noGrp="1"/>
           </p:cNvSpPr>
           <p:nvPr>
-            <p:ph type="dt" sz="half" idx="10"/>
+            <p:ph idx="1"/>
           </p:nvPr>
         </p:nvSpPr>
         <p:spPr/>
@@ -10917,9 +10919,125 @@
           <a:bodyPr/>
           <a:lstStyle/>
           <a:p>
+            <a:pPr marL="342900" indent="-342900">
+              <a:buAutoNum type="arabicPeriod"/>
+            </a:pPr>
+            <a:r>
+              <a:rPr lang="en-US" sz="1800" dirty="0" smtClean="0"/>
+              <a:t>Overall LCA </a:t>
+            </a:r>
+          </a:p>
+          <a:p>
+            <a:pPr marL="342900" indent="-342900">
+              <a:buAutoNum type="arabicPeriod"/>
+            </a:pPr>
+            <a:r>
+              <a:rPr lang="en-US" sz="1800" dirty="0" smtClean="0"/>
+              <a:t>Embodied </a:t>
+            </a:r>
+            <a:r>
+              <a:rPr lang="en-US" sz="1800" dirty="0"/>
+              <a:t>emissions</a:t>
+            </a:r>
+          </a:p>
+          <a:p>
+            <a:pPr lvl="1"/>
+            <a:r>
+              <a:rPr lang="en-US" sz="1800" dirty="0"/>
+              <a:t>Components of the building </a:t>
+            </a:r>
+          </a:p>
+          <a:p>
+            <a:pPr lvl="1"/>
+            <a:r>
+              <a:rPr lang="en-US" sz="1800" dirty="0"/>
+              <a:t>+ Transportation</a:t>
+            </a:r>
+          </a:p>
+          <a:p>
+            <a:pPr lvl="2"/>
+            <a:r>
+              <a:rPr lang="en-US" sz="1600" dirty="0"/>
+              <a:t>as assumed by Viola - lorry transportation of local and not local material till the building site)</a:t>
+            </a:r>
+            <a:endParaRPr lang="en-US" sz="1800" dirty="0" smtClean="0"/>
+          </a:p>
+          <a:p>
+            <a:pPr marL="342900" indent="-342900">
+              <a:buAutoNum type="arabicPeriod"/>
+            </a:pPr>
+            <a:r>
+              <a:rPr lang="en-US" sz="1800" dirty="0" smtClean="0"/>
+              <a:t>Operational emissions</a:t>
+            </a:r>
+          </a:p>
+          <a:p>
+            <a:pPr lvl="1"/>
+            <a:r>
+              <a:rPr lang="en-US" sz="1800" dirty="0"/>
+              <a:t>Space heating</a:t>
+            </a:r>
+          </a:p>
+          <a:p>
+            <a:pPr lvl="1"/>
+            <a:r>
+              <a:rPr lang="en-US" sz="1800" dirty="0"/>
+              <a:t>Ventilation </a:t>
+            </a:r>
+          </a:p>
+          <a:p>
+            <a:pPr lvl="1"/>
+            <a:r>
+              <a:rPr lang="en-US" sz="1800" dirty="0" smtClean="0"/>
+              <a:t>+ Hot water</a:t>
+            </a:r>
+          </a:p>
+          <a:p>
+            <a:pPr lvl="2"/>
+            <a:r>
+              <a:rPr lang="en-US" sz="1600" dirty="0" smtClean="0"/>
+              <a:t>directly associated to the reported values of hot water usage)</a:t>
+            </a:r>
+          </a:p>
+          <a:p>
+            <a:pPr lvl="1"/>
+            <a:r>
+              <a:rPr lang="en-US" sz="1800" dirty="0" smtClean="0"/>
+              <a:t>+ Electricity </a:t>
+            </a:r>
+          </a:p>
+          <a:p>
+            <a:pPr lvl="2"/>
+            <a:r>
+              <a:rPr lang="en-US" sz="1600" dirty="0" smtClean="0"/>
+              <a:t>as assumed by viola based on occupancy)</a:t>
+            </a:r>
+            <a:endParaRPr lang="en-US" sz="1800" dirty="0" smtClean="0"/>
+          </a:p>
+          <a:p>
+            <a:pPr lvl="1"/>
+            <a:endParaRPr lang="en-US" sz="1800" dirty="0"/>
+          </a:p>
+        </p:txBody>
+      </p:sp>
+      <p:sp>
+        <p:nvSpPr>
+          <p:cNvPr id="3" name="Date Placeholder 2"/>
+          <p:cNvSpPr>
+            <a:spLocks noGrp="1"/>
+          </p:cNvSpPr>
+          <p:nvPr>
+            <p:ph type="dt" sz="half" idx="10"/>
+          </p:nvPr>
+        </p:nvSpPr>
+        <p:spPr/>
+        <p:txBody>
+          <a:bodyPr/>
+          <a:lstStyle/>
+          <a:p>
             <a:fld id="{FF15E650-2C9B-4E22-B544-79A90AB3DDC1}" type="datetime1">
               <a:rPr lang="de-DE" smtClean="0"/>
-              <a:t>17.01.2023</a:t>
+              <a:t>19.01.2023</a:t>
             </a:fld>
             <a:endParaRPr lang="de-DE"/>
           </a:p>
@@ -10988,6 +11106,138 @@
           <a:p>
             <a:r>
               <a:rPr lang="en-US" dirty="0" smtClean="0"/>
+              <a:t>LCA extensions</a:t>
+            </a:r>
+            <a:endParaRPr lang="en-US" dirty="0"/>
+          </a:p>
+        </p:txBody>
+      </p:sp>
+    </p:spTree>
+    <p:extLst>
+      <p:ext uri="{BB962C8B-B14F-4D97-AF65-F5344CB8AC3E}">
+        <p14:creationId xmlns:p14="http://schemas.microsoft.com/office/powerpoint/2010/main" val="2135928578"/>
+      </p:ext>
+    </p:extLst>
+  </p:cSld>
+  <p:clrMapOvr>
+    <a:masterClrMapping/>
+  </p:clrMapOvr>
+  <p:transition>
+    <p:fade/>
+  </p:transition>
+  <p:timing>
+    <p:tnLst>
+      <p:par>
+        <p:cTn id="1" dur="indefinite" restart="never" nodeType="tmRoot"/>
+      </p:par>
+    </p:tnLst>
+  </p:timing>
+</p:sld>
+</file>
+
+<file path=ppt/slides/slide11.xml><?xml version="1.0" encoding="utf-8"?>
+<p:sld xmlns:a="http://schemas.openxmlformats.org/drawingml/2006/main" xmlns:r="http://schemas.openxmlformats.org/officeDocument/2006/relationships" xmlns:p="http://schemas.openxmlformats.org/presentationml/2006/main">
+  <p:cSld>
+    <p:spTree>
+      <p:nvGrpSpPr>
+        <p:cNvPr id="1" name=""/>
+        <p:cNvGrpSpPr/>
+        <p:nvPr/>
+      </p:nvGrpSpPr>
+      <p:grpSpPr>
+        <a:xfrm>
+          <a:off x="0" y="0"/>
+          <a:ext cx="0" cy="0"/>
+          <a:chOff x="0" y="0"/>
+          <a:chExt cx="0" cy="0"/>
+        </a:xfrm>
+      </p:grpSpPr>
+      <p:sp>
+        <p:nvSpPr>
+          <p:cNvPr id="3" name="Date Placeholder 2"/>
+          <p:cNvSpPr>
+            <a:spLocks noGrp="1"/>
+          </p:cNvSpPr>
+          <p:nvPr>
+            <p:ph type="dt" sz="half" idx="10"/>
+          </p:nvPr>
+        </p:nvSpPr>
+        <p:spPr/>
+        <p:txBody>
+          <a:bodyPr/>
+          <a:lstStyle/>
+          <a:p>
+            <a:fld id="{FF15E650-2C9B-4E22-B544-79A90AB3DDC1}" type="datetime1">
+              <a:rPr lang="de-DE" smtClean="0"/>
+              <a:t>19.01.2023</a:t>
+            </a:fld>
+            <a:endParaRPr lang="de-DE"/>
+          </a:p>
+        </p:txBody>
+      </p:sp>
+      <p:sp>
+        <p:nvSpPr>
+          <p:cNvPr id="4" name="Footer Placeholder 3"/>
+          <p:cNvSpPr>
+            <a:spLocks noGrp="1"/>
+          </p:cNvSpPr>
+          <p:nvPr>
+            <p:ph type="ftr" sz="quarter" idx="11"/>
+          </p:nvPr>
+        </p:nvSpPr>
+        <p:spPr/>
+        <p:txBody>
+          <a:bodyPr/>
+          <a:lstStyle/>
+          <a:p>
+            <a:r>
+              <a:rPr lang="de-DE" smtClean="0"/>
+              <a:t>Shinde, Rhythima</a:t>
+            </a:r>
+            <a:endParaRPr lang="de-DE"/>
+          </a:p>
+        </p:txBody>
+      </p:sp>
+      <p:sp>
+        <p:nvSpPr>
+          <p:cNvPr id="5" name="Slide Number Placeholder 4"/>
+          <p:cNvSpPr>
+            <a:spLocks noGrp="1"/>
+          </p:cNvSpPr>
+          <p:nvPr>
+            <p:ph type="sldNum" sz="quarter" idx="12"/>
+          </p:nvPr>
+        </p:nvSpPr>
+        <p:spPr/>
+        <p:txBody>
+          <a:bodyPr/>
+          <a:lstStyle/>
+          <a:p>
+            <a:fld id="{6C6AE60A-B69C-4790-82F7-3882EDF23186}" type="slidenum">
+              <a:rPr lang="de-DE" smtClean="0"/>
+              <a:t>11</a:t>
+            </a:fld>
+            <a:endParaRPr lang="de-DE"/>
+          </a:p>
+        </p:txBody>
+      </p:sp>
+      <p:sp>
+        <p:nvSpPr>
+          <p:cNvPr id="6" name="Title 5"/>
+          <p:cNvSpPr>
+            <a:spLocks noGrp="1"/>
+          </p:cNvSpPr>
+          <p:nvPr>
+            <p:ph type="title"/>
+          </p:nvPr>
+        </p:nvSpPr>
+        <p:spPr/>
+        <p:txBody>
+          <a:bodyPr/>
+          <a:lstStyle/>
+          <a:p>
+            <a:r>
+              <a:rPr lang="en-US" dirty="0" smtClean="0"/>
               <a:t>1. Overall LCA - Embodied and </a:t>
             </a:r>
             <a:r>
@@ -11006,14 +11256,14 @@
           <p:nvPr>
             <p:extLst>
               <p:ext uri="{D42A27DB-BD31-4B8C-83A1-F6EECF244321}">
-                <p14:modId xmlns:p14="http://schemas.microsoft.com/office/powerpoint/2010/main" val="1547022581"/>
+                <p14:modId xmlns:p14="http://schemas.microsoft.com/office/powerpoint/2010/main" val="4206205034"/>
               </p:ext>
             </p:extLst>
           </p:nvPr>
         </p:nvGraphicFramePr>
         <p:xfrm>
           <a:off x="521678" y="2057399"/>
-          <a:ext cx="8104674" cy="3399693"/>
+          <a:ext cx="7892748" cy="3399693"/>
         </p:xfrm>
         <a:graphic>
           <a:graphicData uri="http://schemas.openxmlformats.org/drawingml/2006/chart">
@@ -11055,155 +11305,6 @@
     <p:extLst>
       <p:ext uri="{BB962C8B-B14F-4D97-AF65-F5344CB8AC3E}">
         <p14:creationId xmlns:p14="http://schemas.microsoft.com/office/powerpoint/2010/main" val="4030856589"/>
-      </p:ext>
-    </p:extLst>
-  </p:cSld>
-  <p:clrMapOvr>
-    <a:masterClrMapping/>
-  </p:clrMapOvr>
-  <p:transition>
-    <p:fade/>
-  </p:transition>
-</p:sld>
-</file>
-
-<file path=ppt/slides/slide11.xml><?xml version="1.0" encoding="utf-8"?>
-<p:sld xmlns:a="http://schemas.openxmlformats.org/drawingml/2006/main" xmlns:r="http://schemas.openxmlformats.org/officeDocument/2006/relationships" xmlns:p="http://schemas.openxmlformats.org/presentationml/2006/main">
-  <p:cSld>
-    <p:spTree>
-      <p:nvGrpSpPr>
-        <p:cNvPr id="1" name=""/>
-        <p:cNvGrpSpPr/>
-        <p:nvPr/>
-      </p:nvGrpSpPr>
-      <p:grpSpPr>
-        <a:xfrm>
-          <a:off x="0" y="0"/>
-          <a:ext cx="0" cy="0"/>
-          <a:chOff x="0" y="0"/>
-          <a:chExt cx="0" cy="0"/>
-        </a:xfrm>
-      </p:grpSpPr>
-      <p:sp>
-        <p:nvSpPr>
-          <p:cNvPr id="3" name="Date Placeholder 2"/>
-          <p:cNvSpPr>
-            <a:spLocks noGrp="1"/>
-          </p:cNvSpPr>
-          <p:nvPr>
-            <p:ph type="dt" sz="half" idx="10"/>
-          </p:nvPr>
-        </p:nvSpPr>
-        <p:spPr/>
-        <p:txBody>
-          <a:bodyPr/>
-          <a:lstStyle/>
-          <a:p>
-            <a:fld id="{FF15E650-2C9B-4E22-B544-79A90AB3DDC1}" type="datetime1">
-              <a:rPr lang="de-DE" smtClean="0"/>
-              <a:t>17.01.2023</a:t>
-            </a:fld>
-            <a:endParaRPr lang="de-DE"/>
-          </a:p>
-        </p:txBody>
-      </p:sp>
-      <p:sp>
-        <p:nvSpPr>
-          <p:cNvPr id="4" name="Footer Placeholder 3"/>
-          <p:cNvSpPr>
-            <a:spLocks noGrp="1"/>
-          </p:cNvSpPr>
-          <p:nvPr>
-            <p:ph type="ftr" sz="quarter" idx="11"/>
-          </p:nvPr>
-        </p:nvSpPr>
-        <p:spPr/>
-        <p:txBody>
-          <a:bodyPr/>
-          <a:lstStyle/>
-          <a:p>
-            <a:r>
-              <a:rPr lang="de-DE" smtClean="0"/>
-              <a:t>Shinde, Rhythima</a:t>
-            </a:r>
-            <a:endParaRPr lang="de-DE"/>
-          </a:p>
-        </p:txBody>
-      </p:sp>
-      <p:sp>
-        <p:nvSpPr>
-          <p:cNvPr id="5" name="Slide Number Placeholder 4"/>
-          <p:cNvSpPr>
-            <a:spLocks noGrp="1"/>
-          </p:cNvSpPr>
-          <p:nvPr>
-            <p:ph type="sldNum" sz="quarter" idx="12"/>
-          </p:nvPr>
-        </p:nvSpPr>
-        <p:spPr/>
-        <p:txBody>
-          <a:bodyPr/>
-          <a:lstStyle/>
-          <a:p>
-            <a:fld id="{6C6AE60A-B69C-4790-82F7-3882EDF23186}" type="slidenum">
-              <a:rPr lang="de-DE" smtClean="0"/>
-              <a:t>11</a:t>
-            </a:fld>
-            <a:endParaRPr lang="de-DE"/>
-          </a:p>
-        </p:txBody>
-      </p:sp>
-      <p:sp>
-        <p:nvSpPr>
-          <p:cNvPr id="6" name="Title 5"/>
-          <p:cNvSpPr>
-            <a:spLocks noGrp="1"/>
-          </p:cNvSpPr>
-          <p:nvPr>
-            <p:ph type="title"/>
-          </p:nvPr>
-        </p:nvSpPr>
-        <p:spPr/>
-        <p:txBody>
-          <a:bodyPr/>
-          <a:lstStyle/>
-          <a:p>
-            <a:r>
-              <a:rPr lang="en-US" dirty="0" smtClean="0"/>
-              <a:t>2. Embodied : components (Example building)</a:t>
-            </a:r>
-            <a:endParaRPr lang="en-US" dirty="0"/>
-          </a:p>
-        </p:txBody>
-      </p:sp>
-      <p:graphicFrame>
-        <p:nvGraphicFramePr>
-          <p:cNvPr id="9" name="Chart 8"/>
-          <p:cNvGraphicFramePr>
-            <a:graphicFrameLocks/>
-          </p:cNvGraphicFramePr>
-          <p:nvPr>
-            <p:extLst>
-              <p:ext uri="{D42A27DB-BD31-4B8C-83A1-F6EECF244321}">
-                <p14:modId xmlns:p14="http://schemas.microsoft.com/office/powerpoint/2010/main" val="603343493"/>
-              </p:ext>
-            </p:extLst>
-          </p:nvPr>
-        </p:nvGraphicFramePr>
-        <p:xfrm>
-          <a:off x="1198685" y="2118213"/>
-          <a:ext cx="6324600" cy="3981450"/>
-        </p:xfrm>
-        <a:graphic>
-          <a:graphicData uri="http://schemas.openxmlformats.org/drawingml/2006/chart">
-            <c:chart xmlns:c="http://schemas.openxmlformats.org/drawingml/2006/chart" xmlns:r="http://schemas.openxmlformats.org/officeDocument/2006/relationships" r:id="rId2"/>
-          </a:graphicData>
-        </a:graphic>
-      </p:graphicFrame>
-    </p:spTree>
-    <p:extLst>
-      <p:ext uri="{BB962C8B-B14F-4D97-AF65-F5344CB8AC3E}">
-        <p14:creationId xmlns:p14="http://schemas.microsoft.com/office/powerpoint/2010/main" val="2023348121"/>
       </p:ext>
     </p:extLst>
   </p:cSld>
@@ -11235,6 +11336,155 @@
       </p:grpSpPr>
       <p:sp>
         <p:nvSpPr>
+          <p:cNvPr id="3" name="Date Placeholder 2"/>
+          <p:cNvSpPr>
+            <a:spLocks noGrp="1"/>
+          </p:cNvSpPr>
+          <p:nvPr>
+            <p:ph type="dt" sz="half" idx="10"/>
+          </p:nvPr>
+        </p:nvSpPr>
+        <p:spPr/>
+        <p:txBody>
+          <a:bodyPr/>
+          <a:lstStyle/>
+          <a:p>
+            <a:fld id="{FF15E650-2C9B-4E22-B544-79A90AB3DDC1}" type="datetime1">
+              <a:rPr lang="de-DE" smtClean="0"/>
+              <a:t>19.01.2023</a:t>
+            </a:fld>
+            <a:endParaRPr lang="de-DE"/>
+          </a:p>
+        </p:txBody>
+      </p:sp>
+      <p:sp>
+        <p:nvSpPr>
+          <p:cNvPr id="4" name="Footer Placeholder 3"/>
+          <p:cNvSpPr>
+            <a:spLocks noGrp="1"/>
+          </p:cNvSpPr>
+          <p:nvPr>
+            <p:ph type="ftr" sz="quarter" idx="11"/>
+          </p:nvPr>
+        </p:nvSpPr>
+        <p:spPr/>
+        <p:txBody>
+          <a:bodyPr/>
+          <a:lstStyle/>
+          <a:p>
+            <a:r>
+              <a:rPr lang="de-DE" smtClean="0"/>
+              <a:t>Shinde, Rhythima</a:t>
+            </a:r>
+            <a:endParaRPr lang="de-DE"/>
+          </a:p>
+        </p:txBody>
+      </p:sp>
+      <p:sp>
+        <p:nvSpPr>
+          <p:cNvPr id="5" name="Slide Number Placeholder 4"/>
+          <p:cNvSpPr>
+            <a:spLocks noGrp="1"/>
+          </p:cNvSpPr>
+          <p:nvPr>
+            <p:ph type="sldNum" sz="quarter" idx="12"/>
+          </p:nvPr>
+        </p:nvSpPr>
+        <p:spPr/>
+        <p:txBody>
+          <a:bodyPr/>
+          <a:lstStyle/>
+          <a:p>
+            <a:fld id="{6C6AE60A-B69C-4790-82F7-3882EDF23186}" type="slidenum">
+              <a:rPr lang="de-DE" smtClean="0"/>
+              <a:t>12</a:t>
+            </a:fld>
+            <a:endParaRPr lang="de-DE"/>
+          </a:p>
+        </p:txBody>
+      </p:sp>
+      <p:sp>
+        <p:nvSpPr>
+          <p:cNvPr id="6" name="Title 5"/>
+          <p:cNvSpPr>
+            <a:spLocks noGrp="1"/>
+          </p:cNvSpPr>
+          <p:nvPr>
+            <p:ph type="title"/>
+          </p:nvPr>
+        </p:nvSpPr>
+        <p:spPr/>
+        <p:txBody>
+          <a:bodyPr/>
+          <a:lstStyle/>
+          <a:p>
+            <a:r>
+              <a:rPr lang="en-US" dirty="0" smtClean="0"/>
+              <a:t>2. Embodied : components (Example building)</a:t>
+            </a:r>
+            <a:endParaRPr lang="en-US" dirty="0"/>
+          </a:p>
+        </p:txBody>
+      </p:sp>
+      <p:graphicFrame>
+        <p:nvGraphicFramePr>
+          <p:cNvPr id="9" name="Chart 8"/>
+          <p:cNvGraphicFramePr>
+            <a:graphicFrameLocks/>
+          </p:cNvGraphicFramePr>
+          <p:nvPr>
+            <p:extLst>
+              <p:ext uri="{D42A27DB-BD31-4B8C-83A1-F6EECF244321}">
+                <p14:modId xmlns:p14="http://schemas.microsoft.com/office/powerpoint/2010/main" val="603343493"/>
+              </p:ext>
+            </p:extLst>
+          </p:nvPr>
+        </p:nvGraphicFramePr>
+        <p:xfrm>
+          <a:off x="1198685" y="2118213"/>
+          <a:ext cx="6324600" cy="3981450"/>
+        </p:xfrm>
+        <a:graphic>
+          <a:graphicData uri="http://schemas.openxmlformats.org/drawingml/2006/chart">
+            <c:chart xmlns:c="http://schemas.openxmlformats.org/drawingml/2006/chart" xmlns:r="http://schemas.openxmlformats.org/officeDocument/2006/relationships" r:id="rId2"/>
+          </a:graphicData>
+        </a:graphic>
+      </p:graphicFrame>
+    </p:spTree>
+    <p:extLst>
+      <p:ext uri="{BB962C8B-B14F-4D97-AF65-F5344CB8AC3E}">
+        <p14:creationId xmlns:p14="http://schemas.microsoft.com/office/powerpoint/2010/main" val="2023348121"/>
+      </p:ext>
+    </p:extLst>
+  </p:cSld>
+  <p:clrMapOvr>
+    <a:masterClrMapping/>
+  </p:clrMapOvr>
+  <p:transition>
+    <p:fade/>
+  </p:transition>
+</p:sld>
+</file>
+
+<file path=ppt/slides/slide13.xml><?xml version="1.0" encoding="utf-8"?>
+<p:sld xmlns:a="http://schemas.openxmlformats.org/drawingml/2006/main" xmlns:r="http://schemas.openxmlformats.org/officeDocument/2006/relationships" xmlns:p="http://schemas.openxmlformats.org/presentationml/2006/main">
+  <p:cSld>
+    <p:spTree>
+      <p:nvGrpSpPr>
+        <p:cNvPr id="1" name=""/>
+        <p:cNvGrpSpPr/>
+        <p:nvPr/>
+      </p:nvGrpSpPr>
+      <p:grpSpPr>
+        <a:xfrm>
+          <a:off x="0" y="0"/>
+          <a:ext cx="0" cy="0"/>
+          <a:chOff x="0" y="0"/>
+          <a:chExt cx="0" cy="0"/>
+        </a:xfrm>
+      </p:grpSpPr>
+      <p:sp>
+        <p:nvSpPr>
           <p:cNvPr id="2" name="Content Placeholder 1"/>
           <p:cNvSpPr>
             <a:spLocks noGrp="1"/>
@@ -11299,7 +11549,7 @@
           <a:p>
             <a:fld id="{FF15E650-2C9B-4E22-B544-79A90AB3DDC1}" type="datetime1">
               <a:rPr lang="de-DE" smtClean="0"/>
-              <a:t>17.01.2023</a:t>
+              <a:t>19.01.2023</a:t>
             </a:fld>
             <a:endParaRPr lang="de-DE"/>
           </a:p>
@@ -11345,7 +11595,7 @@
           <a:p>
             <a:fld id="{6C6AE60A-B69C-4790-82F7-3882EDF23186}" type="slidenum">
               <a:rPr lang="de-DE" smtClean="0"/>
-              <a:t>12</a:t>
+              <a:t>13</a:t>
             </a:fld>
             <a:endParaRPr lang="de-DE"/>
           </a:p>
@@ -11414,7 +11664,7 @@
 </p:sld>
 </file>
 
-<file path=ppt/slides/slide13.xml><?xml version="1.0" encoding="utf-8"?>
+<file path=ppt/slides/slide14.xml><?xml version="1.0" encoding="utf-8"?>
 <p:sld xmlns:a="http://schemas.openxmlformats.org/drawingml/2006/main" xmlns:r="http://schemas.openxmlformats.org/officeDocument/2006/relationships" xmlns:p="http://schemas.openxmlformats.org/presentationml/2006/main">
   <p:cSld>
     <p:spTree>
@@ -11448,7 +11698,7 @@
           <a:p>
             <a:fld id="{FF15E650-2C9B-4E22-B544-79A90AB3DDC1}" type="datetime1">
               <a:rPr lang="de-DE" smtClean="0"/>
-              <a:t>17.01.2023</a:t>
+              <a:t>19.01.2023</a:t>
             </a:fld>
             <a:endParaRPr lang="de-DE"/>
           </a:p>
@@ -11494,7 +11744,7 @@
           <a:p>
             <a:fld id="{6C6AE60A-B69C-4790-82F7-3882EDF23186}" type="slidenum">
               <a:rPr lang="de-DE" smtClean="0"/>
-              <a:t>13</a:t>
+              <a:t>14</a:t>
             </a:fld>
             <a:endParaRPr lang="de-DE"/>
           </a:p>
@@ -11808,7 +12058,7 @@
 </p:sld>
 </file>
 
-<file path=ppt/slides/slide14.xml><?xml version="1.0" encoding="utf-8"?>
+<file path=ppt/slides/slide15.xml><?xml version="1.0" encoding="utf-8"?>
 <p:sld xmlns:a="http://schemas.openxmlformats.org/drawingml/2006/main" xmlns:r="http://schemas.openxmlformats.org/officeDocument/2006/relationships" xmlns:p="http://schemas.openxmlformats.org/presentationml/2006/main">
   <p:cSld>
     <p:spTree>
@@ -11865,7 +12115,7 @@
           <a:p>
             <a:fld id="{FF15E650-2C9B-4E22-B544-79A90AB3DDC1}" type="datetime1">
               <a:rPr lang="de-DE" smtClean="0"/>
-              <a:t>17.01.2023</a:t>
+              <a:t>19.01.2023</a:t>
             </a:fld>
             <a:endParaRPr lang="de-DE"/>
           </a:p>
@@ -11911,7 +12161,7 @@
           <a:p>
             <a:fld id="{6C6AE60A-B69C-4790-82F7-3882EDF23186}" type="slidenum">
               <a:rPr lang="de-DE" smtClean="0"/>
-              <a:t>14</a:t>
+              <a:t>15</a:t>
             </a:fld>
             <a:endParaRPr lang="de-DE"/>
           </a:p>
@@ -12029,156 +12279,6 @@
 </p:sld>
 </file>
 
-<file path=ppt/slides/slide15.xml><?xml version="1.0" encoding="utf-8"?>
-<p:sld xmlns:a="http://schemas.openxmlformats.org/drawingml/2006/main" xmlns:r="http://schemas.openxmlformats.org/officeDocument/2006/relationships" xmlns:p="http://schemas.openxmlformats.org/presentationml/2006/main">
-  <p:cSld>
-    <p:spTree>
-      <p:nvGrpSpPr>
-        <p:cNvPr id="1" name=""/>
-        <p:cNvGrpSpPr/>
-        <p:nvPr/>
-      </p:nvGrpSpPr>
-      <p:grpSpPr>
-        <a:xfrm>
-          <a:off x="0" y="0"/>
-          <a:ext cx="0" cy="0"/>
-          <a:chOff x="0" y="0"/>
-          <a:chExt cx="0" cy="0"/>
-        </a:xfrm>
-      </p:grpSpPr>
-      <p:sp>
-        <p:nvSpPr>
-          <p:cNvPr id="3" name="Date Placeholder 2"/>
-          <p:cNvSpPr>
-            <a:spLocks noGrp="1"/>
-          </p:cNvSpPr>
-          <p:nvPr>
-            <p:ph type="dt" sz="half" idx="10"/>
-          </p:nvPr>
-        </p:nvSpPr>
-        <p:spPr/>
-        <p:txBody>
-          <a:bodyPr/>
-          <a:lstStyle/>
-          <a:p>
-            <a:fld id="{FF15E650-2C9B-4E22-B544-79A90AB3DDC1}" type="datetime1">
-              <a:rPr lang="de-DE" smtClean="0"/>
-              <a:t>17.01.2023</a:t>
-            </a:fld>
-            <a:endParaRPr lang="de-DE"/>
-          </a:p>
-        </p:txBody>
-      </p:sp>
-      <p:sp>
-        <p:nvSpPr>
-          <p:cNvPr id="4" name="Footer Placeholder 3"/>
-          <p:cNvSpPr>
-            <a:spLocks noGrp="1"/>
-          </p:cNvSpPr>
-          <p:nvPr>
-            <p:ph type="ftr" sz="quarter" idx="11"/>
-          </p:nvPr>
-        </p:nvSpPr>
-        <p:spPr/>
-        <p:txBody>
-          <a:bodyPr/>
-          <a:lstStyle/>
-          <a:p>
-            <a:r>
-              <a:rPr lang="de-DE" smtClean="0"/>
-              <a:t>Shinde, Rhythima</a:t>
-            </a:r>
-            <a:endParaRPr lang="de-DE"/>
-          </a:p>
-        </p:txBody>
-      </p:sp>
-      <p:sp>
-        <p:nvSpPr>
-          <p:cNvPr id="5" name="Slide Number Placeholder 4"/>
-          <p:cNvSpPr>
-            <a:spLocks noGrp="1"/>
-          </p:cNvSpPr>
-          <p:nvPr>
-            <p:ph type="sldNum" sz="quarter" idx="12"/>
-          </p:nvPr>
-        </p:nvSpPr>
-        <p:spPr/>
-        <p:txBody>
-          <a:bodyPr/>
-          <a:lstStyle/>
-          <a:p>
-            <a:fld id="{6C6AE60A-B69C-4790-82F7-3882EDF23186}" type="slidenum">
-              <a:rPr lang="de-DE" smtClean="0"/>
-              <a:t>15</a:t>
-            </a:fld>
-            <a:endParaRPr lang="de-DE"/>
-          </a:p>
-        </p:txBody>
-      </p:sp>
-      <p:sp>
-        <p:nvSpPr>
-          <p:cNvPr id="6" name="Title 5"/>
-          <p:cNvSpPr>
-            <a:spLocks noGrp="1"/>
-          </p:cNvSpPr>
-          <p:nvPr>
-            <p:ph type="title"/>
-          </p:nvPr>
-        </p:nvSpPr>
-        <p:spPr/>
-        <p:txBody>
-          <a:bodyPr/>
-          <a:lstStyle/>
-          <a:p>
-            <a:r>
-              <a:rPr lang="en-US" dirty="0" smtClean="0"/>
-              <a:t>3. Operational emissions : space heating + ventilation + hot water</a:t>
-            </a:r>
-            <a:endParaRPr lang="en-US" dirty="0"/>
-          </a:p>
-        </p:txBody>
-      </p:sp>
-      <p:graphicFrame>
-        <p:nvGraphicFramePr>
-          <p:cNvPr id="8" name="Content Placeholder 7"/>
-          <p:cNvGraphicFramePr>
-            <a:graphicFrameLocks noGrp="1"/>
-          </p:cNvGraphicFramePr>
-          <p:nvPr>
-            <p:ph idx="1"/>
-            <p:extLst>
-              <p:ext uri="{D42A27DB-BD31-4B8C-83A1-F6EECF244321}">
-                <p14:modId xmlns:p14="http://schemas.microsoft.com/office/powerpoint/2010/main" val="3160185675"/>
-              </p:ext>
-            </p:extLst>
-          </p:nvPr>
-        </p:nvGraphicFramePr>
-        <p:xfrm>
-          <a:off x="323850" y="2024063"/>
-          <a:ext cx="8496300" cy="4210050"/>
-        </p:xfrm>
-        <a:graphic>
-          <a:graphicData uri="http://schemas.openxmlformats.org/drawingml/2006/chart">
-            <c:chart xmlns:c="http://schemas.openxmlformats.org/drawingml/2006/chart" xmlns:r="http://schemas.openxmlformats.org/officeDocument/2006/relationships" r:id="rId2"/>
-          </a:graphicData>
-        </a:graphic>
-      </p:graphicFrame>
-    </p:spTree>
-    <p:extLst>
-      <p:ext uri="{BB962C8B-B14F-4D97-AF65-F5344CB8AC3E}">
-        <p14:creationId xmlns:p14="http://schemas.microsoft.com/office/powerpoint/2010/main" val="4133344821"/>
-      </p:ext>
-    </p:extLst>
-  </p:cSld>
-  <p:clrMapOvr>
-    <a:masterClrMapping/>
-  </p:clrMapOvr>
-  <p:transition>
-    <p:fade/>
-  </p:transition>
-</p:sld>
-</file>
-
 <file path=ppt/slides/slide16.xml><?xml version="1.0" encoding="utf-8"?>
 <p:sld xmlns:a="http://schemas.openxmlformats.org/drawingml/2006/main" xmlns:r="http://schemas.openxmlformats.org/officeDocument/2006/relationships" xmlns:p="http://schemas.openxmlformats.org/presentationml/2006/main">
   <p:cSld>
@@ -12213,7 +12313,7 @@
           <a:p>
             <a:fld id="{FF15E650-2C9B-4E22-B544-79A90AB3DDC1}" type="datetime1">
               <a:rPr lang="de-DE" smtClean="0"/>
-              <a:t>17.01.2023</a:t>
+              <a:t>19.01.2023</a:t>
             </a:fld>
             <a:endParaRPr lang="de-DE"/>
           </a:p>
@@ -12282,22 +12382,7 @@
           <a:p>
             <a:r>
               <a:rPr lang="en-US" dirty="0" smtClean="0"/>
-              <a:t>3. Operational</a:t>
-            </a:r>
-            <a:r>
-              <a:rPr lang="en-US" dirty="0"/>
-              <a:t> </a:t>
-            </a:r>
-            <a:r>
-              <a:rPr lang="en-US" dirty="0" smtClean="0"/>
-              <a:t>: all components </a:t>
-            </a:r>
-            <a:br>
-              <a:rPr lang="en-US" dirty="0" smtClean="0"/>
-            </a:br>
-            <a:r>
-              <a:rPr lang="en-US" dirty="0" smtClean="0"/>
-              <a:t>(example building)</a:t>
+              <a:t>3. Operational emissions : space heating + ventilation + hot water</a:t>
             </a:r>
             <a:endParaRPr lang="en-US" dirty="0"/>
           </a:p>
@@ -12305,21 +12390,22 @@
       </p:sp>
       <p:graphicFrame>
         <p:nvGraphicFramePr>
-          <p:cNvPr id="8" name="Chart 7"/>
+          <p:cNvPr id="8" name="Content Placeholder 7"/>
           <p:cNvGraphicFramePr>
-            <a:graphicFrameLocks/>
+            <a:graphicFrameLocks noGrp="1"/>
           </p:cNvGraphicFramePr>
           <p:nvPr>
+            <p:ph idx="1"/>
             <p:extLst>
               <p:ext uri="{D42A27DB-BD31-4B8C-83A1-F6EECF244321}">
-                <p14:modId xmlns:p14="http://schemas.microsoft.com/office/powerpoint/2010/main" val="321563292"/>
+                <p14:modId xmlns:p14="http://schemas.microsoft.com/office/powerpoint/2010/main" val="3160185675"/>
               </p:ext>
             </p:extLst>
           </p:nvPr>
         </p:nvGraphicFramePr>
         <p:xfrm>
-          <a:off x="1409700" y="2080846"/>
-          <a:ext cx="5665177" cy="3634153"/>
+          <a:off x="323850" y="2024063"/>
+          <a:ext cx="8496300" cy="4210050"/>
         </p:xfrm>
         <a:graphic>
           <a:graphicData uri="http://schemas.openxmlformats.org/drawingml/2006/chart">
@@ -12330,7 +12416,7 @@
     </p:spTree>
     <p:extLst>
       <p:ext uri="{BB962C8B-B14F-4D97-AF65-F5344CB8AC3E}">
-        <p14:creationId xmlns:p14="http://schemas.microsoft.com/office/powerpoint/2010/main" val="2402256300"/>
+        <p14:creationId xmlns:p14="http://schemas.microsoft.com/office/powerpoint/2010/main" val="4133344821"/>
       </p:ext>
     </p:extLst>
   </p:cSld>
@@ -12362,12 +12448,12 @@
       </p:grpSpPr>
       <p:sp>
         <p:nvSpPr>
-          <p:cNvPr id="2" name="Content Placeholder 1"/>
+          <p:cNvPr id="3" name="Date Placeholder 2"/>
           <p:cNvSpPr>
             <a:spLocks noGrp="1"/>
           </p:cNvSpPr>
           <p:nvPr>
-            <p:ph idx="1"/>
+            <p:ph type="dt" sz="half" idx="10"/>
           </p:nvPr>
         </p:nvSpPr>
         <p:spPr/>
@@ -12375,45 +12461,9 @@
           <a:bodyPr/>
           <a:lstStyle/>
           <a:p>
-            <a:r>
-              <a:rPr lang="en-US" dirty="0" smtClean="0"/>
-              <a:t>Figure 1 + Table 1 </a:t>
-            </a:r>
-          </a:p>
-          <a:p>
-            <a:pPr lvl="1"/>
-            <a:r>
-              <a:rPr lang="en-US" dirty="0" smtClean="0"/>
-              <a:t>Dimensions of building components </a:t>
-            </a:r>
-          </a:p>
-          <a:p>
-            <a:r>
-              <a:rPr lang="en-US" dirty="0" smtClean="0"/>
-              <a:t>Ventilation data and updates </a:t>
-            </a:r>
-            <a:endParaRPr lang="en-US" dirty="0"/>
-          </a:p>
-        </p:txBody>
-      </p:sp>
-      <p:sp>
-        <p:nvSpPr>
-          <p:cNvPr id="3" name="Date Placeholder 2"/>
-          <p:cNvSpPr>
-            <a:spLocks noGrp="1"/>
-          </p:cNvSpPr>
-          <p:nvPr>
-            <p:ph type="dt" sz="half" idx="10"/>
-          </p:nvPr>
-        </p:nvSpPr>
-        <p:spPr/>
-        <p:txBody>
-          <a:bodyPr/>
-          <a:lstStyle/>
-          <a:p>
             <a:fld id="{FF15E650-2C9B-4E22-B544-79A90AB3DDC1}" type="datetime1">
               <a:rPr lang="de-DE" smtClean="0"/>
-              <a:t>17.01.2023</a:t>
+              <a:t>19.01.2023</a:t>
             </a:fld>
             <a:endParaRPr lang="de-DE"/>
           </a:p>
@@ -12482,16 +12532,55 @@
           <a:p>
             <a:r>
               <a:rPr lang="en-US" dirty="0" smtClean="0"/>
-              <a:t>Comments Section 2-4</a:t>
+              <a:t>3. Operational</a:t>
+            </a:r>
+            <a:r>
+              <a:rPr lang="en-US" dirty="0"/>
+              <a:t> </a:t>
+            </a:r>
+            <a:r>
+              <a:rPr lang="en-US" dirty="0" smtClean="0"/>
+              <a:t>: all components </a:t>
+            </a:r>
+            <a:br>
+              <a:rPr lang="en-US" dirty="0" smtClean="0"/>
+            </a:br>
+            <a:r>
+              <a:rPr lang="en-US" dirty="0" smtClean="0"/>
+              <a:t>(example building)</a:t>
             </a:r>
             <a:endParaRPr lang="en-US" dirty="0"/>
           </a:p>
         </p:txBody>
       </p:sp>
+      <p:graphicFrame>
+        <p:nvGraphicFramePr>
+          <p:cNvPr id="8" name="Chart 7"/>
+          <p:cNvGraphicFramePr>
+            <a:graphicFrameLocks/>
+          </p:cNvGraphicFramePr>
+          <p:nvPr>
+            <p:extLst>
+              <p:ext uri="{D42A27DB-BD31-4B8C-83A1-F6EECF244321}">
+                <p14:modId xmlns:p14="http://schemas.microsoft.com/office/powerpoint/2010/main" val="321563292"/>
+              </p:ext>
+            </p:extLst>
+          </p:nvPr>
+        </p:nvGraphicFramePr>
+        <p:xfrm>
+          <a:off x="1409700" y="2080846"/>
+          <a:ext cx="5665177" cy="3634153"/>
+        </p:xfrm>
+        <a:graphic>
+          <a:graphicData uri="http://schemas.openxmlformats.org/drawingml/2006/chart">
+            <c:chart xmlns:c="http://schemas.openxmlformats.org/drawingml/2006/chart" xmlns:r="http://schemas.openxmlformats.org/officeDocument/2006/relationships" r:id="rId2"/>
+          </a:graphicData>
+        </a:graphic>
+      </p:graphicFrame>
     </p:spTree>
     <p:extLst>
       <p:ext uri="{BB962C8B-B14F-4D97-AF65-F5344CB8AC3E}">
-        <p14:creationId xmlns:p14="http://schemas.microsoft.com/office/powerpoint/2010/main" val="565144384"/>
+        <p14:creationId xmlns:p14="http://schemas.microsoft.com/office/powerpoint/2010/main" val="2402256300"/>
       </p:ext>
     </p:extLst>
   </p:cSld>
@@ -12538,33 +12627,20 @@
           <a:p>
             <a:r>
               <a:rPr lang="en-US" dirty="0" smtClean="0"/>
-              <a:t>Internal walls removed </a:t>
-            </a:r>
-          </a:p>
-          <a:p>
-            <a:r>
-              <a:rPr lang="en-US" dirty="0" smtClean="0"/>
-              <a:t>U Values rechecked</a:t>
+              <a:t>Figure 1 + Table 1 </a:t>
             </a:r>
           </a:p>
           <a:p>
             <a:pPr lvl="1"/>
             <a:r>
               <a:rPr lang="en-US" dirty="0" smtClean="0"/>
-              <a:t>Some large values for buildings estimated with high space heating demands</a:t>
+              <a:t>Dimensions of building components </a:t>
             </a:r>
           </a:p>
           <a:p>
-            <a:pPr lvl="1"/>
             <a:r>
               <a:rPr lang="en-US" dirty="0" smtClean="0"/>
-              <a:t>Rechecked for the given values vs calculated – which one to use? </a:t>
-            </a:r>
-          </a:p>
-          <a:p>
-            <a:r>
-              <a:rPr lang="en-US" dirty="0" smtClean="0"/>
-              <a:t>U Values windows updates</a:t>
+              <a:t>Ventilation data and updates </a:t>
             </a:r>
             <a:endParaRPr lang="en-US" dirty="0"/>
           </a:p>
@@ -12587,7 +12663,7 @@
           <a:p>
             <a:fld id="{FF15E650-2C9B-4E22-B544-79A90AB3DDC1}" type="datetime1">
               <a:rPr lang="de-DE" smtClean="0"/>
-              <a:t>17.01.2023</a:t>
+              <a:t>19.01.2023</a:t>
             </a:fld>
             <a:endParaRPr lang="de-DE"/>
           </a:p>
@@ -12656,7 +12732,7 @@
           <a:p>
             <a:r>
               <a:rPr lang="en-US" dirty="0" smtClean="0"/>
-              <a:t>U values results</a:t>
+              <a:t>Comments Section 2-4</a:t>
             </a:r>
             <a:endParaRPr lang="en-US" dirty="0"/>
           </a:p>
@@ -12665,7 +12741,7 @@
     </p:spTree>
     <p:extLst>
       <p:ext uri="{BB962C8B-B14F-4D97-AF65-F5344CB8AC3E}">
-        <p14:creationId xmlns:p14="http://schemas.microsoft.com/office/powerpoint/2010/main" val="1024277250"/>
+        <p14:creationId xmlns:p14="http://schemas.microsoft.com/office/powerpoint/2010/main" val="565144384"/>
       </p:ext>
     </p:extLst>
   </p:cSld>
@@ -12712,27 +12788,33 @@
           <a:p>
             <a:r>
               <a:rPr lang="en-US" dirty="0" smtClean="0"/>
-              <a:t>All results presented </a:t>
+              <a:t>Internal walls removed </a:t>
             </a:r>
           </a:p>
           <a:p>
             <a:r>
               <a:rPr lang="en-US" dirty="0" smtClean="0"/>
-              <a:t>Significant p values shown for given </a:t>
+              <a:t>U Values rechecked</a:t>
             </a:r>
           </a:p>
           <a:p>
+            <a:pPr lvl="1"/>
             <a:r>
               <a:rPr lang="en-US" dirty="0" smtClean="0"/>
-              <a:t>Same p values against </a:t>
+              <a:t>Some large values for buildings estimated with high space heating demands</a:t>
             </a:r>
-            <a:r>
-              <a:rPr lang="en-US" dirty="0" err="1" smtClean="0"/>
-              <a:t>buffat</a:t>
-            </a:r>
+          </a:p>
+          <a:p>
+            <a:pPr lvl="1"/>
             <a:r>
               <a:rPr lang="en-US" dirty="0" smtClean="0"/>
-              <a:t> </a:t>
+              <a:t>Rechecked for the given values vs calculated – which one to use? </a:t>
+            </a:r>
+          </a:p>
+          <a:p>
+            <a:r>
+              <a:rPr lang="en-US" dirty="0" smtClean="0"/>
+              <a:t>U Values windows updates</a:t>
             </a:r>
             <a:endParaRPr lang="en-US" dirty="0"/>
           </a:p>
@@ -12755,7 +12837,7 @@
           <a:p>
             <a:fld id="{FF15E650-2C9B-4E22-B544-79A90AB3DDC1}" type="datetime1">
               <a:rPr lang="de-DE" smtClean="0"/>
-              <a:t>17.01.2023</a:t>
+              <a:t>19.01.2023</a:t>
             </a:fld>
             <a:endParaRPr lang="de-DE"/>
           </a:p>
@@ -12824,7 +12906,7 @@
           <a:p>
             <a:r>
               <a:rPr lang="en-US" dirty="0" smtClean="0"/>
-              <a:t>U Values writings</a:t>
+              <a:t>U values results</a:t>
             </a:r>
             <a:endParaRPr lang="en-US" dirty="0"/>
           </a:p>
@@ -12833,7 +12915,7 @@
     </p:spTree>
     <p:extLst>
       <p:ext uri="{BB962C8B-B14F-4D97-AF65-F5344CB8AC3E}">
-        <p14:creationId xmlns:p14="http://schemas.microsoft.com/office/powerpoint/2010/main" val="2629382120"/>
+        <p14:creationId xmlns:p14="http://schemas.microsoft.com/office/powerpoint/2010/main" val="1024277250"/>
       </p:ext>
     </p:extLst>
   </p:cSld>
@@ -14156,7 +14238,7 @@
           <a:p>
             <a:fld id="{A02690AB-37C5-464E-B999-AEA04CFF82B9}" type="datetime1">
               <a:rPr lang="de-DE" smtClean="0"/>
-              <a:t>17.01.2023</a:t>
+              <a:t>19.01.2023</a:t>
             </a:fld>
             <a:endParaRPr lang="de-DE" dirty="0"/>
           </a:p>
@@ -14284,7 +14366,31 @@
           <a:bodyPr/>
           <a:lstStyle/>
           <a:p>
-            <a:endParaRPr lang="en-US"/>
+            <a:r>
+              <a:rPr lang="en-US" dirty="0" smtClean="0"/>
+              <a:t>All results presented </a:t>
+            </a:r>
+          </a:p>
+          <a:p>
+            <a:r>
+              <a:rPr lang="en-US" dirty="0" smtClean="0"/>
+              <a:t>Significant p values shown for given </a:t>
+            </a:r>
+          </a:p>
+          <a:p>
+            <a:r>
+              <a:rPr lang="en-US" dirty="0" smtClean="0"/>
+              <a:t>Same p values against </a:t>
+            </a:r>
+            <a:r>
+              <a:rPr lang="en-US" dirty="0" err="1" smtClean="0"/>
+              <a:t>buffat</a:t>
+            </a:r>
+            <a:r>
+              <a:rPr lang="en-US" dirty="0" smtClean="0"/>
+              <a:t> </a:t>
+            </a:r>
+            <a:endParaRPr lang="en-US" dirty="0"/>
           </a:p>
         </p:txBody>
       </p:sp>
@@ -14305,7 +14411,7 @@
           <a:p>
             <a:fld id="{FF15E650-2C9B-4E22-B544-79A90AB3DDC1}" type="datetime1">
               <a:rPr lang="de-DE" smtClean="0"/>
-              <a:t>17.01.2023</a:t>
+              <a:t>19.01.2023</a:t>
             </a:fld>
             <a:endParaRPr lang="de-DE"/>
           </a:p>
@@ -14374,7 +14480,7 @@
           <a:p>
             <a:r>
               <a:rPr lang="en-US" dirty="0" smtClean="0"/>
-              <a:t>Heat demand results </a:t>
+              <a:t>U Values writings</a:t>
             </a:r>
             <a:endParaRPr lang="en-US" dirty="0"/>
           </a:p>
@@ -14383,7 +14489,7 @@
     </p:spTree>
     <p:extLst>
       <p:ext uri="{BB962C8B-B14F-4D97-AF65-F5344CB8AC3E}">
-        <p14:creationId xmlns:p14="http://schemas.microsoft.com/office/powerpoint/2010/main" val="1444110928"/>
+        <p14:creationId xmlns:p14="http://schemas.microsoft.com/office/powerpoint/2010/main" val="2629382120"/>
       </p:ext>
     </p:extLst>
   </p:cSld>
@@ -14449,7 +14555,7 @@
           <a:p>
             <a:fld id="{FF15E650-2C9B-4E22-B544-79A90AB3DDC1}" type="datetime1">
               <a:rPr lang="de-DE" smtClean="0"/>
-              <a:t>17.01.2023</a:t>
+              <a:t>19.01.2023</a:t>
             </a:fld>
             <a:endParaRPr lang="de-DE"/>
           </a:p>
@@ -14518,7 +14624,7 @@
           <a:p>
             <a:r>
               <a:rPr lang="en-US" dirty="0" smtClean="0"/>
-              <a:t>Heat demand writings</a:t>
+              <a:t>Heat demand results </a:t>
             </a:r>
             <a:endParaRPr lang="en-US" dirty="0"/>
           </a:p>
@@ -14527,7 +14633,7 @@
     </p:spTree>
     <p:extLst>
       <p:ext uri="{BB962C8B-B14F-4D97-AF65-F5344CB8AC3E}">
-        <p14:creationId xmlns:p14="http://schemas.microsoft.com/office/powerpoint/2010/main" val="296182105"/>
+        <p14:creationId xmlns:p14="http://schemas.microsoft.com/office/powerpoint/2010/main" val="1444110928"/>
       </p:ext>
     </p:extLst>
   </p:cSld>
@@ -14593,7 +14699,7 @@
           <a:p>
             <a:fld id="{FF15E650-2C9B-4E22-B544-79A90AB3DDC1}" type="datetime1">
               <a:rPr lang="de-DE" smtClean="0"/>
-              <a:t>17.01.2023</a:t>
+              <a:t>19.01.2023</a:t>
             </a:fld>
             <a:endParaRPr lang="de-DE"/>
           </a:p>
@@ -14662,7 +14768,7 @@
           <a:p>
             <a:r>
               <a:rPr lang="en-US" dirty="0" smtClean="0"/>
-              <a:t>LCA results</a:t>
+              <a:t>Heat demand writings</a:t>
             </a:r>
             <a:endParaRPr lang="en-US" dirty="0"/>
           </a:p>
@@ -14671,7 +14777,7 @@
     </p:spTree>
     <p:extLst>
       <p:ext uri="{BB962C8B-B14F-4D97-AF65-F5344CB8AC3E}">
-        <p14:creationId xmlns:p14="http://schemas.microsoft.com/office/powerpoint/2010/main" val="1406383392"/>
+        <p14:creationId xmlns:p14="http://schemas.microsoft.com/office/powerpoint/2010/main" val="296182105"/>
       </p:ext>
     </p:extLst>
   </p:cSld>
@@ -14737,7 +14843,7 @@
           <a:p>
             <a:fld id="{FF15E650-2C9B-4E22-B544-79A90AB3DDC1}" type="datetime1">
               <a:rPr lang="de-DE" smtClean="0"/>
-              <a:t>17.01.2023</a:t>
+              <a:t>19.01.2023</a:t>
             </a:fld>
             <a:endParaRPr lang="de-DE"/>
           </a:p>
@@ -14806,7 +14912,7 @@
           <a:p>
             <a:r>
               <a:rPr lang="en-US" dirty="0" smtClean="0"/>
-              <a:t>LCA writings</a:t>
+              <a:t>LCA results</a:t>
             </a:r>
             <a:endParaRPr lang="en-US" dirty="0"/>
           </a:p>
@@ -14815,7 +14921,7 @@
     </p:spTree>
     <p:extLst>
       <p:ext uri="{BB962C8B-B14F-4D97-AF65-F5344CB8AC3E}">
-        <p14:creationId xmlns:p14="http://schemas.microsoft.com/office/powerpoint/2010/main" val="3052739354"/>
+        <p14:creationId xmlns:p14="http://schemas.microsoft.com/office/powerpoint/2010/main" val="1406383392"/>
       </p:ext>
     </p:extLst>
   </p:cSld>
@@ -14860,6 +14966,150 @@
           <a:bodyPr/>
           <a:lstStyle/>
           <a:p>
+            <a:endParaRPr lang="en-US"/>
+          </a:p>
+        </p:txBody>
+      </p:sp>
+      <p:sp>
+        <p:nvSpPr>
+          <p:cNvPr id="3" name="Date Placeholder 2"/>
+          <p:cNvSpPr>
+            <a:spLocks noGrp="1"/>
+          </p:cNvSpPr>
+          <p:nvPr>
+            <p:ph type="dt" sz="half" idx="10"/>
+          </p:nvPr>
+        </p:nvSpPr>
+        <p:spPr/>
+        <p:txBody>
+          <a:bodyPr/>
+          <a:lstStyle/>
+          <a:p>
+            <a:fld id="{FF15E650-2C9B-4E22-B544-79A90AB3DDC1}" type="datetime1">
+              <a:rPr lang="de-DE" smtClean="0"/>
+              <a:t>19.01.2023</a:t>
+            </a:fld>
+            <a:endParaRPr lang="de-DE"/>
+          </a:p>
+        </p:txBody>
+      </p:sp>
+      <p:sp>
+        <p:nvSpPr>
+          <p:cNvPr id="4" name="Footer Placeholder 3"/>
+          <p:cNvSpPr>
+            <a:spLocks noGrp="1"/>
+          </p:cNvSpPr>
+          <p:nvPr>
+            <p:ph type="ftr" sz="quarter" idx="11"/>
+          </p:nvPr>
+        </p:nvSpPr>
+        <p:spPr/>
+        <p:txBody>
+          <a:bodyPr/>
+          <a:lstStyle/>
+          <a:p>
+            <a:r>
+              <a:rPr lang="de-DE" smtClean="0"/>
+              <a:t>Shinde, Rhythima</a:t>
+            </a:r>
+            <a:endParaRPr lang="de-DE"/>
+          </a:p>
+        </p:txBody>
+      </p:sp>
+      <p:sp>
+        <p:nvSpPr>
+          <p:cNvPr id="5" name="Slide Number Placeholder 4"/>
+          <p:cNvSpPr>
+            <a:spLocks noGrp="1"/>
+          </p:cNvSpPr>
+          <p:nvPr>
+            <p:ph type="sldNum" sz="quarter" idx="12"/>
+          </p:nvPr>
+        </p:nvSpPr>
+        <p:spPr/>
+        <p:txBody>
+          <a:bodyPr/>
+          <a:lstStyle/>
+          <a:p>
+            <a:fld id="{6C6AE60A-B69C-4790-82F7-3882EDF23186}" type="slidenum">
+              <a:rPr lang="de-DE" smtClean="0"/>
+              <a:t>24</a:t>
+            </a:fld>
+            <a:endParaRPr lang="de-DE"/>
+          </a:p>
+        </p:txBody>
+      </p:sp>
+      <p:sp>
+        <p:nvSpPr>
+          <p:cNvPr id="6" name="Title 5"/>
+          <p:cNvSpPr>
+            <a:spLocks noGrp="1"/>
+          </p:cNvSpPr>
+          <p:nvPr>
+            <p:ph type="title"/>
+          </p:nvPr>
+        </p:nvSpPr>
+        <p:spPr/>
+        <p:txBody>
+          <a:bodyPr/>
+          <a:lstStyle/>
+          <a:p>
+            <a:r>
+              <a:rPr lang="en-US" dirty="0" smtClean="0"/>
+              <a:t>LCA writings</a:t>
+            </a:r>
+            <a:endParaRPr lang="en-US" dirty="0"/>
+          </a:p>
+        </p:txBody>
+      </p:sp>
+    </p:spTree>
+    <p:extLst>
+      <p:ext uri="{BB962C8B-B14F-4D97-AF65-F5344CB8AC3E}">
+        <p14:creationId xmlns:p14="http://schemas.microsoft.com/office/powerpoint/2010/main" val="3052739354"/>
+      </p:ext>
+    </p:extLst>
+  </p:cSld>
+  <p:clrMapOvr>
+    <a:masterClrMapping/>
+  </p:clrMapOvr>
+  <p:transition>
+    <p:fade/>
+  </p:transition>
+</p:sld>
+</file>
+
+<file path=ppt/slides/slide25.xml><?xml version="1.0" encoding="utf-8"?>
+<p:sld xmlns:a="http://schemas.openxmlformats.org/drawingml/2006/main" xmlns:r="http://schemas.openxmlformats.org/officeDocument/2006/relationships" xmlns:p="http://schemas.openxmlformats.org/presentationml/2006/main">
+  <p:cSld>
+    <p:spTree>
+      <p:nvGrpSpPr>
+        <p:cNvPr id="1" name=""/>
+        <p:cNvGrpSpPr/>
+        <p:nvPr/>
+      </p:nvGrpSpPr>
+      <p:grpSpPr>
+        <a:xfrm>
+          <a:off x="0" y="0"/>
+          <a:ext cx="0" cy="0"/>
+          <a:chOff x="0" y="0"/>
+          <a:chExt cx="0" cy="0"/>
+        </a:xfrm>
+      </p:grpSpPr>
+      <p:sp>
+        <p:nvSpPr>
+          <p:cNvPr id="2" name="Content Placeholder 1"/>
+          <p:cNvSpPr>
+            <a:spLocks noGrp="1"/>
+          </p:cNvSpPr>
+          <p:nvPr>
+            <p:ph idx="1"/>
+          </p:nvPr>
+        </p:nvSpPr>
+        <p:spPr/>
+        <p:txBody>
+          <a:bodyPr/>
+          <a:lstStyle/>
+          <a:p>
             <a:pPr marL="0" indent="0">
               <a:buNone/>
             </a:pPr>
@@ -14996,7 +15246,7 @@
           <a:p>
             <a:fld id="{FF15E650-2C9B-4E22-B544-79A90AB3DDC1}" type="datetime1">
               <a:rPr lang="de-DE" smtClean="0"/>
-              <a:t>17.01.2023</a:t>
+              <a:t>19.01.2023</a:t>
             </a:fld>
             <a:endParaRPr lang="de-DE"/>
           </a:p>
@@ -15042,7 +15292,7 @@
           <a:p>
             <a:fld id="{6C6AE60A-B69C-4790-82F7-3882EDF23186}" type="slidenum">
               <a:rPr lang="de-DE" smtClean="0"/>
-              <a:t>24</a:t>
+              <a:t>25</a:t>
             </a:fld>
             <a:endParaRPr lang="de-DE"/>
           </a:p>
@@ -15087,7 +15337,7 @@
 </p:sld>
 </file>
 
-<file path=ppt/slides/slide25.xml><?xml version="1.0" encoding="utf-8"?>
+<file path=ppt/slides/slide26.xml><?xml version="1.0" encoding="utf-8"?>
 <p:sld xmlns:a="http://schemas.openxmlformats.org/drawingml/2006/main" xmlns:r="http://schemas.openxmlformats.org/officeDocument/2006/relationships" xmlns:p="http://schemas.openxmlformats.org/presentationml/2006/main">
   <p:cSld>
     <p:spTree>
@@ -15171,7 +15421,7 @@
           <a:p>
             <a:fld id="{FF15E650-2C9B-4E22-B544-79A90AB3DDC1}" type="datetime1">
               <a:rPr lang="de-DE" smtClean="0"/>
-              <a:t>17.01.2023</a:t>
+              <a:t>19.01.2023</a:t>
             </a:fld>
             <a:endParaRPr lang="de-DE"/>
           </a:p>
@@ -15217,7 +15467,7 @@
           <a:p>
             <a:fld id="{6C6AE60A-B69C-4790-82F7-3882EDF23186}" type="slidenum">
               <a:rPr lang="de-DE" smtClean="0"/>
-              <a:t>25</a:t>
+              <a:t>26</a:t>
             </a:fld>
             <a:endParaRPr lang="de-DE"/>
           </a:p>
@@ -15335,7 +15585,7 @@
 </p:sld>
 </file>
 
-<file path=ppt/slides/slide26.xml><?xml version="1.0" encoding="utf-8"?>
+<file path=ppt/slides/slide27.xml><?xml version="1.0" encoding="utf-8"?>
 <p:sld xmlns:a="http://schemas.openxmlformats.org/drawingml/2006/main" xmlns:r="http://schemas.openxmlformats.org/officeDocument/2006/relationships" xmlns:p="http://schemas.openxmlformats.org/presentationml/2006/main">
   <p:cSld>
     <p:spTree>
@@ -15394,7 +15644,7 @@
           <a:p>
             <a:fld id="{FF15E650-2C9B-4E22-B544-79A90AB3DDC1}" type="datetime1">
               <a:rPr lang="de-DE" smtClean="0"/>
-              <a:t>17.01.2023</a:t>
+              <a:t>19.01.2023</a:t>
             </a:fld>
             <a:endParaRPr lang="de-DE"/>
           </a:p>
@@ -15440,7 +15690,7 @@
           <a:p>
             <a:fld id="{6C6AE60A-B69C-4790-82F7-3882EDF23186}" type="slidenum">
               <a:rPr lang="de-DE" smtClean="0"/>
-              <a:t>26</a:t>
+              <a:t>27</a:t>
             </a:fld>
             <a:endParaRPr lang="de-DE"/>
           </a:p>
@@ -15507,7 +15757,7 @@
 </p:sld>
 </file>
 
-<file path=ppt/slides/slide27.xml><?xml version="1.0" encoding="utf-8"?>
+<file path=ppt/slides/slide28.xml><?xml version="1.0" encoding="utf-8"?>
 <p:sld xmlns:a="http://schemas.openxmlformats.org/drawingml/2006/main" xmlns:r="http://schemas.openxmlformats.org/officeDocument/2006/relationships" xmlns:p="http://schemas.openxmlformats.org/presentationml/2006/main">
   <p:cSld>
     <p:spTree>
@@ -15567,7 +15817,7 @@
           <a:p>
             <a:fld id="{FF15E650-2C9B-4E22-B544-79A90AB3DDC1}" type="datetime1">
               <a:rPr lang="de-DE" smtClean="0"/>
-              <a:t>17.01.2023</a:t>
+              <a:t>19.01.2023</a:t>
             </a:fld>
             <a:endParaRPr lang="de-DE"/>
           </a:p>
@@ -15613,7 +15863,7 @@
           <a:p>
             <a:fld id="{6C6AE60A-B69C-4790-82F7-3882EDF23186}" type="slidenum">
               <a:rPr lang="de-DE" smtClean="0"/>
-              <a:t>27</a:t>
+              <a:t>28</a:t>
             </a:fld>
             <a:endParaRPr lang="de-DE"/>
           </a:p>
@@ -15646,157 +15896,6 @@
     <p:extLst>
       <p:ext uri="{BB962C8B-B14F-4D97-AF65-F5344CB8AC3E}">
         <p14:creationId xmlns:p14="http://schemas.microsoft.com/office/powerpoint/2010/main" val="1703934676"/>
-      </p:ext>
-    </p:extLst>
-  </p:cSld>
-  <p:clrMapOvr>
-    <a:masterClrMapping/>
-  </p:clrMapOvr>
-  <p:transition>
-    <p:fade/>
-  </p:transition>
-</p:sld>
-</file>
-
-<file path=ppt/slides/slide28.xml><?xml version="1.0" encoding="utf-8"?>
-<p:sld xmlns:a="http://schemas.openxmlformats.org/drawingml/2006/main" xmlns:r="http://schemas.openxmlformats.org/officeDocument/2006/relationships" xmlns:p="http://schemas.openxmlformats.org/presentationml/2006/main">
-  <p:cSld>
-    <p:spTree>
-      <p:nvGrpSpPr>
-        <p:cNvPr id="1" name=""/>
-        <p:cNvGrpSpPr/>
-        <p:nvPr/>
-      </p:nvGrpSpPr>
-      <p:grpSpPr>
-        <a:xfrm>
-          <a:off x="0" y="0"/>
-          <a:ext cx="0" cy="0"/>
-          <a:chOff x="0" y="0"/>
-          <a:chExt cx="0" cy="0"/>
-        </a:xfrm>
-      </p:grpSpPr>
-      <p:pic>
-        <p:nvPicPr>
-          <p:cNvPr id="7" name="Content Placeholder 6"/>
-          <p:cNvPicPr>
-            <a:picLocks noGrp="1" noChangeAspect="1"/>
-          </p:cNvPicPr>
-          <p:nvPr>
-            <p:ph idx="1"/>
-          </p:nvPr>
-        </p:nvPicPr>
-        <p:blipFill>
-          <a:blip r:embed="rId2"/>
-          <a:stretch>
-            <a:fillRect/>
-          </a:stretch>
-        </p:blipFill>
-        <p:spPr>
-          <a:xfrm>
-            <a:off x="409029" y="1845695"/>
-            <a:ext cx="4832466" cy="4210050"/>
-          </a:xfrm>
-          <a:prstGeom prst="rect">
-            <a:avLst/>
-          </a:prstGeom>
-        </p:spPr>
-      </p:pic>
-      <p:sp>
-        <p:nvSpPr>
-          <p:cNvPr id="3" name="Date Placeholder 2"/>
-          <p:cNvSpPr>
-            <a:spLocks noGrp="1"/>
-          </p:cNvSpPr>
-          <p:nvPr>
-            <p:ph type="dt" sz="half" idx="10"/>
-          </p:nvPr>
-        </p:nvSpPr>
-        <p:spPr/>
-        <p:txBody>
-          <a:bodyPr/>
-          <a:lstStyle/>
-          <a:p>
-            <a:fld id="{FF15E650-2C9B-4E22-B544-79A90AB3DDC1}" type="datetime1">
-              <a:rPr lang="de-DE" smtClean="0"/>
-              <a:t>17.01.2023</a:t>
-            </a:fld>
-            <a:endParaRPr lang="de-DE"/>
-          </a:p>
-        </p:txBody>
-      </p:sp>
-      <p:sp>
-        <p:nvSpPr>
-          <p:cNvPr id="4" name="Footer Placeholder 3"/>
-          <p:cNvSpPr>
-            <a:spLocks noGrp="1"/>
-          </p:cNvSpPr>
-          <p:nvPr>
-            <p:ph type="ftr" sz="quarter" idx="11"/>
-          </p:nvPr>
-        </p:nvSpPr>
-        <p:spPr/>
-        <p:txBody>
-          <a:bodyPr/>
-          <a:lstStyle/>
-          <a:p>
-            <a:r>
-              <a:rPr lang="de-DE" smtClean="0"/>
-              <a:t>Shinde, Rhythima</a:t>
-            </a:r>
-            <a:endParaRPr lang="de-DE"/>
-          </a:p>
-        </p:txBody>
-      </p:sp>
-      <p:sp>
-        <p:nvSpPr>
-          <p:cNvPr id="5" name="Slide Number Placeholder 4"/>
-          <p:cNvSpPr>
-            <a:spLocks noGrp="1"/>
-          </p:cNvSpPr>
-          <p:nvPr>
-            <p:ph type="sldNum" sz="quarter" idx="12"/>
-          </p:nvPr>
-        </p:nvSpPr>
-        <p:spPr/>
-        <p:txBody>
-          <a:bodyPr/>
-          <a:lstStyle/>
-          <a:p>
-            <a:fld id="{6C6AE60A-B69C-4790-82F7-3882EDF23186}" type="slidenum">
-              <a:rPr lang="de-DE" smtClean="0"/>
-              <a:t>28</a:t>
-            </a:fld>
-            <a:endParaRPr lang="de-DE"/>
-          </a:p>
-        </p:txBody>
-      </p:sp>
-      <p:sp>
-        <p:nvSpPr>
-          <p:cNvPr id="6" name="Title 5"/>
-          <p:cNvSpPr>
-            <a:spLocks noGrp="1"/>
-          </p:cNvSpPr>
-          <p:nvPr>
-            <p:ph type="title"/>
-          </p:nvPr>
-        </p:nvSpPr>
-        <p:spPr/>
-        <p:txBody>
-          <a:bodyPr/>
-          <a:lstStyle/>
-          <a:p>
-            <a:r>
-              <a:rPr lang="en-US" dirty="0" smtClean="0"/>
-              <a:t>Paper – Case study (writing)</a:t>
-            </a:r>
-            <a:endParaRPr lang="en-US" dirty="0"/>
-          </a:p>
-        </p:txBody>
-      </p:sp>
-    </p:spTree>
-    <p:extLst>
-      <p:ext uri="{BB962C8B-B14F-4D97-AF65-F5344CB8AC3E}">
-        <p14:creationId xmlns:p14="http://schemas.microsoft.com/office/powerpoint/2010/main" val="3252225311"/>
       </p:ext>
     </p:extLst>
   </p:cSld>
@@ -15826,65 +15925,32 @@
           <a:chExt cx="0" cy="0"/>
         </a:xfrm>
       </p:grpSpPr>
-      <p:sp>
-        <p:nvSpPr>
-          <p:cNvPr id="2" name="Content Placeholder 1"/>
-          <p:cNvSpPr>
-            <a:spLocks noGrp="1"/>
-          </p:cNvSpPr>
+      <p:pic>
+        <p:nvPicPr>
+          <p:cNvPr id="7" name="Content Placeholder 6"/>
+          <p:cNvPicPr>
+            <a:picLocks noGrp="1" noChangeAspect="1"/>
+          </p:cNvPicPr>
           <p:nvPr>
             <p:ph idx="1"/>
           </p:nvPr>
-        </p:nvSpPr>
+        </p:nvPicPr>
+        <p:blipFill>
+          <a:blip r:embed="rId2"/>
+          <a:stretch>
+            <a:fillRect/>
+          </a:stretch>
+        </p:blipFill>
         <p:spPr>
           <a:xfrm>
-            <a:off x="323850" y="2552116"/>
-            <a:ext cx="8496300" cy="3681994"/>
+            <a:off x="409029" y="1845695"/>
+            <a:ext cx="4832466" cy="4210050"/>
           </a:xfrm>
+          <a:prstGeom prst="rect">
+            <a:avLst/>
+          </a:prstGeom>
         </p:spPr>
-        <p:txBody>
-          <a:bodyPr/>
-          <a:lstStyle/>
-          <a:p>
-            <a:pPr marL="457200" indent="-457200">
-              <a:buAutoNum type="arabicPeriod"/>
-            </a:pPr>
-            <a:r>
-              <a:rPr lang="en-US" dirty="0" smtClean="0"/>
-              <a:t>Paper </a:t>
-            </a:r>
-          </a:p>
-          <a:p>
-            <a:pPr marL="457200" indent="-457200">
-              <a:buAutoNum type="arabicPeriod"/>
-            </a:pPr>
-            <a:endParaRPr lang="en-US" dirty="0"/>
-          </a:p>
-          <a:p>
-            <a:pPr marL="457200" indent="-457200">
-              <a:buAutoNum type="arabicPeriod"/>
-            </a:pPr>
-            <a:r>
-              <a:rPr lang="en-US" dirty="0" smtClean="0"/>
-              <a:t>Model &amp; Results</a:t>
-            </a:r>
-          </a:p>
-          <a:p>
-            <a:pPr lvl="1"/>
-            <a:endParaRPr lang="en-US" dirty="0"/>
-          </a:p>
-          <a:p>
-            <a:pPr lvl="1"/>
-            <a:endParaRPr lang="en-US" dirty="0"/>
-          </a:p>
-          <a:p>
-            <a:pPr marL="0" indent="0">
-              <a:buNone/>
-            </a:pPr>
-            <a:endParaRPr lang="en-US" dirty="0"/>
-          </a:p>
-        </p:txBody>
-      </p:sp>
+      </p:pic>
       <p:sp>
         <p:nvSpPr>
           <p:cNvPr id="3" name="Date Placeholder 2"/>
@@ -15902,7 +15968,7 @@
           <a:p>
             <a:fld id="{FF15E650-2C9B-4E22-B544-79A90AB3DDC1}" type="datetime1">
               <a:rPr lang="de-DE" smtClean="0"/>
-              <a:t>17.01.2023</a:t>
+              <a:t>19.01.2023</a:t>
             </a:fld>
             <a:endParaRPr lang="de-DE"/>
           </a:p>
@@ -15971,41 +16037,7 @@
           <a:p>
             <a:r>
               <a:rPr lang="en-US" dirty="0" smtClean="0"/>
-              <a:t>Agenda</a:t>
-            </a:r>
-            <a:endParaRPr lang="en-US" dirty="0"/>
-          </a:p>
-        </p:txBody>
-      </p:sp>
-      <p:sp>
-        <p:nvSpPr>
-          <p:cNvPr id="7" name="TextBox 6">
-            <a:hlinkClick r:id="rId2"/>
-          </p:cNvPr>
-          <p:cNvSpPr txBox="1"/>
-          <p:nvPr/>
-        </p:nvSpPr>
-        <p:spPr>
-          <a:xfrm>
-            <a:off x="323850" y="1887749"/>
-            <a:ext cx="2121093" cy="369332"/>
-          </a:xfrm>
-          <a:prstGeom prst="rect">
-            <a:avLst/>
-          </a:prstGeom>
-          <a:noFill/>
-        </p:spPr>
-        <p:txBody>
-          <a:bodyPr wrap="none" rtlCol="0">
-            <a:spAutoFit/>
-          </a:bodyPr>
-          <a:lstStyle/>
-          <a:p>
-            <a:r>
-              <a:rPr lang="en-US" dirty="0" smtClean="0">
-                <a:hlinkClick r:id="rId2"/>
-              </a:rPr>
-              <a:t>Old plan till 24 Nov</a:t>
+              <a:t>Paper – Case study (writing)</a:t>
             </a:r>
             <a:endParaRPr lang="en-US" dirty="0"/>
           </a:p>
@@ -16014,7 +16046,7 @@
     </p:spTree>
     <p:extLst>
       <p:ext uri="{BB962C8B-B14F-4D97-AF65-F5344CB8AC3E}">
-        <p14:creationId xmlns:p14="http://schemas.microsoft.com/office/powerpoint/2010/main" val="2461387543"/>
+        <p14:creationId xmlns:p14="http://schemas.microsoft.com/office/powerpoint/2010/main" val="3252225311"/>
       </p:ext>
     </p:extLst>
   </p:cSld>
@@ -16024,13 +16056,6 @@
   <p:transition>
     <p:fade/>
   </p:transition>
-  <p:timing>
-    <p:tnLst>
-      <p:par>
-        <p:cTn id="1" dur="indefinite" restart="never" nodeType="tmRoot"/>
-      </p:par>
-    </p:tnLst>
-  </p:timing>
 </p:sld>
 </file>
 
@@ -17377,7 +17402,7 @@
           <a:p>
             <a:fld id="{FF15E650-2C9B-4E22-B544-79A90AB3DDC1}" type="datetime1">
               <a:rPr lang="de-DE" smtClean="0"/>
-              <a:t>17.01.2023</a:t>
+              <a:t>19.01.2023</a:t>
             </a:fld>
             <a:endParaRPr lang="de-DE"/>
           </a:p>
@@ -17500,12 +17525,52 @@
             <p:ph idx="1"/>
           </p:nvPr>
         </p:nvSpPr>
-        <p:spPr/>
+        <p:spPr>
+          <a:xfrm>
+            <a:off x="323850" y="2552116"/>
+            <a:ext cx="8496300" cy="3681994"/>
+          </a:xfrm>
+        </p:spPr>
         <p:txBody>
           <a:bodyPr/>
           <a:lstStyle/>
           <a:p>
-            <a:endParaRPr lang="en-US"/>
+            <a:pPr marL="457200" indent="-457200">
+              <a:buAutoNum type="arabicPeriod"/>
+            </a:pPr>
+            <a:r>
+              <a:rPr lang="en-US" dirty="0" smtClean="0"/>
+              <a:t>Paper </a:t>
+            </a:r>
+          </a:p>
+          <a:p>
+            <a:pPr marL="457200" indent="-457200">
+              <a:buAutoNum type="arabicPeriod"/>
+            </a:pPr>
+            <a:endParaRPr lang="en-US" dirty="0"/>
+          </a:p>
+          <a:p>
+            <a:pPr marL="457200" indent="-457200">
+              <a:buAutoNum type="arabicPeriod"/>
+            </a:pPr>
+            <a:r>
+              <a:rPr lang="en-US" dirty="0" smtClean="0"/>
+              <a:t>Model &amp; Results</a:t>
+            </a:r>
+          </a:p>
+          <a:p>
+            <a:pPr lvl="1"/>
+            <a:endParaRPr lang="en-US" dirty="0"/>
+          </a:p>
+          <a:p>
+            <a:pPr lvl="1"/>
+            <a:endParaRPr lang="en-US" dirty="0"/>
+          </a:p>
+          <a:p>
+            <a:pPr marL="0" indent="0">
+              <a:buNone/>
+            </a:pPr>
+            <a:endParaRPr lang="en-US" dirty="0"/>
           </a:p>
         </p:txBody>
       </p:sp>
@@ -17526,7 +17591,7 @@
           <a:p>
             <a:fld id="{FF15E650-2C9B-4E22-B544-79A90AB3DDC1}" type="datetime1">
               <a:rPr lang="de-DE" smtClean="0"/>
-              <a:t>17.01.2023</a:t>
+              <a:t>19.01.2023</a:t>
             </a:fld>
             <a:endParaRPr lang="de-DE"/>
           </a:p>
@@ -17573,6 +17638,191 @@
             <a:fld id="{6C6AE60A-B69C-4790-82F7-3882EDF23186}" type="slidenum">
               <a:rPr lang="de-DE" smtClean="0"/>
               <a:t>30</a:t>
+            </a:fld>
+            <a:endParaRPr lang="de-DE"/>
+          </a:p>
+        </p:txBody>
+      </p:sp>
+      <p:sp>
+        <p:nvSpPr>
+          <p:cNvPr id="6" name="Title 5"/>
+          <p:cNvSpPr>
+            <a:spLocks noGrp="1"/>
+          </p:cNvSpPr>
+          <p:nvPr>
+            <p:ph type="title"/>
+          </p:nvPr>
+        </p:nvSpPr>
+        <p:spPr/>
+        <p:txBody>
+          <a:bodyPr/>
+          <a:lstStyle/>
+          <a:p>
+            <a:r>
+              <a:rPr lang="en-US" dirty="0" smtClean="0"/>
+              <a:t>Agenda</a:t>
+            </a:r>
+            <a:endParaRPr lang="en-US" dirty="0"/>
+          </a:p>
+        </p:txBody>
+      </p:sp>
+      <p:sp>
+        <p:nvSpPr>
+          <p:cNvPr id="7" name="TextBox 6">
+            <a:hlinkClick r:id="rId2"/>
+          </p:cNvPr>
+          <p:cNvSpPr txBox="1"/>
+          <p:nvPr/>
+        </p:nvSpPr>
+        <p:spPr>
+          <a:xfrm>
+            <a:off x="323850" y="1887749"/>
+            <a:ext cx="2121093" cy="369332"/>
+          </a:xfrm>
+          <a:prstGeom prst="rect">
+            <a:avLst/>
+          </a:prstGeom>
+          <a:noFill/>
+        </p:spPr>
+        <p:txBody>
+          <a:bodyPr wrap="none" rtlCol="0">
+            <a:spAutoFit/>
+          </a:bodyPr>
+          <a:lstStyle/>
+          <a:p>
+            <a:r>
+              <a:rPr lang="en-US" dirty="0" smtClean="0">
+                <a:hlinkClick r:id="rId2"/>
+              </a:rPr>
+              <a:t>Old plan till 24 Nov</a:t>
+            </a:r>
+            <a:endParaRPr lang="en-US" dirty="0"/>
+          </a:p>
+        </p:txBody>
+      </p:sp>
+    </p:spTree>
+    <p:extLst>
+      <p:ext uri="{BB962C8B-B14F-4D97-AF65-F5344CB8AC3E}">
+        <p14:creationId xmlns:p14="http://schemas.microsoft.com/office/powerpoint/2010/main" val="2461387543"/>
+      </p:ext>
+    </p:extLst>
+  </p:cSld>
+  <p:clrMapOvr>
+    <a:masterClrMapping/>
+  </p:clrMapOvr>
+  <p:transition>
+    <p:fade/>
+  </p:transition>
+  <p:timing>
+    <p:tnLst>
+      <p:par>
+        <p:cTn id="1" dur="indefinite" restart="never" nodeType="tmRoot"/>
+      </p:par>
+    </p:tnLst>
+  </p:timing>
+</p:sld>
+</file>
+
+<file path=ppt/slides/slide31.xml><?xml version="1.0" encoding="utf-8"?>
+<p:sld xmlns:a="http://schemas.openxmlformats.org/drawingml/2006/main" xmlns:r="http://schemas.openxmlformats.org/officeDocument/2006/relationships" xmlns:p="http://schemas.openxmlformats.org/presentationml/2006/main">
+  <p:cSld>
+    <p:spTree>
+      <p:nvGrpSpPr>
+        <p:cNvPr id="1" name=""/>
+        <p:cNvGrpSpPr/>
+        <p:nvPr/>
+      </p:nvGrpSpPr>
+      <p:grpSpPr>
+        <a:xfrm>
+          <a:off x="0" y="0"/>
+          <a:ext cx="0" cy="0"/>
+          <a:chOff x="0" y="0"/>
+          <a:chExt cx="0" cy="0"/>
+        </a:xfrm>
+      </p:grpSpPr>
+      <p:sp>
+        <p:nvSpPr>
+          <p:cNvPr id="2" name="Content Placeholder 1"/>
+          <p:cNvSpPr>
+            <a:spLocks noGrp="1"/>
+          </p:cNvSpPr>
+          <p:nvPr>
+            <p:ph idx="1"/>
+          </p:nvPr>
+        </p:nvSpPr>
+        <p:spPr/>
+        <p:txBody>
+          <a:bodyPr/>
+          <a:lstStyle/>
+          <a:p>
+            <a:endParaRPr lang="en-US"/>
+          </a:p>
+        </p:txBody>
+      </p:sp>
+      <p:sp>
+        <p:nvSpPr>
+          <p:cNvPr id="3" name="Date Placeholder 2"/>
+          <p:cNvSpPr>
+            <a:spLocks noGrp="1"/>
+          </p:cNvSpPr>
+          <p:nvPr>
+            <p:ph type="dt" sz="half" idx="10"/>
+          </p:nvPr>
+        </p:nvSpPr>
+        <p:spPr/>
+        <p:txBody>
+          <a:bodyPr/>
+          <a:lstStyle/>
+          <a:p>
+            <a:fld id="{FF15E650-2C9B-4E22-B544-79A90AB3DDC1}" type="datetime1">
+              <a:rPr lang="de-DE" smtClean="0"/>
+              <a:t>19.01.2023</a:t>
+            </a:fld>
+            <a:endParaRPr lang="de-DE"/>
+          </a:p>
+        </p:txBody>
+      </p:sp>
+      <p:sp>
+        <p:nvSpPr>
+          <p:cNvPr id="4" name="Footer Placeholder 3"/>
+          <p:cNvSpPr>
+            <a:spLocks noGrp="1"/>
+          </p:cNvSpPr>
+          <p:nvPr>
+            <p:ph type="ftr" sz="quarter" idx="11"/>
+          </p:nvPr>
+        </p:nvSpPr>
+        <p:spPr/>
+        <p:txBody>
+          <a:bodyPr/>
+          <a:lstStyle/>
+          <a:p>
+            <a:r>
+              <a:rPr lang="de-DE" smtClean="0"/>
+              <a:t>Shinde, Rhythima</a:t>
+            </a:r>
+            <a:endParaRPr lang="de-DE"/>
+          </a:p>
+        </p:txBody>
+      </p:sp>
+      <p:sp>
+        <p:nvSpPr>
+          <p:cNvPr id="5" name="Slide Number Placeholder 4"/>
+          <p:cNvSpPr>
+            <a:spLocks noGrp="1"/>
+          </p:cNvSpPr>
+          <p:nvPr>
+            <p:ph type="sldNum" sz="quarter" idx="12"/>
+          </p:nvPr>
+        </p:nvSpPr>
+        <p:spPr/>
+        <p:txBody>
+          <a:bodyPr/>
+          <a:lstStyle/>
+          <a:p>
+            <a:fld id="{6C6AE60A-B69C-4790-82F7-3882EDF23186}" type="slidenum">
+              <a:rPr lang="de-DE" smtClean="0"/>
+              <a:t>31</a:t>
             </a:fld>
             <a:endParaRPr lang="de-DE"/>
           </a:p>
@@ -17813,7 +18063,7 @@
 </p:sld>
 </file>
 
-<file path=ppt/slides/slide31.xml><?xml version="1.0" encoding="utf-8"?>
+<file path=ppt/slides/slide32.xml><?xml version="1.0" encoding="utf-8"?>
 <p:sld xmlns:a="http://schemas.openxmlformats.org/drawingml/2006/main" xmlns:r="http://schemas.openxmlformats.org/officeDocument/2006/relationships" xmlns:p="http://schemas.openxmlformats.org/presentationml/2006/main">
   <p:cSld>
     <p:spTree>
@@ -17847,7 +18097,7 @@
           <a:p>
             <a:fld id="{FF15E650-2C9B-4E22-B544-79A90AB3DDC1}" type="datetime1">
               <a:rPr lang="de-DE" smtClean="0"/>
-              <a:t>17.01.2023</a:t>
+              <a:t>19.01.2023</a:t>
             </a:fld>
             <a:endParaRPr lang="de-DE"/>
           </a:p>
@@ -17893,7 +18143,7 @@
           <a:p>
             <a:fld id="{6C6AE60A-B69C-4790-82F7-3882EDF23186}" type="slidenum">
               <a:rPr lang="de-DE" smtClean="0"/>
-              <a:t>31</a:t>
+              <a:t>32</a:t>
             </a:fld>
             <a:endParaRPr lang="de-DE"/>
           </a:p>
@@ -18023,7 +18273,7 @@
 </p:sld>
 </file>
 
-<file path=ppt/slides/slide32.xml><?xml version="1.0" encoding="utf-8"?>
+<file path=ppt/slides/slide33.xml><?xml version="1.0" encoding="utf-8"?>
 <p:sld xmlns:a="http://schemas.openxmlformats.org/drawingml/2006/main" xmlns:r="http://schemas.openxmlformats.org/officeDocument/2006/relationships" xmlns:p="http://schemas.openxmlformats.org/presentationml/2006/main">
   <p:cSld>
     <p:spTree>
@@ -18082,7 +18332,7 @@
           <a:p>
             <a:fld id="{FF15E650-2C9B-4E22-B544-79A90AB3DDC1}" type="datetime1">
               <a:rPr lang="de-DE" smtClean="0"/>
-              <a:t>17.01.2023</a:t>
+              <a:t>19.01.2023</a:t>
             </a:fld>
             <a:endParaRPr lang="de-DE"/>
           </a:p>
@@ -18128,7 +18378,7 @@
           <a:p>
             <a:fld id="{6C6AE60A-B69C-4790-82F7-3882EDF23186}" type="slidenum">
               <a:rPr lang="de-DE" smtClean="0"/>
-              <a:t>32</a:t>
+              <a:t>33</a:t>
             </a:fld>
             <a:endParaRPr lang="de-DE"/>
           </a:p>
@@ -18196,7 +18446,7 @@
 </p:sld>
 </file>
 
-<file path=ppt/slides/slide33.xml><?xml version="1.0" encoding="utf-8"?>
+<file path=ppt/slides/slide34.xml><?xml version="1.0" encoding="utf-8"?>
 <p:sld xmlns:a="http://schemas.openxmlformats.org/drawingml/2006/main" xmlns:r="http://schemas.openxmlformats.org/officeDocument/2006/relationships" xmlns:p="http://schemas.openxmlformats.org/presentationml/2006/main">
   <p:cSld>
     <p:spTree>
@@ -18259,7 +18509,7 @@
           <a:p>
             <a:fld id="{FF15E650-2C9B-4E22-B544-79A90AB3DDC1}" type="datetime1">
               <a:rPr lang="de-DE" smtClean="0"/>
-              <a:t>17.01.2023</a:t>
+              <a:t>19.01.2023</a:t>
             </a:fld>
             <a:endParaRPr lang="de-DE"/>
           </a:p>
@@ -18305,7 +18555,7 @@
           <a:p>
             <a:fld id="{6C6AE60A-B69C-4790-82F7-3882EDF23186}" type="slidenum">
               <a:rPr lang="de-DE" smtClean="0"/>
-              <a:t>33</a:t>
+              <a:t>34</a:t>
             </a:fld>
             <a:endParaRPr lang="de-DE"/>
           </a:p>
@@ -18420,7 +18670,7 @@
 </p:sld>
 </file>
 
-<file path=ppt/slides/slide34.xml><?xml version="1.0" encoding="utf-8"?>
+<file path=ppt/slides/slide35.xml><?xml version="1.0" encoding="utf-8"?>
 <p:sld xmlns:a="http://schemas.openxmlformats.org/drawingml/2006/main" xmlns:r="http://schemas.openxmlformats.org/officeDocument/2006/relationships" xmlns:p="http://schemas.openxmlformats.org/presentationml/2006/main" show="0">
   <p:cSld>
     <p:spTree>
@@ -18483,7 +18733,7 @@
           <a:p>
             <a:fld id="{FF15E650-2C9B-4E22-B544-79A90AB3DDC1}" type="datetime1">
               <a:rPr lang="de-DE" smtClean="0"/>
-              <a:t>17.01.2023</a:t>
+              <a:t>19.01.2023</a:t>
             </a:fld>
             <a:endParaRPr lang="de-DE"/>
           </a:p>
@@ -18529,7 +18779,7 @@
           <a:p>
             <a:fld id="{6C6AE60A-B69C-4790-82F7-3882EDF23186}" type="slidenum">
               <a:rPr lang="de-DE" smtClean="0"/>
-              <a:t>34</a:t>
+              <a:t>35</a:t>
             </a:fld>
             <a:endParaRPr lang="de-DE"/>
           </a:p>
@@ -18539,136 +18789,6 @@
     <p:extLst>
       <p:ext uri="{BB962C8B-B14F-4D97-AF65-F5344CB8AC3E}">
         <p14:creationId xmlns:p14="http://schemas.microsoft.com/office/powerpoint/2010/main" val="3440191758"/>
-      </p:ext>
-    </p:extLst>
-  </p:cSld>
-  <p:clrMapOvr>
-    <a:masterClrMapping/>
-  </p:clrMapOvr>
-  <p:transition>
-    <p:fade/>
-  </p:transition>
-</p:sld>
-</file>
-
-<file path=ppt/slides/slide35.xml><?xml version="1.0" encoding="utf-8"?>
-<p:sld xmlns:a="http://schemas.openxmlformats.org/drawingml/2006/main" xmlns:r="http://schemas.openxmlformats.org/officeDocument/2006/relationships" xmlns:p="http://schemas.openxmlformats.org/presentationml/2006/main" show="0">
-  <p:cSld>
-    <p:spTree>
-      <p:nvGrpSpPr>
-        <p:cNvPr id="1" name=""/>
-        <p:cNvGrpSpPr/>
-        <p:nvPr/>
-      </p:nvGrpSpPr>
-      <p:grpSpPr>
-        <a:xfrm>
-          <a:off x="0" y="0"/>
-          <a:ext cx="0" cy="0"/>
-          <a:chOff x="0" y="0"/>
-          <a:chExt cx="0" cy="0"/>
-        </a:xfrm>
-      </p:grpSpPr>
-      <p:pic>
-        <p:nvPicPr>
-          <p:cNvPr id="7" name="Content Placeholder 6"/>
-          <p:cNvPicPr>
-            <a:picLocks noGrp="1" noChangeAspect="1"/>
-          </p:cNvPicPr>
-          <p:nvPr>
-            <p:ph idx="1"/>
-          </p:nvPr>
-        </p:nvPicPr>
-        <p:blipFill rotWithShape="1">
-          <a:blip r:embed="rId2" cstate="print">
-            <a:extLst>
-              <a:ext uri="{28A0092B-C50C-407E-A947-70E740481C1C}">
-                <a14:useLocalDpi xmlns:a14="http://schemas.microsoft.com/office/drawing/2010/main" val="0"/>
-              </a:ext>
-            </a:extLst>
-          </a:blip>
-          <a:srcRect b="62220"/>
-          <a:stretch/>
-        </p:blipFill>
-        <p:spPr>
-          <a:xfrm>
-            <a:off x="485983" y="1144038"/>
-            <a:ext cx="8309709" cy="4362988"/>
-          </a:xfrm>
-        </p:spPr>
-      </p:pic>
-      <p:sp>
-        <p:nvSpPr>
-          <p:cNvPr id="3" name="Date Placeholder 2"/>
-          <p:cNvSpPr>
-            <a:spLocks noGrp="1"/>
-          </p:cNvSpPr>
-          <p:nvPr>
-            <p:ph type="dt" sz="half" idx="10"/>
-          </p:nvPr>
-        </p:nvSpPr>
-        <p:spPr/>
-        <p:txBody>
-          <a:bodyPr/>
-          <a:lstStyle/>
-          <a:p>
-            <a:fld id="{FF15E650-2C9B-4E22-B544-79A90AB3DDC1}" type="datetime1">
-              <a:rPr lang="de-DE" smtClean="0"/>
-              <a:t>17.01.2023</a:t>
-            </a:fld>
-            <a:endParaRPr lang="de-DE"/>
-          </a:p>
-        </p:txBody>
-      </p:sp>
-      <p:sp>
-        <p:nvSpPr>
-          <p:cNvPr id="4" name="Footer Placeholder 3"/>
-          <p:cNvSpPr>
-            <a:spLocks noGrp="1"/>
-          </p:cNvSpPr>
-          <p:nvPr>
-            <p:ph type="ftr" sz="quarter" idx="11"/>
-          </p:nvPr>
-        </p:nvSpPr>
-        <p:spPr/>
-        <p:txBody>
-          <a:bodyPr/>
-          <a:lstStyle/>
-          <a:p>
-            <a:r>
-              <a:rPr lang="de-DE" smtClean="0"/>
-              <a:t>Shinde, Rhythima</a:t>
-            </a:r>
-            <a:endParaRPr lang="de-DE"/>
-          </a:p>
-        </p:txBody>
-      </p:sp>
-      <p:sp>
-        <p:nvSpPr>
-          <p:cNvPr id="5" name="Slide Number Placeholder 4"/>
-          <p:cNvSpPr>
-            <a:spLocks noGrp="1"/>
-          </p:cNvSpPr>
-          <p:nvPr>
-            <p:ph type="sldNum" sz="quarter" idx="12"/>
-          </p:nvPr>
-        </p:nvSpPr>
-        <p:spPr/>
-        <p:txBody>
-          <a:bodyPr/>
-          <a:lstStyle/>
-          <a:p>
-            <a:fld id="{6C6AE60A-B69C-4790-82F7-3882EDF23186}" type="slidenum">
-              <a:rPr lang="de-DE" smtClean="0"/>
-              <a:t>35</a:t>
-            </a:fld>
-            <a:endParaRPr lang="de-DE"/>
-          </a:p>
-        </p:txBody>
-      </p:sp>
-    </p:spTree>
-    <p:extLst>
-      <p:ext uri="{BB962C8B-B14F-4D97-AF65-F5344CB8AC3E}">
-        <p14:creationId xmlns:p14="http://schemas.microsoft.com/office/powerpoint/2010/main" val="738812974"/>
       </p:ext>
     </p:extLst>
   </p:cSld>
@@ -18698,6 +18818,34 @@
           <a:chExt cx="0" cy="0"/>
         </a:xfrm>
       </p:grpSpPr>
+      <p:pic>
+        <p:nvPicPr>
+          <p:cNvPr id="7" name="Content Placeholder 6"/>
+          <p:cNvPicPr>
+            <a:picLocks noGrp="1" noChangeAspect="1"/>
+          </p:cNvPicPr>
+          <p:nvPr>
+            <p:ph idx="1"/>
+          </p:nvPr>
+        </p:nvPicPr>
+        <p:blipFill rotWithShape="1">
+          <a:blip r:embed="rId2" cstate="print">
+            <a:extLst>
+              <a:ext uri="{28A0092B-C50C-407E-A947-70E740481C1C}">
+                <a14:useLocalDpi xmlns:a14="http://schemas.microsoft.com/office/drawing/2010/main" val="0"/>
+              </a:ext>
+            </a:extLst>
+          </a:blip>
+          <a:srcRect b="62220"/>
+          <a:stretch/>
+        </p:blipFill>
+        <p:spPr>
+          <a:xfrm>
+            <a:off x="485983" y="1144038"/>
+            <a:ext cx="8309709" cy="4362988"/>
+          </a:xfrm>
+        </p:spPr>
+      </p:pic>
       <p:sp>
         <p:nvSpPr>
           <p:cNvPr id="3" name="Date Placeholder 2"/>
@@ -18715,7 +18863,7 @@
           <a:p>
             <a:fld id="{FF15E650-2C9B-4E22-B544-79A90AB3DDC1}" type="datetime1">
               <a:rPr lang="de-DE" smtClean="0"/>
-              <a:t>17.01.2023</a:t>
+              <a:t>19.01.2023</a:t>
             </a:fld>
             <a:endParaRPr lang="de-DE"/>
           </a:p>
@@ -18762,6 +18910,108 @@
             <a:fld id="{6C6AE60A-B69C-4790-82F7-3882EDF23186}" type="slidenum">
               <a:rPr lang="de-DE" smtClean="0"/>
               <a:t>36</a:t>
+            </a:fld>
+            <a:endParaRPr lang="de-DE"/>
+          </a:p>
+        </p:txBody>
+      </p:sp>
+    </p:spTree>
+    <p:extLst>
+      <p:ext uri="{BB962C8B-B14F-4D97-AF65-F5344CB8AC3E}">
+        <p14:creationId xmlns:p14="http://schemas.microsoft.com/office/powerpoint/2010/main" val="738812974"/>
+      </p:ext>
+    </p:extLst>
+  </p:cSld>
+  <p:clrMapOvr>
+    <a:masterClrMapping/>
+  </p:clrMapOvr>
+  <p:transition>
+    <p:fade/>
+  </p:transition>
+</p:sld>
+</file>
+
+<file path=ppt/slides/slide37.xml><?xml version="1.0" encoding="utf-8"?>
+<p:sld xmlns:a="http://schemas.openxmlformats.org/drawingml/2006/main" xmlns:r="http://schemas.openxmlformats.org/officeDocument/2006/relationships" xmlns:p="http://schemas.openxmlformats.org/presentationml/2006/main" show="0">
+  <p:cSld>
+    <p:spTree>
+      <p:nvGrpSpPr>
+        <p:cNvPr id="1" name=""/>
+        <p:cNvGrpSpPr/>
+        <p:nvPr/>
+      </p:nvGrpSpPr>
+      <p:grpSpPr>
+        <a:xfrm>
+          <a:off x="0" y="0"/>
+          <a:ext cx="0" cy="0"/>
+          <a:chOff x="0" y="0"/>
+          <a:chExt cx="0" cy="0"/>
+        </a:xfrm>
+      </p:grpSpPr>
+      <p:sp>
+        <p:nvSpPr>
+          <p:cNvPr id="3" name="Date Placeholder 2"/>
+          <p:cNvSpPr>
+            <a:spLocks noGrp="1"/>
+          </p:cNvSpPr>
+          <p:nvPr>
+            <p:ph type="dt" sz="half" idx="10"/>
+          </p:nvPr>
+        </p:nvSpPr>
+        <p:spPr/>
+        <p:txBody>
+          <a:bodyPr/>
+          <a:lstStyle/>
+          <a:p>
+            <a:fld id="{FF15E650-2C9B-4E22-B544-79A90AB3DDC1}" type="datetime1">
+              <a:rPr lang="de-DE" smtClean="0"/>
+              <a:t>19.01.2023</a:t>
+            </a:fld>
+            <a:endParaRPr lang="de-DE"/>
+          </a:p>
+        </p:txBody>
+      </p:sp>
+      <p:sp>
+        <p:nvSpPr>
+          <p:cNvPr id="4" name="Footer Placeholder 3"/>
+          <p:cNvSpPr>
+            <a:spLocks noGrp="1"/>
+          </p:cNvSpPr>
+          <p:nvPr>
+            <p:ph type="ftr" sz="quarter" idx="11"/>
+          </p:nvPr>
+        </p:nvSpPr>
+        <p:spPr/>
+        <p:txBody>
+          <a:bodyPr/>
+          <a:lstStyle/>
+          <a:p>
+            <a:r>
+              <a:rPr lang="de-DE" smtClean="0"/>
+              <a:t>Shinde, Rhythima</a:t>
+            </a:r>
+            <a:endParaRPr lang="de-DE"/>
+          </a:p>
+        </p:txBody>
+      </p:sp>
+      <p:sp>
+        <p:nvSpPr>
+          <p:cNvPr id="5" name="Slide Number Placeholder 4"/>
+          <p:cNvSpPr>
+            <a:spLocks noGrp="1"/>
+          </p:cNvSpPr>
+          <p:nvPr>
+            <p:ph type="sldNum" sz="quarter" idx="12"/>
+          </p:nvPr>
+        </p:nvSpPr>
+        <p:spPr/>
+        <p:txBody>
+          <a:bodyPr/>
+          <a:lstStyle/>
+          <a:p>
+            <a:fld id="{6C6AE60A-B69C-4790-82F7-3882EDF23186}" type="slidenum">
+              <a:rPr lang="de-DE" smtClean="0"/>
+              <a:t>37</a:t>
             </a:fld>
             <a:endParaRPr lang="de-DE"/>
           </a:p>
@@ -18812,7 +19062,7 @@
 </p:sld>
 </file>
 
-<file path=ppt/slides/slide37.xml><?xml version="1.0" encoding="utf-8"?>
+<file path=ppt/slides/slide38.xml><?xml version="1.0" encoding="utf-8"?>
 <p:sld xmlns:a="http://schemas.openxmlformats.org/drawingml/2006/main" xmlns:r="http://schemas.openxmlformats.org/officeDocument/2006/relationships" xmlns:p="http://schemas.openxmlformats.org/presentationml/2006/main">
   <p:cSld>
     <p:spTree>
@@ -18914,7 +19164,7 @@
           <a:p>
             <a:fld id="{FF15E650-2C9B-4E22-B544-79A90AB3DDC1}" type="datetime1">
               <a:rPr lang="de-DE" smtClean="0"/>
-              <a:t>17.01.2023</a:t>
+              <a:t>19.01.2023</a:t>
             </a:fld>
             <a:endParaRPr lang="de-DE"/>
           </a:p>
@@ -18960,7 +19210,7 @@
           <a:p>
             <a:fld id="{6C6AE60A-B69C-4790-82F7-3882EDF23186}" type="slidenum">
               <a:rPr lang="de-DE" smtClean="0"/>
-              <a:t>37</a:t>
+              <a:t>38</a:t>
             </a:fld>
             <a:endParaRPr lang="de-DE"/>
           </a:p>
@@ -19039,7 +19289,7 @@
           <a:p>
             <a:fld id="{FF15E650-2C9B-4E22-B544-79A90AB3DDC1}" type="datetime1">
               <a:rPr lang="de-DE" smtClean="0"/>
-              <a:t>17.01.2023</a:t>
+              <a:t>19.01.2023</a:t>
             </a:fld>
             <a:endParaRPr lang="de-DE"/>
           </a:p>
@@ -20587,7 +20837,7 @@
           <a:p>
             <a:fld id="{FF15E650-2C9B-4E22-B544-79A90AB3DDC1}" type="datetime1">
               <a:rPr lang="de-DE" smtClean="0"/>
-              <a:t>17.01.2023</a:t>
+              <a:t>19.01.2023</a:t>
             </a:fld>
             <a:endParaRPr lang="de-DE"/>
           </a:p>
@@ -20676,14 +20926,14 @@
             <p:ph idx="1"/>
             <p:extLst>
               <p:ext uri="{D42A27DB-BD31-4B8C-83A1-F6EECF244321}">
-                <p14:modId xmlns:p14="http://schemas.microsoft.com/office/powerpoint/2010/main" val="3376179002"/>
+                <p14:modId xmlns:p14="http://schemas.microsoft.com/office/powerpoint/2010/main" val="3543386156"/>
               </p:ext>
             </p:extLst>
           </p:nvPr>
         </p:nvGraphicFramePr>
         <p:xfrm>
           <a:off x="323850" y="1776549"/>
-          <a:ext cx="8496300" cy="4429608"/>
+          <a:ext cx="8496300" cy="2363696"/>
         </p:xfrm>
         <a:graphic>
           <a:graphicData uri="http://schemas.openxmlformats.org/drawingml/2006/table">
@@ -20793,20 +21043,15 @@
                     </a:lnBlToTr>
                   </a:tcPr>
                 </a:tc>
-                <a:tc>
+                <a:tc rowSpan="2">
                   <a:txBody>
                     <a:bodyPr/>
                     <a:lstStyle/>
                     <a:p>
                       <a:r>
                         <a:rPr lang="en-US" sz="1200" baseline="0" dirty="0" smtClean="0"/>
-                        <a:t>LCA all results </a:t>
+                        <a:t>LCA all results , setup pipeline one building</a:t>
                       </a:r>
-                      <a:r>
-                        <a:rPr lang="en-US" sz="1200" baseline="0" dirty="0" smtClean="0"/>
-                        <a:t>, setup pipeline one building</a:t>
-                      </a:r>
-                      <a:endParaRPr lang="en-US" sz="1200" baseline="0" dirty="0" smtClean="0"/>
                     </a:p>
                   </a:txBody>
                   <a:tcPr>
@@ -20907,31 +21152,12 @@
                     </a:lnBlToTr>
                   </a:tcPr>
                 </a:tc>
-                <a:tc>
+                <a:tc vMerge="1">
                   <a:txBody>
                     <a:bodyPr/>
                     <a:lstStyle/>
                     <a:p>
-                      <a:r>
-                        <a:rPr lang="en-US" sz="1200" baseline="0" dirty="0" smtClean="0"/>
-                        <a:t>Write Section </a:t>
-                      </a:r>
-                      <a:r>
-                        <a:rPr lang="en-US" sz="1200" baseline="0" dirty="0" smtClean="0"/>
-                        <a:t>5.1</a:t>
-                      </a:r>
-                      <a:r>
-                        <a:rPr lang="en-US" sz="1200" baseline="0" dirty="0" smtClean="0"/>
-                        <a:t>. U Values, </a:t>
-                      </a:r>
-                      <a:r>
-                        <a:rPr lang="en-US" sz="1200" baseline="0" dirty="0" smtClean="0"/>
-                        <a:t>5.2</a:t>
-                      </a:r>
-                      <a:r>
-                        <a:rPr lang="en-US" sz="1200" baseline="0" dirty="0" smtClean="0"/>
-                        <a:t>. Space heating</a:t>
-                      </a:r>
+                      <a:endParaRPr lang="en-US" dirty="0"/>
                     </a:p>
                   </a:txBody>
                   <a:tcPr>
@@ -20954,7 +21180,7 @@
                     </a:solidFill>
                   </a:tcPr>
                 </a:tc>
-                <a:tc>
+                <a:tc rowSpan="2">
                   <a:txBody>
                     <a:bodyPr/>
                     <a:lstStyle/>
@@ -20978,15 +21204,15 @@
                       </a:pPr>
                       <a:r>
                         <a:rPr lang="en-US" sz="1200" dirty="0" smtClean="0"/>
-                        <a:t>LCA </a:t>
-                      </a:r>
-                      <a:r>
-                        <a:rPr lang="en-US" sz="1200" dirty="0" smtClean="0"/>
-                        <a:t>all </a:t>
+                        <a:t>LCA all </a:t>
                       </a:r>
                       <a:r>
                         <a:rPr lang="en-US" sz="1200" baseline="0" dirty="0" smtClean="0"/>
-                        <a:t>results extension for all buildings</a:t>
+                        <a:t>results extension for all </a:t>
+                      </a:r>
+                      <a:r>
+                        <a:rPr lang="en-US" sz="1200" baseline="0" dirty="0" smtClean="0"/>
+                        <a:t>buildings</a:t>
                       </a:r>
                       <a:endParaRPr lang="en-US" sz="1200" dirty="0"/>
                     </a:p>
@@ -21007,7 +21233,7 @@
                       <a:prstDash val="solid"/>
                     </a:lnBlToTr>
                     <a:solidFill>
-                      <a:srgbClr val="FFFF00"/>
+                      <a:srgbClr val="92D050"/>
                     </a:solidFill>
                   </a:tcPr>
                 </a:tc>
@@ -21053,21 +21279,10 @@
                     <a:lstStyle/>
                     <a:p>
                       <a:r>
-                        <a:rPr lang="en-US" sz="1200" baseline="0" dirty="0" smtClean="0"/>
-                        <a:t>LCA all results, Write </a:t>
+                        <a:rPr lang="en-US" sz="1200" dirty="0" smtClean="0"/>
+                        <a:t>Off</a:t>
                       </a:r>
-                      <a:r>
-                        <a:rPr lang="en-US" sz="1200" baseline="0" dirty="0" smtClean="0"/>
-                        <a:t>Section </a:t>
-                      </a:r>
-                      <a:r>
-                        <a:rPr lang="en-US" sz="1200" baseline="0" dirty="0" smtClean="0"/>
-                        <a:t>5.3</a:t>
-                      </a:r>
-                      <a:r>
-                        <a:rPr lang="en-US" sz="1200" baseline="0" dirty="0" smtClean="0"/>
-                        <a:t>. LCA </a:t>
-                      </a:r>
+                      <a:endParaRPr lang="en-US" sz="1200" dirty="0"/>
                     </a:p>
                   </a:txBody>
                   <a:tcPr>
@@ -21086,11 +21301,13 @@
                       <a:prstDash val="solid"/>
                     </a:lnBlToTr>
                     <a:solidFill>
-                      <a:srgbClr val="D5D7CC"/>
+                      <a:schemeClr val="bg1">
+                        <a:lumMod val="65000"/>
+                      </a:schemeClr>
                     </a:solidFill>
                   </a:tcPr>
                 </a:tc>
-                <a:tc>
+                <a:tc vMerge="1">
                   <a:txBody>
                     <a:bodyPr/>
                     <a:lstStyle/>
@@ -21112,14 +21329,6 @@
                         <a:tabLst/>
                         <a:defRPr/>
                       </a:pPr>
-                      <a:r>
-                        <a:rPr lang="en-US" sz="1200" dirty="0" smtClean="0"/>
-                        <a:t>Review  sections </a:t>
-                      </a:r>
-                      <a:r>
-                        <a:rPr lang="en-US" sz="1200" dirty="0" smtClean="0"/>
-                        <a:t>5.1-5.3 </a:t>
-                      </a:r>
                       <a:endParaRPr lang="en-US" sz="1200" dirty="0" smtClean="0"/>
                     </a:p>
                   </a:txBody>
@@ -21182,17 +21391,14 @@
                     <a:lstStyle/>
                     <a:p>
                       <a:r>
-                        <a:rPr lang="en-US" sz="1200" baseline="0" dirty="0" smtClean="0"/>
-                        <a:t>Scenarios results + Write Section </a:t>
+                        <a:rPr lang="en-US" sz="1200" dirty="0" smtClean="0"/>
+                        <a:t>EPL</a:t>
                       </a:r>
                       <a:r>
                         <a:rPr lang="en-US" sz="1200" baseline="0" dirty="0" smtClean="0"/>
-                        <a:t>5.4 </a:t>
+                        <a:t> meetings and paper 3 plan</a:t>
                       </a:r>
-                      <a:r>
-                        <a:rPr lang="en-US" sz="1200" baseline="0" dirty="0" smtClean="0"/>
-                        <a:t>Scenarios</a:t>
-                      </a:r>
+                      <a:endParaRPr lang="en-US" sz="1200" dirty="0"/>
                     </a:p>
                   </a:txBody>
                   <a:tcPr>
@@ -21211,7 +21417,7 @@
                       <a:prstDash val="solid"/>
                     </a:lnBlToTr>
                     <a:solidFill>
-                      <a:srgbClr val="EBECE7"/>
+                      <a:srgbClr val="92D050"/>
                     </a:solidFill>
                   </a:tcPr>
                 </a:tc>
@@ -21220,43 +21426,6 @@
                     <a:bodyPr/>
                     <a:lstStyle/>
                     <a:p>
-                      <a:pPr marL="0" marR="0" lvl="0" indent="0" algn="l" defTabSz="914400" rtl="0" eaLnBrk="1" fontAlgn="auto" latinLnBrk="0" hangingPunct="1">
-                        <a:lnSpc>
-                          <a:spcPct val="100000"/>
-                        </a:lnSpc>
-                        <a:spcBef>
-                          <a:spcPts val="0"/>
-                        </a:spcBef>
-                        <a:spcAft>
-                          <a:spcPts val="0"/>
-                        </a:spcAft>
-                        <a:buClrTx/>
-                        <a:buSzTx/>
-                        <a:buFontTx/>
-                        <a:buNone/>
-                        <a:tabLst/>
-                        <a:defRPr/>
-                      </a:pPr>
-                      <a:r>
-                        <a:rPr lang="en-US" sz="1200" dirty="0" smtClean="0"/>
-                        <a:t>Review  </a:t>
-                      </a:r>
-                      <a:r>
-                        <a:rPr lang="en-US" sz="1200" smtClean="0"/>
-                        <a:t>section </a:t>
-                      </a:r>
-                      <a:r>
-                        <a:rPr lang="en-US" sz="1200" smtClean="0"/>
-                        <a:t>5.4</a:t>
-                      </a:r>
-                      <a:r>
-                        <a:rPr lang="en-US" sz="1200" baseline="0" smtClean="0"/>
-                        <a:t> </a:t>
-                      </a:r>
-                      <a:r>
-                        <a:rPr lang="en-US" sz="1200" baseline="0" dirty="0" smtClean="0"/>
-                        <a:t>+ Discussion pointers </a:t>
-                      </a:r>
                       <a:endParaRPr lang="en-US" sz="1200" dirty="0"/>
                     </a:p>
                   </a:txBody>
@@ -21291,7 +21460,11 @@
                     <a:p>
                       <a:r>
                         <a:rPr lang="en-US" sz="1200" dirty="0" smtClean="0"/>
-                        <a:t>20 Jan</a:t>
+                        <a:t>20-22 </a:t>
+                      </a:r>
+                      <a:r>
+                        <a:rPr lang="en-US" sz="1200" dirty="0" smtClean="0"/>
+                        <a:t>Jan</a:t>
                       </a:r>
                       <a:endParaRPr lang="en-US" sz="1200" dirty="0"/>
                     </a:p>
@@ -21328,9 +21501,10 @@
                     <a:lstStyle/>
                     <a:p>
                       <a:r>
-                        <a:rPr lang="en-US" sz="1200" baseline="0" dirty="0" smtClean="0"/>
-                        <a:t>Discussion points / writing </a:t>
+                        <a:rPr lang="en-US" sz="1200" dirty="0" smtClean="0"/>
+                        <a:t>LCA results with U Values checks</a:t>
                       </a:r>
+                      <a:endParaRPr lang="en-US" sz="1200" dirty="0"/>
                     </a:p>
                   </a:txBody>
                   <a:tcPr>
@@ -21367,35 +21541,6 @@
                     <a:bodyPr/>
                     <a:lstStyle/>
                     <a:p>
-                      <a:pPr marL="0" marR="0" lvl="0" indent="0" algn="l" defTabSz="914400" rtl="0" eaLnBrk="1" fontAlgn="auto" latinLnBrk="0" hangingPunct="1">
-                        <a:lnSpc>
-                          <a:spcPct val="100000"/>
-                        </a:lnSpc>
-                        <a:spcBef>
-                          <a:spcPts val="0"/>
-                        </a:spcBef>
-                        <a:spcAft>
-                          <a:spcPts val="0"/>
-                        </a:spcAft>
-                        <a:buClrTx/>
-                        <a:buSzTx/>
-                        <a:buFontTx/>
-                        <a:buNone/>
-                        <a:tabLst/>
-                        <a:defRPr/>
-                      </a:pPr>
-                      <a:r>
-                        <a:rPr lang="en-US" sz="1200" dirty="0" smtClean="0"/>
-                        <a:t>Discussion review +</a:t>
-                      </a:r>
-                      <a:r>
-                        <a:rPr lang="en-US" sz="1200" baseline="0" dirty="0" smtClean="0"/>
-                        <a:t> </a:t>
-                      </a:r>
-                      <a:r>
-                        <a:rPr lang="en-US" sz="1200" dirty="0" smtClean="0"/>
-                        <a:t>Send draft Steffi</a:t>
-                      </a:r>
                       <a:endParaRPr lang="en-US" sz="1200" dirty="0"/>
                     </a:p>
                   </a:txBody>
@@ -21428,626 +21573,6 @@
                 <a:extLst>
                   <a:ext uri="{0D108BD9-81ED-4DB2-BD59-A6C34878D82A}">
                     <a16:rowId xmlns:a16="http://schemas.microsoft.com/office/drawing/2014/main" val="3670418372"/>
-                  </a:ext>
-                </a:extLst>
-              </a:tr>
-              <a:tr h="402178">
-                <a:tc>
-                  <a:txBody>
-                    <a:bodyPr/>
-                    <a:lstStyle/>
-                    <a:p>
-                      <a:r>
-                        <a:rPr lang="en-US" sz="1200" dirty="0" smtClean="0"/>
-                        <a:t>23 Jan</a:t>
-                      </a:r>
-                      <a:endParaRPr lang="en-US" sz="1200" dirty="0"/>
-                    </a:p>
-                  </a:txBody>
-                  <a:tcPr>
-                    <a:lnL w="12700" cmpd="sng">
-                      <a:noFill/>
-                    </a:lnL>
-                    <a:lnR w="12700" cmpd="sng">
-                      <a:noFill/>
-                    </a:lnR>
-                    <a:lnT w="12700" cap="flat" cmpd="sng" algn="ctr">
-                      <a:solidFill>
-                        <a:schemeClr val="tx1"/>
-                      </a:solidFill>
-                      <a:prstDash val="solid"/>
-                      <a:round/>
-                      <a:headEnd type="none" w="med" len="med"/>
-                      <a:tailEnd type="none" w="med" len="med"/>
-                    </a:lnT>
-                    <a:lnTlToBr w="12700" cmpd="sng">
-                      <a:noFill/>
-                      <a:prstDash val="solid"/>
-                    </a:lnTlToBr>
-                    <a:lnBlToTr w="12700" cmpd="sng">
-                      <a:noFill/>
-                      <a:prstDash val="solid"/>
-                    </a:lnBlToTr>
-                  </a:tcPr>
-                </a:tc>
-                <a:tc>
-                  <a:txBody>
-                    <a:bodyPr/>
-                    <a:lstStyle/>
-                    <a:p>
-                      <a:r>
-                        <a:rPr lang="en-US" sz="1200" baseline="0" dirty="0" smtClean="0"/>
-                        <a:t>Conclusion  + Abstract</a:t>
-                      </a:r>
-                    </a:p>
-                  </a:txBody>
-                  <a:tcPr>
-                    <a:lnL w="12700" cmpd="sng">
-                      <a:noFill/>
-                    </a:lnL>
-                    <a:lnR w="12700" cmpd="sng">
-                      <a:noFill/>
-                    </a:lnR>
-                    <a:lnT w="12700" cap="flat" cmpd="sng" algn="ctr">
-                      <a:solidFill>
-                        <a:schemeClr val="tx1"/>
-                      </a:solidFill>
-                      <a:prstDash val="solid"/>
-                      <a:round/>
-                      <a:headEnd type="none" w="med" len="med"/>
-                      <a:tailEnd type="none" w="med" len="med"/>
-                    </a:lnT>
-                    <a:lnTlToBr w="12700" cmpd="sng">
-                      <a:noFill/>
-                      <a:prstDash val="solid"/>
-                    </a:lnTlToBr>
-                    <a:lnBlToTr w="12700" cmpd="sng">
-                      <a:noFill/>
-                      <a:prstDash val="solid"/>
-                    </a:lnBlToTr>
-                    <a:solidFill>
-                      <a:srgbClr val="EBECE7"/>
-                    </a:solidFill>
-                  </a:tcPr>
-                </a:tc>
-                <a:tc>
-                  <a:txBody>
-                    <a:bodyPr/>
-                    <a:lstStyle/>
-                    <a:p>
-                      <a:pPr marL="0" marR="0" lvl="0" indent="0" algn="l" defTabSz="914400" rtl="0" eaLnBrk="1" fontAlgn="auto" latinLnBrk="0" hangingPunct="1">
-                        <a:lnSpc>
-                          <a:spcPct val="100000"/>
-                        </a:lnSpc>
-                        <a:spcBef>
-                          <a:spcPts val="0"/>
-                        </a:spcBef>
-                        <a:spcAft>
-                          <a:spcPts val="0"/>
-                        </a:spcAft>
-                        <a:buClrTx/>
-                        <a:buSzTx/>
-                        <a:buFontTx/>
-                        <a:buNone/>
-                        <a:tabLst/>
-                        <a:defRPr/>
-                      </a:pPr>
-                      <a:endParaRPr lang="en-US" sz="1200" dirty="0"/>
-                    </a:p>
-                  </a:txBody>
-                  <a:tcPr>
-                    <a:lnL w="12700" cmpd="sng">
-                      <a:noFill/>
-                    </a:lnL>
-                    <a:lnR w="12700" cmpd="sng">
-                      <a:noFill/>
-                    </a:lnR>
-                    <a:lnT w="12700" cap="flat" cmpd="sng" algn="ctr">
-                      <a:solidFill>
-                        <a:schemeClr val="tx1"/>
-                      </a:solidFill>
-                      <a:prstDash val="solid"/>
-                      <a:round/>
-                      <a:headEnd type="none" w="med" len="med"/>
-                      <a:tailEnd type="none" w="med" len="med"/>
-                    </a:lnT>
-                    <a:lnTlToBr w="12700" cmpd="sng">
-                      <a:noFill/>
-                      <a:prstDash val="solid"/>
-                    </a:lnTlToBr>
-                    <a:lnBlToTr w="12700" cmpd="sng">
-                      <a:noFill/>
-                      <a:prstDash val="solid"/>
-                    </a:lnBlToTr>
-                  </a:tcPr>
-                </a:tc>
-                <a:extLst>
-                  <a:ext uri="{0D108BD9-81ED-4DB2-BD59-A6C34878D82A}">
-                    <a16:rowId xmlns:a16="http://schemas.microsoft.com/office/drawing/2014/main" val="3414113026"/>
-                  </a:ext>
-                </a:extLst>
-              </a:tr>
-              <a:tr h="402178">
-                <a:tc>
-                  <a:txBody>
-                    <a:bodyPr/>
-                    <a:lstStyle/>
-                    <a:p>
-                      <a:r>
-                        <a:rPr lang="en-US" sz="1200" dirty="0" smtClean="0"/>
-                        <a:t>24 Jan</a:t>
-                      </a:r>
-                      <a:endParaRPr lang="en-US" sz="1200" dirty="0"/>
-                    </a:p>
-                  </a:txBody>
-                  <a:tcPr>
-                    <a:lnL w="12700" cmpd="sng">
-                      <a:noFill/>
-                    </a:lnL>
-                    <a:lnR w="12700" cmpd="sng">
-                      <a:noFill/>
-                    </a:lnR>
-                    <a:lnTlToBr w="12700" cmpd="sng">
-                      <a:noFill/>
-                      <a:prstDash val="solid"/>
-                    </a:lnTlToBr>
-                    <a:lnBlToTr w="12700" cmpd="sng">
-                      <a:noFill/>
-                      <a:prstDash val="solid"/>
-                    </a:lnBlToTr>
-                  </a:tcPr>
-                </a:tc>
-                <a:tc>
-                  <a:txBody>
-                    <a:bodyPr/>
-                    <a:lstStyle/>
-                    <a:p>
-                      <a:r>
-                        <a:rPr lang="en-US" sz="1200" baseline="0" dirty="0" smtClean="0"/>
-                        <a:t>Letter to editor + SI check </a:t>
-                      </a:r>
-                    </a:p>
-                    <a:p>
-                      <a:r>
-                        <a:rPr lang="en-US" sz="1200" baseline="0" dirty="0" smtClean="0"/>
-                        <a:t>Paper overall read (consistency – next slide)</a:t>
-                      </a:r>
-                    </a:p>
-                  </a:txBody>
-                  <a:tcPr>
-                    <a:lnL w="12700" cmpd="sng">
-                      <a:noFill/>
-                    </a:lnL>
-                    <a:lnR w="12700" cmpd="sng">
-                      <a:noFill/>
-                    </a:lnR>
-                    <a:lnTlToBr w="12700" cmpd="sng">
-                      <a:noFill/>
-                      <a:prstDash val="solid"/>
-                    </a:lnTlToBr>
-                    <a:lnBlToTr w="12700" cmpd="sng">
-                      <a:noFill/>
-                      <a:prstDash val="solid"/>
-                    </a:lnBlToTr>
-                    <a:solidFill>
-                      <a:srgbClr val="D5D7CC"/>
-                    </a:solidFill>
-                  </a:tcPr>
-                </a:tc>
-                <a:tc>
-                  <a:txBody>
-                    <a:bodyPr/>
-                    <a:lstStyle/>
-                    <a:p>
-                      <a:pPr marL="0" marR="0" lvl="0" indent="0" algn="l" defTabSz="914400" rtl="0" eaLnBrk="1" fontAlgn="auto" latinLnBrk="0" hangingPunct="1">
-                        <a:lnSpc>
-                          <a:spcPct val="100000"/>
-                        </a:lnSpc>
-                        <a:spcBef>
-                          <a:spcPts val="0"/>
-                        </a:spcBef>
-                        <a:spcAft>
-                          <a:spcPts val="0"/>
-                        </a:spcAft>
-                        <a:buClrTx/>
-                        <a:buSzTx/>
-                        <a:buFontTx/>
-                        <a:buNone/>
-                        <a:tabLst/>
-                        <a:defRPr/>
-                      </a:pPr>
-                      <a:endParaRPr lang="en-US" sz="1200" dirty="0"/>
-                    </a:p>
-                  </a:txBody>
-                  <a:tcPr>
-                    <a:lnL w="12700" cmpd="sng">
-                      <a:noFill/>
-                    </a:lnL>
-                    <a:lnR w="12700" cmpd="sng">
-                      <a:noFill/>
-                    </a:lnR>
-                    <a:lnTlToBr w="12700" cmpd="sng">
-                      <a:noFill/>
-                      <a:prstDash val="solid"/>
-                    </a:lnTlToBr>
-                    <a:lnBlToTr w="12700" cmpd="sng">
-                      <a:noFill/>
-                      <a:prstDash val="solid"/>
-                    </a:lnBlToTr>
-                  </a:tcPr>
-                </a:tc>
-                <a:extLst>
-                  <a:ext uri="{0D108BD9-81ED-4DB2-BD59-A6C34878D82A}">
-                    <a16:rowId xmlns:a16="http://schemas.microsoft.com/office/drawing/2014/main" val="4121332182"/>
-                  </a:ext>
-                </a:extLst>
-              </a:tr>
-              <a:tr h="402178">
-                <a:tc>
-                  <a:txBody>
-                    <a:bodyPr/>
-                    <a:lstStyle/>
-                    <a:p>
-                      <a:r>
-                        <a:rPr lang="en-US" sz="1200" dirty="0" smtClean="0"/>
-                        <a:t>25 Jan</a:t>
-                      </a:r>
-                      <a:endParaRPr lang="en-US" sz="1200" dirty="0"/>
-                    </a:p>
-                  </a:txBody>
-                  <a:tcPr>
-                    <a:lnL w="12700" cmpd="sng">
-                      <a:noFill/>
-                    </a:lnL>
-                    <a:lnR w="12700" cmpd="sng">
-                      <a:noFill/>
-                    </a:lnR>
-                    <a:lnTlToBr w="12700" cmpd="sng">
-                      <a:noFill/>
-                      <a:prstDash val="solid"/>
-                    </a:lnTlToBr>
-                    <a:lnBlToTr w="12700" cmpd="sng">
-                      <a:noFill/>
-                      <a:prstDash val="solid"/>
-                    </a:lnBlToTr>
-                  </a:tcPr>
-                </a:tc>
-                <a:tc>
-                  <a:txBody>
-                    <a:bodyPr/>
-                    <a:lstStyle/>
-                    <a:p>
-                      <a:r>
-                        <a:rPr lang="en-US" sz="1200" baseline="0" dirty="0" smtClean="0"/>
-                        <a:t>Code check + data push </a:t>
-                      </a:r>
-                      <a:r>
-                        <a:rPr lang="en-US" sz="1200" baseline="0" dirty="0" err="1" smtClean="0"/>
-                        <a:t>Github</a:t>
-                      </a:r>
-                      <a:endParaRPr lang="en-US" sz="1200" baseline="0" dirty="0" smtClean="0"/>
-                    </a:p>
-                  </a:txBody>
-                  <a:tcPr>
-                    <a:lnL w="12700" cmpd="sng">
-                      <a:noFill/>
-                    </a:lnL>
-                    <a:lnR w="12700" cmpd="sng">
-                      <a:noFill/>
-                    </a:lnR>
-                    <a:lnTlToBr w="12700" cmpd="sng">
-                      <a:noFill/>
-                      <a:prstDash val="solid"/>
-                    </a:lnTlToBr>
-                    <a:lnBlToTr w="12700" cmpd="sng">
-                      <a:noFill/>
-                      <a:prstDash val="solid"/>
-                    </a:lnBlToTr>
-                    <a:solidFill>
-                      <a:srgbClr val="EBECE7"/>
-                    </a:solidFill>
-                  </a:tcPr>
-                </a:tc>
-                <a:tc>
-                  <a:txBody>
-                    <a:bodyPr/>
-                    <a:lstStyle/>
-                    <a:p>
-                      <a:pPr marL="0" marR="0" lvl="0" indent="0" algn="l" defTabSz="914400" rtl="0" eaLnBrk="1" fontAlgn="auto" latinLnBrk="0" hangingPunct="1">
-                        <a:lnSpc>
-                          <a:spcPct val="100000"/>
-                        </a:lnSpc>
-                        <a:spcBef>
-                          <a:spcPts val="0"/>
-                        </a:spcBef>
-                        <a:spcAft>
-                          <a:spcPts val="0"/>
-                        </a:spcAft>
-                        <a:buClrTx/>
-                        <a:buSzTx/>
-                        <a:buFontTx/>
-                        <a:buNone/>
-                        <a:tabLst/>
-                        <a:defRPr/>
-                      </a:pPr>
-                      <a:r>
-                        <a:rPr lang="en-US" sz="1200" dirty="0" smtClean="0"/>
-                        <a:t>Final review send Steffi </a:t>
-                      </a:r>
-                      <a:endParaRPr lang="en-US" sz="1200" dirty="0"/>
-                    </a:p>
-                  </a:txBody>
-                  <a:tcPr>
-                    <a:lnL w="12700" cmpd="sng">
-                      <a:noFill/>
-                    </a:lnL>
-                    <a:lnR w="12700" cmpd="sng">
-                      <a:noFill/>
-                    </a:lnR>
-                    <a:lnTlToBr w="12700" cmpd="sng">
-                      <a:noFill/>
-                      <a:prstDash val="solid"/>
-                    </a:lnTlToBr>
-                    <a:lnBlToTr w="12700" cmpd="sng">
-                      <a:noFill/>
-                      <a:prstDash val="solid"/>
-                    </a:lnBlToTr>
-                  </a:tcPr>
-                </a:tc>
-                <a:extLst>
-                  <a:ext uri="{0D108BD9-81ED-4DB2-BD59-A6C34878D82A}">
-                    <a16:rowId xmlns:a16="http://schemas.microsoft.com/office/drawing/2014/main" val="1646058672"/>
-                  </a:ext>
-                </a:extLst>
-              </a:tr>
-              <a:tr h="402178">
-                <a:tc>
-                  <a:txBody>
-                    <a:bodyPr/>
-                    <a:lstStyle/>
-                    <a:p>
-                      <a:r>
-                        <a:rPr lang="en-US" sz="1200" dirty="0" smtClean="0"/>
-                        <a:t>26</a:t>
-                      </a:r>
-                      <a:r>
-                        <a:rPr lang="en-US" sz="1200" baseline="0" dirty="0" smtClean="0"/>
-                        <a:t> Jan</a:t>
-                      </a:r>
-                      <a:endParaRPr lang="en-US" sz="1200" dirty="0"/>
-                    </a:p>
-                  </a:txBody>
-                  <a:tcPr>
-                    <a:lnL w="12700" cmpd="sng">
-                      <a:noFill/>
-                    </a:lnL>
-                    <a:lnR w="12700" cmpd="sng">
-                      <a:noFill/>
-                    </a:lnR>
-                    <a:lnTlToBr w="12700" cmpd="sng">
-                      <a:noFill/>
-                      <a:prstDash val="solid"/>
-                    </a:lnTlToBr>
-                    <a:lnBlToTr w="12700" cmpd="sng">
-                      <a:noFill/>
-                      <a:prstDash val="solid"/>
-                    </a:lnBlToTr>
-                  </a:tcPr>
-                </a:tc>
-                <a:tc>
-                  <a:txBody>
-                    <a:bodyPr/>
-                    <a:lstStyle/>
-                    <a:p>
-                      <a:r>
-                        <a:rPr lang="en-US" sz="1200" baseline="0" dirty="0" smtClean="0"/>
-                        <a:t>Check the journal guidelines completely </a:t>
-                      </a:r>
-                    </a:p>
-                  </a:txBody>
-                  <a:tcPr>
-                    <a:lnL w="12700" cmpd="sng">
-                      <a:noFill/>
-                    </a:lnL>
-                    <a:lnR w="12700" cmpd="sng">
-                      <a:noFill/>
-                    </a:lnR>
-                    <a:lnTlToBr w="12700" cmpd="sng">
-                      <a:noFill/>
-                      <a:prstDash val="solid"/>
-                    </a:lnTlToBr>
-                    <a:lnBlToTr w="12700" cmpd="sng">
-                      <a:noFill/>
-                      <a:prstDash val="solid"/>
-                    </a:lnBlToTr>
-                    <a:solidFill>
-                      <a:srgbClr val="D5D7CC"/>
-                    </a:solidFill>
-                  </a:tcPr>
-                </a:tc>
-                <a:tc>
-                  <a:txBody>
-                    <a:bodyPr/>
-                    <a:lstStyle/>
-                    <a:p>
-                      <a:pPr marL="0" marR="0" lvl="0" indent="0" algn="l" defTabSz="914400" rtl="0" eaLnBrk="1" fontAlgn="auto" latinLnBrk="0" hangingPunct="1">
-                        <a:lnSpc>
-                          <a:spcPct val="100000"/>
-                        </a:lnSpc>
-                        <a:spcBef>
-                          <a:spcPts val="0"/>
-                        </a:spcBef>
-                        <a:spcAft>
-                          <a:spcPts val="0"/>
-                        </a:spcAft>
-                        <a:buClrTx/>
-                        <a:buSzTx/>
-                        <a:buFontTx/>
-                        <a:buNone/>
-                        <a:tabLst/>
-                        <a:defRPr/>
-                      </a:pPr>
-                      <a:endParaRPr lang="en-US" sz="1200" dirty="0"/>
-                    </a:p>
-                  </a:txBody>
-                  <a:tcPr>
-                    <a:lnL w="12700" cmpd="sng">
-                      <a:noFill/>
-                    </a:lnL>
-                    <a:lnR w="12700" cmpd="sng">
-                      <a:noFill/>
-                    </a:lnR>
-                    <a:lnTlToBr w="12700" cmpd="sng">
-                      <a:noFill/>
-                      <a:prstDash val="solid"/>
-                    </a:lnTlToBr>
-                    <a:lnBlToTr w="12700" cmpd="sng">
-                      <a:noFill/>
-                      <a:prstDash val="solid"/>
-                    </a:lnBlToTr>
-                  </a:tcPr>
-                </a:tc>
-                <a:extLst>
-                  <a:ext uri="{0D108BD9-81ED-4DB2-BD59-A6C34878D82A}">
-                    <a16:rowId xmlns:a16="http://schemas.microsoft.com/office/drawing/2014/main" val="1290887962"/>
-                  </a:ext>
-                </a:extLst>
-              </a:tr>
-              <a:tr h="402178">
-                <a:tc>
-                  <a:txBody>
-                    <a:bodyPr/>
-                    <a:lstStyle/>
-                    <a:p>
-                      <a:r>
-                        <a:rPr lang="en-US" sz="1200" dirty="0" smtClean="0"/>
-                        <a:t>27</a:t>
-                      </a:r>
-                      <a:r>
-                        <a:rPr lang="en-US" sz="1200" baseline="0" dirty="0" smtClean="0"/>
-                        <a:t> Jan</a:t>
-                      </a:r>
-                      <a:endParaRPr lang="en-US" sz="1200" dirty="0"/>
-                    </a:p>
-                  </a:txBody>
-                  <a:tcPr>
-                    <a:lnL w="12700" cmpd="sng">
-                      <a:noFill/>
-                    </a:lnL>
-                    <a:lnR w="12700" cmpd="sng">
-                      <a:noFill/>
-                    </a:lnR>
-                    <a:lnB w="12700" cap="flat" cmpd="sng" algn="ctr">
-                      <a:noFill/>
-                      <a:prstDash val="solid"/>
-                      <a:round/>
-                      <a:headEnd type="none" w="med" len="med"/>
-                      <a:tailEnd type="none" w="med" len="med"/>
-                    </a:lnB>
-                    <a:lnTlToBr w="12700" cmpd="sng">
-                      <a:noFill/>
-                      <a:prstDash val="solid"/>
-                    </a:lnTlToBr>
-                    <a:lnBlToTr w="12700" cmpd="sng">
-                      <a:noFill/>
-                      <a:prstDash val="solid"/>
-                    </a:lnBlToTr>
-                  </a:tcPr>
-                </a:tc>
-                <a:tc>
-                  <a:txBody>
-                    <a:bodyPr/>
-                    <a:lstStyle/>
-                    <a:p>
-                      <a:r>
-                        <a:rPr lang="en-US" sz="1200" baseline="0" dirty="0" smtClean="0"/>
-                        <a:t>Submit paper </a:t>
-                      </a:r>
-                    </a:p>
-                  </a:txBody>
-                  <a:tcPr>
-                    <a:lnL w="12700" cmpd="sng">
-                      <a:noFill/>
-                    </a:lnL>
-                    <a:lnR w="12700" cmpd="sng">
-                      <a:noFill/>
-                    </a:lnR>
-                    <a:lnB w="12700" cap="flat" cmpd="sng" algn="ctr">
-                      <a:noFill/>
-                      <a:prstDash val="solid"/>
-                      <a:round/>
-                      <a:headEnd type="none" w="med" len="med"/>
-                      <a:tailEnd type="none" w="med" len="med"/>
-                    </a:lnB>
-                    <a:lnTlToBr w="12700" cmpd="sng">
-                      <a:noFill/>
-                      <a:prstDash val="solid"/>
-                    </a:lnTlToBr>
-                    <a:lnBlToTr w="12700" cmpd="sng">
-                      <a:noFill/>
-                      <a:prstDash val="solid"/>
-                    </a:lnBlToTr>
-                    <a:solidFill>
-                      <a:srgbClr val="EBECE7"/>
-                    </a:solidFill>
-                  </a:tcPr>
-                </a:tc>
-                <a:tc>
-                  <a:txBody>
-                    <a:bodyPr/>
-                    <a:lstStyle/>
-                    <a:p>
-                      <a:pPr marL="0" marR="0" lvl="0" indent="0" algn="l" defTabSz="914400" rtl="0" eaLnBrk="1" fontAlgn="auto" latinLnBrk="0" hangingPunct="1">
-                        <a:lnSpc>
-                          <a:spcPct val="100000"/>
-                        </a:lnSpc>
-                        <a:spcBef>
-                          <a:spcPts val="0"/>
-                        </a:spcBef>
-                        <a:spcAft>
-                          <a:spcPts val="0"/>
-                        </a:spcAft>
-                        <a:buClrTx/>
-                        <a:buSzTx/>
-                        <a:buFontTx/>
-                        <a:buNone/>
-                        <a:tabLst/>
-                        <a:defRPr/>
-                      </a:pPr>
-                      <a:r>
-                        <a:rPr lang="en-US" sz="1200" dirty="0" smtClean="0"/>
-                        <a:t>Submit paper </a:t>
-                      </a:r>
-                      <a:endParaRPr lang="en-US" sz="1200" dirty="0"/>
-                    </a:p>
-                  </a:txBody>
-                  <a:tcPr>
-                    <a:lnL w="12700" cmpd="sng">
-                      <a:noFill/>
-                    </a:lnL>
-                    <a:lnR w="12700" cmpd="sng">
-                      <a:noFill/>
-                    </a:lnR>
-                    <a:lnB w="12700" cap="flat" cmpd="sng" algn="ctr">
-                      <a:noFill/>
-                      <a:prstDash val="solid"/>
-                      <a:round/>
-                      <a:headEnd type="none" w="med" len="med"/>
-                      <a:tailEnd type="none" w="med" len="med"/>
-                    </a:lnB>
-                    <a:lnTlToBr w="12700" cmpd="sng">
-                      <a:noFill/>
-                      <a:prstDash val="solid"/>
-                    </a:lnTlToBr>
-                    <a:lnBlToTr w="12700" cmpd="sng">
-                      <a:noFill/>
-                      <a:prstDash val="solid"/>
-                    </a:lnBlToTr>
-                  </a:tcPr>
-                </a:tc>
-                <a:extLst>
-                  <a:ext uri="{0D108BD9-81ED-4DB2-BD59-A6C34878D82A}">
-                    <a16:rowId xmlns:a16="http://schemas.microsoft.com/office/drawing/2014/main" val="3497735977"/>
                   </a:ext>
                 </a:extLst>
               </a:tr>
@@ -22097,12 +21622,12 @@
       </p:grpSpPr>
       <p:sp>
         <p:nvSpPr>
-          <p:cNvPr id="2" name="Content Placeholder 1"/>
+          <p:cNvPr id="3" name="Date Placeholder 2"/>
           <p:cNvSpPr>
             <a:spLocks noGrp="1"/>
           </p:cNvSpPr>
           <p:nvPr>
-            <p:ph idx="1"/>
+            <p:ph type="dt" sz="half" idx="10"/>
           </p:nvPr>
         </p:nvSpPr>
         <p:spPr/>
@@ -22110,40 +21635,9 @@
           <a:bodyPr/>
           <a:lstStyle/>
           <a:p>
-            <a:r>
-              <a:rPr lang="en-US" dirty="0" smtClean="0"/>
-              <a:t>12 buildings -&gt; 10 buildings </a:t>
-            </a:r>
-          </a:p>
-          <a:p>
-            <a:r>
-              <a:rPr lang="en-US" dirty="0" smtClean="0"/>
-              <a:t>Comments on the paper</a:t>
-            </a:r>
-          </a:p>
-          <a:p>
-            <a:endParaRPr lang="en-US" dirty="0"/>
-          </a:p>
-        </p:txBody>
-      </p:sp>
-      <p:sp>
-        <p:nvSpPr>
-          <p:cNvPr id="3" name="Date Placeholder 2"/>
-          <p:cNvSpPr>
-            <a:spLocks noGrp="1"/>
-          </p:cNvSpPr>
-          <p:nvPr>
-            <p:ph type="dt" sz="half" idx="10"/>
-          </p:nvPr>
-        </p:nvSpPr>
-        <p:spPr/>
-        <p:txBody>
-          <a:bodyPr/>
-          <a:lstStyle/>
-          <a:p>
             <a:fld id="{FF15E650-2C9B-4E22-B544-79A90AB3DDC1}" type="datetime1">
               <a:rPr lang="de-DE" smtClean="0"/>
-              <a:t>17.01.2023</a:t>
+              <a:t>19.01.2023</a:t>
             </a:fld>
             <a:endParaRPr lang="de-DE"/>
           </a:p>
@@ -22211,17 +21705,1227 @@
           <a:lstStyle/>
           <a:p>
             <a:r>
+              <a:rPr lang="en-US" dirty="0"/>
+              <a:t>Timeline – </a:t>
+            </a:r>
+            <a:r>
               <a:rPr lang="en-US" dirty="0" smtClean="0"/>
-              <a:t>Checks for consistency of the paper</a:t>
+              <a:t>Writing</a:t>
             </a:r>
             <a:endParaRPr lang="en-US" dirty="0"/>
           </a:p>
         </p:txBody>
       </p:sp>
+      <p:graphicFrame>
+        <p:nvGraphicFramePr>
+          <p:cNvPr id="7" name="Content Placeholder 6"/>
+          <p:cNvGraphicFramePr>
+            <a:graphicFrameLocks noGrp="1"/>
+          </p:cNvGraphicFramePr>
+          <p:nvPr>
+            <p:ph idx="1"/>
+            <p:extLst>
+              <p:ext uri="{D42A27DB-BD31-4B8C-83A1-F6EECF244321}">
+                <p14:modId xmlns:p14="http://schemas.microsoft.com/office/powerpoint/2010/main" val="3341903061"/>
+              </p:ext>
+            </p:extLst>
+          </p:nvPr>
+        </p:nvGraphicFramePr>
+        <p:xfrm>
+          <a:off x="323850" y="2024063"/>
+          <a:ext cx="8496300" cy="3729646"/>
+        </p:xfrm>
+        <a:graphic>
+          <a:graphicData uri="http://schemas.openxmlformats.org/drawingml/2006/table">
+            <a:tbl>
+              <a:tblPr firstRow="1" bandRow="1">
+                <a:tableStyleId>{5C22544A-7EE6-4342-B048-85BDC9FD1C3A}</a:tableStyleId>
+              </a:tblPr>
+              <a:tblGrid>
+                <a:gridCol w="910981">
+                  <a:extLst>
+                    <a:ext uri="{9D8B030D-6E8A-4147-A177-3AD203B41FA5}">
+                      <a16:colId xmlns:a16="http://schemas.microsoft.com/office/drawing/2014/main" val="431027678"/>
+                    </a:ext>
+                  </a:extLst>
+                </a:gridCol>
+                <a:gridCol w="3777181">
+                  <a:extLst>
+                    <a:ext uri="{9D8B030D-6E8A-4147-A177-3AD203B41FA5}">
+                      <a16:colId xmlns:a16="http://schemas.microsoft.com/office/drawing/2014/main" val="288763360"/>
+                    </a:ext>
+                  </a:extLst>
+                </a:gridCol>
+                <a:gridCol w="3808138">
+                  <a:extLst>
+                    <a:ext uri="{9D8B030D-6E8A-4147-A177-3AD203B41FA5}">
+                      <a16:colId xmlns:a16="http://schemas.microsoft.com/office/drawing/2014/main" val="1654843812"/>
+                    </a:ext>
+                  </a:extLst>
+                </a:gridCol>
+              </a:tblGrid>
+              <a:tr h="402178">
+                <a:tc>
+                  <a:txBody>
+                    <a:bodyPr/>
+                    <a:lstStyle/>
+                    <a:p>
+                      <a:r>
+                        <a:rPr lang="en-US" sz="1400" dirty="0" smtClean="0"/>
+                        <a:t>Dates</a:t>
+                      </a:r>
+                      <a:endParaRPr lang="en-US" sz="1400" dirty="0"/>
+                    </a:p>
+                  </a:txBody>
+                  <a:tcPr/>
+                </a:tc>
+                <a:tc>
+                  <a:txBody>
+                    <a:bodyPr/>
+                    <a:lstStyle/>
+                    <a:p>
+                      <a:r>
+                        <a:rPr lang="en-US" sz="1400" dirty="0" smtClean="0"/>
+                        <a:t>Work task</a:t>
+                      </a:r>
+                      <a:endParaRPr lang="en-US" sz="1400" dirty="0"/>
+                    </a:p>
+                  </a:txBody>
+                  <a:tcPr/>
+                </a:tc>
+                <a:tc>
+                  <a:txBody>
+                    <a:bodyPr/>
+                    <a:lstStyle/>
+                    <a:p>
+                      <a:r>
+                        <a:rPr lang="en-US" sz="1400" dirty="0" smtClean="0"/>
+                        <a:t>Overall Deadlines</a:t>
+                      </a:r>
+                      <a:endParaRPr lang="en-US" sz="1400" dirty="0"/>
+                    </a:p>
+                  </a:txBody>
+                  <a:tcPr/>
+                </a:tc>
+                <a:extLst>
+                  <a:ext uri="{0D108BD9-81ED-4DB2-BD59-A6C34878D82A}">
+                    <a16:rowId xmlns:a16="http://schemas.microsoft.com/office/drawing/2014/main" val="494657512"/>
+                  </a:ext>
+                </a:extLst>
+              </a:tr>
+              <a:tr h="402178">
+                <a:tc>
+                  <a:txBody>
+                    <a:bodyPr/>
+                    <a:lstStyle/>
+                    <a:p>
+                      <a:r>
+                        <a:rPr lang="en-US" sz="1200" dirty="0" smtClean="0"/>
+                        <a:t>23 </a:t>
+                      </a:r>
+                      <a:r>
+                        <a:rPr lang="en-US" sz="1200" dirty="0" smtClean="0"/>
+                        <a:t>Jan</a:t>
+                      </a:r>
+                      <a:endParaRPr lang="en-US" sz="1200" dirty="0"/>
+                    </a:p>
+                  </a:txBody>
+                  <a:tcPr>
+                    <a:lnL w="12700" cmpd="sng">
+                      <a:noFill/>
+                    </a:lnL>
+                    <a:lnR w="12700" cmpd="sng">
+                      <a:noFill/>
+                    </a:lnR>
+                    <a:lnTlToBr w="12700" cmpd="sng">
+                      <a:noFill/>
+                      <a:prstDash val="solid"/>
+                    </a:lnTlToBr>
+                    <a:lnBlToTr w="12700" cmpd="sng">
+                      <a:noFill/>
+                      <a:prstDash val="solid"/>
+                    </a:lnBlToTr>
+                  </a:tcPr>
+                </a:tc>
+                <a:tc>
+                  <a:txBody>
+                    <a:bodyPr/>
+                    <a:lstStyle/>
+                    <a:p>
+                      <a:r>
+                        <a:rPr lang="en-US" sz="1200" baseline="0" dirty="0" smtClean="0"/>
+                        <a:t>Write Section 5.1. U Values, 5.2. Space heating</a:t>
+                      </a:r>
+                    </a:p>
+                  </a:txBody>
+                  <a:tcPr>
+                    <a:lnL w="12700" cmpd="sng">
+                      <a:noFill/>
+                    </a:lnL>
+                    <a:lnR w="12700" cmpd="sng">
+                      <a:noFill/>
+                    </a:lnR>
+                    <a:lnTlToBr w="12700" cmpd="sng">
+                      <a:noFill/>
+                      <a:prstDash val="solid"/>
+                    </a:lnTlToBr>
+                    <a:lnBlToTr w="12700" cmpd="sng">
+                      <a:noFill/>
+                      <a:prstDash val="solid"/>
+                    </a:lnBlToTr>
+                    <a:solidFill>
+                      <a:srgbClr val="EBECE7"/>
+                    </a:solidFill>
+                  </a:tcPr>
+                </a:tc>
+                <a:tc>
+                  <a:txBody>
+                    <a:bodyPr/>
+                    <a:lstStyle/>
+                    <a:p>
+                      <a:pPr marL="0" marR="0" lvl="0" indent="0" algn="l" defTabSz="914400" rtl="0" eaLnBrk="1" fontAlgn="auto" latinLnBrk="0" hangingPunct="1">
+                        <a:lnSpc>
+                          <a:spcPct val="100000"/>
+                        </a:lnSpc>
+                        <a:spcBef>
+                          <a:spcPts val="0"/>
+                        </a:spcBef>
+                        <a:spcAft>
+                          <a:spcPts val="0"/>
+                        </a:spcAft>
+                        <a:buClrTx/>
+                        <a:buSzTx/>
+                        <a:buFontTx/>
+                        <a:buNone/>
+                        <a:tabLst/>
+                        <a:defRPr/>
+                      </a:pPr>
+                      <a:endParaRPr lang="en-US" sz="1200" kern="1200" baseline="0" dirty="0">
+                        <a:solidFill>
+                          <a:schemeClr val="dk1"/>
+                        </a:solidFill>
+                        <a:latin typeface="+mn-lt"/>
+                        <a:ea typeface="+mn-ea"/>
+                        <a:cs typeface="+mn-cs"/>
+                      </a:endParaRPr>
+                    </a:p>
+                  </a:txBody>
+                  <a:tcPr>
+                    <a:lnL w="12700" cmpd="sng">
+                      <a:noFill/>
+                    </a:lnL>
+                    <a:lnR w="12700" cmpd="sng">
+                      <a:noFill/>
+                    </a:lnR>
+                    <a:lnTlToBr w="12700" cmpd="sng">
+                      <a:noFill/>
+                      <a:prstDash val="solid"/>
+                    </a:lnTlToBr>
+                    <a:lnBlToTr w="12700" cmpd="sng">
+                      <a:noFill/>
+                      <a:prstDash val="solid"/>
+                    </a:lnBlToTr>
+                    <a:solidFill>
+                      <a:srgbClr val="EBECE7"/>
+                    </a:solidFill>
+                  </a:tcPr>
+                </a:tc>
+                <a:extLst>
+                  <a:ext uri="{0D108BD9-81ED-4DB2-BD59-A6C34878D82A}">
+                    <a16:rowId xmlns:a16="http://schemas.microsoft.com/office/drawing/2014/main" val="1032056699"/>
+                  </a:ext>
+                </a:extLst>
+              </a:tr>
+              <a:tr h="402178">
+                <a:tc>
+                  <a:txBody>
+                    <a:bodyPr/>
+                    <a:lstStyle/>
+                    <a:p>
+                      <a:r>
+                        <a:rPr lang="en-US" sz="1200" dirty="0" smtClean="0"/>
+                        <a:t>24 Jan</a:t>
+                      </a:r>
+                      <a:endParaRPr lang="en-US" sz="1200" dirty="0"/>
+                    </a:p>
+                  </a:txBody>
+                  <a:tcPr>
+                    <a:lnL w="12700" cmpd="sng">
+                      <a:noFill/>
+                    </a:lnL>
+                    <a:lnR w="12700" cmpd="sng">
+                      <a:noFill/>
+                    </a:lnR>
+                    <a:lnTlToBr w="12700" cmpd="sng">
+                      <a:noFill/>
+                      <a:prstDash val="solid"/>
+                    </a:lnTlToBr>
+                    <a:lnBlToTr w="12700" cmpd="sng">
+                      <a:noFill/>
+                      <a:prstDash val="solid"/>
+                    </a:lnBlToTr>
+                  </a:tcPr>
+                </a:tc>
+                <a:tc>
+                  <a:txBody>
+                    <a:bodyPr/>
+                    <a:lstStyle/>
+                    <a:p>
+                      <a:r>
+                        <a:rPr lang="en-US" sz="1200" baseline="0" dirty="0" smtClean="0"/>
+                        <a:t>Write </a:t>
+                      </a:r>
+                      <a:r>
+                        <a:rPr lang="en-US" sz="1200" baseline="0" dirty="0" smtClean="0"/>
+                        <a:t>Section 5.3. LCA </a:t>
+                      </a:r>
+                    </a:p>
+                  </a:txBody>
+                  <a:tcPr>
+                    <a:lnL w="12700" cmpd="sng">
+                      <a:noFill/>
+                    </a:lnL>
+                    <a:lnR w="12700" cmpd="sng">
+                      <a:noFill/>
+                    </a:lnR>
+                    <a:lnTlToBr w="12700" cmpd="sng">
+                      <a:noFill/>
+                      <a:prstDash val="solid"/>
+                    </a:lnTlToBr>
+                    <a:lnBlToTr w="12700" cmpd="sng">
+                      <a:noFill/>
+                      <a:prstDash val="solid"/>
+                    </a:lnBlToTr>
+                    <a:solidFill>
+                      <a:srgbClr val="D5D7CC"/>
+                    </a:solidFill>
+                  </a:tcPr>
+                </a:tc>
+                <a:tc>
+                  <a:txBody>
+                    <a:bodyPr/>
+                    <a:lstStyle/>
+                    <a:p>
+                      <a:pPr marL="0" marR="0" lvl="0" indent="0" algn="l" defTabSz="914400" rtl="0" eaLnBrk="1" fontAlgn="auto" latinLnBrk="0" hangingPunct="1">
+                        <a:lnSpc>
+                          <a:spcPct val="100000"/>
+                        </a:lnSpc>
+                        <a:spcBef>
+                          <a:spcPts val="0"/>
+                        </a:spcBef>
+                        <a:spcAft>
+                          <a:spcPts val="0"/>
+                        </a:spcAft>
+                        <a:buClrTx/>
+                        <a:buSzTx/>
+                        <a:buFontTx/>
+                        <a:buNone/>
+                        <a:tabLst/>
+                        <a:defRPr/>
+                      </a:pPr>
+                      <a:r>
+                        <a:rPr lang="en-US" sz="1200" dirty="0" smtClean="0"/>
+                        <a:t>Review  sections 5.1-5.3 </a:t>
+                      </a:r>
+                    </a:p>
+                  </a:txBody>
+                  <a:tcPr>
+                    <a:lnL w="12700" cmpd="sng">
+                      <a:noFill/>
+                    </a:lnL>
+                    <a:lnR w="12700" cmpd="sng">
+                      <a:noFill/>
+                    </a:lnR>
+                    <a:lnTlToBr w="12700" cmpd="sng">
+                      <a:noFill/>
+                      <a:prstDash val="solid"/>
+                    </a:lnTlToBr>
+                    <a:lnBlToTr w="12700" cmpd="sng">
+                      <a:noFill/>
+                      <a:prstDash val="solid"/>
+                    </a:lnBlToTr>
+                  </a:tcPr>
+                </a:tc>
+                <a:extLst>
+                  <a:ext uri="{0D108BD9-81ED-4DB2-BD59-A6C34878D82A}">
+                    <a16:rowId xmlns:a16="http://schemas.microsoft.com/office/drawing/2014/main" val="1690706421"/>
+                  </a:ext>
+                </a:extLst>
+              </a:tr>
+              <a:tr h="402178">
+                <a:tc>
+                  <a:txBody>
+                    <a:bodyPr/>
+                    <a:lstStyle/>
+                    <a:p>
+                      <a:r>
+                        <a:rPr lang="en-US" sz="1200" dirty="0" smtClean="0"/>
+                        <a:t>25 Jan</a:t>
+                      </a:r>
+                      <a:endParaRPr lang="en-US" sz="1200" dirty="0"/>
+                    </a:p>
+                  </a:txBody>
+                  <a:tcPr>
+                    <a:lnL w="12700" cmpd="sng">
+                      <a:noFill/>
+                    </a:lnL>
+                    <a:lnR w="12700" cmpd="sng">
+                      <a:noFill/>
+                    </a:lnR>
+                    <a:lnTlToBr w="12700" cmpd="sng">
+                      <a:noFill/>
+                      <a:prstDash val="solid"/>
+                    </a:lnTlToBr>
+                    <a:lnBlToTr w="12700" cmpd="sng">
+                      <a:noFill/>
+                      <a:prstDash val="solid"/>
+                    </a:lnBlToTr>
+                  </a:tcPr>
+                </a:tc>
+                <a:tc>
+                  <a:txBody>
+                    <a:bodyPr/>
+                    <a:lstStyle/>
+                    <a:p>
+                      <a:r>
+                        <a:rPr lang="en-US" sz="1200" baseline="0" dirty="0" smtClean="0"/>
+                        <a:t>Scenarios results + Write Section 5.4 Scenarios</a:t>
+                      </a:r>
+                    </a:p>
+                  </a:txBody>
+                  <a:tcPr>
+                    <a:lnL w="12700" cmpd="sng">
+                      <a:noFill/>
+                    </a:lnL>
+                    <a:lnR w="12700" cmpd="sng">
+                      <a:noFill/>
+                    </a:lnR>
+                    <a:lnTlToBr w="12700" cmpd="sng">
+                      <a:noFill/>
+                      <a:prstDash val="solid"/>
+                    </a:lnTlToBr>
+                    <a:lnBlToTr w="12700" cmpd="sng">
+                      <a:noFill/>
+                      <a:prstDash val="solid"/>
+                    </a:lnBlToTr>
+                    <a:solidFill>
+                      <a:srgbClr val="EBECE7"/>
+                    </a:solidFill>
+                  </a:tcPr>
+                </a:tc>
+                <a:tc>
+                  <a:txBody>
+                    <a:bodyPr/>
+                    <a:lstStyle/>
+                    <a:p>
+                      <a:pPr marL="0" marR="0" lvl="0" indent="0" algn="l" defTabSz="914400" rtl="0" eaLnBrk="1" fontAlgn="auto" latinLnBrk="0" hangingPunct="1">
+                        <a:lnSpc>
+                          <a:spcPct val="100000"/>
+                        </a:lnSpc>
+                        <a:spcBef>
+                          <a:spcPts val="0"/>
+                        </a:spcBef>
+                        <a:spcAft>
+                          <a:spcPts val="0"/>
+                        </a:spcAft>
+                        <a:buClrTx/>
+                        <a:buSzTx/>
+                        <a:buFontTx/>
+                        <a:buNone/>
+                        <a:tabLst/>
+                        <a:defRPr/>
+                      </a:pPr>
+                      <a:r>
+                        <a:rPr lang="en-US" sz="1200" dirty="0" smtClean="0"/>
+                        <a:t>Review  section 5.4</a:t>
+                      </a:r>
+                      <a:r>
+                        <a:rPr lang="en-US" sz="1200" baseline="0" dirty="0" smtClean="0"/>
+                        <a:t> + Discussion pointers </a:t>
+                      </a:r>
+                      <a:endParaRPr lang="en-US" sz="1200" dirty="0"/>
+                    </a:p>
+                  </a:txBody>
+                  <a:tcPr>
+                    <a:lnL w="12700" cmpd="sng">
+                      <a:noFill/>
+                    </a:lnL>
+                    <a:lnR w="12700" cmpd="sng">
+                      <a:noFill/>
+                    </a:lnR>
+                    <a:lnTlToBr w="12700" cmpd="sng">
+                      <a:noFill/>
+                      <a:prstDash val="solid"/>
+                    </a:lnTlToBr>
+                    <a:lnBlToTr w="12700" cmpd="sng">
+                      <a:noFill/>
+                      <a:prstDash val="solid"/>
+                    </a:lnBlToTr>
+                  </a:tcPr>
+                </a:tc>
+                <a:extLst>
+                  <a:ext uri="{0D108BD9-81ED-4DB2-BD59-A6C34878D82A}">
+                    <a16:rowId xmlns:a16="http://schemas.microsoft.com/office/drawing/2014/main" val="4172895102"/>
+                  </a:ext>
+                </a:extLst>
+              </a:tr>
+              <a:tr h="402178">
+                <a:tc>
+                  <a:txBody>
+                    <a:bodyPr/>
+                    <a:lstStyle/>
+                    <a:p>
+                      <a:r>
+                        <a:rPr lang="en-US" sz="1200" dirty="0" smtClean="0"/>
+                        <a:t>26</a:t>
+                      </a:r>
+                      <a:r>
+                        <a:rPr lang="en-US" sz="1200" baseline="0" dirty="0" smtClean="0"/>
+                        <a:t> Jan</a:t>
+                      </a:r>
+                      <a:endParaRPr lang="en-US" sz="1200" dirty="0"/>
+                    </a:p>
+                  </a:txBody>
+                  <a:tcPr>
+                    <a:lnL w="12700" cmpd="sng">
+                      <a:noFill/>
+                    </a:lnL>
+                    <a:lnR w="12700" cmpd="sng">
+                      <a:noFill/>
+                    </a:lnR>
+                    <a:lnB w="12700" cap="flat" cmpd="sng" algn="ctr">
+                      <a:noFill/>
+                      <a:prstDash val="solid"/>
+                      <a:round/>
+                      <a:headEnd type="none" w="med" len="med"/>
+                      <a:tailEnd type="none" w="med" len="med"/>
+                    </a:lnB>
+                    <a:lnTlToBr w="12700" cmpd="sng">
+                      <a:noFill/>
+                      <a:prstDash val="solid"/>
+                    </a:lnTlToBr>
+                    <a:lnBlToTr w="12700" cmpd="sng">
+                      <a:noFill/>
+                      <a:prstDash val="solid"/>
+                    </a:lnBlToTr>
+                  </a:tcPr>
+                </a:tc>
+                <a:tc>
+                  <a:txBody>
+                    <a:bodyPr/>
+                    <a:lstStyle/>
+                    <a:p>
+                      <a:r>
+                        <a:rPr lang="en-US" sz="1200" baseline="0" dirty="0" smtClean="0"/>
+                        <a:t>Discussion points / writing </a:t>
+                      </a:r>
+                    </a:p>
+                  </a:txBody>
+                  <a:tcPr>
+                    <a:lnL w="12700" cmpd="sng">
+                      <a:noFill/>
+                    </a:lnL>
+                    <a:lnR w="12700" cmpd="sng">
+                      <a:noFill/>
+                    </a:lnR>
+                    <a:lnB w="12700" cap="flat" cmpd="sng" algn="ctr">
+                      <a:noFill/>
+                      <a:prstDash val="solid"/>
+                      <a:round/>
+                      <a:headEnd type="none" w="med" len="med"/>
+                      <a:tailEnd type="none" w="med" len="med"/>
+                    </a:lnB>
+                    <a:lnTlToBr w="12700" cmpd="sng">
+                      <a:noFill/>
+                      <a:prstDash val="solid"/>
+                    </a:lnTlToBr>
+                    <a:lnBlToTr w="12700" cmpd="sng">
+                      <a:noFill/>
+                      <a:prstDash val="solid"/>
+                    </a:lnBlToTr>
+                    <a:solidFill>
+                      <a:srgbClr val="D5D7CC"/>
+                    </a:solidFill>
+                  </a:tcPr>
+                </a:tc>
+                <a:tc>
+                  <a:txBody>
+                    <a:bodyPr/>
+                    <a:lstStyle/>
+                    <a:p>
+                      <a:pPr marL="0" marR="0" lvl="0" indent="0" algn="l" defTabSz="914400" rtl="0" eaLnBrk="1" fontAlgn="auto" latinLnBrk="0" hangingPunct="1">
+                        <a:lnSpc>
+                          <a:spcPct val="100000"/>
+                        </a:lnSpc>
+                        <a:spcBef>
+                          <a:spcPts val="0"/>
+                        </a:spcBef>
+                        <a:spcAft>
+                          <a:spcPts val="0"/>
+                        </a:spcAft>
+                        <a:buClrTx/>
+                        <a:buSzTx/>
+                        <a:buFontTx/>
+                        <a:buNone/>
+                        <a:tabLst/>
+                        <a:defRPr/>
+                      </a:pPr>
+                      <a:r>
+                        <a:rPr lang="en-US" sz="1200" dirty="0" smtClean="0"/>
+                        <a:t>Discussion review +</a:t>
+                      </a:r>
+                      <a:r>
+                        <a:rPr lang="en-US" sz="1200" baseline="0" dirty="0" smtClean="0"/>
+                        <a:t> </a:t>
+                      </a:r>
+                      <a:r>
+                        <a:rPr lang="en-US" sz="1200" dirty="0" smtClean="0"/>
+                        <a:t>Send draft Steffi</a:t>
+                      </a:r>
+                      <a:endParaRPr lang="en-US" sz="1200" dirty="0"/>
+                    </a:p>
+                  </a:txBody>
+                  <a:tcPr>
+                    <a:lnL w="12700" cmpd="sng">
+                      <a:noFill/>
+                    </a:lnL>
+                    <a:lnR w="12700" cmpd="sng">
+                      <a:noFill/>
+                    </a:lnR>
+                    <a:lnB w="12700" cap="flat" cmpd="sng" algn="ctr">
+                      <a:noFill/>
+                      <a:prstDash val="solid"/>
+                      <a:round/>
+                      <a:headEnd type="none" w="med" len="med"/>
+                      <a:tailEnd type="none" w="med" len="med"/>
+                    </a:lnB>
+                    <a:lnTlToBr w="12700" cmpd="sng">
+                      <a:noFill/>
+                      <a:prstDash val="solid"/>
+                    </a:lnTlToBr>
+                    <a:lnBlToTr w="12700" cmpd="sng">
+                      <a:noFill/>
+                      <a:prstDash val="solid"/>
+                    </a:lnBlToTr>
+                  </a:tcPr>
+                </a:tc>
+                <a:extLst>
+                  <a:ext uri="{0D108BD9-81ED-4DB2-BD59-A6C34878D82A}">
+                    <a16:rowId xmlns:a16="http://schemas.microsoft.com/office/drawing/2014/main" val="3670418372"/>
+                  </a:ext>
+                </a:extLst>
+              </a:tr>
+              <a:tr h="402178">
+                <a:tc>
+                  <a:txBody>
+                    <a:bodyPr/>
+                    <a:lstStyle/>
+                    <a:p>
+                      <a:r>
+                        <a:rPr lang="en-US" sz="1200" dirty="0" smtClean="0"/>
+                        <a:t>27</a:t>
+                      </a:r>
+                      <a:r>
+                        <a:rPr lang="en-US" sz="1200" baseline="0" dirty="0" smtClean="0"/>
+                        <a:t> Jan</a:t>
+                      </a:r>
+                      <a:endParaRPr lang="en-US" sz="1200" dirty="0"/>
+                    </a:p>
+                  </a:txBody>
+                  <a:tcPr>
+                    <a:lnL w="12700" cmpd="sng">
+                      <a:noFill/>
+                    </a:lnL>
+                    <a:lnR w="12700" cmpd="sng">
+                      <a:noFill/>
+                    </a:lnR>
+                    <a:lnT w="12700" cap="flat" cmpd="sng" algn="ctr">
+                      <a:noFill/>
+                      <a:prstDash val="solid"/>
+                      <a:round/>
+                      <a:headEnd type="none" w="med" len="med"/>
+                      <a:tailEnd type="none" w="med" len="med"/>
+                    </a:lnT>
+                    <a:lnB w="12700" cmpd="sng">
+                      <a:noFill/>
+                    </a:lnB>
+                    <a:lnTlToBr w="12700" cmpd="sng">
+                      <a:noFill/>
+                      <a:prstDash val="solid"/>
+                    </a:lnTlToBr>
+                    <a:lnBlToTr w="12700" cmpd="sng">
+                      <a:noFill/>
+                      <a:prstDash val="solid"/>
+                    </a:lnBlToTr>
+                  </a:tcPr>
+                </a:tc>
+                <a:tc>
+                  <a:txBody>
+                    <a:bodyPr/>
+                    <a:lstStyle/>
+                    <a:p>
+                      <a:r>
+                        <a:rPr lang="en-US" sz="1200" baseline="0" dirty="0" smtClean="0"/>
+                        <a:t>Conclusion  + Abstract</a:t>
+                      </a:r>
+                    </a:p>
+                  </a:txBody>
+                  <a:tcPr>
+                    <a:lnL w="12700" cmpd="sng">
+                      <a:noFill/>
+                    </a:lnL>
+                    <a:lnR w="12700" cmpd="sng">
+                      <a:noFill/>
+                    </a:lnR>
+                    <a:lnT w="12700" cap="flat" cmpd="sng" algn="ctr">
+                      <a:noFill/>
+                      <a:prstDash val="solid"/>
+                      <a:round/>
+                      <a:headEnd type="none" w="med" len="med"/>
+                      <a:tailEnd type="none" w="med" len="med"/>
+                    </a:lnT>
+                    <a:lnB w="12700" cmpd="sng">
+                      <a:noFill/>
+                    </a:lnB>
+                    <a:lnTlToBr w="12700" cmpd="sng">
+                      <a:noFill/>
+                      <a:prstDash val="solid"/>
+                    </a:lnTlToBr>
+                    <a:lnBlToTr w="12700" cmpd="sng">
+                      <a:noFill/>
+                      <a:prstDash val="solid"/>
+                    </a:lnBlToTr>
+                    <a:solidFill>
+                      <a:srgbClr val="EBECE7"/>
+                    </a:solidFill>
+                  </a:tcPr>
+                </a:tc>
+                <a:tc>
+                  <a:txBody>
+                    <a:bodyPr/>
+                    <a:lstStyle/>
+                    <a:p>
+                      <a:pPr marL="0" marR="0" lvl="0" indent="0" algn="l" defTabSz="914400" rtl="0" eaLnBrk="1" fontAlgn="auto" latinLnBrk="0" hangingPunct="1">
+                        <a:lnSpc>
+                          <a:spcPct val="100000"/>
+                        </a:lnSpc>
+                        <a:spcBef>
+                          <a:spcPts val="0"/>
+                        </a:spcBef>
+                        <a:spcAft>
+                          <a:spcPts val="0"/>
+                        </a:spcAft>
+                        <a:buClrTx/>
+                        <a:buSzTx/>
+                        <a:buFontTx/>
+                        <a:buNone/>
+                        <a:tabLst/>
+                        <a:defRPr/>
+                      </a:pPr>
+                      <a:endParaRPr lang="en-US" sz="1200" dirty="0"/>
+                    </a:p>
+                  </a:txBody>
+                  <a:tcPr>
+                    <a:lnL w="12700" cmpd="sng">
+                      <a:noFill/>
+                    </a:lnL>
+                    <a:lnR w="12700" cmpd="sng">
+                      <a:noFill/>
+                    </a:lnR>
+                    <a:lnT w="12700" cap="flat" cmpd="sng" algn="ctr">
+                      <a:noFill/>
+                      <a:prstDash val="solid"/>
+                      <a:round/>
+                      <a:headEnd type="none" w="med" len="med"/>
+                      <a:tailEnd type="none" w="med" len="med"/>
+                    </a:lnT>
+                    <a:lnB w="12700" cmpd="sng">
+                      <a:noFill/>
+                    </a:lnB>
+                    <a:lnTlToBr w="12700" cmpd="sng">
+                      <a:noFill/>
+                      <a:prstDash val="solid"/>
+                    </a:lnTlToBr>
+                    <a:lnBlToTr w="12700" cmpd="sng">
+                      <a:noFill/>
+                      <a:prstDash val="solid"/>
+                    </a:lnBlToTr>
+                  </a:tcPr>
+                </a:tc>
+                <a:extLst>
+                  <a:ext uri="{0D108BD9-81ED-4DB2-BD59-A6C34878D82A}">
+                    <a16:rowId xmlns:a16="http://schemas.microsoft.com/office/drawing/2014/main" val="3414113026"/>
+                  </a:ext>
+                </a:extLst>
+              </a:tr>
+              <a:tr h="402178">
+                <a:tc>
+                  <a:txBody>
+                    <a:bodyPr/>
+                    <a:lstStyle/>
+                    <a:p>
+                      <a:r>
+                        <a:rPr lang="en-US" sz="1200" dirty="0" smtClean="0"/>
+                        <a:t>28-29 </a:t>
+                      </a:r>
+                      <a:r>
+                        <a:rPr lang="en-US" sz="1200" dirty="0" smtClean="0"/>
+                        <a:t>Jan</a:t>
+                      </a:r>
+                      <a:endParaRPr lang="en-US" sz="1200" dirty="0"/>
+                    </a:p>
+                  </a:txBody>
+                  <a:tcPr>
+                    <a:lnL w="12700" cmpd="sng">
+                      <a:noFill/>
+                    </a:lnL>
+                    <a:lnR w="12700" cmpd="sng">
+                      <a:noFill/>
+                    </a:lnR>
+                    <a:lnT w="12700" cmpd="sng">
+                      <a:noFill/>
+                    </a:lnT>
+                    <a:lnB w="12700" cap="flat" cmpd="sng" algn="ctr">
+                      <a:solidFill>
+                        <a:schemeClr val="tx1"/>
+                      </a:solidFill>
+                      <a:prstDash val="solid"/>
+                      <a:round/>
+                      <a:headEnd type="none" w="med" len="med"/>
+                      <a:tailEnd type="none" w="med" len="med"/>
+                    </a:lnB>
+                    <a:lnTlToBr w="12700" cmpd="sng">
+                      <a:noFill/>
+                      <a:prstDash val="solid"/>
+                    </a:lnTlToBr>
+                    <a:lnBlToTr w="12700" cmpd="sng">
+                      <a:noFill/>
+                      <a:prstDash val="solid"/>
+                    </a:lnBlToTr>
+                  </a:tcPr>
+                </a:tc>
+                <a:tc>
+                  <a:txBody>
+                    <a:bodyPr/>
+                    <a:lstStyle/>
+                    <a:p>
+                      <a:r>
+                        <a:rPr lang="en-US" sz="1200" baseline="0" dirty="0" smtClean="0"/>
+                        <a:t>Letter to editor + SI check </a:t>
+                      </a:r>
+                    </a:p>
+                    <a:p>
+                      <a:r>
+                        <a:rPr lang="en-US" sz="1200" baseline="0" dirty="0" smtClean="0"/>
+                        <a:t>Paper overall read (consistency – next slide)</a:t>
+                      </a:r>
+                    </a:p>
+                  </a:txBody>
+                  <a:tcPr>
+                    <a:lnL w="12700" cmpd="sng">
+                      <a:noFill/>
+                    </a:lnL>
+                    <a:lnR w="12700" cmpd="sng">
+                      <a:noFill/>
+                    </a:lnR>
+                    <a:lnT w="12700" cmpd="sng">
+                      <a:noFill/>
+                    </a:lnT>
+                    <a:lnB w="12700" cap="flat" cmpd="sng" algn="ctr">
+                      <a:solidFill>
+                        <a:schemeClr val="tx1"/>
+                      </a:solidFill>
+                      <a:prstDash val="solid"/>
+                      <a:round/>
+                      <a:headEnd type="none" w="med" len="med"/>
+                      <a:tailEnd type="none" w="med" len="med"/>
+                    </a:lnB>
+                    <a:lnTlToBr w="12700" cmpd="sng">
+                      <a:noFill/>
+                      <a:prstDash val="solid"/>
+                    </a:lnTlToBr>
+                    <a:lnBlToTr w="12700" cmpd="sng">
+                      <a:noFill/>
+                      <a:prstDash val="solid"/>
+                    </a:lnBlToTr>
+                    <a:solidFill>
+                      <a:srgbClr val="D5D7CC"/>
+                    </a:solidFill>
+                  </a:tcPr>
+                </a:tc>
+                <a:tc>
+                  <a:txBody>
+                    <a:bodyPr/>
+                    <a:lstStyle/>
+                    <a:p>
+                      <a:pPr marL="0" marR="0" lvl="0" indent="0" algn="l" defTabSz="914400" rtl="0" eaLnBrk="1" fontAlgn="auto" latinLnBrk="0" hangingPunct="1">
+                        <a:lnSpc>
+                          <a:spcPct val="100000"/>
+                        </a:lnSpc>
+                        <a:spcBef>
+                          <a:spcPts val="0"/>
+                        </a:spcBef>
+                        <a:spcAft>
+                          <a:spcPts val="0"/>
+                        </a:spcAft>
+                        <a:buClrTx/>
+                        <a:buSzTx/>
+                        <a:buFontTx/>
+                        <a:buNone/>
+                        <a:tabLst/>
+                        <a:defRPr/>
+                      </a:pPr>
+                      <a:r>
+                        <a:rPr lang="en-US" sz="1200" dirty="0" smtClean="0"/>
+                        <a:t>Final review send Steffi </a:t>
+                      </a:r>
+                    </a:p>
+                    <a:p>
+                      <a:pPr marL="0" marR="0" lvl="0" indent="0" algn="l" defTabSz="914400" rtl="0" eaLnBrk="1" fontAlgn="auto" latinLnBrk="0" hangingPunct="1">
+                        <a:lnSpc>
+                          <a:spcPct val="100000"/>
+                        </a:lnSpc>
+                        <a:spcBef>
+                          <a:spcPts val="0"/>
+                        </a:spcBef>
+                        <a:spcAft>
+                          <a:spcPts val="0"/>
+                        </a:spcAft>
+                        <a:buClrTx/>
+                        <a:buSzTx/>
+                        <a:buFontTx/>
+                        <a:buNone/>
+                        <a:tabLst/>
+                        <a:defRPr/>
+                      </a:pPr>
+                      <a:endParaRPr lang="en-US" sz="1200" dirty="0"/>
+                    </a:p>
+                  </a:txBody>
+                  <a:tcPr>
+                    <a:lnL w="12700" cmpd="sng">
+                      <a:noFill/>
+                    </a:lnL>
+                    <a:lnR w="12700" cmpd="sng">
+                      <a:noFill/>
+                    </a:lnR>
+                    <a:lnT w="12700" cmpd="sng">
+                      <a:noFill/>
+                    </a:lnT>
+                    <a:lnB w="12700" cap="flat" cmpd="sng" algn="ctr">
+                      <a:solidFill>
+                        <a:schemeClr val="tx1"/>
+                      </a:solidFill>
+                      <a:prstDash val="solid"/>
+                      <a:round/>
+                      <a:headEnd type="none" w="med" len="med"/>
+                      <a:tailEnd type="none" w="med" len="med"/>
+                    </a:lnB>
+                    <a:lnTlToBr w="12700" cmpd="sng">
+                      <a:noFill/>
+                      <a:prstDash val="solid"/>
+                    </a:lnTlToBr>
+                    <a:lnBlToTr w="12700" cmpd="sng">
+                      <a:noFill/>
+                      <a:prstDash val="solid"/>
+                    </a:lnBlToTr>
+                  </a:tcPr>
+                </a:tc>
+                <a:extLst>
+                  <a:ext uri="{0D108BD9-81ED-4DB2-BD59-A6C34878D82A}">
+                    <a16:rowId xmlns:a16="http://schemas.microsoft.com/office/drawing/2014/main" val="4121332182"/>
+                  </a:ext>
+                </a:extLst>
+              </a:tr>
+              <a:tr h="402178">
+                <a:tc>
+                  <a:txBody>
+                    <a:bodyPr/>
+                    <a:lstStyle/>
+                    <a:p>
+                      <a:r>
+                        <a:rPr lang="en-US" sz="1200" dirty="0" smtClean="0"/>
+                        <a:t>30 </a:t>
+                      </a:r>
+                      <a:r>
+                        <a:rPr lang="en-US" sz="1200" dirty="0" smtClean="0"/>
+                        <a:t>Jan</a:t>
+                      </a:r>
+                      <a:endParaRPr lang="en-US" sz="1200" dirty="0"/>
+                    </a:p>
+                  </a:txBody>
+                  <a:tcPr>
+                    <a:lnL w="12700" cmpd="sng">
+                      <a:noFill/>
+                    </a:lnL>
+                    <a:lnR w="12700" cmpd="sng">
+                      <a:noFill/>
+                    </a:lnR>
+                    <a:lnT w="12700" cap="flat" cmpd="sng" algn="ctr">
+                      <a:solidFill>
+                        <a:schemeClr val="tx1"/>
+                      </a:solidFill>
+                      <a:prstDash val="solid"/>
+                      <a:round/>
+                      <a:headEnd type="none" w="med" len="med"/>
+                      <a:tailEnd type="none" w="med" len="med"/>
+                    </a:lnT>
+                    <a:lnTlToBr w="12700" cmpd="sng">
+                      <a:noFill/>
+                      <a:prstDash val="solid"/>
+                    </a:lnTlToBr>
+                    <a:lnBlToTr w="12700" cmpd="sng">
+                      <a:noFill/>
+                      <a:prstDash val="solid"/>
+                    </a:lnBlToTr>
+                  </a:tcPr>
+                </a:tc>
+                <a:tc>
+                  <a:txBody>
+                    <a:bodyPr/>
+                    <a:lstStyle/>
+                    <a:p>
+                      <a:r>
+                        <a:rPr lang="en-US" sz="1200" baseline="0" dirty="0" smtClean="0"/>
+                        <a:t>Code check + data push </a:t>
+                      </a:r>
+                      <a:r>
+                        <a:rPr lang="en-US" sz="1200" baseline="0" dirty="0" err="1" smtClean="0"/>
+                        <a:t>Github</a:t>
+                      </a:r>
+                      <a:endParaRPr lang="en-US" sz="1200" baseline="0" dirty="0" smtClean="0"/>
+                    </a:p>
+                  </a:txBody>
+                  <a:tcPr>
+                    <a:lnL w="12700" cmpd="sng">
+                      <a:noFill/>
+                    </a:lnL>
+                    <a:lnR w="12700" cmpd="sng">
+                      <a:noFill/>
+                    </a:lnR>
+                    <a:lnT w="12700" cap="flat" cmpd="sng" algn="ctr">
+                      <a:solidFill>
+                        <a:schemeClr val="tx1"/>
+                      </a:solidFill>
+                      <a:prstDash val="solid"/>
+                      <a:round/>
+                      <a:headEnd type="none" w="med" len="med"/>
+                      <a:tailEnd type="none" w="med" len="med"/>
+                    </a:lnT>
+                    <a:lnTlToBr w="12700" cmpd="sng">
+                      <a:noFill/>
+                      <a:prstDash val="solid"/>
+                    </a:lnTlToBr>
+                    <a:lnBlToTr w="12700" cmpd="sng">
+                      <a:noFill/>
+                      <a:prstDash val="solid"/>
+                    </a:lnBlToTr>
+                    <a:solidFill>
+                      <a:srgbClr val="EBECE7"/>
+                    </a:solidFill>
+                  </a:tcPr>
+                </a:tc>
+                <a:tc>
+                  <a:txBody>
+                    <a:bodyPr/>
+                    <a:lstStyle/>
+                    <a:p>
+                      <a:pPr marL="0" marR="0" lvl="0" indent="0" algn="l" defTabSz="914400" rtl="0" eaLnBrk="1" fontAlgn="auto" latinLnBrk="0" hangingPunct="1">
+                        <a:lnSpc>
+                          <a:spcPct val="100000"/>
+                        </a:lnSpc>
+                        <a:spcBef>
+                          <a:spcPts val="0"/>
+                        </a:spcBef>
+                        <a:spcAft>
+                          <a:spcPts val="0"/>
+                        </a:spcAft>
+                        <a:buClrTx/>
+                        <a:buSzTx/>
+                        <a:buFontTx/>
+                        <a:buNone/>
+                        <a:tabLst/>
+                        <a:defRPr/>
+                      </a:pPr>
+                      <a:endParaRPr lang="en-US" sz="1200" dirty="0"/>
+                    </a:p>
+                  </a:txBody>
+                  <a:tcPr>
+                    <a:lnL w="12700" cmpd="sng">
+                      <a:noFill/>
+                    </a:lnL>
+                    <a:lnR w="12700" cmpd="sng">
+                      <a:noFill/>
+                    </a:lnR>
+                    <a:lnT w="12700" cap="flat" cmpd="sng" algn="ctr">
+                      <a:solidFill>
+                        <a:schemeClr val="tx1"/>
+                      </a:solidFill>
+                      <a:prstDash val="solid"/>
+                      <a:round/>
+                      <a:headEnd type="none" w="med" len="med"/>
+                      <a:tailEnd type="none" w="med" len="med"/>
+                    </a:lnT>
+                    <a:lnTlToBr w="12700" cmpd="sng">
+                      <a:noFill/>
+                      <a:prstDash val="solid"/>
+                    </a:lnTlToBr>
+                    <a:lnBlToTr w="12700" cmpd="sng">
+                      <a:noFill/>
+                      <a:prstDash val="solid"/>
+                    </a:lnBlToTr>
+                  </a:tcPr>
+                </a:tc>
+                <a:extLst>
+                  <a:ext uri="{0D108BD9-81ED-4DB2-BD59-A6C34878D82A}">
+                    <a16:rowId xmlns:a16="http://schemas.microsoft.com/office/drawing/2014/main" val="1646058672"/>
+                  </a:ext>
+                </a:extLst>
+              </a:tr>
+              <a:tr h="402178">
+                <a:tc>
+                  <a:txBody>
+                    <a:bodyPr/>
+                    <a:lstStyle/>
+                    <a:p>
+                      <a:r>
+                        <a:rPr lang="en-US" sz="1200" baseline="0" dirty="0" smtClean="0"/>
+                        <a:t>31 </a:t>
+                      </a:r>
+                      <a:r>
+                        <a:rPr lang="en-US" sz="1200" baseline="0" dirty="0" smtClean="0"/>
+                        <a:t>Jan</a:t>
+                      </a:r>
+                      <a:endParaRPr lang="en-US" sz="1200" dirty="0"/>
+                    </a:p>
+                  </a:txBody>
+                  <a:tcPr>
+                    <a:lnL w="12700" cmpd="sng">
+                      <a:noFill/>
+                    </a:lnL>
+                    <a:lnR w="12700" cmpd="sng">
+                      <a:noFill/>
+                    </a:lnR>
+                    <a:lnTlToBr w="12700" cmpd="sng">
+                      <a:noFill/>
+                      <a:prstDash val="solid"/>
+                    </a:lnTlToBr>
+                    <a:lnBlToTr w="12700" cmpd="sng">
+                      <a:noFill/>
+                      <a:prstDash val="solid"/>
+                    </a:lnBlToTr>
+                  </a:tcPr>
+                </a:tc>
+                <a:tc>
+                  <a:txBody>
+                    <a:bodyPr/>
+                    <a:lstStyle/>
+                    <a:p>
+                      <a:r>
+                        <a:rPr lang="en-US" sz="1200" baseline="0" dirty="0" smtClean="0"/>
+                        <a:t>Check the journal guidelines completely </a:t>
+                      </a:r>
+                      <a:endParaRPr lang="en-US" sz="1200" baseline="0" dirty="0" smtClean="0"/>
+                    </a:p>
+                    <a:p>
+                      <a:pPr marL="0" marR="0" lvl="0" indent="0" algn="l" defTabSz="914400" rtl="0" eaLnBrk="1" fontAlgn="auto" latinLnBrk="0" hangingPunct="1">
+                        <a:lnSpc>
+                          <a:spcPct val="100000"/>
+                        </a:lnSpc>
+                        <a:spcBef>
+                          <a:spcPts val="0"/>
+                        </a:spcBef>
+                        <a:spcAft>
+                          <a:spcPts val="0"/>
+                        </a:spcAft>
+                        <a:buClrTx/>
+                        <a:buSzTx/>
+                        <a:buFontTx/>
+                        <a:buNone/>
+                        <a:tabLst/>
+                        <a:defRPr/>
+                      </a:pPr>
+                      <a:r>
+                        <a:rPr lang="en-US" sz="1200" baseline="0" dirty="0" smtClean="0"/>
+                        <a:t>Submit paper </a:t>
+                      </a:r>
+                    </a:p>
+                  </a:txBody>
+                  <a:tcPr>
+                    <a:lnL w="12700" cmpd="sng">
+                      <a:noFill/>
+                    </a:lnL>
+                    <a:lnR w="12700" cmpd="sng">
+                      <a:noFill/>
+                    </a:lnR>
+                    <a:lnTlToBr w="12700" cmpd="sng">
+                      <a:noFill/>
+                      <a:prstDash val="solid"/>
+                    </a:lnTlToBr>
+                    <a:lnBlToTr w="12700" cmpd="sng">
+                      <a:noFill/>
+                      <a:prstDash val="solid"/>
+                    </a:lnBlToTr>
+                    <a:solidFill>
+                      <a:srgbClr val="D5D7CC"/>
+                    </a:solidFill>
+                  </a:tcPr>
+                </a:tc>
+                <a:tc>
+                  <a:txBody>
+                    <a:bodyPr/>
+                    <a:lstStyle/>
+                    <a:p>
+                      <a:pPr marL="0" marR="0" lvl="0" indent="0" algn="l" defTabSz="914400" rtl="0" eaLnBrk="1" fontAlgn="auto" latinLnBrk="0" hangingPunct="1">
+                        <a:lnSpc>
+                          <a:spcPct val="100000"/>
+                        </a:lnSpc>
+                        <a:spcBef>
+                          <a:spcPts val="0"/>
+                        </a:spcBef>
+                        <a:spcAft>
+                          <a:spcPts val="0"/>
+                        </a:spcAft>
+                        <a:buClrTx/>
+                        <a:buSzTx/>
+                        <a:buFontTx/>
+                        <a:buNone/>
+                        <a:tabLst/>
+                        <a:defRPr/>
+                      </a:pPr>
+                      <a:endParaRPr lang="en-US" sz="1200" dirty="0"/>
+                    </a:p>
+                  </a:txBody>
+                  <a:tcPr>
+                    <a:lnL w="12700" cmpd="sng">
+                      <a:noFill/>
+                    </a:lnL>
+                    <a:lnR w="12700" cmpd="sng">
+                      <a:noFill/>
+                    </a:lnR>
+                    <a:lnTlToBr w="12700" cmpd="sng">
+                      <a:noFill/>
+                      <a:prstDash val="solid"/>
+                    </a:lnTlToBr>
+                    <a:lnBlToTr w="12700" cmpd="sng">
+                      <a:noFill/>
+                      <a:prstDash val="solid"/>
+                    </a:lnBlToTr>
+                  </a:tcPr>
+                </a:tc>
+                <a:extLst>
+                  <a:ext uri="{0D108BD9-81ED-4DB2-BD59-A6C34878D82A}">
+                    <a16:rowId xmlns:a16="http://schemas.microsoft.com/office/drawing/2014/main" val="1290887962"/>
+                  </a:ext>
+                </a:extLst>
+              </a:tr>
+            </a:tbl>
+          </a:graphicData>
+        </a:graphic>
+      </p:graphicFrame>
     </p:spTree>
     <p:extLst>
       <p:ext uri="{BB962C8B-B14F-4D97-AF65-F5344CB8AC3E}">
-        <p14:creationId xmlns:p14="http://schemas.microsoft.com/office/powerpoint/2010/main" val="32840857"/>
+        <p14:creationId xmlns:p14="http://schemas.microsoft.com/office/powerpoint/2010/main" val="4213578599"/>
       </p:ext>
     </p:extLst>
   </p:cSld>
@@ -22253,12 +22957,12 @@
       </p:grpSpPr>
       <p:sp>
         <p:nvSpPr>
-          <p:cNvPr id="3" name="Date Placeholder 2"/>
+          <p:cNvPr id="2" name="Content Placeholder 1"/>
           <p:cNvSpPr>
             <a:spLocks noGrp="1"/>
           </p:cNvSpPr>
           <p:nvPr>
-            <p:ph type="dt" sz="half" idx="10"/>
+            <p:ph idx="1"/>
           </p:nvPr>
         </p:nvSpPr>
         <p:spPr/>
@@ -22266,9 +22970,40 @@
           <a:bodyPr/>
           <a:lstStyle/>
           <a:p>
+            <a:r>
+              <a:rPr lang="en-US" dirty="0" smtClean="0"/>
+              <a:t>12 buildings -&gt; 10 buildings </a:t>
+            </a:r>
+          </a:p>
+          <a:p>
+            <a:r>
+              <a:rPr lang="en-US" dirty="0" smtClean="0"/>
+              <a:t>Comments on the paper</a:t>
+            </a:r>
+          </a:p>
+          <a:p>
+            <a:endParaRPr lang="en-US" dirty="0"/>
+          </a:p>
+        </p:txBody>
+      </p:sp>
+      <p:sp>
+        <p:nvSpPr>
+          <p:cNvPr id="3" name="Date Placeholder 2"/>
+          <p:cNvSpPr>
+            <a:spLocks noGrp="1"/>
+          </p:cNvSpPr>
+          <p:nvPr>
+            <p:ph type="dt" sz="half" idx="10"/>
+          </p:nvPr>
+        </p:nvSpPr>
+        <p:spPr/>
+        <p:txBody>
+          <a:bodyPr/>
+          <a:lstStyle/>
+          <a:p>
             <a:fld id="{FF15E650-2C9B-4E22-B544-79A90AB3DDC1}" type="datetime1">
               <a:rPr lang="de-DE" smtClean="0"/>
-              <a:t>17.01.2023</a:t>
+              <a:t>19.01.2023</a:t>
             </a:fld>
             <a:endParaRPr lang="de-DE"/>
           </a:p>
@@ -22337,40 +23072,16 @@
           <a:p>
             <a:r>
               <a:rPr lang="en-US" dirty="0" smtClean="0"/>
-              <a:t>U Values</a:t>
+              <a:t>Checks for consistency of the paper</a:t>
             </a:r>
             <a:endParaRPr lang="en-US" dirty="0"/>
           </a:p>
         </p:txBody>
       </p:sp>
-      <p:graphicFrame>
-        <p:nvGraphicFramePr>
-          <p:cNvPr id="8" name="Chart 7"/>
-          <p:cNvGraphicFramePr>
-            <a:graphicFrameLocks/>
-          </p:cNvGraphicFramePr>
-          <p:nvPr>
-            <p:extLst>
-              <p:ext uri="{D42A27DB-BD31-4B8C-83A1-F6EECF244321}">
-                <p14:modId xmlns:p14="http://schemas.microsoft.com/office/powerpoint/2010/main" val="1665658394"/>
-              </p:ext>
-            </p:extLst>
-          </p:nvPr>
-        </p:nvGraphicFramePr>
-        <p:xfrm>
-          <a:off x="323850" y="1852586"/>
-          <a:ext cx="8302501" cy="4114460"/>
-        </p:xfrm>
-        <a:graphic>
-          <a:graphicData uri="http://schemas.openxmlformats.org/drawingml/2006/chart">
-            <c:chart xmlns:c="http://schemas.openxmlformats.org/drawingml/2006/chart" xmlns:r="http://schemas.openxmlformats.org/officeDocument/2006/relationships" r:id="rId2"/>
-          </a:graphicData>
-        </a:graphic>
-      </p:graphicFrame>
     </p:spTree>
     <p:extLst>
       <p:ext uri="{BB962C8B-B14F-4D97-AF65-F5344CB8AC3E}">
-        <p14:creationId xmlns:p14="http://schemas.microsoft.com/office/powerpoint/2010/main" val="990010030"/>
+        <p14:creationId xmlns:p14="http://schemas.microsoft.com/office/powerpoint/2010/main" val="32840857"/>
       </p:ext>
     </p:extLst>
   </p:cSld>
@@ -22380,13 +23091,6 @@
   <p:transition>
     <p:fade/>
   </p:transition>
-  <p:timing>
-    <p:tnLst>
-      <p:par>
-        <p:cTn id="1" dur="indefinite" restart="never" nodeType="tmRoot"/>
-      </p:par>
-    </p:tnLst>
-  </p:timing>
 </p:sld>
 </file>
 
@@ -22409,12 +23113,12 @@
       </p:grpSpPr>
       <p:sp>
         <p:nvSpPr>
-          <p:cNvPr id="2" name="Content Placeholder 1"/>
+          <p:cNvPr id="3" name="Date Placeholder 2"/>
           <p:cNvSpPr>
             <a:spLocks noGrp="1"/>
           </p:cNvSpPr>
           <p:nvPr>
-            <p:ph idx="1"/>
+            <p:ph type="dt" sz="half" idx="10"/>
           </p:nvPr>
         </p:nvSpPr>
         <p:spPr/>
@@ -22422,109 +23126,9 @@
           <a:bodyPr/>
           <a:lstStyle/>
           <a:p>
-            <a:pPr marL="457200" indent="-457200">
-              <a:buAutoNum type="arabicPeriod"/>
-            </a:pPr>
-            <a:r>
-              <a:rPr lang="en-US" dirty="0" smtClean="0"/>
-              <a:t>Overall </a:t>
-            </a:r>
-            <a:r>
-              <a:rPr lang="en-US" dirty="0"/>
-              <a:t>LCA </a:t>
-            </a:r>
-          </a:p>
-          <a:p>
-            <a:pPr marL="457200" indent="-457200">
-              <a:buAutoNum type="arabicPeriod"/>
-            </a:pPr>
-            <a:r>
-              <a:rPr lang="en-US" dirty="0" smtClean="0"/>
-              <a:t>Embodied emissions</a:t>
-            </a:r>
-          </a:p>
-          <a:p>
-            <a:pPr marL="722313" lvl="1" indent="-457200">
-              <a:buFont typeface="Wingdings" pitchFamily="2" charset="2"/>
-              <a:buAutoNum type="arabicPeriod"/>
-            </a:pPr>
-            <a:r>
-              <a:rPr lang="en-US" dirty="0"/>
-              <a:t>Components of the building </a:t>
-            </a:r>
-          </a:p>
-          <a:p>
-            <a:pPr marL="457200" indent="-457200">
-              <a:buFont typeface="Wingdings" pitchFamily="2" charset="2"/>
-              <a:buAutoNum type="arabicPeriod"/>
-            </a:pPr>
-            <a:r>
-              <a:rPr lang="en-US" dirty="0" smtClean="0"/>
-              <a:t>Operational emissions</a:t>
-            </a:r>
-          </a:p>
-          <a:p>
-            <a:pPr marL="722313" lvl="1" indent="-457200">
-              <a:buFont typeface="Wingdings" pitchFamily="2" charset="2"/>
-              <a:buAutoNum type="arabicPeriod"/>
-            </a:pPr>
-            <a:r>
-              <a:rPr lang="en-US" dirty="0" smtClean="0"/>
-              <a:t>Space heating</a:t>
-            </a:r>
-          </a:p>
-          <a:p>
-            <a:pPr marL="722313" lvl="1" indent="-457200">
-              <a:buFont typeface="Wingdings" pitchFamily="2" charset="2"/>
-              <a:buAutoNum type="arabicPeriod"/>
-            </a:pPr>
-            <a:r>
-              <a:rPr lang="en-US" dirty="0" smtClean="0"/>
-              <a:t>Ventilation </a:t>
-            </a:r>
-            <a:endParaRPr lang="en-US" dirty="0"/>
-          </a:p>
-          <a:p>
-            <a:pPr lvl="1"/>
-            <a:endParaRPr lang="en-US" dirty="0"/>
-          </a:p>
-          <a:p>
-            <a:pPr marL="457200" indent="-457200">
-              <a:buAutoNum type="arabicPeriod"/>
-            </a:pPr>
-            <a:endParaRPr lang="en-US" dirty="0"/>
-          </a:p>
-          <a:p>
-            <a:pPr lvl="1"/>
-            <a:endParaRPr lang="en-US" dirty="0"/>
-          </a:p>
-          <a:p>
-            <a:pPr lvl="1"/>
-            <a:endParaRPr lang="en-US" dirty="0"/>
-          </a:p>
-          <a:p>
-            <a:endParaRPr lang="en-US" dirty="0"/>
-          </a:p>
-        </p:txBody>
-      </p:sp>
-      <p:sp>
-        <p:nvSpPr>
-          <p:cNvPr id="3" name="Date Placeholder 2"/>
-          <p:cNvSpPr>
-            <a:spLocks noGrp="1"/>
-          </p:cNvSpPr>
-          <p:nvPr>
-            <p:ph type="dt" sz="half" idx="10"/>
-          </p:nvPr>
-        </p:nvSpPr>
-        <p:spPr/>
-        <p:txBody>
-          <a:bodyPr/>
-          <a:lstStyle/>
-          <a:p>
             <a:fld id="{FF15E650-2C9B-4E22-B544-79A90AB3DDC1}" type="datetime1">
               <a:rPr lang="de-DE" smtClean="0"/>
-              <a:t>17.01.2023</a:t>
+              <a:t>19.01.2023</a:t>
             </a:fld>
             <a:endParaRPr lang="de-DE"/>
           </a:p>
@@ -22593,16 +23197,40 @@
           <a:p>
             <a:r>
               <a:rPr lang="en-US" dirty="0" smtClean="0"/>
-              <a:t>Results </a:t>
+              <a:t>U Values</a:t>
             </a:r>
             <a:endParaRPr lang="en-US" dirty="0"/>
           </a:p>
         </p:txBody>
       </p:sp>
+      <p:graphicFrame>
+        <p:nvGraphicFramePr>
+          <p:cNvPr id="8" name="Chart 7"/>
+          <p:cNvGraphicFramePr>
+            <a:graphicFrameLocks/>
+          </p:cNvGraphicFramePr>
+          <p:nvPr>
+            <p:extLst>
+              <p:ext uri="{D42A27DB-BD31-4B8C-83A1-F6EECF244321}">
+                <p14:modId xmlns:p14="http://schemas.microsoft.com/office/powerpoint/2010/main" val="1665658394"/>
+              </p:ext>
+            </p:extLst>
+          </p:nvPr>
+        </p:nvGraphicFramePr>
+        <p:xfrm>
+          <a:off x="323850" y="1852586"/>
+          <a:ext cx="8302501" cy="4114460"/>
+        </p:xfrm>
+        <a:graphic>
+          <a:graphicData uri="http://schemas.openxmlformats.org/drawingml/2006/chart">
+            <c:chart xmlns:c="http://schemas.openxmlformats.org/drawingml/2006/chart" xmlns:r="http://schemas.openxmlformats.org/officeDocument/2006/relationships" r:id="rId2"/>
+          </a:graphicData>
+        </a:graphic>
+      </p:graphicFrame>
     </p:spTree>
     <p:extLst>
       <p:ext uri="{BB962C8B-B14F-4D97-AF65-F5344CB8AC3E}">
-        <p14:creationId xmlns:p14="http://schemas.microsoft.com/office/powerpoint/2010/main" val="1469761683"/>
+        <p14:creationId xmlns:p14="http://schemas.microsoft.com/office/powerpoint/2010/main" val="990010030"/>
       </p:ext>
     </p:extLst>
   </p:cSld>
@@ -22654,104 +23282,88 @@
           <a:bodyPr/>
           <a:lstStyle/>
           <a:p>
-            <a:pPr marL="342900" indent="-342900">
+            <a:pPr marL="457200" indent="-457200">
               <a:buAutoNum type="arabicPeriod"/>
             </a:pPr>
             <a:r>
-              <a:rPr lang="en-US" sz="1800" dirty="0" smtClean="0"/>
-              <a:t>Overall LCA </a:t>
+              <a:rPr lang="en-US" dirty="0" smtClean="0"/>
+              <a:t>Overall </a:t>
             </a:r>
-          </a:p>
-          <a:p>
-            <a:pPr marL="342900" indent="-342900">
+            <a:r>
+              <a:rPr lang="en-US" dirty="0"/>
+              <a:t>LCA </a:t>
+            </a:r>
+          </a:p>
+          <a:p>
+            <a:pPr marL="457200" indent="-457200">
               <a:buAutoNum type="arabicPeriod"/>
             </a:pPr>
             <a:r>
-              <a:rPr lang="en-US" sz="1800" dirty="0" smtClean="0"/>
-              <a:t>Embodied </a:t>
+              <a:rPr lang="en-US" dirty="0" smtClean="0"/>
+              <a:t>Embodied emissions</a:t>
             </a:r>
-            <a:r>
-              <a:rPr lang="en-US" sz="1800" dirty="0"/>
-              <a:t>emissions</a:t>
-            </a:r>
-          </a:p>
-          <a:p>
-            <a:pPr lvl="1"/>
-            <a:r>
-              <a:rPr lang="en-US" sz="1800" dirty="0"/>
-              <a:t>Components of the building </a:t>
-            </a:r>
-          </a:p>
-          <a:p>
-            <a:pPr lvl="1"/>
-            <a:r>
-              <a:rPr lang="en-US" sz="1800" dirty="0"/>
-              <a:t>+ Transportation</a:t>
-            </a:r>
-          </a:p>
-          <a:p>
-            <a:pPr lvl="2"/>
-            <a:r>
-              <a:rPr lang="en-US" sz="1600" dirty="0"/>
-              <a:t>as assumed by Viola - lorry transportation of local and not local material till the building site)</a:t>
-            </a:r>
-            <a:endParaRPr lang="en-US" sz="1800" dirty="0" smtClean="0"/>
-          </a:p>
-          <a:p>
-            <a:pPr marL="342900" indent="-342900">
+          </a:p>
+          <a:p>
+            <a:pPr marL="722313" lvl="1" indent="-457200">
+              <a:buFont typeface="Wingdings" pitchFamily="2" charset="2"/>
               <a:buAutoNum type="arabicPeriod"/>
             </a:pPr>
             <a:r>
-              <a:rPr lang="en-US" sz="1800" dirty="0" smtClean="0"/>
+              <a:rPr lang="en-US" dirty="0"/>
+              <a:t>Components of the building </a:t>
+            </a:r>
+          </a:p>
+          <a:p>
+            <a:pPr marL="457200" indent="-457200">
+              <a:buFont typeface="Wingdings" pitchFamily="2" charset="2"/>
+              <a:buAutoNum type="arabicPeriod"/>
+            </a:pPr>
+            <a:r>
+              <a:rPr lang="en-US" dirty="0" smtClean="0"/>
               <a:t>Operational emissions</a:t>
             </a:r>
           </a:p>
           <a:p>
-            <a:pPr lvl="1"/>
+            <a:pPr marL="722313" lvl="1" indent="-457200">
+              <a:buFont typeface="Wingdings" pitchFamily="2" charset="2"/>
+              <a:buAutoNum type="arabicPeriod"/>
+            </a:pPr>
             <a:r>
-              <a:rPr lang="en-US" sz="1800" dirty="0"/>
+              <a:rPr lang="en-US" dirty="0" smtClean="0"/>
               <a:t>Space heating</a:t>
             </a:r>
           </a:p>
           <a:p>
-            <a:pPr lvl="1"/>
+            <a:pPr marL="722313" lvl="1" indent="-457200">
+              <a:buFont typeface="Wingdings" pitchFamily="2" charset="2"/>
+              <a:buAutoNum type="arabicPeriod"/>
+            </a:pPr>
             <a:r>
-              <a:rPr lang="en-US" sz="1800" dirty="0"/>
+              <a:rPr lang="en-US" dirty="0" smtClean="0"/>
               <a:t>Ventilation </a:t>
             </a:r>
+            <a:endParaRPr lang="en-US" dirty="0"/>
           </a:p>
           <a:p>
             <a:pPr lvl="1"/>
-            <a:r>
-              <a:rPr lang="en-US" sz="1800" dirty="0" smtClean="0"/>
-              <a:t>+ Hot water</a:t>
-            </a:r>
-          </a:p>
-          <a:p>
-            <a:pPr lvl="2"/>
-            <a:r>
-              <a:rPr lang="en-US" sz="1600" dirty="0" smtClean="0"/>
-              <a:t>directly associated to the reported values of hot water usage)</a:t>
-            </a:r>
+            <a:endParaRPr lang="en-US" dirty="0"/>
+          </a:p>
+          <a:p>
+            <a:pPr marL="457200" indent="-457200">
+              <a:buAutoNum type="arabicPeriod"/>
+            </a:pPr>
+            <a:endParaRPr lang="en-US" dirty="0"/>
           </a:p>
           <a:p>
             <a:pPr lvl="1"/>
-            <a:r>
-              <a:rPr lang="en-US" sz="1800" dirty="0" smtClean="0"/>
-              <a:t>+ Electricity </a:t>
-            </a:r>
-          </a:p>
-          <a:p>
-            <a:pPr lvl="2"/>
-            <a:r>
-              <a:rPr lang="en-US" sz="1600" dirty="0" smtClean="0"/>
-              <a:t>as assumed by viola based on occupancy)</a:t>
-            </a:r>
-            <a:endParaRPr lang="en-US" sz="1800" dirty="0" smtClean="0"/>
+            <a:endParaRPr lang="en-US" dirty="0"/>
           </a:p>
           <a:p>
             <a:pPr lvl="1"/>
-            <a:endParaRPr lang="en-US" sz="1800" dirty="0"/>
+            <a:endParaRPr lang="en-US" dirty="0"/>
+          </a:p>
+          <a:p>
+            <a:endParaRPr lang="en-US" dirty="0"/>
           </a:p>
         </p:txBody>
       </p:sp>
@@ -22772,7 +23384,7 @@
           <a:p>
             <a:fld id="{FF15E650-2C9B-4E22-B544-79A90AB3DDC1}" type="datetime1">
               <a:rPr lang="de-DE" smtClean="0"/>
-              <a:t>17.01.2023</a:t>
+              <a:t>19.01.2023</a:t>
             </a:fld>
             <a:endParaRPr lang="de-DE"/>
           </a:p>
@@ -22841,7 +23453,7 @@
           <a:p>
             <a:r>
               <a:rPr lang="en-US" dirty="0" smtClean="0"/>
-              <a:t>LCA extensions</a:t>
+              <a:t>Results </a:t>
             </a:r>
             <a:endParaRPr lang="en-US" dirty="0"/>
           </a:p>
@@ -22850,7 +23462,7 @@
     </p:spTree>
     <p:extLst>
       <p:ext uri="{BB962C8B-B14F-4D97-AF65-F5344CB8AC3E}">
-        <p14:creationId xmlns:p14="http://schemas.microsoft.com/office/powerpoint/2010/main" val="2135928578"/>
+        <p14:creationId xmlns:p14="http://schemas.microsoft.com/office/powerpoint/2010/main" val="1469761683"/>
       </p:ext>
     </p:extLst>
   </p:cSld>

--- a/paper_SI_discussions/Discussion_paper.pptx
+++ b/paper_SI_discussions/Discussion_paper.pptx
@@ -7048,7 +7048,7 @@
           <a:p>
             <a:fld id="{BCDB334D-D17F-49C4-91DD-37BB7E818209}" type="datetimeFigureOut">
               <a:rPr lang="de-CH" smtClean="0"/>
-              <a:t>19.01.2023</a:t>
+              <a:t>24.01.2023</a:t>
             </a:fld>
             <a:endParaRPr lang="de-CH"/>
           </a:p>
@@ -7580,7 +7580,7 @@
           <a:p>
             <a:fld id="{3CF37669-2BCF-46DA-B042-E354827809F7}" type="datetime1">
               <a:rPr lang="de-DE" smtClean="0"/>
-              <a:t>19.01.2023</a:t>
+              <a:t>24.01.2023</a:t>
             </a:fld>
             <a:endParaRPr lang="de-DE"/>
           </a:p>
@@ -7809,7 +7809,7 @@
           <a:p>
             <a:fld id="{DD0AF57A-3629-4D20-9CDE-C9CA7A3667AA}" type="datetime1">
               <a:rPr lang="de-DE" smtClean="0"/>
-              <a:t>19.01.2023</a:t>
+              <a:t>24.01.2023</a:t>
             </a:fld>
             <a:endParaRPr lang="de-DE"/>
           </a:p>
@@ -8081,7 +8081,7 @@
           <a:p>
             <a:fld id="{A02690AB-37C5-464E-B999-AEA04CFF82B9}" type="datetime1">
               <a:rPr lang="de-DE" smtClean="0"/>
-              <a:t>19.01.2023</a:t>
+              <a:t>24.01.2023</a:t>
             </a:fld>
             <a:endParaRPr lang="de-DE" dirty="0"/>
           </a:p>
@@ -8390,7 +8390,7 @@
           <a:p>
             <a:fld id="{D6387CFC-9D6A-4A2B-A4A9-D1A02656E42F}" type="datetime1">
               <a:rPr lang="de-DE" smtClean="0"/>
-              <a:t>19.01.2023</a:t>
+              <a:t>24.01.2023</a:t>
             </a:fld>
             <a:endParaRPr lang="de-DE"/>
           </a:p>
@@ -8994,7 +8994,7 @@
           <a:p>
             <a:fld id="{FF15E650-2C9B-4E22-B544-79A90AB3DDC1}" type="datetime1">
               <a:rPr lang="de-DE" smtClean="0"/>
-              <a:t>19.01.2023</a:t>
+              <a:t>24.01.2023</a:t>
             </a:fld>
             <a:endParaRPr lang="de-DE"/>
           </a:p>
@@ -9327,7 +9327,7 @@
           <a:p>
             <a:fld id="{61621C89-5216-48C0-BC08-43A5D37DC60A}" type="datetime1">
               <a:rPr lang="de-DE" smtClean="0"/>
-              <a:t>19.01.2023</a:t>
+              <a:t>24.01.2023</a:t>
             </a:fld>
             <a:endParaRPr lang="de-DE"/>
           </a:p>
@@ -9451,7 +9451,7 @@
           <a:p>
             <a:fld id="{F1FF226D-F83D-4818-9860-D08642397BB7}" type="datetime1">
               <a:rPr lang="de-DE" smtClean="0"/>
-              <a:t>19.01.2023</a:t>
+              <a:t>24.01.2023</a:t>
             </a:fld>
             <a:endParaRPr lang="de-DE"/>
           </a:p>
@@ -9578,7 +9578,7 @@
           <a:p>
             <a:fld id="{A5F31C7A-EA54-4BF4-ACB0-2765243AF525}" type="datetime1">
               <a:rPr lang="de-DE" smtClean="0"/>
-              <a:t>19.01.2023</a:t>
+              <a:t>24.01.2023</a:t>
             </a:fld>
             <a:endParaRPr lang="de-DE"/>
           </a:p>
@@ -9721,7 +9721,7 @@
           <a:p>
             <a:fld id="{EFD419F0-1738-4192-8FF2-BE957FD32662}" type="datetime1">
               <a:rPr lang="de-DE" smtClean="0"/>
-              <a:t>19.01.2023</a:t>
+              <a:t>24.01.2023</a:t>
             </a:fld>
             <a:endParaRPr lang="de-DE"/>
           </a:p>
@@ -10119,7 +10119,7 @@
           <a:p>
             <a:fld id="{D78D58C2-FBCE-4B47-BBAC-2891E9120B14}" type="datetime1">
               <a:rPr lang="de-DE" smtClean="0"/>
-              <a:t>19.01.2023</a:t>
+              <a:t>24.01.2023</a:t>
             </a:fld>
             <a:endParaRPr lang="de-DE" dirty="0"/>
           </a:p>
@@ -10789,7 +10789,7 @@
           <a:p>
             <a:fld id="{3CF37669-2BCF-46DA-B042-E354827809F7}" type="datetime1">
               <a:rPr lang="de-DE" smtClean="0"/>
-              <a:t>19.01.2023</a:t>
+              <a:t>24.01.2023</a:t>
             </a:fld>
             <a:endParaRPr lang="de-DE"/>
           </a:p>
@@ -11037,7 +11037,7 @@
           <a:p>
             <a:fld id="{FF15E650-2C9B-4E22-B544-79A90AB3DDC1}" type="datetime1">
               <a:rPr lang="de-DE" smtClean="0"/>
-              <a:t>19.01.2023</a:t>
+              <a:t>24.01.2023</a:t>
             </a:fld>
             <a:endParaRPr lang="de-DE"/>
           </a:p>
@@ -11169,7 +11169,7 @@
           <a:p>
             <a:fld id="{FF15E650-2C9B-4E22-B544-79A90AB3DDC1}" type="datetime1">
               <a:rPr lang="de-DE" smtClean="0"/>
-              <a:t>19.01.2023</a:t>
+              <a:t>24.01.2023</a:t>
             </a:fld>
             <a:endParaRPr lang="de-DE"/>
           </a:p>
@@ -11351,7 +11351,7 @@
           <a:p>
             <a:fld id="{FF15E650-2C9B-4E22-B544-79A90AB3DDC1}" type="datetime1">
               <a:rPr lang="de-DE" smtClean="0"/>
-              <a:t>19.01.2023</a:t>
+              <a:t>24.01.2023</a:t>
             </a:fld>
             <a:endParaRPr lang="de-DE"/>
           </a:p>
@@ -11549,7 +11549,7 @@
           <a:p>
             <a:fld id="{FF15E650-2C9B-4E22-B544-79A90AB3DDC1}" type="datetime1">
               <a:rPr lang="de-DE" smtClean="0"/>
-              <a:t>19.01.2023</a:t>
+              <a:t>24.01.2023</a:t>
             </a:fld>
             <a:endParaRPr lang="de-DE"/>
           </a:p>
@@ -11698,7 +11698,7 @@
           <a:p>
             <a:fld id="{FF15E650-2C9B-4E22-B544-79A90AB3DDC1}" type="datetime1">
               <a:rPr lang="de-DE" smtClean="0"/>
-              <a:t>19.01.2023</a:t>
+              <a:t>24.01.2023</a:t>
             </a:fld>
             <a:endParaRPr lang="de-DE"/>
           </a:p>
@@ -12115,7 +12115,7 @@
           <a:p>
             <a:fld id="{FF15E650-2C9B-4E22-B544-79A90AB3DDC1}" type="datetime1">
               <a:rPr lang="de-DE" smtClean="0"/>
-              <a:t>19.01.2023</a:t>
+              <a:t>24.01.2023</a:t>
             </a:fld>
             <a:endParaRPr lang="de-DE"/>
           </a:p>
@@ -12313,7 +12313,7 @@
           <a:p>
             <a:fld id="{FF15E650-2C9B-4E22-B544-79A90AB3DDC1}" type="datetime1">
               <a:rPr lang="de-DE" smtClean="0"/>
-              <a:t>19.01.2023</a:t>
+              <a:t>24.01.2023</a:t>
             </a:fld>
             <a:endParaRPr lang="de-DE"/>
           </a:p>
@@ -12463,7 +12463,7 @@
           <a:p>
             <a:fld id="{FF15E650-2C9B-4E22-B544-79A90AB3DDC1}" type="datetime1">
               <a:rPr lang="de-DE" smtClean="0"/>
-              <a:t>19.01.2023</a:t>
+              <a:t>24.01.2023</a:t>
             </a:fld>
             <a:endParaRPr lang="de-DE"/>
           </a:p>
@@ -12663,7 +12663,7 @@
           <a:p>
             <a:fld id="{FF15E650-2C9B-4E22-B544-79A90AB3DDC1}" type="datetime1">
               <a:rPr lang="de-DE" smtClean="0"/>
-              <a:t>19.01.2023</a:t>
+              <a:t>24.01.2023</a:t>
             </a:fld>
             <a:endParaRPr lang="de-DE"/>
           </a:p>
@@ -12837,7 +12837,7 @@
           <a:p>
             <a:fld id="{FF15E650-2C9B-4E22-B544-79A90AB3DDC1}" type="datetime1">
               <a:rPr lang="de-DE" smtClean="0"/>
-              <a:t>19.01.2023</a:t>
+              <a:t>24.01.2023</a:t>
             </a:fld>
             <a:endParaRPr lang="de-DE"/>
           </a:p>
@@ -14238,7 +14238,7 @@
           <a:p>
             <a:fld id="{A02690AB-37C5-464E-B999-AEA04CFF82B9}" type="datetime1">
               <a:rPr lang="de-DE" smtClean="0"/>
-              <a:t>19.01.2023</a:t>
+              <a:t>24.01.2023</a:t>
             </a:fld>
             <a:endParaRPr lang="de-DE" dirty="0"/>
           </a:p>
@@ -14411,7 +14411,7 @@
           <a:p>
             <a:fld id="{FF15E650-2C9B-4E22-B544-79A90AB3DDC1}" type="datetime1">
               <a:rPr lang="de-DE" smtClean="0"/>
-              <a:t>19.01.2023</a:t>
+              <a:t>24.01.2023</a:t>
             </a:fld>
             <a:endParaRPr lang="de-DE"/>
           </a:p>
@@ -14555,7 +14555,7 @@
           <a:p>
             <a:fld id="{FF15E650-2C9B-4E22-B544-79A90AB3DDC1}" type="datetime1">
               <a:rPr lang="de-DE" smtClean="0"/>
-              <a:t>19.01.2023</a:t>
+              <a:t>24.01.2023</a:t>
             </a:fld>
             <a:endParaRPr lang="de-DE"/>
           </a:p>
@@ -14699,7 +14699,7 @@
           <a:p>
             <a:fld id="{FF15E650-2C9B-4E22-B544-79A90AB3DDC1}" type="datetime1">
               <a:rPr lang="de-DE" smtClean="0"/>
-              <a:t>19.01.2023</a:t>
+              <a:t>24.01.2023</a:t>
             </a:fld>
             <a:endParaRPr lang="de-DE"/>
           </a:p>
@@ -14843,7 +14843,7 @@
           <a:p>
             <a:fld id="{FF15E650-2C9B-4E22-B544-79A90AB3DDC1}" type="datetime1">
               <a:rPr lang="de-DE" smtClean="0"/>
-              <a:t>19.01.2023</a:t>
+              <a:t>24.01.2023</a:t>
             </a:fld>
             <a:endParaRPr lang="de-DE"/>
           </a:p>
@@ -14987,7 +14987,7 @@
           <a:p>
             <a:fld id="{FF15E650-2C9B-4E22-B544-79A90AB3DDC1}" type="datetime1">
               <a:rPr lang="de-DE" smtClean="0"/>
-              <a:t>19.01.2023</a:t>
+              <a:t>24.01.2023</a:t>
             </a:fld>
             <a:endParaRPr lang="de-DE"/>
           </a:p>
@@ -15246,7 +15246,7 @@
           <a:p>
             <a:fld id="{FF15E650-2C9B-4E22-B544-79A90AB3DDC1}" type="datetime1">
               <a:rPr lang="de-DE" smtClean="0"/>
-              <a:t>19.01.2023</a:t>
+              <a:t>24.01.2023</a:t>
             </a:fld>
             <a:endParaRPr lang="de-DE"/>
           </a:p>
@@ -15421,7 +15421,7 @@
           <a:p>
             <a:fld id="{FF15E650-2C9B-4E22-B544-79A90AB3DDC1}" type="datetime1">
               <a:rPr lang="de-DE" smtClean="0"/>
-              <a:t>19.01.2023</a:t>
+              <a:t>24.01.2023</a:t>
             </a:fld>
             <a:endParaRPr lang="de-DE"/>
           </a:p>
@@ -15644,7 +15644,7 @@
           <a:p>
             <a:fld id="{FF15E650-2C9B-4E22-B544-79A90AB3DDC1}" type="datetime1">
               <a:rPr lang="de-DE" smtClean="0"/>
-              <a:t>19.01.2023</a:t>
+              <a:t>24.01.2023</a:t>
             </a:fld>
             <a:endParaRPr lang="de-DE"/>
           </a:p>
@@ -15817,7 +15817,7 @@
           <a:p>
             <a:fld id="{FF15E650-2C9B-4E22-B544-79A90AB3DDC1}" type="datetime1">
               <a:rPr lang="de-DE" smtClean="0"/>
-              <a:t>19.01.2023</a:t>
+              <a:t>24.01.2023</a:t>
             </a:fld>
             <a:endParaRPr lang="de-DE"/>
           </a:p>
@@ -15968,7 +15968,7 @@
           <a:p>
             <a:fld id="{FF15E650-2C9B-4E22-B544-79A90AB3DDC1}" type="datetime1">
               <a:rPr lang="de-DE" smtClean="0"/>
-              <a:t>19.01.2023</a:t>
+              <a:t>24.01.2023</a:t>
             </a:fld>
             <a:endParaRPr lang="de-DE"/>
           </a:p>
@@ -17402,7 +17402,7 @@
           <a:p>
             <a:fld id="{FF15E650-2C9B-4E22-B544-79A90AB3DDC1}" type="datetime1">
               <a:rPr lang="de-DE" smtClean="0"/>
-              <a:t>19.01.2023</a:t>
+              <a:t>24.01.2023</a:t>
             </a:fld>
             <a:endParaRPr lang="de-DE"/>
           </a:p>
@@ -17591,7 +17591,7 @@
           <a:p>
             <a:fld id="{FF15E650-2C9B-4E22-B544-79A90AB3DDC1}" type="datetime1">
               <a:rPr lang="de-DE" smtClean="0"/>
-              <a:t>19.01.2023</a:t>
+              <a:t>24.01.2023</a:t>
             </a:fld>
             <a:endParaRPr lang="de-DE"/>
           </a:p>
@@ -17776,7 +17776,7 @@
           <a:p>
             <a:fld id="{FF15E650-2C9B-4E22-B544-79A90AB3DDC1}" type="datetime1">
               <a:rPr lang="de-DE" smtClean="0"/>
-              <a:t>19.01.2023</a:t>
+              <a:t>24.01.2023</a:t>
             </a:fld>
             <a:endParaRPr lang="de-DE"/>
           </a:p>
@@ -18097,7 +18097,7 @@
           <a:p>
             <a:fld id="{FF15E650-2C9B-4E22-B544-79A90AB3DDC1}" type="datetime1">
               <a:rPr lang="de-DE" smtClean="0"/>
-              <a:t>19.01.2023</a:t>
+              <a:t>24.01.2023</a:t>
             </a:fld>
             <a:endParaRPr lang="de-DE"/>
           </a:p>
@@ -18332,7 +18332,7 @@
           <a:p>
             <a:fld id="{FF15E650-2C9B-4E22-B544-79A90AB3DDC1}" type="datetime1">
               <a:rPr lang="de-DE" smtClean="0"/>
-              <a:t>19.01.2023</a:t>
+              <a:t>24.01.2023</a:t>
             </a:fld>
             <a:endParaRPr lang="de-DE"/>
           </a:p>
@@ -18509,7 +18509,7 @@
           <a:p>
             <a:fld id="{FF15E650-2C9B-4E22-B544-79A90AB3DDC1}" type="datetime1">
               <a:rPr lang="de-DE" smtClean="0"/>
-              <a:t>19.01.2023</a:t>
+              <a:t>24.01.2023</a:t>
             </a:fld>
             <a:endParaRPr lang="de-DE"/>
           </a:p>
@@ -18733,7 +18733,7 @@
           <a:p>
             <a:fld id="{FF15E650-2C9B-4E22-B544-79A90AB3DDC1}" type="datetime1">
               <a:rPr lang="de-DE" smtClean="0"/>
-              <a:t>19.01.2023</a:t>
+              <a:t>24.01.2023</a:t>
             </a:fld>
             <a:endParaRPr lang="de-DE"/>
           </a:p>
@@ -18863,7 +18863,7 @@
           <a:p>
             <a:fld id="{FF15E650-2C9B-4E22-B544-79A90AB3DDC1}" type="datetime1">
               <a:rPr lang="de-DE" smtClean="0"/>
-              <a:t>19.01.2023</a:t>
+              <a:t>24.01.2023</a:t>
             </a:fld>
             <a:endParaRPr lang="de-DE"/>
           </a:p>
@@ -18965,7 +18965,7 @@
           <a:p>
             <a:fld id="{FF15E650-2C9B-4E22-B544-79A90AB3DDC1}" type="datetime1">
               <a:rPr lang="de-DE" smtClean="0"/>
-              <a:t>19.01.2023</a:t>
+              <a:t>24.01.2023</a:t>
             </a:fld>
             <a:endParaRPr lang="de-DE"/>
           </a:p>
@@ -19164,7 +19164,7 @@
           <a:p>
             <a:fld id="{FF15E650-2C9B-4E22-B544-79A90AB3DDC1}" type="datetime1">
               <a:rPr lang="de-DE" smtClean="0"/>
-              <a:t>19.01.2023</a:t>
+              <a:t>24.01.2023</a:t>
             </a:fld>
             <a:endParaRPr lang="de-DE"/>
           </a:p>
@@ -19289,7 +19289,7 @@
           <a:p>
             <a:fld id="{FF15E650-2C9B-4E22-B544-79A90AB3DDC1}" type="datetime1">
               <a:rPr lang="de-DE" smtClean="0"/>
-              <a:t>19.01.2023</a:t>
+              <a:t>24.01.2023</a:t>
             </a:fld>
             <a:endParaRPr lang="de-DE"/>
           </a:p>
@@ -20837,7 +20837,7 @@
           <a:p>
             <a:fld id="{FF15E650-2C9B-4E22-B544-79A90AB3DDC1}" type="datetime1">
               <a:rPr lang="de-DE" smtClean="0"/>
-              <a:t>19.01.2023</a:t>
+              <a:t>24.01.2023</a:t>
             </a:fld>
             <a:endParaRPr lang="de-DE"/>
           </a:p>
@@ -20926,7 +20926,7 @@
             <p:ph idx="1"/>
             <p:extLst>
               <p:ext uri="{D42A27DB-BD31-4B8C-83A1-F6EECF244321}">
-                <p14:modId xmlns:p14="http://schemas.microsoft.com/office/powerpoint/2010/main" val="3543386156"/>
+                <p14:modId xmlns:p14="http://schemas.microsoft.com/office/powerpoint/2010/main" val="2886058291"/>
               </p:ext>
             </p:extLst>
           </p:nvPr>
@@ -21208,11 +21208,7 @@
                       </a:r>
                       <a:r>
                         <a:rPr lang="en-US" sz="1200" baseline="0" dirty="0" smtClean="0"/>
-                        <a:t>results extension for all </a:t>
-                      </a:r>
-                      <a:r>
-                        <a:rPr lang="en-US" sz="1200" baseline="0" dirty="0" smtClean="0"/>
-                        <a:t>buildings</a:t>
+                        <a:t>results extension for all buildings</a:t>
                       </a:r>
                       <a:endParaRPr lang="en-US" sz="1200" dirty="0"/>
                     </a:p>
@@ -21460,11 +21456,7 @@
                     <a:p>
                       <a:r>
                         <a:rPr lang="en-US" sz="1200" dirty="0" smtClean="0"/>
-                        <a:t>20-22 </a:t>
-                      </a:r>
-                      <a:r>
-                        <a:rPr lang="en-US" sz="1200" dirty="0" smtClean="0"/>
-                        <a:t>Jan</a:t>
+                        <a:t>20-22 Jan</a:t>
                       </a:r>
                       <a:endParaRPr lang="en-US" sz="1200" dirty="0"/>
                     </a:p>
@@ -21532,7 +21524,7 @@
                       <a:prstDash val="solid"/>
                     </a:lnBlToTr>
                     <a:solidFill>
-                      <a:srgbClr val="D5D7CC"/>
+                      <a:srgbClr val="92D050"/>
                     </a:solidFill>
                   </a:tcPr>
                 </a:tc>
@@ -21637,7 +21629,7 @@
           <a:p>
             <a:fld id="{FF15E650-2C9B-4E22-B544-79A90AB3DDC1}" type="datetime1">
               <a:rPr lang="de-DE" smtClean="0"/>
-              <a:t>19.01.2023</a:t>
+              <a:t>24.01.2023</a:t>
             </a:fld>
             <a:endParaRPr lang="de-DE"/>
           </a:p>
@@ -21726,14 +21718,14 @@
             <p:ph idx="1"/>
             <p:extLst>
               <p:ext uri="{D42A27DB-BD31-4B8C-83A1-F6EECF244321}">
-                <p14:modId xmlns:p14="http://schemas.microsoft.com/office/powerpoint/2010/main" val="3341903061"/>
+                <p14:modId xmlns:p14="http://schemas.microsoft.com/office/powerpoint/2010/main" val="3174084599"/>
               </p:ext>
             </p:extLst>
           </p:nvPr>
         </p:nvGraphicFramePr>
         <p:xfrm>
-          <a:off x="323850" y="2024063"/>
-          <a:ext cx="8496300" cy="3729646"/>
+          <a:off x="323850" y="1751560"/>
+          <a:ext cx="8496300" cy="4534002"/>
         </p:xfrm>
         <a:graphic>
           <a:graphicData uri="http://schemas.openxmlformats.org/drawingml/2006/table">
@@ -21821,11 +21813,7 @@
                     <a:p>
                       <a:r>
                         <a:rPr lang="en-US" sz="1200" dirty="0" smtClean="0"/>
-                        <a:t>23 </a:t>
-                      </a:r>
-                      <a:r>
-                        <a:rPr lang="en-US" sz="1200" dirty="0" smtClean="0"/>
-                        <a:t>Jan</a:t>
+                        <a:t>23 Jan</a:t>
                       </a:r>
                       <a:endParaRPr lang="en-US" sz="1200" dirty="0"/>
                     </a:p>
@@ -21853,9 +21841,24 @@
                     <a:lstStyle/>
                     <a:p>
                       <a:r>
-                        <a:rPr lang="en-US" sz="1200" baseline="0" dirty="0" smtClean="0"/>
-                        <a:t>Write Section 5.1. U Values, 5.2. Space heating</a:t>
+                        <a:rPr lang="en-US" sz="1200" kern="1200" baseline="0" dirty="0" smtClean="0">
+                          <a:solidFill>
+                            <a:schemeClr val="dk1"/>
+                          </a:solidFill>
+                          <a:latin typeface="+mn-lt"/>
+                          <a:ea typeface="+mn-ea"/>
+                          <a:cs typeface="+mn-cs"/>
+                        </a:rPr>
+                        <a:t>LCA results verified and figures</a:t>
                       </a:r>
+                      <a:endParaRPr lang="en-US" sz="1200" kern="1200" baseline="0" dirty="0">
+                        <a:solidFill>
+                          <a:schemeClr val="dk1"/>
+                        </a:solidFill>
+                        <a:latin typeface="+mn-lt"/>
+                        <a:ea typeface="+mn-ea"/>
+                        <a:cs typeface="+mn-cs"/>
+                      </a:endParaRPr>
                     </a:p>
                   </a:txBody>
                   <a:tcPr>
@@ -21874,7 +21877,7 @@
                       <a:prstDash val="solid"/>
                     </a:lnBlToTr>
                     <a:solidFill>
-                      <a:srgbClr val="EBECE7"/>
+                      <a:srgbClr val="92D050"/>
                     </a:solidFill>
                   </a:tcPr>
                 </a:tc>
@@ -21972,12 +21975,115 @@
                     <a:lstStyle/>
                     <a:p>
                       <a:r>
-                        <a:rPr lang="en-US" sz="1200" baseline="0" dirty="0" smtClean="0"/>
-                        <a:t>Write </a:t>
+                        <a:rPr lang="en-US" sz="1200" kern="1200" baseline="0" dirty="0" smtClean="0">
+                          <a:solidFill>
+                            <a:schemeClr val="dk1"/>
+                          </a:solidFill>
+                          <a:latin typeface="+mn-lt"/>
+                          <a:ea typeface="+mn-ea"/>
+                          <a:cs typeface="+mn-cs"/>
+                        </a:rPr>
+                        <a:t>U Values and heat demand results verified</a:t>
                       </a:r>
+                      <a:endParaRPr lang="en-US" sz="1200" kern="1200" baseline="0" dirty="0">
+                        <a:solidFill>
+                          <a:schemeClr val="dk1"/>
+                        </a:solidFill>
+                        <a:latin typeface="+mn-lt"/>
+                        <a:ea typeface="+mn-ea"/>
+                        <a:cs typeface="+mn-cs"/>
+                      </a:endParaRPr>
+                    </a:p>
+                  </a:txBody>
+                  <a:tcPr>
+                    <a:lnL w="12700" cmpd="sng">
+                      <a:noFill/>
+                    </a:lnL>
+                    <a:lnR w="12700" cmpd="sng">
+                      <a:noFill/>
+                    </a:lnR>
+                    <a:lnTlToBr w="12700" cmpd="sng">
+                      <a:noFill/>
+                      <a:prstDash val="solid"/>
+                    </a:lnTlToBr>
+                    <a:lnBlToTr w="12700" cmpd="sng">
+                      <a:noFill/>
+                      <a:prstDash val="solid"/>
+                    </a:lnBlToTr>
+                    <a:solidFill>
+                      <a:srgbClr val="D5D7CC"/>
+                    </a:solidFill>
+                  </a:tcPr>
+                </a:tc>
+                <a:tc>
+                  <a:txBody>
+                    <a:bodyPr/>
+                    <a:lstStyle/>
+                    <a:p>
+                      <a:endParaRPr lang="en-US"/>
+                    </a:p>
+                  </a:txBody>
+                  <a:tcPr>
+                    <a:lnL w="12700" cmpd="sng">
+                      <a:noFill/>
+                    </a:lnL>
+                    <a:lnR w="12700" cmpd="sng">
+                      <a:noFill/>
+                    </a:lnR>
+                    <a:lnTlToBr w="12700" cmpd="sng">
+                      <a:noFill/>
+                      <a:prstDash val="solid"/>
+                    </a:lnTlToBr>
+                    <a:lnBlToTr w="12700" cmpd="sng">
+                      <a:noFill/>
+                      <a:prstDash val="solid"/>
+                    </a:lnBlToTr>
+                  </a:tcPr>
+                </a:tc>
+                <a:extLst>
+                  <a:ext uri="{0D108BD9-81ED-4DB2-BD59-A6C34878D82A}">
+                    <a16:rowId xmlns:a16="http://schemas.microsoft.com/office/drawing/2014/main" val="1690706421"/>
+                  </a:ext>
+                </a:extLst>
+              </a:tr>
+              <a:tr h="402178">
+                <a:tc>
+                  <a:txBody>
+                    <a:bodyPr/>
+                    <a:lstStyle/>
+                    <a:p>
+                      <a:r>
+                        <a:rPr lang="en-US" sz="1200" dirty="0" smtClean="0"/>
+                        <a:t>25 Jan</a:t>
+                      </a:r>
+                      <a:endParaRPr lang="en-US" sz="1200" dirty="0"/>
+                    </a:p>
+                  </a:txBody>
+                  <a:tcPr>
+                    <a:lnL w="12700" cmpd="sng">
+                      <a:noFill/>
+                    </a:lnL>
+                    <a:lnR w="12700" cmpd="sng">
+                      <a:noFill/>
+                    </a:lnR>
+                    <a:lnTlToBr w="12700" cmpd="sng">
+                      <a:noFill/>
+                      <a:prstDash val="solid"/>
+                    </a:lnTlToBr>
+                    <a:lnBlToTr w="12700" cmpd="sng">
+                      <a:noFill/>
+                      <a:prstDash val="solid"/>
+                    </a:lnBlToTr>
+                  </a:tcPr>
+                </a:tc>
+                <a:tc>
+                  <a:txBody>
+                    <a:bodyPr/>
+                    <a:lstStyle/>
+                    <a:p>
                       <a:r>
                         <a:rPr lang="en-US" sz="1200" baseline="0" dirty="0" smtClean="0"/>
-                        <a:t>Section 5.3. LCA </a:t>
+                        <a:t>Write Section 5.1. U Values, 5.2. Space heating</a:t>
                       </a:r>
                     </a:p>
                   </a:txBody>
@@ -21997,7 +22103,7 @@
                       <a:prstDash val="solid"/>
                     </a:lnBlToTr>
                     <a:solidFill>
-                      <a:srgbClr val="D5D7CC"/>
+                      <a:srgbClr val="EBECE7"/>
                     </a:solidFill>
                   </a:tcPr>
                 </a:tc>
@@ -22048,7 +22154,7 @@
                 </a:tc>
                 <a:extLst>
                   <a:ext uri="{0D108BD9-81ED-4DB2-BD59-A6C34878D82A}">
-                    <a16:rowId xmlns:a16="http://schemas.microsoft.com/office/drawing/2014/main" val="1690706421"/>
+                    <a16:rowId xmlns:a16="http://schemas.microsoft.com/office/drawing/2014/main" val="4172895102"/>
                   </a:ext>
                 </a:extLst>
               </a:tr>
@@ -22060,7 +22166,11 @@
                     <a:p>
                       <a:r>
                         <a:rPr lang="en-US" sz="1200" dirty="0" smtClean="0"/>
-                        <a:t>25 Jan</a:t>
+                        <a:t>26</a:t>
+                      </a:r>
+                      <a:r>
+                        <a:rPr lang="en-US" sz="1200" baseline="0" dirty="0" smtClean="0"/>
+                        <a:t> Jan</a:t>
                       </a:r>
                       <a:endParaRPr lang="en-US" sz="1200" dirty="0"/>
                     </a:p>
@@ -22072,6 +22182,13 @@
                     <a:lnR w="12700" cmpd="sng">
                       <a:noFill/>
                     </a:lnR>
+                    <a:lnB w="12700" cap="flat" cmpd="sng" algn="ctr">
+                      <a:noFill/>
+                      <a:prstDash val="solid"/>
+                      <a:round/>
+                      <a:headEnd type="none" w="med" len="med"/>
+                      <a:tailEnd type="none" w="med" len="med"/>
+                    </a:lnB>
                     <a:lnTlToBr w="12700" cmpd="sng">
                       <a:noFill/>
                       <a:prstDash val="solid"/>
@@ -22089,7 +22206,7 @@
                     <a:p>
                       <a:r>
                         <a:rPr lang="en-US" sz="1200" baseline="0" dirty="0" smtClean="0"/>
-                        <a:t>Scenarios results + Write Section 5.4 Scenarios</a:t>
+                        <a:t>Write Section 5.3. LCA </a:t>
                       </a:r>
                     </a:p>
                   </a:txBody>
@@ -22100,6 +22217,13 @@
                     <a:lnR w="12700" cmpd="sng">
                       <a:noFill/>
                     </a:lnR>
+                    <a:lnB w="12700" cap="flat" cmpd="sng" algn="ctr">
+                      <a:noFill/>
+                      <a:prstDash val="solid"/>
+                      <a:round/>
+                      <a:headEnd type="none" w="med" len="med"/>
+                      <a:tailEnd type="none" w="med" len="med"/>
+                    </a:lnB>
                     <a:lnTlToBr w="12700" cmpd="sng">
                       <a:noFill/>
                       <a:prstDash val="solid"/>
@@ -22109,7 +22233,7 @@
                       <a:prstDash val="solid"/>
                     </a:lnBlToTr>
                     <a:solidFill>
-                      <a:srgbClr val="EBECE7"/>
+                      <a:srgbClr val="D5D7CC"/>
                     </a:solidFill>
                   </a:tcPr>
                 </a:tc>
@@ -22153,6 +22277,13 @@
                     <a:lnR w="12700" cmpd="sng">
                       <a:noFill/>
                     </a:lnR>
+                    <a:lnB w="12700" cap="flat" cmpd="sng" algn="ctr">
+                      <a:noFill/>
+                      <a:prstDash val="solid"/>
+                      <a:round/>
+                      <a:headEnd type="none" w="med" len="med"/>
+                      <a:tailEnd type="none" w="med" len="med"/>
+                    </a:lnB>
                     <a:lnTlToBr w="12700" cmpd="sng">
                       <a:noFill/>
                       <a:prstDash val="solid"/>
@@ -22165,7 +22296,7 @@
                 </a:tc>
                 <a:extLst>
                   <a:ext uri="{0D108BD9-81ED-4DB2-BD59-A6C34878D82A}">
-                    <a16:rowId xmlns:a16="http://schemas.microsoft.com/office/drawing/2014/main" val="4172895102"/>
+                    <a16:rowId xmlns:a16="http://schemas.microsoft.com/office/drawing/2014/main" val="3670418372"/>
                   </a:ext>
                 </a:extLst>
               </a:tr>
@@ -22177,7 +22308,7 @@
                     <a:p>
                       <a:r>
                         <a:rPr lang="en-US" sz="1200" dirty="0" smtClean="0"/>
-                        <a:t>26</a:t>
+                        <a:t>27</a:t>
                       </a:r>
                       <a:r>
                         <a:rPr lang="en-US" sz="1200" baseline="0" dirty="0" smtClean="0"/>
@@ -22193,12 +22324,15 @@
                     <a:lnR w="12700" cmpd="sng">
                       <a:noFill/>
                     </a:lnR>
-                    <a:lnB w="12700" cap="flat" cmpd="sng" algn="ctr">
+                    <a:lnT w="12700" cap="flat" cmpd="sng" algn="ctr">
                       <a:noFill/>
                       <a:prstDash val="solid"/>
                       <a:round/>
                       <a:headEnd type="none" w="med" len="med"/>
                       <a:tailEnd type="none" w="med" len="med"/>
+                    </a:lnT>
+                    <a:lnB w="12700" cmpd="sng">
+                      <a:noFill/>
                     </a:lnB>
                     <a:lnTlToBr w="12700" cmpd="sng">
                       <a:noFill/>
@@ -22216,8 +22350,23 @@
                     <a:lstStyle/>
                     <a:p>
                       <a:r>
+                        <a:rPr lang="en-US" sz="1200" kern="1200" baseline="0" dirty="0" smtClean="0">
+                          <a:solidFill>
+                            <a:schemeClr val="dk1"/>
+                          </a:solidFill>
+                          <a:latin typeface="+mn-lt"/>
+                          <a:ea typeface="+mn-ea"/>
+                          <a:cs typeface="+mn-cs"/>
+                        </a:rPr>
+                        <a:t>Scenarios results + </a:t>
+                      </a:r>
+                      <a:r>
                         <a:rPr lang="en-US" sz="1200" baseline="0" dirty="0" smtClean="0"/>
-                        <a:t>Discussion points / writing </a:t>
+                        <a:t>Write </a:t>
+                      </a:r>
+                      <a:r>
+                        <a:rPr lang="en-US" sz="1200" baseline="0" dirty="0" smtClean="0"/>
+                        <a:t>Section 5.4 Scenarios</a:t>
                       </a:r>
                     </a:p>
                   </a:txBody>
@@ -22228,12 +22377,15 @@
                     <a:lnR w="12700" cmpd="sng">
                       <a:noFill/>
                     </a:lnR>
-                    <a:lnB w="12700" cap="flat" cmpd="sng" algn="ctr">
+                    <a:lnT w="12700" cap="flat" cmpd="sng" algn="ctr">
                       <a:noFill/>
                       <a:prstDash val="solid"/>
                       <a:round/>
                       <a:headEnd type="none" w="med" len="med"/>
                       <a:tailEnd type="none" w="med" len="med"/>
+                    </a:lnT>
+                    <a:lnB w="12700" cmpd="sng">
+                      <a:noFill/>
                     </a:lnB>
                     <a:lnTlToBr w="12700" cmpd="sng">
                       <a:noFill/>
@@ -22244,7 +22396,7 @@
                       <a:prstDash val="solid"/>
                     </a:lnBlToTr>
                     <a:solidFill>
-                      <a:srgbClr val="D5D7CC"/>
+                      <a:srgbClr val="EBECE7"/>
                     </a:solidFill>
                   </a:tcPr>
                 </a:tc>
@@ -22292,12 +22444,15 @@
                     <a:lnR w="12700" cmpd="sng">
                       <a:noFill/>
                     </a:lnR>
-                    <a:lnB w="12700" cap="flat" cmpd="sng" algn="ctr">
+                    <a:lnT w="12700" cap="flat" cmpd="sng" algn="ctr">
                       <a:noFill/>
                       <a:prstDash val="solid"/>
                       <a:round/>
                       <a:headEnd type="none" w="med" len="med"/>
                       <a:tailEnd type="none" w="med" len="med"/>
+                    </a:lnT>
+                    <a:lnB w="12700" cmpd="sng">
+                      <a:noFill/>
                     </a:lnB>
                     <a:lnTlToBr w="12700" cmpd="sng">
                       <a:noFill/>
@@ -22311,7 +22466,7 @@
                 </a:tc>
                 <a:extLst>
                   <a:ext uri="{0D108BD9-81ED-4DB2-BD59-A6C34878D82A}">
-                    <a16:rowId xmlns:a16="http://schemas.microsoft.com/office/drawing/2014/main" val="3670418372"/>
+                    <a16:rowId xmlns:a16="http://schemas.microsoft.com/office/drawing/2014/main" val="3414113026"/>
                   </a:ext>
                 </a:extLst>
               </a:tr>
@@ -22323,11 +22478,7 @@
                     <a:p>
                       <a:r>
                         <a:rPr lang="en-US" sz="1200" dirty="0" smtClean="0"/>
-                        <a:t>27</a:t>
-                      </a:r>
-                      <a:r>
-                        <a:rPr lang="en-US" sz="1200" baseline="0" dirty="0" smtClean="0"/>
-                        <a:t> Jan</a:t>
+                        <a:t>28-29 Jan</a:t>
                       </a:r>
                       <a:endParaRPr lang="en-US" sz="1200" dirty="0"/>
                     </a:p>
@@ -22339,16 +22490,160 @@
                     <a:lnR w="12700" cmpd="sng">
                       <a:noFill/>
                     </a:lnR>
+                    <a:lnT w="12700" cmpd="sng">
+                      <a:noFill/>
+                    </a:lnT>
+                    <a:lnB w="12700" cap="flat" cmpd="sng" algn="ctr">
+                      <a:solidFill>
+                        <a:schemeClr val="tx1"/>
+                      </a:solidFill>
+                      <a:prstDash val="solid"/>
+                      <a:round/>
+                      <a:headEnd type="none" w="med" len="med"/>
+                      <a:tailEnd type="none" w="med" len="med"/>
+                    </a:lnB>
+                    <a:lnTlToBr w="12700" cmpd="sng">
+                      <a:noFill/>
+                      <a:prstDash val="solid"/>
+                    </a:lnTlToBr>
+                    <a:lnBlToTr w="12700" cmpd="sng">
+                      <a:noFill/>
+                      <a:prstDash val="solid"/>
+                    </a:lnBlToTr>
+                  </a:tcPr>
+                </a:tc>
+                <a:tc>
+                  <a:txBody>
+                    <a:bodyPr/>
+                    <a:lstStyle/>
+                    <a:p>
+                      <a:r>
+                        <a:rPr lang="en-US" sz="1200" baseline="0" dirty="0" smtClean="0"/>
+                        <a:t>Discussion points / writing </a:t>
+                      </a:r>
+                    </a:p>
+                  </a:txBody>
+                  <a:tcPr>
+                    <a:lnL w="12700" cmpd="sng">
+                      <a:noFill/>
+                    </a:lnL>
+                    <a:lnR w="12700" cmpd="sng">
+                      <a:noFill/>
+                    </a:lnR>
+                    <a:lnT w="12700" cmpd="sng">
+                      <a:noFill/>
+                    </a:lnT>
+                    <a:lnB w="12700" cap="flat" cmpd="sng" algn="ctr">
+                      <a:solidFill>
+                        <a:schemeClr val="tx1"/>
+                      </a:solidFill>
+                      <a:prstDash val="solid"/>
+                      <a:round/>
+                      <a:headEnd type="none" w="med" len="med"/>
+                      <a:tailEnd type="none" w="med" len="med"/>
+                    </a:lnB>
+                    <a:lnTlToBr w="12700" cmpd="sng">
+                      <a:noFill/>
+                      <a:prstDash val="solid"/>
+                    </a:lnTlToBr>
+                    <a:lnBlToTr w="12700" cmpd="sng">
+                      <a:noFill/>
+                      <a:prstDash val="solid"/>
+                    </a:lnBlToTr>
+                    <a:solidFill>
+                      <a:srgbClr val="D5D7CC"/>
+                    </a:solidFill>
+                  </a:tcPr>
+                </a:tc>
+                <a:tc>
+                  <a:txBody>
+                    <a:bodyPr/>
+                    <a:lstStyle/>
+                    <a:p>
+                      <a:pPr marL="0" marR="0" lvl="0" indent="0" algn="l" defTabSz="914400" rtl="0" eaLnBrk="1" fontAlgn="auto" latinLnBrk="0" hangingPunct="1">
+                        <a:lnSpc>
+                          <a:spcPct val="100000"/>
+                        </a:lnSpc>
+                        <a:spcBef>
+                          <a:spcPts val="0"/>
+                        </a:spcBef>
+                        <a:spcAft>
+                          <a:spcPts val="0"/>
+                        </a:spcAft>
+                        <a:buClrTx/>
+                        <a:buSzTx/>
+                        <a:buFontTx/>
+                        <a:buNone/>
+                        <a:tabLst/>
+                        <a:defRPr/>
+                      </a:pPr>
+                      <a:endParaRPr lang="en-US" sz="1200" dirty="0"/>
+                    </a:p>
+                  </a:txBody>
+                  <a:tcPr>
+                    <a:lnL w="12700" cmpd="sng">
+                      <a:noFill/>
+                    </a:lnL>
+                    <a:lnR w="12700" cmpd="sng">
+                      <a:noFill/>
+                    </a:lnR>
+                    <a:lnT w="12700" cmpd="sng">
+                      <a:noFill/>
+                    </a:lnT>
+                    <a:lnB w="12700" cap="flat" cmpd="sng" algn="ctr">
+                      <a:solidFill>
+                        <a:schemeClr val="tx1"/>
+                      </a:solidFill>
+                      <a:prstDash val="solid"/>
+                      <a:round/>
+                      <a:headEnd type="none" w="med" len="med"/>
+                      <a:tailEnd type="none" w="med" len="med"/>
+                    </a:lnB>
+                    <a:lnTlToBr w="12700" cmpd="sng">
+                      <a:noFill/>
+                      <a:prstDash val="solid"/>
+                    </a:lnTlToBr>
+                    <a:lnBlToTr w="12700" cmpd="sng">
+                      <a:noFill/>
+                      <a:prstDash val="solid"/>
+                    </a:lnBlToTr>
+                  </a:tcPr>
+                </a:tc>
+                <a:extLst>
+                  <a:ext uri="{0D108BD9-81ED-4DB2-BD59-A6C34878D82A}">
+                    <a16:rowId xmlns:a16="http://schemas.microsoft.com/office/drawing/2014/main" val="4121332182"/>
+                  </a:ext>
+                </a:extLst>
+              </a:tr>
+              <a:tr h="402178">
+                <a:tc>
+                  <a:txBody>
+                    <a:bodyPr/>
+                    <a:lstStyle/>
+                    <a:p>
+                      <a:r>
+                        <a:rPr lang="en-US" sz="1200" dirty="0" smtClean="0"/>
+                        <a:t>30 Jan</a:t>
+                      </a:r>
+                      <a:endParaRPr lang="en-US" sz="1200" dirty="0"/>
+                    </a:p>
+                  </a:txBody>
+                  <a:tcPr>
+                    <a:lnL w="12700" cmpd="sng">
+                      <a:noFill/>
+                    </a:lnL>
+                    <a:lnR w="12700" cmpd="sng">
+                      <a:noFill/>
+                    </a:lnR>
                     <a:lnT w="12700" cap="flat" cmpd="sng" algn="ctr">
-                      <a:noFill/>
+                      <a:solidFill>
+                        <a:schemeClr val="tx1"/>
+                      </a:solidFill>
                       <a:prstDash val="solid"/>
                       <a:round/>
                       <a:headEnd type="none" w="med" len="med"/>
                       <a:tailEnd type="none" w="med" len="med"/>
                     </a:lnT>
-                    <a:lnB w="12700" cmpd="sng">
-                      <a:noFill/>
-                    </a:lnB>
                     <a:lnTlToBr w="12700" cmpd="sng">
                       <a:noFill/>
                       <a:prstDash val="solid"/>
@@ -22378,15 +22673,14 @@
                       <a:noFill/>
                     </a:lnR>
                     <a:lnT w="12700" cap="flat" cmpd="sng" algn="ctr">
-                      <a:noFill/>
+                      <a:solidFill>
+                        <a:schemeClr val="tx1"/>
+                      </a:solidFill>
                       <a:prstDash val="solid"/>
                       <a:round/>
                       <a:headEnd type="none" w="med" len="med"/>
                       <a:tailEnd type="none" w="med" len="med"/>
                     </a:lnT>
-                    <a:lnB w="12700" cmpd="sng">
-                      <a:noFill/>
-                    </a:lnB>
                     <a:lnTlToBr w="12700" cmpd="sng">
                       <a:noFill/>
                       <a:prstDash val="solid"/>
@@ -22433,15 +22727,14 @@
                       <a:noFill/>
                     </a:lnR>
                     <a:lnT w="12700" cap="flat" cmpd="sng" algn="ctr">
-                      <a:noFill/>
+                      <a:solidFill>
+                        <a:schemeClr val="tx1"/>
+                      </a:solidFill>
                       <a:prstDash val="solid"/>
                       <a:round/>
                       <a:headEnd type="none" w="med" len="med"/>
                       <a:tailEnd type="none" w="med" len="med"/>
                     </a:lnT>
-                    <a:lnB w="12700" cmpd="sng">
-                      <a:noFill/>
-                    </a:lnB>
                     <a:lnTlToBr w="12700" cmpd="sng">
                       <a:noFill/>
                       <a:prstDash val="solid"/>
@@ -22454,7 +22747,7 @@
                 </a:tc>
                 <a:extLst>
                   <a:ext uri="{0D108BD9-81ED-4DB2-BD59-A6C34878D82A}">
-                    <a16:rowId xmlns:a16="http://schemas.microsoft.com/office/drawing/2014/main" val="3414113026"/>
+                    <a16:rowId xmlns:a16="http://schemas.microsoft.com/office/drawing/2014/main" val="1646058672"/>
                   </a:ext>
                 </a:extLst>
               </a:tr>
@@ -22465,12 +22758,8 @@
                     <a:lstStyle/>
                     <a:p>
                       <a:r>
-                        <a:rPr lang="en-US" sz="1200" dirty="0" smtClean="0"/>
-                        <a:t>28-29 </a:t>
-                      </a:r>
-                      <a:r>
-                        <a:rPr lang="en-US" sz="1200" dirty="0" smtClean="0"/>
-                        <a:t>Jan</a:t>
+                        <a:rPr lang="en-US" sz="1200" baseline="0" dirty="0" smtClean="0"/>
+                        <a:t>31 Jan</a:t>
                       </a:r>
                       <a:endParaRPr lang="en-US" sz="1200" dirty="0"/>
                     </a:p>
@@ -22482,18 +22771,6 @@
                     <a:lnR w="12700" cmpd="sng">
                       <a:noFill/>
                     </a:lnR>
-                    <a:lnT w="12700" cmpd="sng">
-                      <a:noFill/>
-                    </a:lnT>
-                    <a:lnB w="12700" cap="flat" cmpd="sng" algn="ctr">
-                      <a:solidFill>
-                        <a:schemeClr val="tx1"/>
-                      </a:solidFill>
-                      <a:prstDash val="solid"/>
-                      <a:round/>
-                      <a:headEnd type="none" w="med" len="med"/>
-                      <a:tailEnd type="none" w="med" len="med"/>
-                    </a:lnB>
                     <a:lnTlToBr w="12700" cmpd="sng">
                       <a:noFill/>
                       <a:prstDash val="solid"/>
@@ -22528,18 +22805,6 @@
                     <a:lnR w="12700" cmpd="sng">
                       <a:noFill/>
                     </a:lnR>
-                    <a:lnT w="12700" cmpd="sng">
-                      <a:noFill/>
-                    </a:lnT>
-                    <a:lnB w="12700" cap="flat" cmpd="sng" algn="ctr">
-                      <a:solidFill>
-                        <a:schemeClr val="tx1"/>
-                      </a:solidFill>
-                      <a:prstDash val="solid"/>
-                      <a:round/>
-                      <a:headEnd type="none" w="med" len="med"/>
-                      <a:tailEnd type="none" w="med" len="med"/>
-                    </a:lnB>
                     <a:lnTlToBr w="12700" cmpd="sng">
                       <a:noFill/>
                       <a:prstDash val="solid"/>
@@ -22580,26 +22845,6 @@
                         <a:t>Final review send Steffi </a:t>
                       </a:r>
                     </a:p>
-                    <a:p>
-                      <a:pPr marL="0" marR="0" lvl="0" indent="0" algn="l" defTabSz="914400" rtl="0" eaLnBrk="1" fontAlgn="auto" latinLnBrk="0" hangingPunct="1">
-                        <a:lnSpc>
-                          <a:spcPct val="100000"/>
-                        </a:lnSpc>
-                        <a:spcBef>
-                          <a:spcPts val="0"/>
-                        </a:spcBef>
-                        <a:spcAft>
-                          <a:spcPts val="0"/>
-                        </a:spcAft>
-                        <a:buClrTx/>
-                        <a:buSzTx/>
-                        <a:buFontTx/>
-                        <a:buNone/>
-                        <a:tabLst/>
-                        <a:defRPr/>
-                      </a:pPr>
-                      <a:endParaRPr lang="en-US" sz="1200" dirty="0"/>
-                    </a:p>
                   </a:txBody>
                   <a:tcPr>
                     <a:lnL w="12700" cmpd="sng">
@@ -22608,18 +22853,6 @@
                     <a:lnR w="12700" cmpd="sng">
                       <a:noFill/>
                     </a:lnR>
-                    <a:lnT w="12700" cmpd="sng">
-                      <a:noFill/>
-                    </a:lnT>
-                    <a:lnB w="12700" cap="flat" cmpd="sng" algn="ctr">
-                      <a:solidFill>
-                        <a:schemeClr val="tx1"/>
-                      </a:solidFill>
-                      <a:prstDash val="solid"/>
-                      <a:round/>
-                      <a:headEnd type="none" w="med" len="med"/>
-                      <a:tailEnd type="none" w="med" len="med"/>
-                    </a:lnB>
                     <a:lnTlToBr w="12700" cmpd="sng">
                       <a:noFill/>
                       <a:prstDash val="solid"/>
@@ -22632,7 +22865,7 @@
                 </a:tc>
                 <a:extLst>
                   <a:ext uri="{0D108BD9-81ED-4DB2-BD59-A6C34878D82A}">
-                    <a16:rowId xmlns:a16="http://schemas.microsoft.com/office/drawing/2014/main" val="4121332182"/>
+                    <a16:rowId xmlns:a16="http://schemas.microsoft.com/office/drawing/2014/main" val="1290887962"/>
                   </a:ext>
                 </a:extLst>
               </a:tr>
@@ -22644,13 +22877,16 @@
                     <a:p>
                       <a:r>
                         <a:rPr lang="en-US" sz="1200" dirty="0" smtClean="0"/>
-                        <a:t>30 </a:t>
+                        <a:t>1-2</a:t>
+                      </a:r>
+                      <a:r>
+                        <a:rPr lang="en-US" sz="1200" baseline="0" dirty="0" smtClean="0"/>
+                        <a:t> </a:t>
                       </a:r>
                       <a:r>
                         <a:rPr lang="en-US" sz="1200" dirty="0" smtClean="0"/>
-                        <a:t>Jan</a:t>
+                        <a:t>Feb </a:t>
                       </a:r>
-                      <a:endParaRPr lang="en-US" sz="1200" dirty="0"/>
                     </a:p>
                   </a:txBody>
                   <a:tcPr>
@@ -22660,15 +22896,6 @@
                     <a:lnR w="12700" cmpd="sng">
                       <a:noFill/>
                     </a:lnR>
-                    <a:lnT w="12700" cap="flat" cmpd="sng" algn="ctr">
-                      <a:solidFill>
-                        <a:schemeClr val="tx1"/>
-                      </a:solidFill>
-                      <a:prstDash val="solid"/>
-                      <a:round/>
-                      <a:headEnd type="none" w="med" len="med"/>
-                      <a:tailEnd type="none" w="med" len="med"/>
-                    </a:lnT>
                     <a:lnTlToBr w="12700" cmpd="sng">
                       <a:noFill/>
                       <a:prstDash val="solid"/>
@@ -22677,51 +22904,6 @@
                       <a:noFill/>
                       <a:prstDash val="solid"/>
                     </a:lnBlToTr>
-                  </a:tcPr>
-                </a:tc>
-                <a:tc>
-                  <a:txBody>
-                    <a:bodyPr/>
-                    <a:lstStyle/>
-                    <a:p>
-                      <a:r>
-                        <a:rPr lang="en-US" sz="1200" baseline="0" dirty="0" smtClean="0"/>
-                        <a:t>Code check + data push </a:t>
-                      </a:r>
-                      <a:r>
-                        <a:rPr lang="en-US" sz="1200" baseline="0" dirty="0" err="1" smtClean="0"/>
-                        <a:t>Github</a:t>
-                      </a:r>
-                      <a:endParaRPr lang="en-US" sz="1200" baseline="0" dirty="0" smtClean="0"/>
-                    </a:p>
-                  </a:txBody>
-                  <a:tcPr>
-                    <a:lnL w="12700" cmpd="sng">
-                      <a:noFill/>
-                    </a:lnL>
-                    <a:lnR w="12700" cmpd="sng">
-                      <a:noFill/>
-                    </a:lnR>
-                    <a:lnT w="12700" cap="flat" cmpd="sng" algn="ctr">
-                      <a:solidFill>
-                        <a:schemeClr val="tx1"/>
-                      </a:solidFill>
-                      <a:prstDash val="solid"/>
-                      <a:round/>
-                      <a:headEnd type="none" w="med" len="med"/>
-                      <a:tailEnd type="none" w="med" len="med"/>
-                    </a:lnT>
-                    <a:lnTlToBr w="12700" cmpd="sng">
-                      <a:noFill/>
-                      <a:prstDash val="solid"/>
-                    </a:lnTlToBr>
-                    <a:lnBlToTr w="12700" cmpd="sng">
-                      <a:noFill/>
-                      <a:prstDash val="solid"/>
-                    </a:lnBlToTr>
-                    <a:solidFill>
-                      <a:srgbClr val="EBECE7"/>
-                    </a:solidFill>
                   </a:tcPr>
                 </a:tc>
                 <a:tc>
@@ -22746,108 +22928,15 @@
                         <a:tabLst/>
                         <a:defRPr/>
                       </a:pPr>
-                      <a:endParaRPr lang="en-US" sz="1200" dirty="0"/>
-                    </a:p>
-                  </a:txBody>
-                  <a:tcPr>
-                    <a:lnL w="12700" cmpd="sng">
-                      <a:noFill/>
-                    </a:lnL>
-                    <a:lnR w="12700" cmpd="sng">
-                      <a:noFill/>
-                    </a:lnR>
-                    <a:lnT w="12700" cap="flat" cmpd="sng" algn="ctr">
-                      <a:solidFill>
-                        <a:schemeClr val="tx1"/>
-                      </a:solidFill>
-                      <a:prstDash val="solid"/>
-                      <a:round/>
-                      <a:headEnd type="none" w="med" len="med"/>
-                      <a:tailEnd type="none" w="med" len="med"/>
-                    </a:lnT>
-                    <a:lnTlToBr w="12700" cmpd="sng">
-                      <a:noFill/>
-                      <a:prstDash val="solid"/>
-                    </a:lnTlToBr>
-                    <a:lnBlToTr w="12700" cmpd="sng">
-                      <a:noFill/>
-                      <a:prstDash val="solid"/>
-                    </a:lnBlToTr>
-                  </a:tcPr>
-                </a:tc>
-                <a:extLst>
-                  <a:ext uri="{0D108BD9-81ED-4DB2-BD59-A6C34878D82A}">
-                    <a16:rowId xmlns:a16="http://schemas.microsoft.com/office/drawing/2014/main" val="1646058672"/>
-                  </a:ext>
-                </a:extLst>
-              </a:tr>
-              <a:tr h="402178">
-                <a:tc>
-                  <a:txBody>
-                    <a:bodyPr/>
-                    <a:lstStyle/>
-                    <a:p>
                       <a:r>
                         <a:rPr lang="en-US" sz="1200" baseline="0" dirty="0" smtClean="0"/>
-                        <a:t>31 </a:t>
+                        <a:t>Code check + data push </a:t>
                       </a:r>
                       <a:r>
-                        <a:rPr lang="en-US" sz="1200" baseline="0" dirty="0" smtClean="0"/>
-                        <a:t>Jan</a:t>
-                      </a:r>
-                      <a:endParaRPr lang="en-US" sz="1200" dirty="0"/>
-                    </a:p>
-                  </a:txBody>
-                  <a:tcPr>
-                    <a:lnL w="12700" cmpd="sng">
-                      <a:noFill/>
-                    </a:lnL>
-                    <a:lnR w="12700" cmpd="sng">
-                      <a:noFill/>
-                    </a:lnR>
-                    <a:lnTlToBr w="12700" cmpd="sng">
-                      <a:noFill/>
-                      <a:prstDash val="solid"/>
-                    </a:lnTlToBr>
-                    <a:lnBlToTr w="12700" cmpd="sng">
-                      <a:noFill/>
-                      <a:prstDash val="solid"/>
-                    </a:lnBlToTr>
-                  </a:tcPr>
-                </a:tc>
-                <a:tc>
-                  <a:txBody>
-                    <a:bodyPr/>
-                    <a:lstStyle/>
-                    <a:p>
-                      <a:r>
-                        <a:rPr lang="en-US" sz="1200" baseline="0" dirty="0" smtClean="0"/>
-                        <a:t>Check the journal guidelines completely </a:t>
+                        <a:rPr lang="en-US" sz="1200" baseline="0" dirty="0" err="1" smtClean="0"/>
+                        <a:t>Github</a:t>
                       </a:r>
                       <a:endParaRPr lang="en-US" sz="1200" baseline="0" dirty="0" smtClean="0"/>
-                    </a:p>
-                    <a:p>
-                      <a:pPr marL="0" marR="0" lvl="0" indent="0" algn="l" defTabSz="914400" rtl="0" eaLnBrk="1" fontAlgn="auto" latinLnBrk="0" hangingPunct="1">
-                        <a:lnSpc>
-                          <a:spcPct val="100000"/>
-                        </a:lnSpc>
-                        <a:spcBef>
-                          <a:spcPts val="0"/>
-                        </a:spcBef>
-                        <a:spcAft>
-                          <a:spcPts val="0"/>
-                        </a:spcAft>
-                        <a:buClrTx/>
-                        <a:buSzTx/>
-                        <a:buFontTx/>
-                        <a:buNone/>
-                        <a:tabLst/>
-                        <a:defRPr/>
-                      </a:pPr>
-                      <a:r>
-                        <a:rPr lang="en-US" sz="1200" baseline="0" dirty="0" smtClean="0"/>
-                        <a:t>Submit paper </a:t>
-                      </a:r>
                     </a:p>
                   </a:txBody>
                   <a:tcPr>
@@ -22914,7 +23003,139 @@
                 </a:tc>
                 <a:extLst>
                   <a:ext uri="{0D108BD9-81ED-4DB2-BD59-A6C34878D82A}">
-                    <a16:rowId xmlns:a16="http://schemas.microsoft.com/office/drawing/2014/main" val="1290887962"/>
+                    <a16:rowId xmlns:a16="http://schemas.microsoft.com/office/drawing/2014/main" val="1633267120"/>
+                  </a:ext>
+                </a:extLst>
+              </a:tr>
+              <a:tr h="402178">
+                <a:tc>
+                  <a:txBody>
+                    <a:bodyPr/>
+                    <a:lstStyle/>
+                    <a:p>
+                      <a:r>
+                        <a:rPr lang="en-US" sz="1200" dirty="0" smtClean="0"/>
+                        <a:t>3 Feb</a:t>
+                      </a:r>
+                      <a:endParaRPr lang="en-US" sz="1200" dirty="0"/>
+                    </a:p>
+                  </a:txBody>
+                  <a:tcPr>
+                    <a:lnL w="12700" cmpd="sng">
+                      <a:noFill/>
+                    </a:lnL>
+                    <a:lnR w="12700" cmpd="sng">
+                      <a:noFill/>
+                    </a:lnR>
+                    <a:lnTlToBr w="12700" cmpd="sng">
+                      <a:noFill/>
+                      <a:prstDash val="solid"/>
+                    </a:lnTlToBr>
+                    <a:lnBlToTr w="12700" cmpd="sng">
+                      <a:noFill/>
+                      <a:prstDash val="solid"/>
+                    </a:lnBlToTr>
+                  </a:tcPr>
+                </a:tc>
+                <a:tc>
+                  <a:txBody>
+                    <a:bodyPr/>
+                    <a:lstStyle/>
+                    <a:p>
+                      <a:r>
+                        <a:rPr lang="en-US" sz="1200" baseline="0" dirty="0" smtClean="0"/>
+                        <a:t>Check the journal guidelines completely </a:t>
+                      </a:r>
+                    </a:p>
+                    <a:p>
+                      <a:pPr marL="0" marR="0" lvl="0" indent="0" algn="l" defTabSz="914400" rtl="0" eaLnBrk="1" fontAlgn="auto" latinLnBrk="0" hangingPunct="1">
+                        <a:lnSpc>
+                          <a:spcPct val="100000"/>
+                        </a:lnSpc>
+                        <a:spcBef>
+                          <a:spcPts val="0"/>
+                        </a:spcBef>
+                        <a:spcAft>
+                          <a:spcPts val="0"/>
+                        </a:spcAft>
+                        <a:buClrTx/>
+                        <a:buSzTx/>
+                        <a:buFontTx/>
+                        <a:buNone/>
+                        <a:tabLst/>
+                        <a:defRPr/>
+                      </a:pPr>
+                      <a:r>
+                        <a:rPr lang="en-US" sz="1200" baseline="0" dirty="0" smtClean="0"/>
+                        <a:t>Submit paper </a:t>
+                      </a:r>
+                    </a:p>
+                  </a:txBody>
+                  <a:tcPr>
+                    <a:lnL w="12700" cmpd="sng">
+                      <a:noFill/>
+                    </a:lnL>
+                    <a:lnR w="12700" cmpd="sng">
+                      <a:noFill/>
+                    </a:lnR>
+                    <a:lnTlToBr w="12700" cmpd="sng">
+                      <a:noFill/>
+                      <a:prstDash val="solid"/>
+                    </a:lnTlToBr>
+                    <a:lnBlToTr w="12700" cmpd="sng">
+                      <a:noFill/>
+                      <a:prstDash val="solid"/>
+                    </a:lnBlToTr>
+                    <a:solidFill>
+                      <a:srgbClr val="D5D7CC"/>
+                    </a:solidFill>
+                  </a:tcPr>
+                </a:tc>
+                <a:tc>
+                  <a:txBody>
+                    <a:bodyPr/>
+                    <a:lstStyle/>
+                    <a:p>
+                      <a:pPr marL="0" marR="0" lvl="0" indent="0" algn="l" defTabSz="914400" rtl="0" eaLnBrk="1" fontAlgn="auto" latinLnBrk="0" hangingPunct="1">
+                        <a:lnSpc>
+                          <a:spcPct val="100000"/>
+                        </a:lnSpc>
+                        <a:spcBef>
+                          <a:spcPts val="0"/>
+                        </a:spcBef>
+                        <a:spcAft>
+                          <a:spcPts val="0"/>
+                        </a:spcAft>
+                        <a:buClrTx/>
+                        <a:buSzTx/>
+                        <a:buFontTx/>
+                        <a:buNone/>
+                        <a:tabLst/>
+                        <a:defRPr/>
+                      </a:pPr>
+                      <a:endParaRPr lang="en-US" sz="1200" dirty="0"/>
+                    </a:p>
+                  </a:txBody>
+                  <a:tcPr>
+                    <a:lnL w="12700" cmpd="sng">
+                      <a:noFill/>
+                    </a:lnL>
+                    <a:lnR w="12700" cmpd="sng">
+                      <a:noFill/>
+                    </a:lnR>
+                    <a:lnTlToBr w="12700" cmpd="sng">
+                      <a:noFill/>
+                      <a:prstDash val="solid"/>
+                    </a:lnTlToBr>
+                    <a:lnBlToTr w="12700" cmpd="sng">
+                      <a:noFill/>
+                      <a:prstDash val="solid"/>
+                    </a:lnBlToTr>
+                  </a:tcPr>
+                </a:tc>
+                <a:extLst>
+                  <a:ext uri="{0D108BD9-81ED-4DB2-BD59-A6C34878D82A}">
+                    <a16:rowId xmlns:a16="http://schemas.microsoft.com/office/drawing/2014/main" val="936874606"/>
                   </a:ext>
                 </a:extLst>
               </a:tr>
@@ -23003,7 +23224,7 @@
           <a:p>
             <a:fld id="{FF15E650-2C9B-4E22-B544-79A90AB3DDC1}" type="datetime1">
               <a:rPr lang="de-DE" smtClean="0"/>
-              <a:t>19.01.2023</a:t>
+              <a:t>24.01.2023</a:t>
             </a:fld>
             <a:endParaRPr lang="de-DE"/>
           </a:p>
@@ -23128,7 +23349,7 @@
           <a:p>
             <a:fld id="{FF15E650-2C9B-4E22-B544-79A90AB3DDC1}" type="datetime1">
               <a:rPr lang="de-DE" smtClean="0"/>
-              <a:t>19.01.2023</a:t>
+              <a:t>24.01.2023</a:t>
             </a:fld>
             <a:endParaRPr lang="de-DE"/>
           </a:p>
@@ -23384,7 +23605,7 @@
           <a:p>
             <a:fld id="{FF15E650-2C9B-4E22-B544-79A90AB3DDC1}" type="datetime1">
               <a:rPr lang="de-DE" smtClean="0"/>
-              <a:t>19.01.2023</a:t>
+              <a:t>24.01.2023</a:t>
             </a:fld>
             <a:endParaRPr lang="de-DE"/>
           </a:p>

--- a/paper_SI_discussions/Discussion_paper.pptx
+++ b/paper_SI_discussions/Discussion_paper.pptx
@@ -21718,7 +21718,7 @@
             <p:ph idx="1"/>
             <p:extLst>
               <p:ext uri="{D42A27DB-BD31-4B8C-83A1-F6EECF244321}">
-                <p14:modId xmlns:p14="http://schemas.microsoft.com/office/powerpoint/2010/main" val="3174084599"/>
+                <p14:modId xmlns:p14="http://schemas.microsoft.com/office/powerpoint/2010/main" val="3440396077"/>
               </p:ext>
             </p:extLst>
           </p:nvPr>
@@ -22011,7 +22011,7 @@
                       <a:prstDash val="solid"/>
                     </a:lnBlToTr>
                     <a:solidFill>
-                      <a:srgbClr val="D5D7CC"/>
+                      <a:srgbClr val="92D050"/>
                     </a:solidFill>
                   </a:tcPr>
                 </a:tc>
@@ -22362,11 +22362,7 @@
                       </a:r>
                       <a:r>
                         <a:rPr lang="en-US" sz="1200" baseline="0" dirty="0" smtClean="0"/>
-                        <a:t>Write </a:t>
-                      </a:r>
-                      <a:r>
-                        <a:rPr lang="en-US" sz="1200" baseline="0" dirty="0" smtClean="0"/>
-                        <a:t>Section 5.4 Scenarios</a:t>
+                        <a:t>Write Section 5.4 Scenarios</a:t>
                       </a:r>
                     </a:p>
                   </a:txBody>

--- a/paper_SI_discussions/Discussion_paper.pptx
+++ b/paper_SI_discussions/Discussion_paper.pptx
@@ -7048,7 +7048,7 @@
           <a:p>
             <a:fld id="{BCDB334D-D17F-49C4-91DD-37BB7E818209}" type="datetimeFigureOut">
               <a:rPr lang="de-CH" smtClean="0"/>
-              <a:t>24.01.2023</a:t>
+              <a:t>26.01.2023</a:t>
             </a:fld>
             <a:endParaRPr lang="de-CH"/>
           </a:p>
@@ -7580,7 +7580,7 @@
           <a:p>
             <a:fld id="{3CF37669-2BCF-46DA-B042-E354827809F7}" type="datetime1">
               <a:rPr lang="de-DE" smtClean="0"/>
-              <a:t>24.01.2023</a:t>
+              <a:t>26.01.2023</a:t>
             </a:fld>
             <a:endParaRPr lang="de-DE"/>
           </a:p>
@@ -7809,7 +7809,7 @@
           <a:p>
             <a:fld id="{DD0AF57A-3629-4D20-9CDE-C9CA7A3667AA}" type="datetime1">
               <a:rPr lang="de-DE" smtClean="0"/>
-              <a:t>24.01.2023</a:t>
+              <a:t>26.01.2023</a:t>
             </a:fld>
             <a:endParaRPr lang="de-DE"/>
           </a:p>
@@ -8081,7 +8081,7 @@
           <a:p>
             <a:fld id="{A02690AB-37C5-464E-B999-AEA04CFF82B9}" type="datetime1">
               <a:rPr lang="de-DE" smtClean="0"/>
-              <a:t>24.01.2023</a:t>
+              <a:t>26.01.2023</a:t>
             </a:fld>
             <a:endParaRPr lang="de-DE" dirty="0"/>
           </a:p>
@@ -8390,7 +8390,7 @@
           <a:p>
             <a:fld id="{D6387CFC-9D6A-4A2B-A4A9-D1A02656E42F}" type="datetime1">
               <a:rPr lang="de-DE" smtClean="0"/>
-              <a:t>24.01.2023</a:t>
+              <a:t>26.01.2023</a:t>
             </a:fld>
             <a:endParaRPr lang="de-DE"/>
           </a:p>
@@ -8994,7 +8994,7 @@
           <a:p>
             <a:fld id="{FF15E650-2C9B-4E22-B544-79A90AB3DDC1}" type="datetime1">
               <a:rPr lang="de-DE" smtClean="0"/>
-              <a:t>24.01.2023</a:t>
+              <a:t>26.01.2023</a:t>
             </a:fld>
             <a:endParaRPr lang="de-DE"/>
           </a:p>
@@ -9327,7 +9327,7 @@
           <a:p>
             <a:fld id="{61621C89-5216-48C0-BC08-43A5D37DC60A}" type="datetime1">
               <a:rPr lang="de-DE" smtClean="0"/>
-              <a:t>24.01.2023</a:t>
+              <a:t>26.01.2023</a:t>
             </a:fld>
             <a:endParaRPr lang="de-DE"/>
           </a:p>
@@ -9451,7 +9451,7 @@
           <a:p>
             <a:fld id="{F1FF226D-F83D-4818-9860-D08642397BB7}" type="datetime1">
               <a:rPr lang="de-DE" smtClean="0"/>
-              <a:t>24.01.2023</a:t>
+              <a:t>26.01.2023</a:t>
             </a:fld>
             <a:endParaRPr lang="de-DE"/>
           </a:p>
@@ -9578,7 +9578,7 @@
           <a:p>
             <a:fld id="{A5F31C7A-EA54-4BF4-ACB0-2765243AF525}" type="datetime1">
               <a:rPr lang="de-DE" smtClean="0"/>
-              <a:t>24.01.2023</a:t>
+              <a:t>26.01.2023</a:t>
             </a:fld>
             <a:endParaRPr lang="de-DE"/>
           </a:p>
@@ -9721,7 +9721,7 @@
           <a:p>
             <a:fld id="{EFD419F0-1738-4192-8FF2-BE957FD32662}" type="datetime1">
               <a:rPr lang="de-DE" smtClean="0"/>
-              <a:t>24.01.2023</a:t>
+              <a:t>26.01.2023</a:t>
             </a:fld>
             <a:endParaRPr lang="de-DE"/>
           </a:p>
@@ -10119,7 +10119,7 @@
           <a:p>
             <a:fld id="{D78D58C2-FBCE-4B47-BBAC-2891E9120B14}" type="datetime1">
               <a:rPr lang="de-DE" smtClean="0"/>
-              <a:t>24.01.2023</a:t>
+              <a:t>26.01.2023</a:t>
             </a:fld>
             <a:endParaRPr lang="de-DE" dirty="0"/>
           </a:p>
@@ -10789,7 +10789,7 @@
           <a:p>
             <a:fld id="{3CF37669-2BCF-46DA-B042-E354827809F7}" type="datetime1">
               <a:rPr lang="de-DE" smtClean="0"/>
-              <a:t>24.01.2023</a:t>
+              <a:t>26.01.2023</a:t>
             </a:fld>
             <a:endParaRPr lang="de-DE"/>
           </a:p>
@@ -11037,7 +11037,7 @@
           <a:p>
             <a:fld id="{FF15E650-2C9B-4E22-B544-79A90AB3DDC1}" type="datetime1">
               <a:rPr lang="de-DE" smtClean="0"/>
-              <a:t>24.01.2023</a:t>
+              <a:t>26.01.2023</a:t>
             </a:fld>
             <a:endParaRPr lang="de-DE"/>
           </a:p>
@@ -11169,7 +11169,7 @@
           <a:p>
             <a:fld id="{FF15E650-2C9B-4E22-B544-79A90AB3DDC1}" type="datetime1">
               <a:rPr lang="de-DE" smtClean="0"/>
-              <a:t>24.01.2023</a:t>
+              <a:t>26.01.2023</a:t>
             </a:fld>
             <a:endParaRPr lang="de-DE"/>
           </a:p>
@@ -11351,7 +11351,7 @@
           <a:p>
             <a:fld id="{FF15E650-2C9B-4E22-B544-79A90AB3DDC1}" type="datetime1">
               <a:rPr lang="de-DE" smtClean="0"/>
-              <a:t>24.01.2023</a:t>
+              <a:t>26.01.2023</a:t>
             </a:fld>
             <a:endParaRPr lang="de-DE"/>
           </a:p>
@@ -11549,7 +11549,7 @@
           <a:p>
             <a:fld id="{FF15E650-2C9B-4E22-B544-79A90AB3DDC1}" type="datetime1">
               <a:rPr lang="de-DE" smtClean="0"/>
-              <a:t>24.01.2023</a:t>
+              <a:t>26.01.2023</a:t>
             </a:fld>
             <a:endParaRPr lang="de-DE"/>
           </a:p>
@@ -11698,7 +11698,7 @@
           <a:p>
             <a:fld id="{FF15E650-2C9B-4E22-B544-79A90AB3DDC1}" type="datetime1">
               <a:rPr lang="de-DE" smtClean="0"/>
-              <a:t>24.01.2023</a:t>
+              <a:t>26.01.2023</a:t>
             </a:fld>
             <a:endParaRPr lang="de-DE"/>
           </a:p>
@@ -12115,7 +12115,7 @@
           <a:p>
             <a:fld id="{FF15E650-2C9B-4E22-B544-79A90AB3DDC1}" type="datetime1">
               <a:rPr lang="de-DE" smtClean="0"/>
-              <a:t>24.01.2023</a:t>
+              <a:t>26.01.2023</a:t>
             </a:fld>
             <a:endParaRPr lang="de-DE"/>
           </a:p>
@@ -12313,7 +12313,7 @@
           <a:p>
             <a:fld id="{FF15E650-2C9B-4E22-B544-79A90AB3DDC1}" type="datetime1">
               <a:rPr lang="de-DE" smtClean="0"/>
-              <a:t>24.01.2023</a:t>
+              <a:t>26.01.2023</a:t>
             </a:fld>
             <a:endParaRPr lang="de-DE"/>
           </a:p>
@@ -12463,7 +12463,7 @@
           <a:p>
             <a:fld id="{FF15E650-2C9B-4E22-B544-79A90AB3DDC1}" type="datetime1">
               <a:rPr lang="de-DE" smtClean="0"/>
-              <a:t>24.01.2023</a:t>
+              <a:t>26.01.2023</a:t>
             </a:fld>
             <a:endParaRPr lang="de-DE"/>
           </a:p>
@@ -12663,7 +12663,7 @@
           <a:p>
             <a:fld id="{FF15E650-2C9B-4E22-B544-79A90AB3DDC1}" type="datetime1">
               <a:rPr lang="de-DE" smtClean="0"/>
-              <a:t>24.01.2023</a:t>
+              <a:t>26.01.2023</a:t>
             </a:fld>
             <a:endParaRPr lang="de-DE"/>
           </a:p>
@@ -12837,7 +12837,7 @@
           <a:p>
             <a:fld id="{FF15E650-2C9B-4E22-B544-79A90AB3DDC1}" type="datetime1">
               <a:rPr lang="de-DE" smtClean="0"/>
-              <a:t>24.01.2023</a:t>
+              <a:t>26.01.2023</a:t>
             </a:fld>
             <a:endParaRPr lang="de-DE"/>
           </a:p>
@@ -14238,7 +14238,7 @@
           <a:p>
             <a:fld id="{A02690AB-37C5-464E-B999-AEA04CFF82B9}" type="datetime1">
               <a:rPr lang="de-DE" smtClean="0"/>
-              <a:t>24.01.2023</a:t>
+              <a:t>26.01.2023</a:t>
             </a:fld>
             <a:endParaRPr lang="de-DE" dirty="0"/>
           </a:p>
@@ -14411,7 +14411,7 @@
           <a:p>
             <a:fld id="{FF15E650-2C9B-4E22-B544-79A90AB3DDC1}" type="datetime1">
               <a:rPr lang="de-DE" smtClean="0"/>
-              <a:t>24.01.2023</a:t>
+              <a:t>26.01.2023</a:t>
             </a:fld>
             <a:endParaRPr lang="de-DE"/>
           </a:p>
@@ -14555,7 +14555,7 @@
           <a:p>
             <a:fld id="{FF15E650-2C9B-4E22-B544-79A90AB3DDC1}" type="datetime1">
               <a:rPr lang="de-DE" smtClean="0"/>
-              <a:t>24.01.2023</a:t>
+              <a:t>26.01.2023</a:t>
             </a:fld>
             <a:endParaRPr lang="de-DE"/>
           </a:p>
@@ -14699,7 +14699,7 @@
           <a:p>
             <a:fld id="{FF15E650-2C9B-4E22-B544-79A90AB3DDC1}" type="datetime1">
               <a:rPr lang="de-DE" smtClean="0"/>
-              <a:t>24.01.2023</a:t>
+              <a:t>26.01.2023</a:t>
             </a:fld>
             <a:endParaRPr lang="de-DE"/>
           </a:p>
@@ -14843,7 +14843,7 @@
           <a:p>
             <a:fld id="{FF15E650-2C9B-4E22-B544-79A90AB3DDC1}" type="datetime1">
               <a:rPr lang="de-DE" smtClean="0"/>
-              <a:t>24.01.2023</a:t>
+              <a:t>26.01.2023</a:t>
             </a:fld>
             <a:endParaRPr lang="de-DE"/>
           </a:p>
@@ -14987,7 +14987,7 @@
           <a:p>
             <a:fld id="{FF15E650-2C9B-4E22-B544-79A90AB3DDC1}" type="datetime1">
               <a:rPr lang="de-DE" smtClean="0"/>
-              <a:t>24.01.2023</a:t>
+              <a:t>26.01.2023</a:t>
             </a:fld>
             <a:endParaRPr lang="de-DE"/>
           </a:p>
@@ -15246,7 +15246,7 @@
           <a:p>
             <a:fld id="{FF15E650-2C9B-4E22-B544-79A90AB3DDC1}" type="datetime1">
               <a:rPr lang="de-DE" smtClean="0"/>
-              <a:t>24.01.2023</a:t>
+              <a:t>26.01.2023</a:t>
             </a:fld>
             <a:endParaRPr lang="de-DE"/>
           </a:p>
@@ -15421,7 +15421,7 @@
           <a:p>
             <a:fld id="{FF15E650-2C9B-4E22-B544-79A90AB3DDC1}" type="datetime1">
               <a:rPr lang="de-DE" smtClean="0"/>
-              <a:t>24.01.2023</a:t>
+              <a:t>26.01.2023</a:t>
             </a:fld>
             <a:endParaRPr lang="de-DE"/>
           </a:p>
@@ -15644,7 +15644,7 @@
           <a:p>
             <a:fld id="{FF15E650-2C9B-4E22-B544-79A90AB3DDC1}" type="datetime1">
               <a:rPr lang="de-DE" smtClean="0"/>
-              <a:t>24.01.2023</a:t>
+              <a:t>26.01.2023</a:t>
             </a:fld>
             <a:endParaRPr lang="de-DE"/>
           </a:p>
@@ -15817,7 +15817,7 @@
           <a:p>
             <a:fld id="{FF15E650-2C9B-4E22-B544-79A90AB3DDC1}" type="datetime1">
               <a:rPr lang="de-DE" smtClean="0"/>
-              <a:t>24.01.2023</a:t>
+              <a:t>26.01.2023</a:t>
             </a:fld>
             <a:endParaRPr lang="de-DE"/>
           </a:p>
@@ -15968,7 +15968,7 @@
           <a:p>
             <a:fld id="{FF15E650-2C9B-4E22-B544-79A90AB3DDC1}" type="datetime1">
               <a:rPr lang="de-DE" smtClean="0"/>
-              <a:t>24.01.2023</a:t>
+              <a:t>26.01.2023</a:t>
             </a:fld>
             <a:endParaRPr lang="de-DE"/>
           </a:p>
@@ -17402,7 +17402,7 @@
           <a:p>
             <a:fld id="{FF15E650-2C9B-4E22-B544-79A90AB3DDC1}" type="datetime1">
               <a:rPr lang="de-DE" smtClean="0"/>
-              <a:t>24.01.2023</a:t>
+              <a:t>26.01.2023</a:t>
             </a:fld>
             <a:endParaRPr lang="de-DE"/>
           </a:p>
@@ -17591,7 +17591,7 @@
           <a:p>
             <a:fld id="{FF15E650-2C9B-4E22-B544-79A90AB3DDC1}" type="datetime1">
               <a:rPr lang="de-DE" smtClean="0"/>
-              <a:t>24.01.2023</a:t>
+              <a:t>26.01.2023</a:t>
             </a:fld>
             <a:endParaRPr lang="de-DE"/>
           </a:p>
@@ -17776,7 +17776,7 @@
           <a:p>
             <a:fld id="{FF15E650-2C9B-4E22-B544-79A90AB3DDC1}" type="datetime1">
               <a:rPr lang="de-DE" smtClean="0"/>
-              <a:t>24.01.2023</a:t>
+              <a:t>26.01.2023</a:t>
             </a:fld>
             <a:endParaRPr lang="de-DE"/>
           </a:p>
@@ -18097,7 +18097,7 @@
           <a:p>
             <a:fld id="{FF15E650-2C9B-4E22-B544-79A90AB3DDC1}" type="datetime1">
               <a:rPr lang="de-DE" smtClean="0"/>
-              <a:t>24.01.2023</a:t>
+              <a:t>26.01.2023</a:t>
             </a:fld>
             <a:endParaRPr lang="de-DE"/>
           </a:p>
@@ -18332,7 +18332,7 @@
           <a:p>
             <a:fld id="{FF15E650-2C9B-4E22-B544-79A90AB3DDC1}" type="datetime1">
               <a:rPr lang="de-DE" smtClean="0"/>
-              <a:t>24.01.2023</a:t>
+              <a:t>26.01.2023</a:t>
             </a:fld>
             <a:endParaRPr lang="de-DE"/>
           </a:p>
@@ -18509,7 +18509,7 @@
           <a:p>
             <a:fld id="{FF15E650-2C9B-4E22-B544-79A90AB3DDC1}" type="datetime1">
               <a:rPr lang="de-DE" smtClean="0"/>
-              <a:t>24.01.2023</a:t>
+              <a:t>26.01.2023</a:t>
             </a:fld>
             <a:endParaRPr lang="de-DE"/>
           </a:p>
@@ -18733,7 +18733,7 @@
           <a:p>
             <a:fld id="{FF15E650-2C9B-4E22-B544-79A90AB3DDC1}" type="datetime1">
               <a:rPr lang="de-DE" smtClean="0"/>
-              <a:t>24.01.2023</a:t>
+              <a:t>26.01.2023</a:t>
             </a:fld>
             <a:endParaRPr lang="de-DE"/>
           </a:p>
@@ -18863,7 +18863,7 @@
           <a:p>
             <a:fld id="{FF15E650-2C9B-4E22-B544-79A90AB3DDC1}" type="datetime1">
               <a:rPr lang="de-DE" smtClean="0"/>
-              <a:t>24.01.2023</a:t>
+              <a:t>26.01.2023</a:t>
             </a:fld>
             <a:endParaRPr lang="de-DE"/>
           </a:p>
@@ -18965,7 +18965,7 @@
           <a:p>
             <a:fld id="{FF15E650-2C9B-4E22-B544-79A90AB3DDC1}" type="datetime1">
               <a:rPr lang="de-DE" smtClean="0"/>
-              <a:t>24.01.2023</a:t>
+              <a:t>26.01.2023</a:t>
             </a:fld>
             <a:endParaRPr lang="de-DE"/>
           </a:p>
@@ -19164,7 +19164,7 @@
           <a:p>
             <a:fld id="{FF15E650-2C9B-4E22-B544-79A90AB3DDC1}" type="datetime1">
               <a:rPr lang="de-DE" smtClean="0"/>
-              <a:t>24.01.2023</a:t>
+              <a:t>26.01.2023</a:t>
             </a:fld>
             <a:endParaRPr lang="de-DE"/>
           </a:p>
@@ -19289,7 +19289,7 @@
           <a:p>
             <a:fld id="{FF15E650-2C9B-4E22-B544-79A90AB3DDC1}" type="datetime1">
               <a:rPr lang="de-DE" smtClean="0"/>
-              <a:t>24.01.2023</a:t>
+              <a:t>26.01.2023</a:t>
             </a:fld>
             <a:endParaRPr lang="de-DE"/>
           </a:p>
@@ -20837,7 +20837,7 @@
           <a:p>
             <a:fld id="{FF15E650-2C9B-4E22-B544-79A90AB3DDC1}" type="datetime1">
               <a:rPr lang="de-DE" smtClean="0"/>
-              <a:t>24.01.2023</a:t>
+              <a:t>26.01.2023</a:t>
             </a:fld>
             <a:endParaRPr lang="de-DE"/>
           </a:p>
@@ -21629,7 +21629,7 @@
           <a:p>
             <a:fld id="{FF15E650-2C9B-4E22-B544-79A90AB3DDC1}" type="datetime1">
               <a:rPr lang="de-DE" smtClean="0"/>
-              <a:t>24.01.2023</a:t>
+              <a:t>26.01.2023</a:t>
             </a:fld>
             <a:endParaRPr lang="de-DE"/>
           </a:p>
@@ -21718,14 +21718,14 @@
             <p:ph idx="1"/>
             <p:extLst>
               <p:ext uri="{D42A27DB-BD31-4B8C-83A1-F6EECF244321}">
-                <p14:modId xmlns:p14="http://schemas.microsoft.com/office/powerpoint/2010/main" val="3440396077"/>
+                <p14:modId xmlns:p14="http://schemas.microsoft.com/office/powerpoint/2010/main" val="2240795916"/>
               </p:ext>
             </p:extLst>
           </p:nvPr>
         </p:nvGraphicFramePr>
         <p:xfrm>
           <a:off x="323850" y="1751560"/>
-          <a:ext cx="8496300" cy="4534002"/>
+          <a:ext cx="8496300" cy="4526042"/>
         </p:xfrm>
         <a:graphic>
           <a:graphicData uri="http://schemas.openxmlformats.org/drawingml/2006/table">
@@ -22020,7 +22020,24 @@
                     <a:bodyPr/>
                     <a:lstStyle/>
                     <a:p>
-                      <a:endParaRPr lang="en-US"/>
+                      <a:pPr marL="0" marR="0" lvl="0" indent="0" algn="l" defTabSz="914400" rtl="0" eaLnBrk="1" fontAlgn="auto" latinLnBrk="0" hangingPunct="1">
+                        <a:lnSpc>
+                          <a:spcPct val="100000"/>
+                        </a:lnSpc>
+                        <a:spcBef>
+                          <a:spcPts val="0"/>
+                        </a:spcBef>
+                        <a:spcAft>
+                          <a:spcPts val="0"/>
+                        </a:spcAft>
+                        <a:buClrTx/>
+                        <a:buSzTx/>
+                        <a:buFontTx/>
+                        <a:buNone/>
+                        <a:tabLst/>
+                        <a:defRPr/>
+                      </a:pPr>
+                      <a:endParaRPr lang="en-US" sz="1800" baseline="0" dirty="0" smtClean="0"/>
                     </a:p>
                   </a:txBody>
                   <a:tcPr>
@@ -22082,6 +22099,124 @@
                     <a:lstStyle/>
                     <a:p>
                       <a:r>
+                        <a:rPr lang="en-US" sz="1200" kern="1200" baseline="0" dirty="0" smtClean="0">
+                          <a:solidFill>
+                            <a:schemeClr val="dk1"/>
+                          </a:solidFill>
+                          <a:latin typeface="+mn-lt"/>
+                          <a:ea typeface="+mn-ea"/>
+                          <a:cs typeface="+mn-cs"/>
+                        </a:rPr>
+                        <a:t>Scholarship work</a:t>
+                      </a:r>
+                      <a:endParaRPr lang="en-US" sz="1200" kern="1200" baseline="0" dirty="0">
+                        <a:solidFill>
+                          <a:schemeClr val="dk1"/>
+                        </a:solidFill>
+                        <a:latin typeface="+mn-lt"/>
+                        <a:ea typeface="+mn-ea"/>
+                        <a:cs typeface="+mn-cs"/>
+                      </a:endParaRPr>
+                    </a:p>
+                  </a:txBody>
+                  <a:tcPr>
+                    <a:lnL w="12700" cmpd="sng">
+                      <a:noFill/>
+                    </a:lnL>
+                    <a:lnR w="12700" cmpd="sng">
+                      <a:noFill/>
+                    </a:lnR>
+                    <a:lnTlToBr w="12700" cmpd="sng">
+                      <a:noFill/>
+                      <a:prstDash val="solid"/>
+                    </a:lnTlToBr>
+                    <a:lnBlToTr w="12700" cmpd="sng">
+                      <a:noFill/>
+                      <a:prstDash val="solid"/>
+                    </a:lnBlToTr>
+                    <a:solidFill>
+                      <a:srgbClr val="92D050"/>
+                    </a:solidFill>
+                  </a:tcPr>
+                </a:tc>
+                <a:tc>
+                  <a:txBody>
+                    <a:bodyPr/>
+                    <a:lstStyle/>
+                    <a:p>
+                      <a:endParaRPr lang="en-US"/>
+                    </a:p>
+                  </a:txBody>
+                  <a:tcPr>
+                    <a:lnL w="12700" cmpd="sng">
+                      <a:noFill/>
+                    </a:lnL>
+                    <a:lnR w="12700" cmpd="sng">
+                      <a:noFill/>
+                    </a:lnR>
+                    <a:lnTlToBr w="12700" cmpd="sng">
+                      <a:noFill/>
+                      <a:prstDash val="solid"/>
+                    </a:lnTlToBr>
+                    <a:lnBlToTr w="12700" cmpd="sng">
+                      <a:noFill/>
+                      <a:prstDash val="solid"/>
+                    </a:lnBlToTr>
+                  </a:tcPr>
+                </a:tc>
+                <a:extLst>
+                  <a:ext uri="{0D108BD9-81ED-4DB2-BD59-A6C34878D82A}">
+                    <a16:rowId xmlns:a16="http://schemas.microsoft.com/office/drawing/2014/main" val="4172895102"/>
+                  </a:ext>
+                </a:extLst>
+              </a:tr>
+              <a:tr h="394218">
+                <a:tc>
+                  <a:txBody>
+                    <a:bodyPr/>
+                    <a:lstStyle/>
+                    <a:p>
+                      <a:r>
+                        <a:rPr lang="en-US" sz="1200" dirty="0" smtClean="0"/>
+                        <a:t>26</a:t>
+                      </a:r>
+                      <a:r>
+                        <a:rPr lang="en-US" sz="1200" baseline="0" dirty="0" smtClean="0"/>
+                        <a:t> Jan</a:t>
+                      </a:r>
+                      <a:endParaRPr lang="en-US" sz="1200" dirty="0"/>
+                    </a:p>
+                  </a:txBody>
+                  <a:tcPr>
+                    <a:lnL w="12700" cmpd="sng">
+                      <a:noFill/>
+                    </a:lnL>
+                    <a:lnR w="12700" cmpd="sng">
+                      <a:noFill/>
+                    </a:lnR>
+                    <a:lnB w="12700" cap="flat" cmpd="sng" algn="ctr">
+                      <a:noFill/>
+                      <a:prstDash val="solid"/>
+                      <a:round/>
+                      <a:headEnd type="none" w="med" len="med"/>
+                      <a:tailEnd type="none" w="med" len="med"/>
+                    </a:lnB>
+                    <a:lnTlToBr w="12700" cmpd="sng">
+                      <a:noFill/>
+                      <a:prstDash val="solid"/>
+                    </a:lnTlToBr>
+                    <a:lnBlToTr w="12700" cmpd="sng">
+                      <a:noFill/>
+                      <a:prstDash val="solid"/>
+                    </a:lnBlToTr>
+                  </a:tcPr>
+                </a:tc>
+                <a:tc>
+                  <a:txBody>
+                    <a:bodyPr/>
+                    <a:lstStyle/>
+                    <a:p>
+                      <a:r>
                         <a:rPr lang="en-US" sz="1200" baseline="0" dirty="0" smtClean="0"/>
                         <a:t>Write Section 5.1. U Values, 5.2. Space heating</a:t>
                       </a:r>
@@ -22094,6 +22229,172 @@
                     <a:lnR w="12700" cmpd="sng">
                       <a:noFill/>
                     </a:lnR>
+                    <a:lnB w="12700" cap="flat" cmpd="sng" algn="ctr">
+                      <a:noFill/>
+                      <a:prstDash val="solid"/>
+                      <a:round/>
+                      <a:headEnd type="none" w="med" len="med"/>
+                      <a:tailEnd type="none" w="med" len="med"/>
+                    </a:lnB>
+                    <a:lnTlToBr w="12700" cmpd="sng">
+                      <a:noFill/>
+                      <a:prstDash val="solid"/>
+                    </a:lnTlToBr>
+                    <a:lnBlToTr w="12700" cmpd="sng">
+                      <a:noFill/>
+                      <a:prstDash val="solid"/>
+                    </a:lnBlToTr>
+                    <a:solidFill>
+                      <a:srgbClr val="D5D7CC"/>
+                    </a:solidFill>
+                  </a:tcPr>
+                </a:tc>
+                <a:tc>
+                  <a:txBody>
+                    <a:bodyPr/>
+                    <a:lstStyle/>
+                    <a:p>
+                      <a:pPr marL="0" marR="0" lvl="0" indent="0" algn="l" defTabSz="914400" rtl="0" eaLnBrk="1" fontAlgn="auto" latinLnBrk="0" hangingPunct="1">
+                        <a:lnSpc>
+                          <a:spcPct val="100000"/>
+                        </a:lnSpc>
+                        <a:spcBef>
+                          <a:spcPts val="0"/>
+                        </a:spcBef>
+                        <a:spcAft>
+                          <a:spcPts val="0"/>
+                        </a:spcAft>
+                        <a:buClrTx/>
+                        <a:buSzTx/>
+                        <a:buFontTx/>
+                        <a:buNone/>
+                        <a:tabLst/>
+                        <a:defRPr/>
+                      </a:pPr>
+                      <a:r>
+                        <a:rPr lang="en-US" sz="1200" dirty="0" smtClean="0"/>
+                        <a:t>Review  sections 5.1-5.2</a:t>
+                      </a:r>
+                    </a:p>
+                  </a:txBody>
+                  <a:tcPr>
+                    <a:lnL w="12700" cmpd="sng">
+                      <a:noFill/>
+                    </a:lnL>
+                    <a:lnR w="12700" cmpd="sng">
+                      <a:noFill/>
+                    </a:lnR>
+                    <a:lnB w="12700" cap="flat" cmpd="sng" algn="ctr">
+                      <a:noFill/>
+                      <a:prstDash val="solid"/>
+                      <a:round/>
+                      <a:headEnd type="none" w="med" len="med"/>
+                      <a:tailEnd type="none" w="med" len="med"/>
+                    </a:lnB>
+                    <a:lnTlToBr w="12700" cmpd="sng">
+                      <a:noFill/>
+                      <a:prstDash val="solid"/>
+                    </a:lnTlToBr>
+                    <a:lnBlToTr w="12700" cmpd="sng">
+                      <a:noFill/>
+                      <a:prstDash val="solid"/>
+                    </a:lnBlToTr>
+                  </a:tcPr>
+                </a:tc>
+                <a:extLst>
+                  <a:ext uri="{0D108BD9-81ED-4DB2-BD59-A6C34878D82A}">
+                    <a16:rowId xmlns:a16="http://schemas.microsoft.com/office/drawing/2014/main" val="3670418372"/>
+                  </a:ext>
+                </a:extLst>
+              </a:tr>
+              <a:tr h="402178">
+                <a:tc>
+                  <a:txBody>
+                    <a:bodyPr/>
+                    <a:lstStyle/>
+                    <a:p>
+                      <a:r>
+                        <a:rPr lang="en-US" sz="1200" dirty="0" smtClean="0"/>
+                        <a:t>27</a:t>
+                      </a:r>
+                      <a:r>
+                        <a:rPr lang="en-US" sz="1200" baseline="0" dirty="0" smtClean="0"/>
+                        <a:t> Jan</a:t>
+                      </a:r>
+                      <a:endParaRPr lang="en-US" sz="1200" dirty="0"/>
+                    </a:p>
+                  </a:txBody>
+                  <a:tcPr>
+                    <a:lnL w="12700" cmpd="sng">
+                      <a:noFill/>
+                    </a:lnL>
+                    <a:lnR w="12700" cmpd="sng">
+                      <a:noFill/>
+                    </a:lnR>
+                    <a:lnT w="12700" cap="flat" cmpd="sng" algn="ctr">
+                      <a:noFill/>
+                      <a:prstDash val="solid"/>
+                      <a:round/>
+                      <a:headEnd type="none" w="med" len="med"/>
+                      <a:tailEnd type="none" w="med" len="med"/>
+                    </a:lnT>
+                    <a:lnB w="12700" cmpd="sng">
+                      <a:noFill/>
+                    </a:lnB>
+                    <a:lnTlToBr w="12700" cmpd="sng">
+                      <a:noFill/>
+                      <a:prstDash val="solid"/>
+                    </a:lnTlToBr>
+                    <a:lnBlToTr w="12700" cmpd="sng">
+                      <a:noFill/>
+                      <a:prstDash val="solid"/>
+                    </a:lnBlToTr>
+                  </a:tcPr>
+                </a:tc>
+                <a:tc>
+                  <a:txBody>
+                    <a:bodyPr/>
+                    <a:lstStyle/>
+                    <a:p>
+                      <a:r>
+                        <a:rPr lang="en-US" sz="1200" baseline="0" dirty="0" smtClean="0"/>
+                        <a:t>Write Section 5.3. LCA </a:t>
+                      </a:r>
+                      <a:r>
+                        <a:rPr lang="en-US" sz="1200" kern="1200" baseline="0" dirty="0" smtClean="0">
+                          <a:solidFill>
+                            <a:schemeClr val="dk1"/>
+                          </a:solidFill>
+                          <a:latin typeface="+mn-lt"/>
+                          <a:ea typeface="+mn-ea"/>
+                          <a:cs typeface="+mn-cs"/>
+                        </a:rPr>
+                        <a:t>+ </a:t>
+                      </a:r>
+                      <a:r>
+                        <a:rPr lang="en-US" sz="1200" baseline="0" dirty="0" smtClean="0"/>
+                        <a:t>Write Section 5.4 Scenarios</a:t>
+                      </a:r>
+                      <a:endParaRPr lang="en-US" sz="1200" baseline="0" dirty="0" smtClean="0"/>
+                    </a:p>
+                  </a:txBody>
+                  <a:tcPr>
+                    <a:lnL w="12700" cmpd="sng">
+                      <a:noFill/>
+                    </a:lnL>
+                    <a:lnR w="12700" cmpd="sng">
+                      <a:noFill/>
+                    </a:lnR>
+                    <a:lnT w="12700" cap="flat" cmpd="sng" algn="ctr">
+                      <a:noFill/>
+                      <a:prstDash val="solid"/>
+                      <a:round/>
+                      <a:headEnd type="none" w="med" len="med"/>
+                      <a:tailEnd type="none" w="med" len="med"/>
+                    </a:lnT>
+                    <a:lnB w="12700" cmpd="sng">
+                      <a:noFill/>
+                    </a:lnB>
                     <a:lnTlToBr w="12700" cmpd="sng">
                       <a:noFill/>
                       <a:prstDash val="solid"/>
@@ -22131,8 +22432,9 @@
                       </a:pPr>
                       <a:r>
                         <a:rPr lang="en-US" sz="1200" dirty="0" smtClean="0"/>
-                        <a:t>Review  sections 5.1-5.3 </a:t>
+                        <a:t>Review  section 5.3-5.4</a:t>
                       </a:r>
+                      <a:endParaRPr lang="en-US" sz="1200" dirty="0"/>
                     </a:p>
                   </a:txBody>
                   <a:tcPr>
@@ -22142,6 +22444,16 @@
                     <a:lnR w="12700" cmpd="sng">
                       <a:noFill/>
                     </a:lnR>
+                    <a:lnT w="12700" cap="flat" cmpd="sng" algn="ctr">
+                      <a:noFill/>
+                      <a:prstDash val="solid"/>
+                      <a:round/>
+                      <a:headEnd type="none" w="med" len="med"/>
+                      <a:tailEnd type="none" w="med" len="med"/>
+                    </a:lnT>
+                    <a:lnB w="12700" cmpd="sng">
+                      <a:noFill/>
+                    </a:lnB>
                     <a:lnTlToBr w="12700" cmpd="sng">
                       <a:noFill/>
                       <a:prstDash val="solid"/>
@@ -22154,7 +22466,7 @@
                 </a:tc>
                 <a:extLst>
                   <a:ext uri="{0D108BD9-81ED-4DB2-BD59-A6C34878D82A}">
-                    <a16:rowId xmlns:a16="http://schemas.microsoft.com/office/drawing/2014/main" val="4172895102"/>
+                    <a16:rowId xmlns:a16="http://schemas.microsoft.com/office/drawing/2014/main" val="3414113026"/>
                   </a:ext>
                 </a:extLst>
               </a:tr>
@@ -22166,11 +22478,7 @@
                     <a:p>
                       <a:r>
                         <a:rPr lang="en-US" sz="1200" dirty="0" smtClean="0"/>
-                        <a:t>26</a:t>
-                      </a:r>
-                      <a:r>
-                        <a:rPr lang="en-US" sz="1200" baseline="0" dirty="0" smtClean="0"/>
-                        <a:t> Jan</a:t>
+                        <a:t>28-29 Jan</a:t>
                       </a:r>
                       <a:endParaRPr lang="en-US" sz="1200" dirty="0"/>
                     </a:p>
@@ -22182,8 +22490,13 @@
                     <a:lnR w="12700" cmpd="sng">
                       <a:noFill/>
                     </a:lnR>
+                    <a:lnT w="12700" cmpd="sng">
+                      <a:noFill/>
+                    </a:lnT>
                     <a:lnB w="12700" cap="flat" cmpd="sng" algn="ctr">
-                      <a:noFill/>
+                      <a:solidFill>
+                        <a:schemeClr val="tx1"/>
+                      </a:solidFill>
                       <a:prstDash val="solid"/>
                       <a:round/>
                       <a:headEnd type="none" w="med" len="med"/>
@@ -22197,44 +22510,6 @@
                       <a:noFill/>
                       <a:prstDash val="solid"/>
                     </a:lnBlToTr>
-                  </a:tcPr>
-                </a:tc>
-                <a:tc>
-                  <a:txBody>
-                    <a:bodyPr/>
-                    <a:lstStyle/>
-                    <a:p>
-                      <a:r>
-                        <a:rPr lang="en-US" sz="1200" baseline="0" dirty="0" smtClean="0"/>
-                        <a:t>Write Section 5.3. LCA </a:t>
-                      </a:r>
-                    </a:p>
-                  </a:txBody>
-                  <a:tcPr>
-                    <a:lnL w="12700" cmpd="sng">
-                      <a:noFill/>
-                    </a:lnL>
-                    <a:lnR w="12700" cmpd="sng">
-                      <a:noFill/>
-                    </a:lnR>
-                    <a:lnB w="12700" cap="flat" cmpd="sng" algn="ctr">
-                      <a:noFill/>
-                      <a:prstDash val="solid"/>
-                      <a:round/>
-                      <a:headEnd type="none" w="med" len="med"/>
-                      <a:tailEnd type="none" w="med" len="med"/>
-                    </a:lnB>
-                    <a:lnTlToBr w="12700" cmpd="sng">
-                      <a:noFill/>
-                      <a:prstDash val="solid"/>
-                    </a:lnTlToBr>
-                    <a:lnBlToTr w="12700" cmpd="sng">
-                      <a:noFill/>
-                      <a:prstDash val="solid"/>
-                    </a:lnBlToTr>
-                    <a:solidFill>
-                      <a:srgbClr val="D5D7CC"/>
-                    </a:solidFill>
                   </a:tcPr>
                 </a:tc>
                 <a:tc>
@@ -22260,14 +22535,9 @@
                         <a:defRPr/>
                       </a:pPr>
                       <a:r>
-                        <a:rPr lang="en-US" sz="1200" dirty="0" smtClean="0"/>
-                        <a:t>Review  section 5.4</a:t>
+                        <a:rPr lang="en-US" sz="1200" baseline="0" dirty="0" smtClean="0"/>
+                        <a:t>Discussion writing </a:t>
                       </a:r>
-                      <a:r>
-                        <a:rPr lang="en-US" sz="1200" baseline="0" dirty="0" smtClean="0"/>
-                        <a:t> + Discussion pointers </a:t>
-                      </a:r>
-                      <a:endParaRPr lang="en-US" sz="1200" dirty="0"/>
                     </a:p>
                   </a:txBody>
                   <a:tcPr>
@@ -22277,8 +22547,13 @@
                     <a:lnR w="12700" cmpd="sng">
                       <a:noFill/>
                     </a:lnR>
+                    <a:lnT w="12700" cmpd="sng">
+                      <a:noFill/>
+                    </a:lnT>
                     <a:lnB w="12700" cap="flat" cmpd="sng" algn="ctr">
-                      <a:noFill/>
+                      <a:solidFill>
+                        <a:schemeClr val="tx1"/>
+                      </a:solidFill>
                       <a:prstDash val="solid"/>
                       <a:round/>
                       <a:headEnd type="none" w="med" len="med"/>
@@ -22292,107 +22567,8 @@
                       <a:noFill/>
                       <a:prstDash val="solid"/>
                     </a:lnBlToTr>
-                  </a:tcPr>
-                </a:tc>
-                <a:extLst>
-                  <a:ext uri="{0D108BD9-81ED-4DB2-BD59-A6C34878D82A}">
-                    <a16:rowId xmlns:a16="http://schemas.microsoft.com/office/drawing/2014/main" val="3670418372"/>
-                  </a:ext>
-                </a:extLst>
-              </a:tr>
-              <a:tr h="402178">
-                <a:tc>
-                  <a:txBody>
-                    <a:bodyPr/>
-                    <a:lstStyle/>
-                    <a:p>
-                      <a:r>
-                        <a:rPr lang="en-US" sz="1200" dirty="0" smtClean="0"/>
-                        <a:t>27</a:t>
-                      </a:r>
-                      <a:r>
-                        <a:rPr lang="en-US" sz="1200" baseline="0" dirty="0" smtClean="0"/>
-                        <a:t> Jan</a:t>
-                      </a:r>
-                      <a:endParaRPr lang="en-US" sz="1200" dirty="0"/>
-                    </a:p>
-                  </a:txBody>
-                  <a:tcPr>
-                    <a:lnL w="12700" cmpd="sng">
-                      <a:noFill/>
-                    </a:lnL>
-                    <a:lnR w="12700" cmpd="sng">
-                      <a:noFill/>
-                    </a:lnR>
-                    <a:lnT w="12700" cap="flat" cmpd="sng" algn="ctr">
-                      <a:noFill/>
-                      <a:prstDash val="solid"/>
-                      <a:round/>
-                      <a:headEnd type="none" w="med" len="med"/>
-                      <a:tailEnd type="none" w="med" len="med"/>
-                    </a:lnT>
-                    <a:lnB w="12700" cmpd="sng">
-                      <a:noFill/>
-                    </a:lnB>
-                    <a:lnTlToBr w="12700" cmpd="sng">
-                      <a:noFill/>
-                      <a:prstDash val="solid"/>
-                    </a:lnTlToBr>
-                    <a:lnBlToTr w="12700" cmpd="sng">
-                      <a:noFill/>
-                      <a:prstDash val="solid"/>
-                    </a:lnBlToTr>
-                  </a:tcPr>
-                </a:tc>
-                <a:tc>
-                  <a:txBody>
-                    <a:bodyPr/>
-                    <a:lstStyle/>
-                    <a:p>
-                      <a:r>
-                        <a:rPr lang="en-US" sz="1200" kern="1200" baseline="0" dirty="0" smtClean="0">
-                          <a:solidFill>
-                            <a:schemeClr val="dk1"/>
-                          </a:solidFill>
-                          <a:latin typeface="+mn-lt"/>
-                          <a:ea typeface="+mn-ea"/>
-                          <a:cs typeface="+mn-cs"/>
-                        </a:rPr>
-                        <a:t>Scenarios results + </a:t>
-                      </a:r>
-                      <a:r>
-                        <a:rPr lang="en-US" sz="1200" baseline="0" dirty="0" smtClean="0"/>
-                        <a:t>Write Section 5.4 Scenarios</a:t>
-                      </a:r>
-                    </a:p>
-                  </a:txBody>
-                  <a:tcPr>
-                    <a:lnL w="12700" cmpd="sng">
-                      <a:noFill/>
-                    </a:lnL>
-                    <a:lnR w="12700" cmpd="sng">
-                      <a:noFill/>
-                    </a:lnR>
-                    <a:lnT w="12700" cap="flat" cmpd="sng" algn="ctr">
-                      <a:noFill/>
-                      <a:prstDash val="solid"/>
-                      <a:round/>
-                      <a:headEnd type="none" w="med" len="med"/>
-                      <a:tailEnd type="none" w="med" len="med"/>
-                    </a:lnT>
-                    <a:lnB w="12700" cmpd="sng">
-                      <a:noFill/>
-                    </a:lnB>
-                    <a:lnTlToBr w="12700" cmpd="sng">
-                      <a:noFill/>
-                      <a:prstDash val="solid"/>
-                    </a:lnTlToBr>
-                    <a:lnBlToTr w="12700" cmpd="sng">
-                      <a:noFill/>
-                      <a:prstDash val="solid"/>
-                    </a:lnBlToTr>
                     <a:solidFill>
-                      <a:srgbClr val="EBECE7"/>
+                      <a:srgbClr val="D5D7CC"/>
                     </a:solidFill>
                   </a:tcPr>
                 </a:tc>
@@ -22430,149 +22606,6 @@
                         <a:rPr lang="en-US" sz="1200" dirty="0" smtClean="0"/>
                         <a:t>Send draft Steffi</a:t>
                       </a:r>
-                      <a:endParaRPr lang="en-US" sz="1200" dirty="0"/>
-                    </a:p>
-                  </a:txBody>
-                  <a:tcPr>
-                    <a:lnL w="12700" cmpd="sng">
-                      <a:noFill/>
-                    </a:lnL>
-                    <a:lnR w="12700" cmpd="sng">
-                      <a:noFill/>
-                    </a:lnR>
-                    <a:lnT w="12700" cap="flat" cmpd="sng" algn="ctr">
-                      <a:noFill/>
-                      <a:prstDash val="solid"/>
-                      <a:round/>
-                      <a:headEnd type="none" w="med" len="med"/>
-                      <a:tailEnd type="none" w="med" len="med"/>
-                    </a:lnT>
-                    <a:lnB w="12700" cmpd="sng">
-                      <a:noFill/>
-                    </a:lnB>
-                    <a:lnTlToBr w="12700" cmpd="sng">
-                      <a:noFill/>
-                      <a:prstDash val="solid"/>
-                    </a:lnTlToBr>
-                    <a:lnBlToTr w="12700" cmpd="sng">
-                      <a:noFill/>
-                      <a:prstDash val="solid"/>
-                    </a:lnBlToTr>
-                  </a:tcPr>
-                </a:tc>
-                <a:extLst>
-                  <a:ext uri="{0D108BD9-81ED-4DB2-BD59-A6C34878D82A}">
-                    <a16:rowId xmlns:a16="http://schemas.microsoft.com/office/drawing/2014/main" val="3414113026"/>
-                  </a:ext>
-                </a:extLst>
-              </a:tr>
-              <a:tr h="402178">
-                <a:tc>
-                  <a:txBody>
-                    <a:bodyPr/>
-                    <a:lstStyle/>
-                    <a:p>
-                      <a:r>
-                        <a:rPr lang="en-US" sz="1200" dirty="0" smtClean="0"/>
-                        <a:t>28-29 Jan</a:t>
-                      </a:r>
-                      <a:endParaRPr lang="en-US" sz="1200" dirty="0"/>
-                    </a:p>
-                  </a:txBody>
-                  <a:tcPr>
-                    <a:lnL w="12700" cmpd="sng">
-                      <a:noFill/>
-                    </a:lnL>
-                    <a:lnR w="12700" cmpd="sng">
-                      <a:noFill/>
-                    </a:lnR>
-                    <a:lnT w="12700" cmpd="sng">
-                      <a:noFill/>
-                    </a:lnT>
-                    <a:lnB w="12700" cap="flat" cmpd="sng" algn="ctr">
-                      <a:solidFill>
-                        <a:schemeClr val="tx1"/>
-                      </a:solidFill>
-                      <a:prstDash val="solid"/>
-                      <a:round/>
-                      <a:headEnd type="none" w="med" len="med"/>
-                      <a:tailEnd type="none" w="med" len="med"/>
-                    </a:lnB>
-                    <a:lnTlToBr w="12700" cmpd="sng">
-                      <a:noFill/>
-                      <a:prstDash val="solid"/>
-                    </a:lnTlToBr>
-                    <a:lnBlToTr w="12700" cmpd="sng">
-                      <a:noFill/>
-                      <a:prstDash val="solid"/>
-                    </a:lnBlToTr>
-                  </a:tcPr>
-                </a:tc>
-                <a:tc>
-                  <a:txBody>
-                    <a:bodyPr/>
-                    <a:lstStyle/>
-                    <a:p>
-                      <a:r>
-                        <a:rPr lang="en-US" sz="1200" baseline="0" dirty="0" smtClean="0"/>
-                        <a:t>Discussion points / writing </a:t>
-                      </a:r>
-                    </a:p>
-                  </a:txBody>
-                  <a:tcPr>
-                    <a:lnL w="12700" cmpd="sng">
-                      <a:noFill/>
-                    </a:lnL>
-                    <a:lnR w="12700" cmpd="sng">
-                      <a:noFill/>
-                    </a:lnR>
-                    <a:lnT w="12700" cmpd="sng">
-                      <a:noFill/>
-                    </a:lnT>
-                    <a:lnB w="12700" cap="flat" cmpd="sng" algn="ctr">
-                      <a:solidFill>
-                        <a:schemeClr val="tx1"/>
-                      </a:solidFill>
-                      <a:prstDash val="solid"/>
-                      <a:round/>
-                      <a:headEnd type="none" w="med" len="med"/>
-                      <a:tailEnd type="none" w="med" len="med"/>
-                    </a:lnB>
-                    <a:lnTlToBr w="12700" cmpd="sng">
-                      <a:noFill/>
-                      <a:prstDash val="solid"/>
-                    </a:lnTlToBr>
-                    <a:lnBlToTr w="12700" cmpd="sng">
-                      <a:noFill/>
-                      <a:prstDash val="solid"/>
-                    </a:lnBlToTr>
-                    <a:solidFill>
-                      <a:srgbClr val="D5D7CC"/>
-                    </a:solidFill>
-                  </a:tcPr>
-                </a:tc>
-                <a:tc>
-                  <a:txBody>
-                    <a:bodyPr/>
-                    <a:lstStyle/>
-                    <a:p>
-                      <a:pPr marL="0" marR="0" lvl="0" indent="0" algn="l" defTabSz="914400" rtl="0" eaLnBrk="1" fontAlgn="auto" latinLnBrk="0" hangingPunct="1">
-                        <a:lnSpc>
-                          <a:spcPct val="100000"/>
-                        </a:lnSpc>
-                        <a:spcBef>
-                          <a:spcPts val="0"/>
-                        </a:spcBef>
-                        <a:spcAft>
-                          <a:spcPts val="0"/>
-                        </a:spcAft>
-                        <a:buClrTx/>
-                        <a:buSzTx/>
-                        <a:buFontTx/>
-                        <a:buNone/>
-                        <a:tabLst/>
-                        <a:defRPr/>
-                      </a:pPr>
                       <a:endParaRPr lang="en-US" sz="1200" dirty="0"/>
                     </a:p>
                   </a:txBody>
@@ -23220,7 +23253,7 @@
           <a:p>
             <a:fld id="{FF15E650-2C9B-4E22-B544-79A90AB3DDC1}" type="datetime1">
               <a:rPr lang="de-DE" smtClean="0"/>
-              <a:t>24.01.2023</a:t>
+              <a:t>26.01.2023</a:t>
             </a:fld>
             <a:endParaRPr lang="de-DE"/>
           </a:p>
@@ -23345,7 +23378,7 @@
           <a:p>
             <a:fld id="{FF15E650-2C9B-4E22-B544-79A90AB3DDC1}" type="datetime1">
               <a:rPr lang="de-DE" smtClean="0"/>
-              <a:t>24.01.2023</a:t>
+              <a:t>26.01.2023</a:t>
             </a:fld>
             <a:endParaRPr lang="de-DE"/>
           </a:p>
@@ -23601,7 +23634,7 @@
           <a:p>
             <a:fld id="{FF15E650-2C9B-4E22-B544-79A90AB3DDC1}" type="datetime1">
               <a:rPr lang="de-DE" smtClean="0"/>
-              <a:t>24.01.2023</a:t>
+              <a:t>26.01.2023</a:t>
             </a:fld>
             <a:endParaRPr lang="de-DE"/>
           </a:p>
